--- a/20160712 - 金融科技白皮書(部會).pptx
+++ b/20160712 - 金融科技白皮書(部會).pptx
@@ -5,7 +5,7 @@
     <p:sldMasterId id="2147483648" r:id="rId1"/>
   </p:sldMasterIdLst>
   <p:notesMasterIdLst>
-    <p:notesMasterId r:id="rId35"/>
+    <p:notesMasterId r:id="rId44"/>
   </p:notesMasterIdLst>
   <p:sldIdLst>
     <p:sldId id="256" r:id="rId2"/>
@@ -15,13 +15,13 @@
     <p:sldId id="258" r:id="rId6"/>
     <p:sldId id="261" r:id="rId7"/>
     <p:sldId id="262" r:id="rId8"/>
-    <p:sldId id="269" r:id="rId9"/>
-    <p:sldId id="263" r:id="rId10"/>
-    <p:sldId id="264" r:id="rId11"/>
+    <p:sldId id="298" r:id="rId9"/>
+    <p:sldId id="299" r:id="rId10"/>
+    <p:sldId id="263" r:id="rId11"/>
     <p:sldId id="265" r:id="rId12"/>
     <p:sldId id="266" r:id="rId13"/>
     <p:sldId id="267" r:id="rId14"/>
-    <p:sldId id="268" r:id="rId15"/>
+    <p:sldId id="300" r:id="rId15"/>
     <p:sldId id="270" r:id="rId16"/>
     <p:sldId id="271" r:id="rId17"/>
     <p:sldId id="272" r:id="rId18"/>
@@ -41,6 +41,15 @@
     <p:sldId id="286" r:id="rId32"/>
     <p:sldId id="287" r:id="rId33"/>
     <p:sldId id="288" r:id="rId34"/>
+    <p:sldId id="289" r:id="rId35"/>
+    <p:sldId id="290" r:id="rId36"/>
+    <p:sldId id="291" r:id="rId37"/>
+    <p:sldId id="292" r:id="rId38"/>
+    <p:sldId id="293" r:id="rId39"/>
+    <p:sldId id="294" r:id="rId40"/>
+    <p:sldId id="295" r:id="rId41"/>
+    <p:sldId id="296" r:id="rId42"/>
+    <p:sldId id="297" r:id="rId43"/>
   </p:sldIdLst>
   <p:sldSz cx="9144000" cy="6858000" type="screen4x3"/>
   <p:notesSz cx="6858000" cy="9144000"/>
@@ -224,7 +233,7 @@
           <a:p>
             <a:fld id="{2B6DE94A-9E33-4646-930A-E4A2DE7B8D1D}" type="datetimeFigureOut">
               <a:rPr lang="zh-TW" altLang="en-US" smtClean="0"/>
-              <a:t>2016/7/1</a:t>
+              <a:t>2016/7/11</a:t>
             </a:fld>
             <a:endParaRPr lang="zh-TW" altLang="en-US"/>
           </a:p>
@@ -580,7 +589,7 @@
           <a:p>
             <a:fld id="{4B914648-D764-4194-9D92-C3D3DB1D6B77}" type="datetime1">
               <a:rPr lang="zh-TW" altLang="en-US" smtClean="0"/>
-              <a:t>2016/7/1</a:t>
+              <a:t>2016/7/11</a:t>
             </a:fld>
             <a:endParaRPr lang="zh-TW" altLang="en-US"/>
           </a:p>
@@ -757,7 +766,7 @@
           <a:p>
             <a:fld id="{F5EB54BD-0855-4C71-B321-D9B65086D443}" type="datetime1">
               <a:rPr lang="zh-TW" altLang="en-US" smtClean="0"/>
-              <a:t>2016/7/1</a:t>
+              <a:t>2016/7/11</a:t>
             </a:fld>
             <a:endParaRPr lang="zh-TW" altLang="en-US"/>
           </a:p>
@@ -916,7 +925,7 @@
           <a:p>
             <a:fld id="{056CE683-F052-474F-A26F-5FC0FC3D40A1}" type="datetime1">
               <a:rPr lang="zh-TW" altLang="en-US" smtClean="0"/>
-              <a:t>2016/7/1</a:t>
+              <a:t>2016/7/11</a:t>
             </a:fld>
             <a:endParaRPr lang="zh-TW" altLang="en-US"/>
           </a:p>
@@ -1041,7 +1050,7 @@
           <a:p>
             <a:fld id="{3E126CAF-FBB1-47BB-86FD-F9B759A3D0CD}" type="datetime1">
               <a:rPr lang="zh-TW" altLang="en-US" smtClean="0"/>
-              <a:t>2016/7/1</a:t>
+              <a:t>2016/7/11</a:t>
             </a:fld>
             <a:endParaRPr lang="zh-TW" altLang="en-US"/>
           </a:p>
@@ -1143,7 +1152,7 @@
           <a:p>
             <a:fld id="{0891C328-7E29-438A-8065-EFD95D28417B}" type="datetime1">
               <a:rPr lang="zh-TW" altLang="en-US" smtClean="0"/>
-              <a:t>2016/7/1</a:t>
+              <a:t>2016/7/11</a:t>
             </a:fld>
             <a:endParaRPr lang="zh-TW" altLang="en-US"/>
           </a:p>
@@ -1278,7 +1287,7 @@
             <a:fld id="{E0DBF2A0-D569-4754-A181-EB6AFB346A11}" type="datetime1">
               <a:rPr lang="zh-TW" altLang="en-US" smtClean="0"/>
               <a:pPr/>
-              <a:t>2016/7/4</a:t>
+              <a:t>2016/7/11</a:t>
             </a:fld>
             <a:endParaRPr lang="zh-TW" altLang="en-US" dirty="0"/>
           </a:p>
@@ -1502,7 +1511,7 @@
             <a:fld id="{E0DBF2A0-D569-4754-A181-EB6AFB346A11}" type="datetime1">
               <a:rPr lang="zh-TW" altLang="en-US" smtClean="0"/>
               <a:pPr/>
-              <a:t>2016/7/1</a:t>
+              <a:t>2016/7/11</a:t>
             </a:fld>
             <a:endParaRPr lang="zh-TW" altLang="en-US" dirty="0"/>
           </a:p>
@@ -2044,14 +2053,6 @@
               <a:rPr lang="zh-TW" altLang="en-US" dirty="0" smtClean="0"/>
               <a:t>支付</a:t>
             </a:r>
-            <a:r>
-              <a:rPr lang="en-US" altLang="zh-TW" dirty="0" smtClean="0"/>
-              <a:t>:</a:t>
-            </a:r>
-            <a:r>
-              <a:rPr lang="zh-TW" altLang="en-US" dirty="0" smtClean="0"/>
-              <a:t> 國內現況</a:t>
-            </a:r>
             <a:endParaRPr lang="zh-TW" altLang="en-US" dirty="0"/>
           </a:p>
         </p:txBody>
@@ -2073,70 +2074,207 @@
           <a:p>
             <a:r>
               <a:rPr lang="zh-TW" altLang="en-US" dirty="0" smtClean="0"/>
+              <a:t>國際趨勢</a:t>
+            </a:r>
+            <a:endParaRPr lang="en-US" altLang="zh-TW" dirty="0" smtClean="0"/>
+          </a:p>
+          <a:p>
+            <a:pPr lvl="1"/>
+            <a:r>
+              <a:rPr lang="zh-TW" altLang="en-US" dirty="0" smtClean="0"/>
+              <a:t>開放式 </a:t>
+            </a:r>
+            <a:r>
+              <a:rPr lang="en-US" altLang="zh-TW" dirty="0" smtClean="0"/>
+              <a:t>(open loop)</a:t>
+            </a:r>
+          </a:p>
+          <a:p>
+            <a:pPr lvl="2"/>
+            <a:r>
+              <a:rPr lang="zh-TW" altLang="en-US" dirty="0" smtClean="0"/>
+              <a:t>強化既有的支付程序。如</a:t>
+            </a:r>
+            <a:r>
+              <a:rPr lang="en-US" altLang="zh-TW" dirty="0" smtClean="0"/>
+              <a:t>NFC(</a:t>
+            </a:r>
+            <a:r>
+              <a:rPr lang="zh-TW" altLang="en-US" dirty="0" smtClean="0"/>
+              <a:t>近場通訊</a:t>
+            </a:r>
+            <a:r>
+              <a:rPr lang="en-US" altLang="zh-TW" dirty="0" smtClean="0"/>
+              <a:t>), QR</a:t>
+            </a:r>
+            <a:r>
+              <a:rPr lang="zh-TW" altLang="en-US" dirty="0" smtClean="0"/>
+              <a:t>技術</a:t>
+            </a:r>
+            <a:endParaRPr lang="en-US" altLang="zh-TW" dirty="0" smtClean="0"/>
+          </a:p>
+          <a:p>
+            <a:pPr lvl="1"/>
+            <a:r>
+              <a:rPr lang="zh-TW" altLang="en-US" dirty="0" smtClean="0"/>
+              <a:t>封閉式 </a:t>
+            </a:r>
+            <a:r>
+              <a:rPr lang="en-US" altLang="zh-TW" dirty="0" smtClean="0"/>
+              <a:t>(close loop)</a:t>
+            </a:r>
+          </a:p>
+          <a:p>
+            <a:pPr lvl="2"/>
+            <a:r>
+              <a:rPr lang="zh-TW" altLang="en-US" dirty="0"/>
+              <a:t>整合電子支付</a:t>
+            </a:r>
+            <a:r>
+              <a:rPr lang="zh-TW" altLang="en-US" dirty="0" smtClean="0"/>
+              <a:t>程序，包含</a:t>
+            </a:r>
+            <a:r>
+              <a:rPr lang="en-US" altLang="zh-TW" dirty="0" smtClean="0"/>
+              <a:t>POS</a:t>
+            </a:r>
+            <a:r>
+              <a:rPr lang="zh-TW" altLang="en-US" dirty="0" smtClean="0"/>
+              <a:t>、收單機構、支付網路。如</a:t>
+            </a:r>
+            <a:r>
+              <a:rPr lang="en-US" altLang="zh-TW" dirty="0" smtClean="0"/>
+              <a:t>PayPal</a:t>
+            </a:r>
+          </a:p>
+          <a:p>
+            <a:pPr lvl="1"/>
+            <a:r>
+              <a:rPr lang="zh-TW" altLang="en-US" dirty="0"/>
+              <a:t>整合式行動</a:t>
+            </a:r>
+            <a:r>
+              <a:rPr lang="zh-TW" altLang="en-US" dirty="0" smtClean="0"/>
+              <a:t>支付</a:t>
+            </a:r>
+            <a:endParaRPr lang="en-US" altLang="zh-TW" dirty="0" smtClean="0"/>
+          </a:p>
+          <a:p>
+            <a:pPr lvl="2"/>
+            <a:r>
+              <a:rPr lang="zh-TW" altLang="en-US" dirty="0"/>
+              <a:t>利用行動</a:t>
+            </a:r>
+            <a:r>
+              <a:rPr lang="zh-TW" altLang="en-US" dirty="0" smtClean="0"/>
+              <a:t>裝置取代</a:t>
+            </a:r>
+            <a:r>
+              <a:rPr lang="en-US" altLang="zh-TW" dirty="0" smtClean="0"/>
+              <a:t>POS</a:t>
+            </a:r>
+            <a:r>
+              <a:rPr lang="zh-TW" altLang="en-US" dirty="0" smtClean="0"/>
+              <a:t>。如</a:t>
+            </a:r>
+            <a:r>
+              <a:rPr lang="en-US" altLang="zh-TW" dirty="0" smtClean="0"/>
+              <a:t>Square</a:t>
+            </a:r>
+            <a:r>
+              <a:rPr lang="zh-TW" altLang="en-US" dirty="0" smtClean="0"/>
+              <a:t> 手機信用卡刷卡機、</a:t>
+            </a:r>
+            <a:r>
+              <a:rPr lang="en-US" altLang="zh-TW" dirty="0" err="1" smtClean="0"/>
+              <a:t>Uber</a:t>
+            </a:r>
+            <a:r>
+              <a:rPr lang="zh-TW" altLang="en-US" dirty="0" smtClean="0"/>
+              <a:t>運輸服務平台</a:t>
+            </a:r>
+            <a:r>
+              <a:rPr lang="zh-TW" altLang="en-US" dirty="0" smtClean="0"/>
+              <a:t>。</a:t>
+            </a:r>
+            <a:endParaRPr lang="en-US" altLang="zh-TW" dirty="0" smtClean="0"/>
+          </a:p>
+          <a:p>
+            <a:r>
+              <a:rPr lang="zh-TW" altLang="en-US" dirty="0" smtClean="0"/>
+              <a:t>國內現況</a:t>
+            </a:r>
+            <a:endParaRPr lang="en-US" altLang="zh-TW" dirty="0" smtClean="0"/>
+          </a:p>
+          <a:p>
+            <a:pPr lvl="1"/>
+            <a:r>
+              <a:rPr lang="zh-TW" altLang="en-US" dirty="0"/>
               <a:t>強化科技運用</a:t>
             </a:r>
-            <a:endParaRPr lang="en-US" altLang="zh-TW" dirty="0" smtClean="0"/>
+            <a:endParaRPr lang="en-US" altLang="zh-TW" dirty="0"/>
+          </a:p>
+          <a:p>
+            <a:pPr lvl="2"/>
+            <a:r>
+              <a:rPr lang="zh-TW" altLang="en-US" dirty="0"/>
+              <a:t>虛擬卡號整合至手機錢包</a:t>
+            </a:r>
+            <a:endParaRPr lang="en-US" altLang="zh-TW" dirty="0"/>
+          </a:p>
+          <a:p>
+            <a:pPr lvl="2"/>
+            <a:r>
+              <a:rPr lang="en-US" altLang="zh-TW" dirty="0"/>
+              <a:t>Bar-code / QR-code</a:t>
+            </a:r>
+            <a:r>
+              <a:rPr lang="zh-TW" altLang="en-US" dirty="0"/>
+              <a:t>作為資訊載體</a:t>
+            </a:r>
+            <a:endParaRPr lang="en-US" altLang="zh-TW" dirty="0"/>
+          </a:p>
+          <a:p>
+            <a:pPr lvl="2"/>
+            <a:r>
+              <a:rPr lang="zh-TW" altLang="en-US" dirty="0"/>
+              <a:t>刷卡設備外接於行動裝置：</a:t>
+            </a:r>
+            <a:r>
+              <a:rPr lang="en-US" altLang="zh-TW" dirty="0" err="1"/>
+              <a:t>mPOS</a:t>
+            </a:r>
+            <a:endParaRPr lang="en-US" altLang="zh-TW" dirty="0"/>
           </a:p>
           <a:p>
             <a:pPr lvl="1"/>
             <a:r>
-              <a:rPr lang="zh-TW" altLang="en-US" dirty="0" smtClean="0"/>
-              <a:t>虛擬卡號整合至手機錢包</a:t>
-            </a:r>
-            <a:endParaRPr lang="en-US" altLang="zh-TW" dirty="0" smtClean="0"/>
-          </a:p>
-          <a:p>
-            <a:pPr lvl="1"/>
-            <a:r>
-              <a:rPr lang="en-US" altLang="zh-TW" dirty="0" smtClean="0"/>
-              <a:t>Bar-code / QR-code</a:t>
-            </a:r>
-            <a:r>
-              <a:rPr lang="zh-TW" altLang="en-US" dirty="0" smtClean="0"/>
-              <a:t>作為資訊載體</a:t>
-            </a:r>
-            <a:endParaRPr lang="en-US" altLang="zh-TW" dirty="0" smtClean="0"/>
-          </a:p>
-          <a:p>
-            <a:pPr lvl="1"/>
+              <a:rPr lang="en-US" altLang="zh-TW" dirty="0"/>
+              <a:t>2016.02</a:t>
+            </a:r>
             <a:r>
               <a:rPr lang="zh-TW" altLang="en-US" dirty="0"/>
-              <a:t>刷卡</a:t>
-            </a:r>
-            <a:r>
-              <a:rPr lang="zh-TW" altLang="en-US" dirty="0" smtClean="0"/>
-              <a:t>設備外接於行動裝置：</a:t>
-            </a:r>
-            <a:r>
-              <a:rPr lang="en-US" altLang="zh-TW" dirty="0" err="1" smtClean="0"/>
-              <a:t>mPOS</a:t>
-            </a:r>
-            <a:endParaRPr lang="en-US" altLang="zh-TW" dirty="0" smtClean="0"/>
-          </a:p>
-          <a:p>
-            <a:r>
-              <a:rPr lang="en-US" altLang="zh-TW" dirty="0" smtClean="0"/>
-              <a:t>2016.02</a:t>
-            </a:r>
-            <a:r>
-              <a:rPr lang="zh-TW" altLang="en-US" dirty="0" smtClean="0"/>
               <a:t>為止，有</a:t>
             </a:r>
             <a:r>
-              <a:rPr lang="en-US" altLang="zh-TW" dirty="0" smtClean="0"/>
+              <a:rPr lang="en-US" altLang="zh-TW" dirty="0"/>
               <a:t>4</a:t>
             </a:r>
             <a:r>
-              <a:rPr lang="zh-TW" altLang="en-US" dirty="0" smtClean="0"/>
+              <a:rPr lang="zh-TW" altLang="en-US" dirty="0"/>
               <a:t>家業者、</a:t>
             </a:r>
             <a:r>
-              <a:rPr lang="en-US" altLang="zh-TW" dirty="0" smtClean="0"/>
+              <a:rPr lang="en-US" altLang="zh-TW" dirty="0"/>
               <a:t>21</a:t>
             </a:r>
             <a:r>
-              <a:rPr lang="zh-TW" altLang="en-US" dirty="0" smtClean="0"/>
-              <a:t>家銀行獲得電子支付專營許可。</a:t>
+              <a:rPr lang="zh-TW" altLang="en-US" dirty="0"/>
+              <a:t>家銀行獲得電子支付專營許可</a:t>
+            </a:r>
+            <a:r>
+              <a:rPr lang="zh-TW" altLang="en-US" dirty="0" smtClean="0"/>
+              <a:t>。</a:t>
             </a:r>
             <a:endParaRPr lang="zh-TW" altLang="en-US" dirty="0"/>
           </a:p>
@@ -2159,7 +2297,7 @@
           <a:p>
             <a:fld id="{3E126CAF-FBB1-47BB-86FD-F9B759A3D0CD}" type="datetime1">
               <a:rPr lang="zh-TW" altLang="en-US" smtClean="0"/>
-              <a:t>2016/7/4</a:t>
+              <a:t>2016/7/11</a:t>
             </a:fld>
             <a:endParaRPr lang="zh-TW" altLang="en-US"/>
           </a:p>
@@ -2190,131 +2328,195 @@
       </p:sp>
       <p:grpSp>
         <p:nvGrpSpPr>
-          <p:cNvPr id="7" name="群組 6"/>
+          <p:cNvPr id="10" name="群組 9"/>
           <p:cNvGrpSpPr/>
           <p:nvPr/>
         </p:nvGrpSpPr>
         <p:grpSpPr>
           <a:xfrm>
-            <a:off x="1349326" y="3933056"/>
-            <a:ext cx="6445349" cy="2376264"/>
-            <a:chOff x="142875" y="2538413"/>
-            <a:chExt cx="8858250" cy="3482875"/>
+            <a:off x="1979712" y="3861048"/>
+            <a:ext cx="6445349" cy="2684041"/>
+            <a:chOff x="1979712" y="3861048"/>
+            <a:chExt cx="6445349" cy="2684041"/>
           </a:xfrm>
         </p:grpSpPr>
-        <p:pic>
-          <p:nvPicPr>
-            <p:cNvPr id="3074" name="Picture 2"/>
-            <p:cNvPicPr>
-              <a:picLocks noChangeAspect="1" noChangeArrowheads="1"/>
-            </p:cNvPicPr>
+        <p:grpSp>
+          <p:nvGrpSpPr>
+            <p:cNvPr id="7" name="群組 6"/>
+            <p:cNvGrpSpPr/>
             <p:nvPr/>
-          </p:nvPicPr>
-          <p:blipFill>
-            <a:blip r:embed="rId2">
+          </p:nvGrpSpPr>
+          <p:grpSpPr>
+            <a:xfrm>
+              <a:off x="1979712" y="3861048"/>
+              <a:ext cx="6445349" cy="2376264"/>
+              <a:chOff x="142875" y="2538413"/>
+              <a:chExt cx="8858250" cy="3482875"/>
+            </a:xfrm>
+          </p:grpSpPr>
+          <p:pic>
+            <p:nvPicPr>
+              <p:cNvPr id="8" name="Picture 2"/>
+              <p:cNvPicPr>
+                <a:picLocks noChangeAspect="1" noChangeArrowheads="1"/>
+              </p:cNvPicPr>
+              <p:nvPr/>
+            </p:nvPicPr>
+            <p:blipFill>
+              <a:blip r:embed="rId2">
+                <a:extLst>
+                  <a:ext uri="{28A0092B-C50C-407E-A947-70E740481C1C}">
+                    <a14:useLocalDpi xmlns:a14="http://schemas.microsoft.com/office/drawing/2010/main" val="0"/>
+                  </a:ext>
+                </a:extLst>
+              </a:blip>
+              <a:srcRect/>
+              <a:stretch>
+                <a:fillRect/>
+              </a:stretch>
+            </p:blipFill>
+            <p:spPr bwMode="auto">
+              <a:xfrm>
+                <a:off x="142875" y="2538413"/>
+                <a:ext cx="8858250" cy="1781175"/>
+              </a:xfrm>
+              <a:prstGeom prst="rect">
+                <a:avLst/>
+              </a:prstGeom>
+              <a:noFill/>
+              <a:ln>
+                <a:noFill/>
+              </a:ln>
               <a:extLst>
-                <a:ext uri="{28A0092B-C50C-407E-A947-70E740481C1C}">
-                  <a14:useLocalDpi xmlns:a14="http://schemas.microsoft.com/office/drawing/2010/main" val="0"/>
+                <a:ext uri="{909E8E84-426E-40DD-AFC4-6F175D3DCCD1}">
+                  <a14:hiddenFill xmlns:a14="http://schemas.microsoft.com/office/drawing/2010/main">
+                    <a:solidFill>
+                      <a:schemeClr val="accent1"/>
+                    </a:solidFill>
+                  </a14:hiddenFill>
+                </a:ext>
+                <a:ext uri="{91240B29-F687-4F45-9708-019B960494DF}">
+                  <a14:hiddenLine xmlns:a14="http://schemas.microsoft.com/office/drawing/2010/main" w="9525">
+                    <a:solidFill>
+                      <a:schemeClr val="tx1"/>
+                    </a:solidFill>
+                    <a:miter lim="800000"/>
+                    <a:headEnd/>
+                    <a:tailEnd/>
+                  </a14:hiddenLine>
                 </a:ext>
               </a:extLst>
-            </a:blip>
-            <a:srcRect/>
-            <a:stretch>
-              <a:fillRect/>
-            </a:stretch>
-          </p:blipFill>
-          <p:spPr bwMode="auto">
+            </p:spPr>
+          </p:pic>
+          <p:pic>
+            <p:nvPicPr>
+              <p:cNvPr id="9" name="Picture 3"/>
+              <p:cNvPicPr>
+                <a:picLocks noChangeAspect="1" noChangeArrowheads="1"/>
+              </p:cNvPicPr>
+              <p:nvPr/>
+            </p:nvPicPr>
+            <p:blipFill>
+              <a:blip r:embed="rId3">
+                <a:extLst>
+                  <a:ext uri="{28A0092B-C50C-407E-A947-70E740481C1C}">
+                    <a14:useLocalDpi xmlns:a14="http://schemas.microsoft.com/office/drawing/2010/main" val="0"/>
+                  </a:ext>
+                </a:extLst>
+              </a:blip>
+              <a:srcRect/>
+              <a:stretch>
+                <a:fillRect/>
+              </a:stretch>
+            </p:blipFill>
+            <p:spPr bwMode="auto">
+              <a:xfrm>
+                <a:off x="161925" y="4335363"/>
+                <a:ext cx="8820150" cy="1685925"/>
+              </a:xfrm>
+              <a:prstGeom prst="rect">
+                <a:avLst/>
+              </a:prstGeom>
+              <a:noFill/>
+              <a:ln>
+                <a:noFill/>
+              </a:ln>
+              <a:extLst>
+                <a:ext uri="{909E8E84-426E-40DD-AFC4-6F175D3DCCD1}">
+                  <a14:hiddenFill xmlns:a14="http://schemas.microsoft.com/office/drawing/2010/main">
+                    <a:solidFill>
+                      <a:schemeClr val="accent1"/>
+                    </a:solidFill>
+                  </a14:hiddenFill>
+                </a:ext>
+                <a:ext uri="{91240B29-F687-4F45-9708-019B960494DF}">
+                  <a14:hiddenLine xmlns:a14="http://schemas.microsoft.com/office/drawing/2010/main" w="9525">
+                    <a:solidFill>
+                      <a:schemeClr val="tx1"/>
+                    </a:solidFill>
+                    <a:miter lim="800000"/>
+                    <a:headEnd/>
+                    <a:tailEnd/>
+                  </a14:hiddenLine>
+                </a:ext>
+              </a:extLst>
+            </p:spPr>
+          </p:pic>
+        </p:grpSp>
+        <p:sp>
+          <p:nvSpPr>
+            <p:cNvPr id="2" name="文字方塊 1"/>
+            <p:cNvSpPr txBox="1"/>
+            <p:nvPr/>
+          </p:nvSpPr>
+          <p:spPr>
             <a:xfrm>
-              <a:off x="142875" y="2538413"/>
-              <a:ext cx="8858250" cy="1781175"/>
+              <a:off x="6624368" y="6237312"/>
+              <a:ext cx="1764056" cy="307777"/>
             </a:xfrm>
             <a:prstGeom prst="rect">
               <a:avLst/>
             </a:prstGeom>
             <a:noFill/>
-            <a:ln>
-              <a:noFill/>
-            </a:ln>
-            <a:extLst>
-              <a:ext uri="{909E8E84-426E-40DD-AFC4-6F175D3DCCD1}">
-                <a14:hiddenFill xmlns:a14="http://schemas.microsoft.com/office/drawing/2010/main">
-                  <a:solidFill>
-                    <a:schemeClr val="accent1"/>
-                  </a:solidFill>
-                </a14:hiddenFill>
-              </a:ext>
-              <a:ext uri="{91240B29-F687-4F45-9708-019B960494DF}">
-                <a14:hiddenLine xmlns:a14="http://schemas.microsoft.com/office/drawing/2010/main" w="9525">
-                  <a:solidFill>
-                    <a:schemeClr val="tx1"/>
-                  </a:solidFill>
-                  <a:miter lim="800000"/>
-                  <a:headEnd/>
-                  <a:tailEnd/>
-                </a14:hiddenLine>
-              </a:ext>
-            </a:extLst>
           </p:spPr>
-        </p:pic>
-        <p:pic>
-          <p:nvPicPr>
-            <p:cNvPr id="3075" name="Picture 3"/>
-            <p:cNvPicPr>
-              <a:picLocks noChangeAspect="1" noChangeArrowheads="1"/>
-            </p:cNvPicPr>
-            <p:nvPr/>
-          </p:nvPicPr>
-          <p:blipFill>
-            <a:blip r:embed="rId3">
-              <a:extLst>
-                <a:ext uri="{28A0092B-C50C-407E-A947-70E740481C1C}">
-                  <a14:useLocalDpi xmlns:a14="http://schemas.microsoft.com/office/drawing/2010/main" val="0"/>
-                </a:ext>
-              </a:extLst>
-            </a:blip>
-            <a:srcRect/>
-            <a:stretch>
-              <a:fillRect/>
-            </a:stretch>
-          </p:blipFill>
-          <p:spPr bwMode="auto">
-            <a:xfrm>
-              <a:off x="161925" y="4335363"/>
-              <a:ext cx="8820150" cy="1685925"/>
-            </a:xfrm>
-            <a:prstGeom prst="rect">
-              <a:avLst/>
-            </a:prstGeom>
-            <a:noFill/>
-            <a:ln>
-              <a:noFill/>
-            </a:ln>
-            <a:extLst>
-              <a:ext uri="{909E8E84-426E-40DD-AFC4-6F175D3DCCD1}">
-                <a14:hiddenFill xmlns:a14="http://schemas.microsoft.com/office/drawing/2010/main">
-                  <a:solidFill>
-                    <a:schemeClr val="accent1"/>
-                  </a:solidFill>
-                </a14:hiddenFill>
-              </a:ext>
-              <a:ext uri="{91240B29-F687-4F45-9708-019B960494DF}">
-                <a14:hiddenLine xmlns:a14="http://schemas.microsoft.com/office/drawing/2010/main" w="9525">
-                  <a:solidFill>
-                    <a:schemeClr val="tx1"/>
-                  </a:solidFill>
-                  <a:miter lim="800000"/>
-                  <a:headEnd/>
-                  <a:tailEnd/>
-                </a14:hiddenLine>
-              </a:ext>
-            </a:extLst>
-          </p:spPr>
-        </p:pic>
+          <p:txBody>
+            <a:bodyPr wrap="square" rtlCol="0">
+              <a:spAutoFit/>
+            </a:bodyPr>
+            <a:lstStyle/>
+            <a:p>
+              <a:pPr algn="r"/>
+              <a:r>
+                <a:rPr lang="en-US" altLang="zh-TW" sz="1400" b="1" dirty="0" smtClean="0"/>
+                <a:t>(as of 2015,</a:t>
+              </a:r>
+              <a:r>
+                <a:rPr lang="en-US" altLang="zh-TW" sz="1400" b="1" dirty="0" smtClean="0">
+                  <a:latin typeface="微軟正黑體" panose="020B0604030504040204" pitchFamily="34" charset="-120"/>
+                  <a:ea typeface="微軟正黑體" panose="020B0604030504040204" pitchFamily="34" charset="-120"/>
+                </a:rPr>
+                <a:t> </a:t>
+              </a:r>
+              <a:r>
+                <a:rPr lang="zh-TW" altLang="en-US" sz="1400" b="1" dirty="0" smtClean="0">
+                  <a:latin typeface="微軟正黑體" panose="020B0604030504040204" pitchFamily="34" charset="-120"/>
+                  <a:ea typeface="微軟正黑體" panose="020B0604030504040204" pitchFamily="34" charset="-120"/>
+                </a:rPr>
+                <a:t>金管會</a:t>
+              </a:r>
+              <a:r>
+                <a:rPr lang="en-US" altLang="zh-TW" sz="1400" b="1" dirty="0" smtClean="0"/>
+                <a:t>)</a:t>
+              </a:r>
+              <a:endParaRPr lang="zh-TW" altLang="en-US" sz="1400" b="1" dirty="0"/>
+            </a:p>
+          </p:txBody>
+        </p:sp>
       </p:grpSp>
     </p:spTree>
     <p:extLst>
       <p:ext uri="{BB962C8B-B14F-4D97-AF65-F5344CB8AC3E}">
-        <p14:creationId xmlns:p14="http://schemas.microsoft.com/office/powerpoint/2010/main" val="1960944079"/>
+        <p14:creationId xmlns:p14="http://schemas.microsoft.com/office/powerpoint/2010/main" val="2201541891"/>
       </p:ext>
     </p:extLst>
   </p:cSld>
@@ -2324,7 +2526,83 @@
   <p:timing>
     <p:tnLst>
       <p:par>
-        <p:cTn id="1" dur="indefinite" restart="never" nodeType="tmRoot"/>
+        <p:cTn id="1" dur="indefinite" restart="never" nodeType="tmRoot">
+          <p:childTnLst>
+            <p:seq concurrent="1" nextAc="seek">
+              <p:cTn id="2" dur="indefinite" nodeType="mainSeq">
+                <p:childTnLst>
+                  <p:par>
+                    <p:cTn id="3" fill="hold">
+                      <p:stCondLst>
+                        <p:cond delay="indefinite"/>
+                      </p:stCondLst>
+                      <p:childTnLst>
+                        <p:par>
+                          <p:cTn id="4" fill="hold">
+                            <p:stCondLst>
+                              <p:cond delay="0"/>
+                            </p:stCondLst>
+                            <p:childTnLst>
+                              <p:par>
+                                <p:cTn id="5" presetID="10" presetClass="entr" presetSubtype="0" fill="hold" nodeType="clickEffect">
+                                  <p:stCondLst>
+                                    <p:cond delay="0"/>
+                                  </p:stCondLst>
+                                  <p:childTnLst>
+                                    <p:set>
+                                      <p:cBhvr>
+                                        <p:cTn id="6" dur="1" fill="hold">
+                                          <p:stCondLst>
+                                            <p:cond delay="0"/>
+                                          </p:stCondLst>
+                                        </p:cTn>
+                                        <p:tgtEl>
+                                          <p:spTgt spid="10"/>
+                                        </p:tgtEl>
+                                        <p:attrNameLst>
+                                          <p:attrName>style.visibility</p:attrName>
+                                        </p:attrNameLst>
+                                      </p:cBhvr>
+                                      <p:to>
+                                        <p:strVal val="visible"/>
+                                      </p:to>
+                                    </p:set>
+                                    <p:animEffect transition="in" filter="fade">
+                                      <p:cBhvr>
+                                        <p:cTn id="7" dur="500"/>
+                                        <p:tgtEl>
+                                          <p:spTgt spid="10"/>
+                                        </p:tgtEl>
+                                      </p:cBhvr>
+                                    </p:animEffect>
+                                  </p:childTnLst>
+                                </p:cTn>
+                              </p:par>
+                            </p:childTnLst>
+                          </p:cTn>
+                        </p:par>
+                      </p:childTnLst>
+                    </p:cTn>
+                  </p:par>
+                </p:childTnLst>
+              </p:cTn>
+              <p:prevCondLst>
+                <p:cond evt="onPrev" delay="0">
+                  <p:tgtEl>
+                    <p:sldTgt/>
+                  </p:tgtEl>
+                </p:cond>
+              </p:prevCondLst>
+              <p:nextCondLst>
+                <p:cond evt="onNext" delay="0">
+                  <p:tgtEl>
+                    <p:sldTgt/>
+                  </p:tgtEl>
+                </p:cond>
+              </p:nextCondLst>
+            </p:seq>
+          </p:childTnLst>
+        </p:cTn>
       </p:par>
     </p:tnLst>
   </p:timing>
@@ -2529,7 +2807,7 @@
           <a:p>
             <a:fld id="{F5EB54BD-0855-4C71-B321-D9B65086D443}" type="datetime1">
               <a:rPr lang="zh-TW" altLang="en-US" smtClean="0"/>
-              <a:t>2016/7/4</a:t>
+              <a:t>2016/7/11</a:t>
             </a:fld>
             <a:endParaRPr lang="zh-TW" altLang="en-US"/>
           </a:p>
@@ -2817,7 +3095,7 @@
           <a:p>
             <a:fld id="{F5EB54BD-0855-4C71-B321-D9B65086D443}" type="datetime1">
               <a:rPr lang="zh-TW" altLang="en-US" smtClean="0"/>
-              <a:t>2016/7/4</a:t>
+              <a:t>2016/7/11</a:t>
             </a:fld>
             <a:endParaRPr lang="zh-TW" altLang="en-US"/>
           </a:p>
@@ -3075,7 +3353,7 @@
           <a:p>
             <a:fld id="{F5EB54BD-0855-4C71-B321-D9B65086D443}" type="datetime1">
               <a:rPr lang="zh-TW" altLang="en-US" smtClean="0"/>
-              <a:t>2016/7/4</a:t>
+              <a:t>2016/7/11</a:t>
             </a:fld>
             <a:endParaRPr lang="zh-TW" altLang="en-US"/>
           </a:p>
@@ -3143,7 +3421,7 @@
       </p:grpSpPr>
       <p:sp>
         <p:nvSpPr>
-          <p:cNvPr id="10" name="標題 9"/>
+          <p:cNvPr id="6" name="標題 5"/>
           <p:cNvSpPr>
             <a:spLocks noGrp="1"/>
           </p:cNvSpPr>
@@ -3157,12 +3435,8 @@
           <a:lstStyle/>
           <a:p>
             <a:r>
-              <a:rPr lang="en-US" altLang="zh-TW" dirty="0" smtClean="0"/>
-              <a:t>II.</a:t>
-            </a:r>
-            <a:r>
-              <a:rPr lang="zh-TW" altLang="en-US" dirty="0" smtClean="0"/>
-              <a:t> 創新研發</a:t>
+              <a:rPr lang="zh-TW" altLang="en-US" dirty="0" smtClean="0"/>
+              <a:t>金融趨勢發展</a:t>
             </a:r>
             <a:endParaRPr lang="zh-TW" altLang="en-US" dirty="0"/>
           </a:p>
@@ -3185,8 +3459,7 @@
           <a:p>
             <a:fld id="{F5EB54BD-0855-4C71-B321-D9B65086D443}" type="datetime1">
               <a:rPr lang="zh-TW" altLang="en-US" smtClean="0"/>
-              <a:pPr/>
-              <a:t>2016/7/4</a:t>
+              <a:t>2016/7/11</a:t>
             </a:fld>
             <a:endParaRPr lang="zh-TW" altLang="en-US"/>
           </a:p>
@@ -3209,17 +3482,1526 @@
           <a:p>
             <a:fld id="{420AFBEC-07C3-4955-862B-EFDB12C88779}" type="slidenum">
               <a:rPr lang="zh-TW" altLang="en-US" smtClean="0"/>
-              <a:pPr/>
               <a:t>14</a:t>
             </a:fld>
             <a:endParaRPr lang="zh-TW" altLang="en-US"/>
           </a:p>
         </p:txBody>
       </p:sp>
+      <p:grpSp>
+        <p:nvGrpSpPr>
+          <p:cNvPr id="12" name="群組 11"/>
+          <p:cNvGrpSpPr/>
+          <p:nvPr/>
+        </p:nvGrpSpPr>
+        <p:grpSpPr>
+          <a:xfrm>
+            <a:off x="1115616" y="1124744"/>
+            <a:ext cx="6984136" cy="1296089"/>
+            <a:chOff x="1115616" y="1628799"/>
+            <a:chExt cx="6984136" cy="1296089"/>
+          </a:xfrm>
+        </p:grpSpPr>
+        <p:sp>
+          <p:nvSpPr>
+            <p:cNvPr id="8" name="流程圖: 人工輸入 7"/>
+            <p:cNvSpPr/>
+            <p:nvPr/>
+          </p:nvSpPr>
+          <p:spPr>
+            <a:xfrm rot="16200000" flipV="1">
+              <a:off x="3347865" y="-603450"/>
+              <a:ext cx="864095" cy="5328594"/>
+            </a:xfrm>
+            <a:prstGeom prst="flowChartManualInput">
+              <a:avLst/>
+            </a:prstGeom>
+            <a:solidFill>
+              <a:srgbClr val="FCB040"/>
+            </a:solidFill>
+            <a:ln>
+              <a:noFill/>
+            </a:ln>
+            <a:effectLst>
+              <a:outerShdw blurRad="50800" dist="38100" dir="2700000" algn="tl" rotWithShape="0">
+                <a:prstClr val="black">
+                  <a:alpha val="40000"/>
+                </a:prstClr>
+              </a:outerShdw>
+            </a:effectLst>
+          </p:spPr>
+          <p:style>
+            <a:lnRef idx="2">
+              <a:schemeClr val="accent1">
+                <a:shade val="50000"/>
+              </a:schemeClr>
+            </a:lnRef>
+            <a:fillRef idx="1">
+              <a:schemeClr val="accent1"/>
+            </a:fillRef>
+            <a:effectRef idx="0">
+              <a:schemeClr val="accent1"/>
+            </a:effectRef>
+            <a:fontRef idx="minor">
+              <a:schemeClr val="lt1"/>
+            </a:fontRef>
+          </p:style>
+          <p:txBody>
+            <a:bodyPr rtlCol="0" anchor="ctr"/>
+            <a:lstStyle/>
+            <a:p>
+              <a:pPr algn="ctr"/>
+              <a:endParaRPr lang="zh-TW" altLang="en-US"/>
+            </a:p>
+          </p:txBody>
+        </p:sp>
+        <p:sp>
+          <p:nvSpPr>
+            <p:cNvPr id="9" name="流程圖: 人工輸入 8"/>
+            <p:cNvSpPr/>
+            <p:nvPr/>
+          </p:nvSpPr>
+          <p:spPr>
+            <a:xfrm rot="16200000" flipH="1">
+              <a:off x="4679752" y="-495112"/>
+              <a:ext cx="1080000" cy="5760000"/>
+            </a:xfrm>
+            <a:custGeom>
+              <a:avLst/>
+              <a:gdLst>
+                <a:gd name="connsiteX0" fmla="*/ 0 w 10000"/>
+                <a:gd name="connsiteY0" fmla="*/ 2000 h 10000"/>
+                <a:gd name="connsiteX1" fmla="*/ 10000 w 10000"/>
+                <a:gd name="connsiteY1" fmla="*/ 0 h 10000"/>
+                <a:gd name="connsiteX2" fmla="*/ 10000 w 10000"/>
+                <a:gd name="connsiteY2" fmla="*/ 10000 h 10000"/>
+                <a:gd name="connsiteX3" fmla="*/ 0 w 10000"/>
+                <a:gd name="connsiteY3" fmla="*/ 10000 h 10000"/>
+                <a:gd name="connsiteX4" fmla="*/ 0 w 10000"/>
+                <a:gd name="connsiteY4" fmla="*/ 2000 h 10000"/>
+                <a:gd name="connsiteX0" fmla="*/ 0 w 10000"/>
+                <a:gd name="connsiteY0" fmla="*/ 523 h 10000"/>
+                <a:gd name="connsiteX1" fmla="*/ 10000 w 10000"/>
+                <a:gd name="connsiteY1" fmla="*/ 0 h 10000"/>
+                <a:gd name="connsiteX2" fmla="*/ 10000 w 10000"/>
+                <a:gd name="connsiteY2" fmla="*/ 10000 h 10000"/>
+                <a:gd name="connsiteX3" fmla="*/ 0 w 10000"/>
+                <a:gd name="connsiteY3" fmla="*/ 10000 h 10000"/>
+                <a:gd name="connsiteX4" fmla="*/ 0 w 10000"/>
+                <a:gd name="connsiteY4" fmla="*/ 523 h 10000"/>
+              </a:gdLst>
+              <a:ahLst/>
+              <a:cxnLst>
+                <a:cxn ang="0">
+                  <a:pos x="connsiteX0" y="connsiteY0"/>
+                </a:cxn>
+                <a:cxn ang="0">
+                  <a:pos x="connsiteX1" y="connsiteY1"/>
+                </a:cxn>
+                <a:cxn ang="0">
+                  <a:pos x="connsiteX2" y="connsiteY2"/>
+                </a:cxn>
+                <a:cxn ang="0">
+                  <a:pos x="connsiteX3" y="connsiteY3"/>
+                </a:cxn>
+                <a:cxn ang="0">
+                  <a:pos x="connsiteX4" y="connsiteY4"/>
+                </a:cxn>
+              </a:cxnLst>
+              <a:rect l="l" t="t" r="r" b="b"/>
+              <a:pathLst>
+                <a:path w="10000" h="10000">
+                  <a:moveTo>
+                    <a:pt x="0" y="523"/>
+                  </a:moveTo>
+                  <a:lnTo>
+                    <a:pt x="10000" y="0"/>
+                  </a:lnTo>
+                  <a:lnTo>
+                    <a:pt x="10000" y="10000"/>
+                  </a:lnTo>
+                  <a:lnTo>
+                    <a:pt x="0" y="10000"/>
+                  </a:lnTo>
+                  <a:lnTo>
+                    <a:pt x="0" y="523"/>
+                  </a:lnTo>
+                  <a:close/>
+                </a:path>
+              </a:pathLst>
+            </a:custGeom>
+            <a:solidFill>
+              <a:srgbClr val="EBEBEB"/>
+            </a:solidFill>
+            <a:ln>
+              <a:noFill/>
+            </a:ln>
+            <a:effectLst>
+              <a:outerShdw blurRad="50800" dist="38100" dir="2700000" algn="tl" rotWithShape="0">
+                <a:prstClr val="black">
+                  <a:alpha val="40000"/>
+                </a:prstClr>
+              </a:outerShdw>
+            </a:effectLst>
+          </p:spPr>
+          <p:style>
+            <a:lnRef idx="2">
+              <a:schemeClr val="accent1">
+                <a:shade val="50000"/>
+              </a:schemeClr>
+            </a:lnRef>
+            <a:fillRef idx="1">
+              <a:schemeClr val="accent1"/>
+            </a:fillRef>
+            <a:effectRef idx="0">
+              <a:schemeClr val="accent1"/>
+            </a:effectRef>
+            <a:fontRef idx="minor">
+              <a:schemeClr val="lt1"/>
+            </a:fontRef>
+          </p:style>
+          <p:txBody>
+            <a:bodyPr rtlCol="0" anchor="ctr"/>
+            <a:lstStyle/>
+            <a:p>
+              <a:pPr algn="ctr"/>
+              <a:endParaRPr lang="zh-TW" altLang="en-US" dirty="0"/>
+            </a:p>
+          </p:txBody>
+        </p:sp>
+        <p:sp>
+          <p:nvSpPr>
+            <p:cNvPr id="10" name="文字方塊 9"/>
+            <p:cNvSpPr txBox="1"/>
+            <p:nvPr/>
+          </p:nvSpPr>
+          <p:spPr>
+            <a:xfrm>
+              <a:off x="1259632" y="1907539"/>
+              <a:ext cx="1152000" cy="369332"/>
+            </a:xfrm>
+            <a:prstGeom prst="rect">
+              <a:avLst/>
+            </a:prstGeom>
+            <a:noFill/>
+          </p:spPr>
+          <p:txBody>
+            <a:bodyPr wrap="square" rtlCol="0">
+              <a:spAutoFit/>
+            </a:bodyPr>
+            <a:lstStyle/>
+            <a:p>
+              <a:pPr algn="ctr"/>
+              <a:r>
+                <a:rPr lang="zh-TW" altLang="en-US" b="1" dirty="0" smtClean="0">
+                  <a:solidFill>
+                    <a:schemeClr val="bg1"/>
+                  </a:solidFill>
+                  <a:effectLst>
+                    <a:outerShdw blurRad="38100" dist="38100" dir="2700000" algn="tl">
+                      <a:srgbClr val="000000">
+                        <a:alpha val="43137"/>
+                      </a:srgbClr>
+                    </a:outerShdw>
+                  </a:effectLst>
+                  <a:latin typeface="微軟正黑體" panose="020B0604030504040204" pitchFamily="34" charset="-120"/>
+                  <a:ea typeface="微軟正黑體" panose="020B0604030504040204" pitchFamily="34" charset="-120"/>
+                </a:rPr>
+                <a:t>金融服務</a:t>
+              </a:r>
+              <a:endParaRPr lang="zh-TW" altLang="en-US" b="1" dirty="0">
+                <a:solidFill>
+                  <a:schemeClr val="bg1"/>
+                </a:solidFill>
+                <a:effectLst>
+                  <a:outerShdw blurRad="38100" dist="38100" dir="2700000" algn="tl">
+                    <a:srgbClr val="000000">
+                      <a:alpha val="43137"/>
+                    </a:srgbClr>
+                  </a:outerShdw>
+                </a:effectLst>
+                <a:latin typeface="微軟正黑體" panose="020B0604030504040204" pitchFamily="34" charset="-120"/>
+                <a:ea typeface="微軟正黑體" panose="020B0604030504040204" pitchFamily="34" charset="-120"/>
+              </a:endParaRPr>
+            </a:p>
+          </p:txBody>
+        </p:sp>
+        <p:sp>
+          <p:nvSpPr>
+            <p:cNvPr id="11" name="文字方塊 10"/>
+            <p:cNvSpPr txBox="1"/>
+            <p:nvPr/>
+          </p:nvSpPr>
+          <p:spPr>
+            <a:xfrm>
+              <a:off x="2699792" y="1844887"/>
+              <a:ext cx="5292000" cy="1080000"/>
+            </a:xfrm>
+            <a:prstGeom prst="rect">
+              <a:avLst/>
+            </a:prstGeom>
+            <a:noFill/>
+          </p:spPr>
+          <p:txBody>
+            <a:bodyPr wrap="square" rtlCol="0">
+              <a:spAutoFit/>
+            </a:bodyPr>
+            <a:lstStyle/>
+            <a:p>
+              <a:r>
+                <a:rPr lang="zh-TW" altLang="en-US" sz="1600" dirty="0">
+                  <a:solidFill>
+                    <a:schemeClr val="tx1">
+                      <a:lumMod val="75000"/>
+                      <a:lumOff val="25000"/>
+                    </a:schemeClr>
+                  </a:solidFill>
+                  <a:latin typeface="微軟正黑體" panose="020B0604030504040204" pitchFamily="34" charset="-120"/>
+                  <a:ea typeface="微軟正黑體" panose="020B0604030504040204" pitchFamily="34" charset="-120"/>
+                </a:rPr>
+                <a:t>就世界經濟論壇</a:t>
+              </a:r>
+              <a:r>
+                <a:rPr lang="en-US" altLang="zh-TW" sz="1600" dirty="0">
+                  <a:solidFill>
+                    <a:schemeClr val="tx1">
+                      <a:lumMod val="75000"/>
+                      <a:lumOff val="25000"/>
+                    </a:schemeClr>
+                  </a:solidFill>
+                  <a:latin typeface="微軟正黑體" panose="020B0604030504040204" pitchFamily="34" charset="-120"/>
+                  <a:ea typeface="微軟正黑體" panose="020B0604030504040204" pitchFamily="34" charset="-120"/>
+                </a:rPr>
+                <a:t>2015</a:t>
+              </a:r>
+              <a:r>
+                <a:rPr lang="zh-TW" altLang="en-US" sz="1600" dirty="0">
+                  <a:solidFill>
+                    <a:schemeClr val="tx1">
+                      <a:lumMod val="75000"/>
+                      <a:lumOff val="25000"/>
+                    </a:schemeClr>
+                  </a:solidFill>
+                  <a:latin typeface="微軟正黑體" panose="020B0604030504040204" pitchFamily="34" charset="-120"/>
+                  <a:ea typeface="微軟正黑體" panose="020B0604030504040204" pitchFamily="34" charset="-120"/>
+                </a:rPr>
+                <a:t>年</a:t>
+              </a:r>
+              <a:r>
+                <a:rPr lang="en-US" altLang="zh-TW" sz="1600" dirty="0">
+                  <a:solidFill>
+                    <a:schemeClr val="tx1">
+                      <a:lumMod val="75000"/>
+                      <a:lumOff val="25000"/>
+                    </a:schemeClr>
+                  </a:solidFill>
+                  <a:latin typeface="微軟正黑體" panose="020B0604030504040204" pitchFamily="34" charset="-120"/>
+                  <a:ea typeface="微軟正黑體" panose="020B0604030504040204" pitchFamily="34" charset="-120"/>
+                </a:rPr>
+                <a:t>6</a:t>
+              </a:r>
+              <a:r>
+                <a:rPr lang="zh-TW" altLang="en-US" sz="1600" dirty="0">
+                  <a:solidFill>
+                    <a:schemeClr val="tx1">
+                      <a:lumMod val="75000"/>
+                      <a:lumOff val="25000"/>
+                    </a:schemeClr>
+                  </a:solidFill>
+                  <a:latin typeface="微軟正黑體" panose="020B0604030504040204" pitchFamily="34" charset="-120"/>
+                  <a:ea typeface="微軟正黑體" panose="020B0604030504040204" pitchFamily="34" charset="-120"/>
+                </a:rPr>
+                <a:t>月所發布「金融服務的</a:t>
+              </a:r>
+              <a:r>
+                <a:rPr lang="zh-TW" altLang="en-US" sz="1600" dirty="0" smtClean="0">
+                  <a:solidFill>
+                    <a:schemeClr val="tx1">
+                      <a:lumMod val="75000"/>
+                      <a:lumOff val="25000"/>
+                    </a:schemeClr>
+                  </a:solidFill>
+                  <a:latin typeface="微軟正黑體" panose="020B0604030504040204" pitchFamily="34" charset="-120"/>
+                  <a:ea typeface="微軟正黑體" panose="020B0604030504040204" pitchFamily="34" charset="-120"/>
+                </a:rPr>
+                <a:t>未來」</a:t>
+              </a:r>
+              <a:r>
+                <a:rPr lang="zh-TW" altLang="en-US" sz="1600" dirty="0">
+                  <a:solidFill>
+                    <a:schemeClr val="tx1">
+                      <a:lumMod val="75000"/>
+                      <a:lumOff val="25000"/>
+                    </a:schemeClr>
+                  </a:solidFill>
+                  <a:latin typeface="微軟正黑體" panose="020B0604030504040204" pitchFamily="34" charset="-120"/>
+                  <a:ea typeface="微軟正黑體" panose="020B0604030504040204" pitchFamily="34" charset="-120"/>
+                </a:rPr>
+                <a:t>報告所揭露包括支付、保險、融資、募資、投資管理、市場供應等金融</a:t>
+              </a:r>
+              <a:r>
+                <a:rPr lang="en-US" altLang="zh-TW" sz="1600" dirty="0">
+                  <a:solidFill>
+                    <a:schemeClr val="tx1">
+                      <a:lumMod val="75000"/>
+                      <a:lumOff val="25000"/>
+                    </a:schemeClr>
+                  </a:solidFill>
+                  <a:latin typeface="微軟正黑體" panose="020B0604030504040204" pitchFamily="34" charset="-120"/>
+                  <a:ea typeface="微軟正黑體" panose="020B0604030504040204" pitchFamily="34" charset="-120"/>
+                </a:rPr>
+                <a:t>6</a:t>
+              </a:r>
+              <a:r>
+                <a:rPr lang="zh-TW" altLang="en-US" sz="1600" dirty="0">
+                  <a:solidFill>
+                    <a:schemeClr val="tx1">
+                      <a:lumMod val="75000"/>
+                      <a:lumOff val="25000"/>
+                    </a:schemeClr>
+                  </a:solidFill>
+                  <a:latin typeface="微軟正黑體" panose="020B0604030504040204" pitchFamily="34" charset="-120"/>
+                  <a:ea typeface="微軟正黑體" panose="020B0604030504040204" pitchFamily="34" charset="-120"/>
+                </a:rPr>
+                <a:t>大核心服務功能，探討國際發展趨勢與國內推動現況。 </a:t>
+              </a:r>
+              <a:endParaRPr lang="zh-TW" altLang="en-US" sz="1600" dirty="0">
+                <a:solidFill>
+                  <a:schemeClr val="tx1">
+                    <a:lumMod val="75000"/>
+                    <a:lumOff val="25000"/>
+                  </a:schemeClr>
+                </a:solidFill>
+                <a:latin typeface="微軟正黑體" panose="020B0604030504040204" pitchFamily="34" charset="-120"/>
+                <a:ea typeface="微軟正黑體" panose="020B0604030504040204" pitchFamily="34" charset="-120"/>
+              </a:endParaRPr>
+            </a:p>
+          </p:txBody>
+        </p:sp>
+      </p:grpSp>
+      <p:grpSp>
+        <p:nvGrpSpPr>
+          <p:cNvPr id="28" name="群組 27"/>
+          <p:cNvGrpSpPr/>
+          <p:nvPr/>
+        </p:nvGrpSpPr>
+        <p:grpSpPr>
+          <a:xfrm>
+            <a:off x="1115616" y="2468893"/>
+            <a:ext cx="6984136" cy="1296089"/>
+            <a:chOff x="1115616" y="1628799"/>
+            <a:chExt cx="6984136" cy="1296089"/>
+          </a:xfrm>
+        </p:grpSpPr>
+        <p:sp>
+          <p:nvSpPr>
+            <p:cNvPr id="29" name="流程圖: 人工輸入 28"/>
+            <p:cNvSpPr/>
+            <p:nvPr/>
+          </p:nvSpPr>
+          <p:spPr>
+            <a:xfrm rot="16200000" flipV="1">
+              <a:off x="3347865" y="-603450"/>
+              <a:ext cx="864095" cy="5328594"/>
+            </a:xfrm>
+            <a:prstGeom prst="flowChartManualInput">
+              <a:avLst/>
+            </a:prstGeom>
+            <a:solidFill>
+              <a:srgbClr val="3AB3D2"/>
+            </a:solidFill>
+            <a:ln>
+              <a:noFill/>
+            </a:ln>
+            <a:effectLst>
+              <a:outerShdw blurRad="50800" dist="38100" dir="2700000" algn="tl" rotWithShape="0">
+                <a:prstClr val="black">
+                  <a:alpha val="40000"/>
+                </a:prstClr>
+              </a:outerShdw>
+            </a:effectLst>
+          </p:spPr>
+          <p:style>
+            <a:lnRef idx="2">
+              <a:schemeClr val="accent1">
+                <a:shade val="50000"/>
+              </a:schemeClr>
+            </a:lnRef>
+            <a:fillRef idx="1">
+              <a:schemeClr val="accent1"/>
+            </a:fillRef>
+            <a:effectRef idx="0">
+              <a:schemeClr val="accent1"/>
+            </a:effectRef>
+            <a:fontRef idx="minor">
+              <a:schemeClr val="lt1"/>
+            </a:fontRef>
+          </p:style>
+          <p:txBody>
+            <a:bodyPr rtlCol="0" anchor="ctr"/>
+            <a:lstStyle/>
+            <a:p>
+              <a:pPr algn="ctr"/>
+              <a:endParaRPr lang="zh-TW" altLang="en-US"/>
+            </a:p>
+          </p:txBody>
+        </p:sp>
+        <p:sp>
+          <p:nvSpPr>
+            <p:cNvPr id="30" name="流程圖: 人工輸入 8"/>
+            <p:cNvSpPr/>
+            <p:nvPr/>
+          </p:nvSpPr>
+          <p:spPr>
+            <a:xfrm rot="16200000" flipH="1">
+              <a:off x="4679752" y="-495112"/>
+              <a:ext cx="1080000" cy="5760000"/>
+            </a:xfrm>
+            <a:custGeom>
+              <a:avLst/>
+              <a:gdLst>
+                <a:gd name="connsiteX0" fmla="*/ 0 w 10000"/>
+                <a:gd name="connsiteY0" fmla="*/ 2000 h 10000"/>
+                <a:gd name="connsiteX1" fmla="*/ 10000 w 10000"/>
+                <a:gd name="connsiteY1" fmla="*/ 0 h 10000"/>
+                <a:gd name="connsiteX2" fmla="*/ 10000 w 10000"/>
+                <a:gd name="connsiteY2" fmla="*/ 10000 h 10000"/>
+                <a:gd name="connsiteX3" fmla="*/ 0 w 10000"/>
+                <a:gd name="connsiteY3" fmla="*/ 10000 h 10000"/>
+                <a:gd name="connsiteX4" fmla="*/ 0 w 10000"/>
+                <a:gd name="connsiteY4" fmla="*/ 2000 h 10000"/>
+                <a:gd name="connsiteX0" fmla="*/ 0 w 10000"/>
+                <a:gd name="connsiteY0" fmla="*/ 523 h 10000"/>
+                <a:gd name="connsiteX1" fmla="*/ 10000 w 10000"/>
+                <a:gd name="connsiteY1" fmla="*/ 0 h 10000"/>
+                <a:gd name="connsiteX2" fmla="*/ 10000 w 10000"/>
+                <a:gd name="connsiteY2" fmla="*/ 10000 h 10000"/>
+                <a:gd name="connsiteX3" fmla="*/ 0 w 10000"/>
+                <a:gd name="connsiteY3" fmla="*/ 10000 h 10000"/>
+                <a:gd name="connsiteX4" fmla="*/ 0 w 10000"/>
+                <a:gd name="connsiteY4" fmla="*/ 523 h 10000"/>
+              </a:gdLst>
+              <a:ahLst/>
+              <a:cxnLst>
+                <a:cxn ang="0">
+                  <a:pos x="connsiteX0" y="connsiteY0"/>
+                </a:cxn>
+                <a:cxn ang="0">
+                  <a:pos x="connsiteX1" y="connsiteY1"/>
+                </a:cxn>
+                <a:cxn ang="0">
+                  <a:pos x="connsiteX2" y="connsiteY2"/>
+                </a:cxn>
+                <a:cxn ang="0">
+                  <a:pos x="connsiteX3" y="connsiteY3"/>
+                </a:cxn>
+                <a:cxn ang="0">
+                  <a:pos x="connsiteX4" y="connsiteY4"/>
+                </a:cxn>
+              </a:cxnLst>
+              <a:rect l="l" t="t" r="r" b="b"/>
+              <a:pathLst>
+                <a:path w="10000" h="10000">
+                  <a:moveTo>
+                    <a:pt x="0" y="523"/>
+                  </a:moveTo>
+                  <a:lnTo>
+                    <a:pt x="10000" y="0"/>
+                  </a:lnTo>
+                  <a:lnTo>
+                    <a:pt x="10000" y="10000"/>
+                  </a:lnTo>
+                  <a:lnTo>
+                    <a:pt x="0" y="10000"/>
+                  </a:lnTo>
+                  <a:lnTo>
+                    <a:pt x="0" y="523"/>
+                  </a:lnTo>
+                  <a:close/>
+                </a:path>
+              </a:pathLst>
+            </a:custGeom>
+            <a:solidFill>
+              <a:srgbClr val="EBEBEB"/>
+            </a:solidFill>
+            <a:ln>
+              <a:noFill/>
+            </a:ln>
+            <a:effectLst>
+              <a:outerShdw blurRad="50800" dist="38100" dir="2700000" algn="tl" rotWithShape="0">
+                <a:prstClr val="black">
+                  <a:alpha val="40000"/>
+                </a:prstClr>
+              </a:outerShdw>
+            </a:effectLst>
+          </p:spPr>
+          <p:style>
+            <a:lnRef idx="2">
+              <a:schemeClr val="accent1">
+                <a:shade val="50000"/>
+              </a:schemeClr>
+            </a:lnRef>
+            <a:fillRef idx="1">
+              <a:schemeClr val="accent1"/>
+            </a:fillRef>
+            <a:effectRef idx="0">
+              <a:schemeClr val="accent1"/>
+            </a:effectRef>
+            <a:fontRef idx="minor">
+              <a:schemeClr val="lt1"/>
+            </a:fontRef>
+          </p:style>
+          <p:txBody>
+            <a:bodyPr rtlCol="0" anchor="ctr"/>
+            <a:lstStyle/>
+            <a:p>
+              <a:pPr algn="ctr"/>
+              <a:endParaRPr lang="zh-TW" altLang="en-US" dirty="0"/>
+            </a:p>
+          </p:txBody>
+        </p:sp>
+        <p:sp>
+          <p:nvSpPr>
+            <p:cNvPr id="31" name="文字方塊 30"/>
+            <p:cNvSpPr txBox="1"/>
+            <p:nvPr/>
+          </p:nvSpPr>
+          <p:spPr>
+            <a:xfrm>
+              <a:off x="1259632" y="1931542"/>
+              <a:ext cx="1152000" cy="369332"/>
+            </a:xfrm>
+            <a:prstGeom prst="rect">
+              <a:avLst/>
+            </a:prstGeom>
+            <a:noFill/>
+          </p:spPr>
+          <p:txBody>
+            <a:bodyPr wrap="square" rtlCol="0">
+              <a:spAutoFit/>
+            </a:bodyPr>
+            <a:lstStyle/>
+            <a:p>
+              <a:pPr algn="ctr"/>
+              <a:r>
+                <a:rPr lang="zh-TW" altLang="en-US" b="1" dirty="0" smtClean="0">
+                  <a:solidFill>
+                    <a:schemeClr val="bg1"/>
+                  </a:solidFill>
+                  <a:effectLst>
+                    <a:outerShdw blurRad="38100" dist="38100" dir="2700000" algn="tl">
+                      <a:srgbClr val="000000">
+                        <a:alpha val="43137"/>
+                      </a:srgbClr>
+                    </a:outerShdw>
+                  </a:effectLst>
+                  <a:latin typeface="微軟正黑體" panose="020B0604030504040204" pitchFamily="34" charset="-120"/>
+                  <a:ea typeface="微軟正黑體" panose="020B0604030504040204" pitchFamily="34" charset="-120"/>
+                </a:rPr>
+                <a:t>創新研發</a:t>
+              </a:r>
+              <a:endParaRPr lang="zh-TW" altLang="en-US" b="1" dirty="0">
+                <a:solidFill>
+                  <a:schemeClr val="bg1"/>
+                </a:solidFill>
+                <a:effectLst>
+                  <a:outerShdw blurRad="38100" dist="38100" dir="2700000" algn="tl">
+                    <a:srgbClr val="000000">
+                      <a:alpha val="43137"/>
+                    </a:srgbClr>
+                  </a:outerShdw>
+                </a:effectLst>
+                <a:latin typeface="微軟正黑體" panose="020B0604030504040204" pitchFamily="34" charset="-120"/>
+                <a:ea typeface="微軟正黑體" panose="020B0604030504040204" pitchFamily="34" charset="-120"/>
+              </a:endParaRPr>
+            </a:p>
+          </p:txBody>
+        </p:sp>
+        <p:sp>
+          <p:nvSpPr>
+            <p:cNvPr id="32" name="文字方塊 31"/>
+            <p:cNvSpPr txBox="1"/>
+            <p:nvPr/>
+          </p:nvSpPr>
+          <p:spPr>
+            <a:xfrm>
+              <a:off x="2699792" y="1844887"/>
+              <a:ext cx="5292000" cy="1080000"/>
+            </a:xfrm>
+            <a:prstGeom prst="rect">
+              <a:avLst/>
+            </a:prstGeom>
+            <a:noFill/>
+          </p:spPr>
+          <p:txBody>
+            <a:bodyPr wrap="square" rtlCol="0">
+              <a:spAutoFit/>
+            </a:bodyPr>
+            <a:lstStyle/>
+            <a:p>
+              <a:r>
+                <a:rPr lang="zh-TW" altLang="en-US" sz="1600" dirty="0">
+                  <a:solidFill>
+                    <a:schemeClr val="tx1">
+                      <a:lumMod val="75000"/>
+                      <a:lumOff val="25000"/>
+                    </a:schemeClr>
+                  </a:solidFill>
+                  <a:latin typeface="微軟正黑體" panose="020B0604030504040204" pitchFamily="34" charset="-120"/>
+                  <a:ea typeface="微軟正黑體" panose="020B0604030504040204" pitchFamily="34" charset="-120"/>
+                </a:rPr>
+                <a:t>為發展金融科技產業，各國積極鼓勵創新創業，作為促進經濟成的動力，提供新創事業資金、人才、租稅等各方面優惠措施，此外具高度發展潛力及新技術、新構想、快速成長的新創</a:t>
+              </a:r>
+              <a:r>
+                <a:rPr lang="zh-TW" altLang="en-US" sz="1600" dirty="0" smtClean="0">
+                  <a:solidFill>
+                    <a:schemeClr val="tx1">
+                      <a:lumMod val="75000"/>
+                      <a:lumOff val="25000"/>
+                    </a:schemeClr>
+                  </a:solidFill>
+                  <a:latin typeface="微軟正黑體" panose="020B0604030504040204" pitchFamily="34" charset="-120"/>
+                  <a:ea typeface="微軟正黑體" panose="020B0604030504040204" pitchFamily="34" charset="-120"/>
+                </a:rPr>
+                <a:t>事業。</a:t>
+              </a:r>
+              <a:endParaRPr lang="zh-TW" altLang="en-US" sz="1600" dirty="0">
+                <a:solidFill>
+                  <a:schemeClr val="tx1">
+                    <a:lumMod val="75000"/>
+                    <a:lumOff val="25000"/>
+                  </a:schemeClr>
+                </a:solidFill>
+                <a:latin typeface="微軟正黑體" panose="020B0604030504040204" pitchFamily="34" charset="-120"/>
+                <a:ea typeface="微軟正黑體" panose="020B0604030504040204" pitchFamily="34" charset="-120"/>
+              </a:endParaRPr>
+            </a:p>
+          </p:txBody>
+        </p:sp>
+      </p:grpSp>
+      <p:grpSp>
+        <p:nvGrpSpPr>
+          <p:cNvPr id="33" name="群組 32"/>
+          <p:cNvGrpSpPr/>
+          <p:nvPr/>
+        </p:nvGrpSpPr>
+        <p:grpSpPr>
+          <a:xfrm>
+            <a:off x="1115616" y="3813042"/>
+            <a:ext cx="6984136" cy="1296089"/>
+            <a:chOff x="1115616" y="1628799"/>
+            <a:chExt cx="6984136" cy="1296089"/>
+          </a:xfrm>
+        </p:grpSpPr>
+        <p:sp>
+          <p:nvSpPr>
+            <p:cNvPr id="34" name="流程圖: 人工輸入 33"/>
+            <p:cNvSpPr/>
+            <p:nvPr/>
+          </p:nvSpPr>
+          <p:spPr>
+            <a:xfrm rot="16200000" flipV="1">
+              <a:off x="3347865" y="-603450"/>
+              <a:ext cx="864095" cy="5328594"/>
+            </a:xfrm>
+            <a:prstGeom prst="flowChartManualInput">
+              <a:avLst/>
+            </a:prstGeom>
+            <a:solidFill>
+              <a:srgbClr val="BE1F33"/>
+            </a:solidFill>
+            <a:ln>
+              <a:noFill/>
+            </a:ln>
+            <a:effectLst>
+              <a:outerShdw blurRad="50800" dist="38100" dir="2700000" algn="tl" rotWithShape="0">
+                <a:prstClr val="black">
+                  <a:alpha val="40000"/>
+                </a:prstClr>
+              </a:outerShdw>
+            </a:effectLst>
+          </p:spPr>
+          <p:style>
+            <a:lnRef idx="2">
+              <a:schemeClr val="accent1">
+                <a:shade val="50000"/>
+              </a:schemeClr>
+            </a:lnRef>
+            <a:fillRef idx="1">
+              <a:schemeClr val="accent1"/>
+            </a:fillRef>
+            <a:effectRef idx="0">
+              <a:schemeClr val="accent1"/>
+            </a:effectRef>
+            <a:fontRef idx="minor">
+              <a:schemeClr val="lt1"/>
+            </a:fontRef>
+          </p:style>
+          <p:txBody>
+            <a:bodyPr rtlCol="0" anchor="ctr"/>
+            <a:lstStyle/>
+            <a:p>
+              <a:pPr algn="ctr"/>
+              <a:endParaRPr lang="zh-TW" altLang="en-US"/>
+            </a:p>
+          </p:txBody>
+        </p:sp>
+        <p:sp>
+          <p:nvSpPr>
+            <p:cNvPr id="35" name="流程圖: 人工輸入 8"/>
+            <p:cNvSpPr/>
+            <p:nvPr/>
+          </p:nvSpPr>
+          <p:spPr>
+            <a:xfrm rot="16200000" flipH="1">
+              <a:off x="4679752" y="-495112"/>
+              <a:ext cx="1080000" cy="5760000"/>
+            </a:xfrm>
+            <a:custGeom>
+              <a:avLst/>
+              <a:gdLst>
+                <a:gd name="connsiteX0" fmla="*/ 0 w 10000"/>
+                <a:gd name="connsiteY0" fmla="*/ 2000 h 10000"/>
+                <a:gd name="connsiteX1" fmla="*/ 10000 w 10000"/>
+                <a:gd name="connsiteY1" fmla="*/ 0 h 10000"/>
+                <a:gd name="connsiteX2" fmla="*/ 10000 w 10000"/>
+                <a:gd name="connsiteY2" fmla="*/ 10000 h 10000"/>
+                <a:gd name="connsiteX3" fmla="*/ 0 w 10000"/>
+                <a:gd name="connsiteY3" fmla="*/ 10000 h 10000"/>
+                <a:gd name="connsiteX4" fmla="*/ 0 w 10000"/>
+                <a:gd name="connsiteY4" fmla="*/ 2000 h 10000"/>
+                <a:gd name="connsiteX0" fmla="*/ 0 w 10000"/>
+                <a:gd name="connsiteY0" fmla="*/ 523 h 10000"/>
+                <a:gd name="connsiteX1" fmla="*/ 10000 w 10000"/>
+                <a:gd name="connsiteY1" fmla="*/ 0 h 10000"/>
+                <a:gd name="connsiteX2" fmla="*/ 10000 w 10000"/>
+                <a:gd name="connsiteY2" fmla="*/ 10000 h 10000"/>
+                <a:gd name="connsiteX3" fmla="*/ 0 w 10000"/>
+                <a:gd name="connsiteY3" fmla="*/ 10000 h 10000"/>
+                <a:gd name="connsiteX4" fmla="*/ 0 w 10000"/>
+                <a:gd name="connsiteY4" fmla="*/ 523 h 10000"/>
+              </a:gdLst>
+              <a:ahLst/>
+              <a:cxnLst>
+                <a:cxn ang="0">
+                  <a:pos x="connsiteX0" y="connsiteY0"/>
+                </a:cxn>
+                <a:cxn ang="0">
+                  <a:pos x="connsiteX1" y="connsiteY1"/>
+                </a:cxn>
+                <a:cxn ang="0">
+                  <a:pos x="connsiteX2" y="connsiteY2"/>
+                </a:cxn>
+                <a:cxn ang="0">
+                  <a:pos x="connsiteX3" y="connsiteY3"/>
+                </a:cxn>
+                <a:cxn ang="0">
+                  <a:pos x="connsiteX4" y="connsiteY4"/>
+                </a:cxn>
+              </a:cxnLst>
+              <a:rect l="l" t="t" r="r" b="b"/>
+              <a:pathLst>
+                <a:path w="10000" h="10000">
+                  <a:moveTo>
+                    <a:pt x="0" y="523"/>
+                  </a:moveTo>
+                  <a:lnTo>
+                    <a:pt x="10000" y="0"/>
+                  </a:lnTo>
+                  <a:lnTo>
+                    <a:pt x="10000" y="10000"/>
+                  </a:lnTo>
+                  <a:lnTo>
+                    <a:pt x="0" y="10000"/>
+                  </a:lnTo>
+                  <a:lnTo>
+                    <a:pt x="0" y="523"/>
+                  </a:lnTo>
+                  <a:close/>
+                </a:path>
+              </a:pathLst>
+            </a:custGeom>
+            <a:solidFill>
+              <a:srgbClr val="EBEBEB"/>
+            </a:solidFill>
+            <a:ln>
+              <a:noFill/>
+            </a:ln>
+            <a:effectLst>
+              <a:outerShdw blurRad="50800" dist="38100" dir="2700000" algn="tl" rotWithShape="0">
+                <a:prstClr val="black">
+                  <a:alpha val="40000"/>
+                </a:prstClr>
+              </a:outerShdw>
+            </a:effectLst>
+          </p:spPr>
+          <p:style>
+            <a:lnRef idx="2">
+              <a:schemeClr val="accent1">
+                <a:shade val="50000"/>
+              </a:schemeClr>
+            </a:lnRef>
+            <a:fillRef idx="1">
+              <a:schemeClr val="accent1"/>
+            </a:fillRef>
+            <a:effectRef idx="0">
+              <a:schemeClr val="accent1"/>
+            </a:effectRef>
+            <a:fontRef idx="minor">
+              <a:schemeClr val="lt1"/>
+            </a:fontRef>
+          </p:style>
+          <p:txBody>
+            <a:bodyPr rtlCol="0" anchor="ctr"/>
+            <a:lstStyle/>
+            <a:p>
+              <a:pPr algn="ctr"/>
+              <a:endParaRPr lang="zh-TW" altLang="en-US" dirty="0"/>
+            </a:p>
+          </p:txBody>
+        </p:sp>
+        <p:sp>
+          <p:nvSpPr>
+            <p:cNvPr id="36" name="文字方塊 35"/>
+            <p:cNvSpPr txBox="1"/>
+            <p:nvPr/>
+          </p:nvSpPr>
+          <p:spPr>
+            <a:xfrm>
+              <a:off x="1259632" y="1892829"/>
+              <a:ext cx="1152000" cy="369332"/>
+            </a:xfrm>
+            <a:prstGeom prst="rect">
+              <a:avLst/>
+            </a:prstGeom>
+            <a:noFill/>
+          </p:spPr>
+          <p:txBody>
+            <a:bodyPr wrap="square" rtlCol="0">
+              <a:spAutoFit/>
+            </a:bodyPr>
+            <a:lstStyle/>
+            <a:p>
+              <a:pPr algn="ctr"/>
+              <a:r>
+                <a:rPr lang="zh-TW" altLang="en-US" b="1" dirty="0" smtClean="0">
+                  <a:solidFill>
+                    <a:schemeClr val="bg1"/>
+                  </a:solidFill>
+                  <a:effectLst>
+                    <a:outerShdw blurRad="38100" dist="38100" dir="2700000" algn="tl">
+                      <a:srgbClr val="000000">
+                        <a:alpha val="43137"/>
+                      </a:srgbClr>
+                    </a:outerShdw>
+                  </a:effectLst>
+                  <a:latin typeface="微軟正黑體" panose="020B0604030504040204" pitchFamily="34" charset="-120"/>
+                  <a:ea typeface="微軟正黑體" panose="020B0604030504040204" pitchFamily="34" charset="-120"/>
+                </a:rPr>
+                <a:t>風險管理</a:t>
+              </a:r>
+              <a:endParaRPr lang="zh-TW" altLang="en-US" b="1" dirty="0">
+                <a:solidFill>
+                  <a:schemeClr val="bg1"/>
+                </a:solidFill>
+                <a:effectLst>
+                  <a:outerShdw blurRad="38100" dist="38100" dir="2700000" algn="tl">
+                    <a:srgbClr val="000000">
+                      <a:alpha val="43137"/>
+                    </a:srgbClr>
+                  </a:outerShdw>
+                </a:effectLst>
+                <a:latin typeface="微軟正黑體" panose="020B0604030504040204" pitchFamily="34" charset="-120"/>
+                <a:ea typeface="微軟正黑體" panose="020B0604030504040204" pitchFamily="34" charset="-120"/>
+              </a:endParaRPr>
+            </a:p>
+          </p:txBody>
+        </p:sp>
+        <p:sp>
+          <p:nvSpPr>
+            <p:cNvPr id="37" name="文字方塊 36"/>
+            <p:cNvSpPr txBox="1"/>
+            <p:nvPr/>
+          </p:nvSpPr>
+          <p:spPr>
+            <a:xfrm>
+              <a:off x="2699792" y="1844887"/>
+              <a:ext cx="5292000" cy="1077218"/>
+            </a:xfrm>
+            <a:prstGeom prst="rect">
+              <a:avLst/>
+            </a:prstGeom>
+            <a:noFill/>
+          </p:spPr>
+          <p:txBody>
+            <a:bodyPr wrap="square" rtlCol="0">
+              <a:spAutoFit/>
+            </a:bodyPr>
+            <a:lstStyle/>
+            <a:p>
+              <a:r>
+                <a:rPr lang="zh-TW" altLang="en-US" sz="1600" dirty="0" smtClean="0">
+                  <a:solidFill>
+                    <a:schemeClr val="tx1">
+                      <a:lumMod val="75000"/>
+                      <a:lumOff val="25000"/>
+                    </a:schemeClr>
+                  </a:solidFill>
+                  <a:latin typeface="微軟正黑體" panose="020B0604030504040204" pitchFamily="34" charset="-120"/>
+                  <a:ea typeface="微軟正黑體" panose="020B0604030504040204" pitchFamily="34" charset="-120"/>
+                </a:rPr>
+                <a:t>金融機構開始</a:t>
+              </a:r>
+              <a:r>
+                <a:rPr lang="zh-TW" altLang="en-US" sz="1600" dirty="0">
+                  <a:solidFill>
+                    <a:schemeClr val="tx1">
+                      <a:lumMod val="75000"/>
+                      <a:lumOff val="25000"/>
+                    </a:schemeClr>
+                  </a:solidFill>
+                  <a:latin typeface="微軟正黑體" panose="020B0604030504040204" pitchFamily="34" charset="-120"/>
+                  <a:ea typeface="微軟正黑體" panose="020B0604030504040204" pitchFamily="34" charset="-120"/>
+                </a:rPr>
+                <a:t>投資大數據分析，以及輔助</a:t>
+              </a:r>
+              <a:r>
+                <a:rPr lang="zh-TW" altLang="en-US" sz="1600" dirty="0" smtClean="0">
+                  <a:solidFill>
+                    <a:schemeClr val="tx1">
+                      <a:lumMod val="75000"/>
+                      <a:lumOff val="25000"/>
+                    </a:schemeClr>
+                  </a:solidFill>
+                  <a:latin typeface="微軟正黑體" panose="020B0604030504040204" pitchFamily="34" charset="-120"/>
+                  <a:ea typeface="微軟正黑體" panose="020B0604030504040204" pitchFamily="34" charset="-120"/>
+                </a:rPr>
+                <a:t>人工智慧技術</a:t>
+              </a:r>
+              <a:r>
+                <a:rPr lang="zh-TW" altLang="en-US" sz="1600" dirty="0">
+                  <a:solidFill>
+                    <a:schemeClr val="tx1">
+                      <a:lumMod val="75000"/>
+                      <a:lumOff val="25000"/>
+                    </a:schemeClr>
+                  </a:solidFill>
+                  <a:latin typeface="微軟正黑體" panose="020B0604030504040204" pitchFamily="34" charset="-120"/>
+                  <a:ea typeface="微軟正黑體" panose="020B0604030504040204" pitchFamily="34" charset="-120"/>
+                </a:rPr>
+                <a:t>，同時尋求外部軟體即服務（</a:t>
+              </a:r>
+              <a:r>
+                <a:rPr lang="en-US" altLang="zh-TW" sz="1600" dirty="0" err="1">
+                  <a:solidFill>
+                    <a:schemeClr val="tx1">
+                      <a:lumMod val="75000"/>
+                      <a:lumOff val="25000"/>
+                    </a:schemeClr>
+                  </a:solidFill>
+                  <a:latin typeface="微軟正黑體" panose="020B0604030504040204" pitchFamily="34" charset="-120"/>
+                  <a:ea typeface="微軟正黑體" panose="020B0604030504040204" pitchFamily="34" charset="-120"/>
+                </a:rPr>
+                <a:t>SaaS</a:t>
+              </a:r>
+              <a:r>
+                <a:rPr lang="zh-TW" altLang="en-US" sz="1600" dirty="0">
+                  <a:solidFill>
+                    <a:schemeClr val="tx1">
+                      <a:lumMod val="75000"/>
+                      <a:lumOff val="25000"/>
+                    </a:schemeClr>
+                  </a:solidFill>
+                  <a:latin typeface="微軟正黑體" panose="020B0604030504040204" pitchFamily="34" charset="-120"/>
+                  <a:ea typeface="微軟正黑體" panose="020B0604030504040204" pitchFamily="34" charset="-120"/>
+                </a:rPr>
+                <a:t>）和金融科技委外的雲端服務，建立自動化風險控管機制，以滿足其流程處理和法規遵循之需求，降低成本並提高組織靈活性和透明度。</a:t>
+              </a:r>
+            </a:p>
+          </p:txBody>
+        </p:sp>
+      </p:grpSp>
+      <p:grpSp>
+        <p:nvGrpSpPr>
+          <p:cNvPr id="38" name="群組 37"/>
+          <p:cNvGrpSpPr/>
+          <p:nvPr/>
+        </p:nvGrpSpPr>
+        <p:grpSpPr>
+          <a:xfrm>
+            <a:off x="1115616" y="5157192"/>
+            <a:ext cx="6984136" cy="1296089"/>
+            <a:chOff x="1115616" y="1628799"/>
+            <a:chExt cx="6984136" cy="1296089"/>
+          </a:xfrm>
+        </p:grpSpPr>
+        <p:sp>
+          <p:nvSpPr>
+            <p:cNvPr id="39" name="流程圖: 人工輸入 38"/>
+            <p:cNvSpPr/>
+            <p:nvPr/>
+          </p:nvSpPr>
+          <p:spPr>
+            <a:xfrm rot="16200000" flipV="1">
+              <a:off x="3347865" y="-603450"/>
+              <a:ext cx="864095" cy="5328594"/>
+            </a:xfrm>
+            <a:prstGeom prst="flowChartManualInput">
+              <a:avLst/>
+            </a:prstGeom>
+            <a:solidFill>
+              <a:srgbClr val="01A5AE"/>
+            </a:solidFill>
+            <a:ln>
+              <a:noFill/>
+            </a:ln>
+            <a:effectLst>
+              <a:outerShdw blurRad="50800" dist="38100" dir="2700000" algn="tl" rotWithShape="0">
+                <a:prstClr val="black">
+                  <a:alpha val="40000"/>
+                </a:prstClr>
+              </a:outerShdw>
+            </a:effectLst>
+          </p:spPr>
+          <p:style>
+            <a:lnRef idx="2">
+              <a:schemeClr val="accent1">
+                <a:shade val="50000"/>
+              </a:schemeClr>
+            </a:lnRef>
+            <a:fillRef idx="1">
+              <a:schemeClr val="accent1"/>
+            </a:fillRef>
+            <a:effectRef idx="0">
+              <a:schemeClr val="accent1"/>
+            </a:effectRef>
+            <a:fontRef idx="minor">
+              <a:schemeClr val="lt1"/>
+            </a:fontRef>
+          </p:style>
+          <p:txBody>
+            <a:bodyPr rtlCol="0" anchor="ctr"/>
+            <a:lstStyle/>
+            <a:p>
+              <a:pPr algn="ctr"/>
+              <a:endParaRPr lang="zh-TW" altLang="en-US"/>
+            </a:p>
+          </p:txBody>
+        </p:sp>
+        <p:sp>
+          <p:nvSpPr>
+            <p:cNvPr id="40" name="流程圖: 人工輸入 8"/>
+            <p:cNvSpPr/>
+            <p:nvPr/>
+          </p:nvSpPr>
+          <p:spPr>
+            <a:xfrm rot="16200000" flipH="1">
+              <a:off x="4679752" y="-495112"/>
+              <a:ext cx="1080000" cy="5760000"/>
+            </a:xfrm>
+            <a:custGeom>
+              <a:avLst/>
+              <a:gdLst>
+                <a:gd name="connsiteX0" fmla="*/ 0 w 10000"/>
+                <a:gd name="connsiteY0" fmla="*/ 2000 h 10000"/>
+                <a:gd name="connsiteX1" fmla="*/ 10000 w 10000"/>
+                <a:gd name="connsiteY1" fmla="*/ 0 h 10000"/>
+                <a:gd name="connsiteX2" fmla="*/ 10000 w 10000"/>
+                <a:gd name="connsiteY2" fmla="*/ 10000 h 10000"/>
+                <a:gd name="connsiteX3" fmla="*/ 0 w 10000"/>
+                <a:gd name="connsiteY3" fmla="*/ 10000 h 10000"/>
+                <a:gd name="connsiteX4" fmla="*/ 0 w 10000"/>
+                <a:gd name="connsiteY4" fmla="*/ 2000 h 10000"/>
+                <a:gd name="connsiteX0" fmla="*/ 0 w 10000"/>
+                <a:gd name="connsiteY0" fmla="*/ 523 h 10000"/>
+                <a:gd name="connsiteX1" fmla="*/ 10000 w 10000"/>
+                <a:gd name="connsiteY1" fmla="*/ 0 h 10000"/>
+                <a:gd name="connsiteX2" fmla="*/ 10000 w 10000"/>
+                <a:gd name="connsiteY2" fmla="*/ 10000 h 10000"/>
+                <a:gd name="connsiteX3" fmla="*/ 0 w 10000"/>
+                <a:gd name="connsiteY3" fmla="*/ 10000 h 10000"/>
+                <a:gd name="connsiteX4" fmla="*/ 0 w 10000"/>
+                <a:gd name="connsiteY4" fmla="*/ 523 h 10000"/>
+              </a:gdLst>
+              <a:ahLst/>
+              <a:cxnLst>
+                <a:cxn ang="0">
+                  <a:pos x="connsiteX0" y="connsiteY0"/>
+                </a:cxn>
+                <a:cxn ang="0">
+                  <a:pos x="connsiteX1" y="connsiteY1"/>
+                </a:cxn>
+                <a:cxn ang="0">
+                  <a:pos x="connsiteX2" y="connsiteY2"/>
+                </a:cxn>
+                <a:cxn ang="0">
+                  <a:pos x="connsiteX3" y="connsiteY3"/>
+                </a:cxn>
+                <a:cxn ang="0">
+                  <a:pos x="connsiteX4" y="connsiteY4"/>
+                </a:cxn>
+              </a:cxnLst>
+              <a:rect l="l" t="t" r="r" b="b"/>
+              <a:pathLst>
+                <a:path w="10000" h="10000">
+                  <a:moveTo>
+                    <a:pt x="0" y="523"/>
+                  </a:moveTo>
+                  <a:lnTo>
+                    <a:pt x="10000" y="0"/>
+                  </a:lnTo>
+                  <a:lnTo>
+                    <a:pt x="10000" y="10000"/>
+                  </a:lnTo>
+                  <a:lnTo>
+                    <a:pt x="0" y="10000"/>
+                  </a:lnTo>
+                  <a:lnTo>
+                    <a:pt x="0" y="523"/>
+                  </a:lnTo>
+                  <a:close/>
+                </a:path>
+              </a:pathLst>
+            </a:custGeom>
+            <a:solidFill>
+              <a:srgbClr val="EBEBEB"/>
+            </a:solidFill>
+            <a:ln>
+              <a:noFill/>
+            </a:ln>
+            <a:effectLst>
+              <a:outerShdw blurRad="50800" dist="38100" dir="2700000" algn="tl" rotWithShape="0">
+                <a:prstClr val="black">
+                  <a:alpha val="40000"/>
+                </a:prstClr>
+              </a:outerShdw>
+            </a:effectLst>
+          </p:spPr>
+          <p:style>
+            <a:lnRef idx="2">
+              <a:schemeClr val="accent1">
+                <a:shade val="50000"/>
+              </a:schemeClr>
+            </a:lnRef>
+            <a:fillRef idx="1">
+              <a:schemeClr val="accent1"/>
+            </a:fillRef>
+            <a:effectRef idx="0">
+              <a:schemeClr val="accent1"/>
+            </a:effectRef>
+            <a:fontRef idx="minor">
+              <a:schemeClr val="lt1"/>
+            </a:fontRef>
+          </p:style>
+          <p:txBody>
+            <a:bodyPr rtlCol="0" anchor="ctr"/>
+            <a:lstStyle/>
+            <a:p>
+              <a:pPr algn="ctr"/>
+              <a:endParaRPr lang="zh-TW" altLang="en-US" dirty="0"/>
+            </a:p>
+          </p:txBody>
+        </p:sp>
+        <p:sp>
+          <p:nvSpPr>
+            <p:cNvPr id="41" name="文字方塊 40"/>
+            <p:cNvSpPr txBox="1"/>
+            <p:nvPr/>
+          </p:nvSpPr>
+          <p:spPr>
+            <a:xfrm>
+              <a:off x="1259632" y="1916831"/>
+              <a:ext cx="1152000" cy="369332"/>
+            </a:xfrm>
+            <a:prstGeom prst="rect">
+              <a:avLst/>
+            </a:prstGeom>
+            <a:noFill/>
+          </p:spPr>
+          <p:txBody>
+            <a:bodyPr wrap="square" rtlCol="0">
+              <a:spAutoFit/>
+            </a:bodyPr>
+            <a:lstStyle/>
+            <a:p>
+              <a:pPr algn="ctr"/>
+              <a:r>
+                <a:rPr lang="zh-TW" altLang="en-US" b="1" dirty="0" smtClean="0">
+                  <a:solidFill>
+                    <a:schemeClr val="bg1"/>
+                  </a:solidFill>
+                  <a:effectLst>
+                    <a:outerShdw blurRad="38100" dist="38100" dir="2700000" algn="tl">
+                      <a:srgbClr val="000000">
+                        <a:alpha val="43137"/>
+                      </a:srgbClr>
+                    </a:outerShdw>
+                  </a:effectLst>
+                  <a:latin typeface="微軟正黑體" panose="020B0604030504040204" pitchFamily="34" charset="-120"/>
+                  <a:ea typeface="微軟正黑體" panose="020B0604030504040204" pitchFamily="34" charset="-120"/>
+                </a:rPr>
+                <a:t>基礎建設</a:t>
+              </a:r>
+              <a:endParaRPr lang="zh-TW" altLang="en-US" b="1" dirty="0">
+                <a:solidFill>
+                  <a:schemeClr val="bg1"/>
+                </a:solidFill>
+                <a:effectLst>
+                  <a:outerShdw blurRad="38100" dist="38100" dir="2700000" algn="tl">
+                    <a:srgbClr val="000000">
+                      <a:alpha val="43137"/>
+                    </a:srgbClr>
+                  </a:outerShdw>
+                </a:effectLst>
+                <a:latin typeface="微軟正黑體" panose="020B0604030504040204" pitchFamily="34" charset="-120"/>
+                <a:ea typeface="微軟正黑體" panose="020B0604030504040204" pitchFamily="34" charset="-120"/>
+              </a:endParaRPr>
+            </a:p>
+          </p:txBody>
+        </p:sp>
+        <p:sp>
+          <p:nvSpPr>
+            <p:cNvPr id="42" name="文字方塊 41"/>
+            <p:cNvSpPr txBox="1"/>
+            <p:nvPr/>
+          </p:nvSpPr>
+          <p:spPr>
+            <a:xfrm>
+              <a:off x="2699792" y="1844887"/>
+              <a:ext cx="5292000" cy="1077218"/>
+            </a:xfrm>
+            <a:prstGeom prst="rect">
+              <a:avLst/>
+            </a:prstGeom>
+            <a:noFill/>
+          </p:spPr>
+          <p:txBody>
+            <a:bodyPr wrap="square" rtlCol="0">
+              <a:spAutoFit/>
+            </a:bodyPr>
+            <a:lstStyle/>
+            <a:p>
+              <a:r>
+                <a:rPr lang="zh-TW" altLang="en-US" sz="1600" dirty="0">
+                  <a:solidFill>
+                    <a:schemeClr val="tx1">
+                      <a:lumMod val="75000"/>
+                      <a:lumOff val="25000"/>
+                    </a:schemeClr>
+                  </a:solidFill>
+                  <a:latin typeface="微軟正黑體" panose="020B0604030504040204" pitchFamily="34" charset="-120"/>
+                  <a:ea typeface="微軟正黑體" panose="020B0604030504040204" pitchFamily="34" charset="-120"/>
+                </a:rPr>
+                <a:t>隨著第</a:t>
+              </a:r>
+              <a:r>
+                <a:rPr lang="en-US" altLang="zh-TW" sz="1600" dirty="0">
+                  <a:solidFill>
+                    <a:schemeClr val="tx1">
+                      <a:lumMod val="75000"/>
+                      <a:lumOff val="25000"/>
+                    </a:schemeClr>
+                  </a:solidFill>
+                  <a:latin typeface="微軟正黑體" panose="020B0604030504040204" pitchFamily="34" charset="-120"/>
+                  <a:ea typeface="微軟正黑體" panose="020B0604030504040204" pitchFamily="34" charset="-120"/>
+                </a:rPr>
+                <a:t>3</a:t>
+              </a:r>
+              <a:r>
+                <a:rPr lang="zh-TW" altLang="en-US" sz="1600" dirty="0">
+                  <a:solidFill>
+                    <a:schemeClr val="tx1">
+                      <a:lumMod val="75000"/>
+                      <a:lumOff val="25000"/>
+                    </a:schemeClr>
+                  </a:solidFill>
+                  <a:latin typeface="微軟正黑體" panose="020B0604030504040204" pitchFamily="34" charset="-120"/>
+                  <a:ea typeface="微軟正黑體" panose="020B0604030504040204" pitchFamily="34" charset="-120"/>
+                </a:rPr>
+                <a:t>、</a:t>
+              </a:r>
+              <a:r>
+                <a:rPr lang="en-US" altLang="zh-TW" sz="1600" dirty="0">
+                  <a:solidFill>
+                    <a:schemeClr val="tx1">
+                      <a:lumMod val="75000"/>
+                      <a:lumOff val="25000"/>
+                    </a:schemeClr>
+                  </a:solidFill>
+                  <a:latin typeface="微軟正黑體" panose="020B0604030504040204" pitchFamily="34" charset="-120"/>
+                  <a:ea typeface="微軟正黑體" panose="020B0604030504040204" pitchFamily="34" charset="-120"/>
+                </a:rPr>
+                <a:t>4</a:t>
+              </a:r>
+              <a:r>
+                <a:rPr lang="zh-TW" altLang="en-US" sz="1600" dirty="0">
+                  <a:solidFill>
+                    <a:schemeClr val="tx1">
+                      <a:lumMod val="75000"/>
+                      <a:lumOff val="25000"/>
+                    </a:schemeClr>
+                  </a:solidFill>
+                  <a:latin typeface="微軟正黑體" panose="020B0604030504040204" pitchFamily="34" charset="-120"/>
+                  <a:ea typeface="微軟正黑體" panose="020B0604030504040204" pitchFamily="34" charset="-120"/>
+                </a:rPr>
+                <a:t>代行動網路基礎建設</a:t>
+              </a:r>
+              <a:r>
+                <a:rPr lang="zh-TW" altLang="en-US" sz="1600" dirty="0" smtClean="0">
+                  <a:solidFill>
+                    <a:schemeClr val="tx1">
+                      <a:lumMod val="75000"/>
+                      <a:lumOff val="25000"/>
+                    </a:schemeClr>
+                  </a:solidFill>
+                  <a:latin typeface="微軟正黑體" panose="020B0604030504040204" pitchFamily="34" charset="-120"/>
+                  <a:ea typeface="微軟正黑體" panose="020B0604030504040204" pitchFamily="34" charset="-120"/>
+                </a:rPr>
+                <a:t>與行動</a:t>
+              </a:r>
+              <a:r>
+                <a:rPr lang="zh-TW" altLang="en-US" sz="1600" dirty="0">
+                  <a:solidFill>
+                    <a:schemeClr val="tx1">
+                      <a:lumMod val="75000"/>
+                      <a:lumOff val="25000"/>
+                    </a:schemeClr>
+                  </a:solidFill>
+                  <a:latin typeface="微軟正黑體" panose="020B0604030504040204" pitchFamily="34" charset="-120"/>
+                  <a:ea typeface="微軟正黑體" panose="020B0604030504040204" pitchFamily="34" charset="-120"/>
+                </a:rPr>
+                <a:t>裝置普及，使得行動金融服務更加蓬勃發展。不過由於金融與電信業者分受不同部門監理，如何制定監理框架，衡量監理比例</a:t>
+              </a:r>
+              <a:r>
+                <a:rPr lang="zh-TW" altLang="en-US" sz="1600" dirty="0" smtClean="0">
+                  <a:solidFill>
+                    <a:schemeClr val="tx1">
+                      <a:lumMod val="75000"/>
+                      <a:lumOff val="25000"/>
+                    </a:schemeClr>
+                  </a:solidFill>
+                  <a:latin typeface="微軟正黑體" panose="020B0604030504040204" pitchFamily="34" charset="-120"/>
+                  <a:ea typeface="微軟正黑體" panose="020B0604030504040204" pitchFamily="34" charset="-120"/>
+                </a:rPr>
+                <a:t>，以</a:t>
+              </a:r>
+              <a:r>
+                <a:rPr lang="zh-TW" altLang="en-US" sz="1600" dirty="0">
+                  <a:solidFill>
+                    <a:schemeClr val="tx1">
+                      <a:lumMod val="75000"/>
+                      <a:lumOff val="25000"/>
+                    </a:schemeClr>
+                  </a:solidFill>
+                  <a:latin typeface="微軟正黑體" panose="020B0604030504040204" pitchFamily="34" charset="-120"/>
+                  <a:ea typeface="微軟正黑體" panose="020B0604030504040204" pitchFamily="34" charset="-120"/>
+                </a:rPr>
+                <a:t>確保金融穩定及保護消費者，成為各國共同面對的挑戰。</a:t>
+              </a:r>
+            </a:p>
+          </p:txBody>
+        </p:sp>
+      </p:grpSp>
+      <p:sp>
+        <p:nvSpPr>
+          <p:cNvPr id="2" name="矩形 1"/>
+          <p:cNvSpPr/>
+          <p:nvPr/>
+        </p:nvSpPr>
+        <p:spPr>
+          <a:xfrm>
+            <a:off x="935596" y="3813042"/>
+            <a:ext cx="7272808" cy="2712302"/>
+          </a:xfrm>
+          <a:prstGeom prst="rect">
+            <a:avLst/>
+          </a:prstGeom>
+          <a:solidFill>
+            <a:schemeClr val="bg1">
+              <a:alpha val="85000"/>
+            </a:schemeClr>
+          </a:solidFill>
+          <a:ln>
+            <a:noFill/>
+          </a:ln>
+        </p:spPr>
+        <p:style>
+          <a:lnRef idx="2">
+            <a:schemeClr val="accent1">
+              <a:shade val="50000"/>
+            </a:schemeClr>
+          </a:lnRef>
+          <a:fillRef idx="1">
+            <a:schemeClr val="accent1"/>
+          </a:fillRef>
+          <a:effectRef idx="0">
+            <a:schemeClr val="accent1"/>
+          </a:effectRef>
+          <a:fontRef idx="minor">
+            <a:schemeClr val="lt1"/>
+          </a:fontRef>
+        </p:style>
+        <p:txBody>
+          <a:bodyPr rtlCol="0" anchor="ctr"/>
+          <a:lstStyle/>
+          <a:p>
+            <a:pPr algn="ctr"/>
+            <a:endParaRPr lang="zh-TW" altLang="en-US"/>
+          </a:p>
+        </p:txBody>
+      </p:sp>
+      <p:sp>
+        <p:nvSpPr>
+          <p:cNvPr id="26" name="矩形 25"/>
+          <p:cNvSpPr/>
+          <p:nvPr/>
+        </p:nvSpPr>
+        <p:spPr>
+          <a:xfrm>
+            <a:off x="935596" y="1052736"/>
+            <a:ext cx="7272808" cy="1416157"/>
+          </a:xfrm>
+          <a:prstGeom prst="rect">
+            <a:avLst/>
+          </a:prstGeom>
+          <a:solidFill>
+            <a:schemeClr val="bg1">
+              <a:alpha val="85000"/>
+            </a:schemeClr>
+          </a:solidFill>
+          <a:ln>
+            <a:noFill/>
+          </a:ln>
+        </p:spPr>
+        <p:style>
+          <a:lnRef idx="2">
+            <a:schemeClr val="accent1">
+              <a:shade val="50000"/>
+            </a:schemeClr>
+          </a:lnRef>
+          <a:fillRef idx="1">
+            <a:schemeClr val="accent1"/>
+          </a:fillRef>
+          <a:effectRef idx="0">
+            <a:schemeClr val="accent1"/>
+          </a:effectRef>
+          <a:fontRef idx="minor">
+            <a:schemeClr val="lt1"/>
+          </a:fontRef>
+        </p:style>
+        <p:txBody>
+          <a:bodyPr rtlCol="0" anchor="ctr"/>
+          <a:lstStyle/>
+          <a:p>
+            <a:pPr algn="ctr"/>
+            <a:endParaRPr lang="zh-TW" altLang="en-US"/>
+          </a:p>
+        </p:txBody>
+      </p:sp>
     </p:spTree>
     <p:extLst>
       <p:ext uri="{BB962C8B-B14F-4D97-AF65-F5344CB8AC3E}">
-        <p14:creationId xmlns:p14="http://schemas.microsoft.com/office/powerpoint/2010/main" val="3956547525"/>
+        <p14:creationId xmlns:p14="http://schemas.microsoft.com/office/powerpoint/2010/main" val="2187009885"/>
       </p:ext>
     </p:extLst>
   </p:cSld>
@@ -3444,7 +5226,7 @@
             <a:fld id="{E0DBF2A0-D569-4754-A181-EB6AFB346A11}" type="datetime1">
               <a:rPr lang="zh-TW" altLang="en-US" smtClean="0"/>
               <a:pPr/>
-              <a:t>2016/7/4</a:t>
+              <a:t>2016/7/11</a:t>
             </a:fld>
             <a:endParaRPr lang="zh-TW" altLang="en-US" dirty="0"/>
           </a:p>
@@ -3792,7 +5574,7 @@
           <a:p>
             <a:fld id="{F5EB54BD-0855-4C71-B321-D9B65086D443}" type="datetime1">
               <a:rPr lang="zh-TW" altLang="en-US" smtClean="0"/>
-              <a:t>2016/7/4</a:t>
+              <a:t>2016/7/11</a:t>
             </a:fld>
             <a:endParaRPr lang="zh-TW" altLang="en-US"/>
           </a:p>
@@ -3937,7 +5719,7 @@
           <a:p>
             <a:fld id="{F5EB54BD-0855-4C71-B321-D9B65086D443}" type="datetime1">
               <a:rPr lang="zh-TW" altLang="en-US" smtClean="0"/>
-              <a:t>2016/7/4</a:t>
+              <a:t>2016/7/11</a:t>
             </a:fld>
             <a:endParaRPr lang="zh-TW" altLang="en-US"/>
           </a:p>
@@ -4131,7 +5913,7 @@
           <a:p>
             <a:fld id="{F5EB54BD-0855-4C71-B321-D9B65086D443}" type="datetime1">
               <a:rPr lang="zh-TW" altLang="en-US" smtClean="0"/>
-              <a:t>2016/7/4</a:t>
+              <a:t>2016/7/11</a:t>
             </a:fld>
             <a:endParaRPr lang="zh-TW" altLang="en-US"/>
           </a:p>
@@ -4315,7 +6097,7 @@
             <a:fld id="{E0DBF2A0-D569-4754-A181-EB6AFB346A11}" type="datetime1">
               <a:rPr lang="zh-TW" altLang="en-US" smtClean="0"/>
               <a:pPr/>
-              <a:t>2016/7/5</a:t>
+              <a:t>2016/7/11</a:t>
             </a:fld>
             <a:endParaRPr lang="zh-TW" altLang="en-US" dirty="0"/>
           </a:p>
@@ -4452,8 +6234,8 @@
           <a:lstStyle/>
           <a:p>
             <a:r>
-              <a:rPr lang="en-US" altLang="zh-TW" dirty="0" smtClean="0"/>
-              <a:t>Change</a:t>
+              <a:rPr lang="zh-TW" altLang="en-US" dirty="0" smtClean="0"/>
+              <a:t>生態變遷</a:t>
             </a:r>
             <a:endParaRPr lang="zh-TW" altLang="en-US" dirty="0"/>
           </a:p>
@@ -4485,17 +6267,70 @@
             <a:endParaRPr lang="en-US" altLang="zh-TW" dirty="0" smtClean="0"/>
           </a:p>
           <a:p>
-            <a:r>
-              <a:rPr lang="zh-TW" altLang="en-US" dirty="0" smtClean="0"/>
-              <a:t>中介式微</a:t>
-            </a:r>
-            <a:endParaRPr lang="en-US" altLang="zh-TW" dirty="0" smtClean="0"/>
-          </a:p>
-          <a:p>
+            <a:pPr lvl="1"/>
             <a:r>
               <a:rPr lang="zh-TW" altLang="en-US" dirty="0"/>
+              <a:t>產業之間的界限日趨模糊</a:t>
+            </a:r>
+            <a:r>
+              <a:rPr lang="zh-TW" altLang="en-US" dirty="0" smtClean="0"/>
+              <a:t>，產業</a:t>
+            </a:r>
+            <a:r>
+              <a:rPr lang="zh-TW" altLang="en-US" dirty="0"/>
+              <a:t>融合與跨業</a:t>
+            </a:r>
+            <a:r>
+              <a:rPr lang="zh-TW" altLang="en-US" dirty="0" smtClean="0"/>
+              <a:t>經營成為競爭力</a:t>
+            </a:r>
+            <a:r>
+              <a:rPr lang="zh-TW" altLang="en-US" dirty="0"/>
+              <a:t>的重要策略。</a:t>
+            </a:r>
+            <a:endParaRPr lang="en-US" altLang="zh-TW" dirty="0" smtClean="0"/>
+          </a:p>
+          <a:p>
+            <a:r>
+              <a:rPr lang="zh-TW" altLang="en-US" dirty="0" smtClean="0"/>
+              <a:t>中介</a:t>
+            </a:r>
+            <a:r>
+              <a:rPr lang="zh-TW" altLang="en-US" dirty="0" smtClean="0"/>
+              <a:t>式微</a:t>
+            </a:r>
+            <a:endParaRPr lang="en-US" altLang="zh-TW" dirty="0" smtClean="0"/>
+          </a:p>
+          <a:p>
+            <a:pPr lvl="1"/>
+            <a:r>
+              <a:rPr lang="zh-TW" altLang="en-US" dirty="0"/>
+              <a:t>新興業者開發網路借貸平台與大數據信用評等，降低交易成本與資訊不對稱</a:t>
+            </a:r>
+            <a:r>
+              <a:rPr lang="zh-TW" altLang="en-US" dirty="0" smtClean="0"/>
+              <a:t>程度。</a:t>
+            </a:r>
+            <a:endParaRPr lang="en-US" altLang="zh-TW" dirty="0" smtClean="0"/>
+          </a:p>
+          <a:p>
+            <a:r>
+              <a:rPr lang="zh-TW" altLang="en-US" dirty="0" smtClean="0"/>
               <a:t>外部資源</a:t>
             </a:r>
+            <a:endParaRPr lang="en-US" altLang="zh-TW" dirty="0" smtClean="0"/>
+          </a:p>
+          <a:p>
+            <a:pPr lvl="1"/>
+            <a:r>
+              <a:rPr lang="zh-TW" altLang="en-US" dirty="0"/>
+              <a:t>新技術的更迭，金融服務快速的推陳出新，造成市場版圖急速</a:t>
+            </a:r>
+            <a:r>
+              <a:rPr lang="zh-TW" altLang="en-US" dirty="0" smtClean="0"/>
+              <a:t>變化。</a:t>
+            </a:r>
+            <a:endParaRPr lang="zh-TW" altLang="en-US" dirty="0"/>
           </a:p>
         </p:txBody>
       </p:sp>
@@ -4516,7 +6351,7 @@
           <a:p>
             <a:fld id="{D9AA292D-0E3D-426E-89E3-B1EEBDC7792D}" type="datetime1">
               <a:rPr lang="zh-TW" altLang="en-US" smtClean="0"/>
-              <a:t>2016/7/1</a:t>
+              <a:t>2016/7/11</a:t>
             </a:fld>
             <a:endParaRPr lang="zh-TW" altLang="en-US"/>
           </a:p>
@@ -4861,7 +6696,7 @@
           <a:p>
             <a:fld id="{F5EB54BD-0855-4C71-B321-D9B65086D443}" type="datetime1">
               <a:rPr lang="zh-TW" altLang="en-US" smtClean="0"/>
-              <a:t>2016/7/5</a:t>
+              <a:t>2016/7/11</a:t>
             </a:fld>
             <a:endParaRPr lang="zh-TW" altLang="en-US"/>
           </a:p>
@@ -5018,7 +6853,7 @@
           <a:p>
             <a:fld id="{F5EB54BD-0855-4C71-B321-D9B65086D443}" type="datetime1">
               <a:rPr lang="zh-TW" altLang="en-US" smtClean="0"/>
-              <a:t>2016/7/5</a:t>
+              <a:t>2016/7/11</a:t>
             </a:fld>
             <a:endParaRPr lang="zh-TW" altLang="en-US"/>
           </a:p>
@@ -5283,7 +7118,7 @@
           <a:p>
             <a:fld id="{F5EB54BD-0855-4C71-B321-D9B65086D443}" type="datetime1">
               <a:rPr lang="zh-TW" altLang="en-US" smtClean="0"/>
-              <a:t>2016/7/5</a:t>
+              <a:t>2016/7/11</a:t>
             </a:fld>
             <a:endParaRPr lang="zh-TW" altLang="en-US"/>
           </a:p>
@@ -5610,7 +7445,7 @@
           <a:p>
             <a:fld id="{F5EB54BD-0855-4C71-B321-D9B65086D443}" type="datetime1">
               <a:rPr lang="zh-TW" altLang="en-US" smtClean="0"/>
-              <a:t>2016/7/5</a:t>
+              <a:t>2016/7/11</a:t>
             </a:fld>
             <a:endParaRPr lang="zh-TW" altLang="en-US"/>
           </a:p>
@@ -5720,7 +7555,7 @@
           <a:p>
             <a:fld id="{F5EB54BD-0855-4C71-B321-D9B65086D443}" type="datetime1">
               <a:rPr lang="zh-TW" altLang="en-US" smtClean="0"/>
-              <a:t>2016/7/5</a:t>
+              <a:t>2016/7/11</a:t>
             </a:fld>
             <a:endParaRPr lang="zh-TW" altLang="en-US"/>
           </a:p>
@@ -6033,7 +7868,7 @@
             <a:fld id="{E0DBF2A0-D569-4754-A181-EB6AFB346A11}" type="datetime1">
               <a:rPr lang="zh-TW" altLang="en-US" smtClean="0"/>
               <a:pPr/>
-              <a:t>2016/7/5</a:t>
+              <a:t>2016/7/11</a:t>
             </a:fld>
             <a:endParaRPr lang="zh-TW" altLang="en-US" dirty="0"/>
           </a:p>
@@ -6359,7 +8194,7 @@
           <a:p>
             <a:fld id="{F5EB54BD-0855-4C71-B321-D9B65086D443}" type="datetime1">
               <a:rPr lang="zh-TW" altLang="en-US" smtClean="0"/>
-              <a:t>2016/7/5</a:t>
+              <a:t>2016/7/11</a:t>
             </a:fld>
             <a:endParaRPr lang="zh-TW" altLang="en-US"/>
           </a:p>
@@ -6572,7 +8407,7 @@
           <a:p>
             <a:fld id="{F5EB54BD-0855-4C71-B321-D9B65086D443}" type="datetime1">
               <a:rPr lang="zh-TW" altLang="en-US" smtClean="0"/>
-              <a:t>2016/7/6</a:t>
+              <a:t>2016/7/11</a:t>
             </a:fld>
             <a:endParaRPr lang="zh-TW" altLang="en-US"/>
           </a:p>
@@ -7062,7 +8897,7 @@
           <a:p>
             <a:fld id="{F5EB54BD-0855-4C71-B321-D9B65086D443}" type="datetime1">
               <a:rPr lang="zh-TW" altLang="en-US" smtClean="0"/>
-              <a:t>2016/7/6</a:t>
+              <a:t>2016/7/11</a:t>
             </a:fld>
             <a:endParaRPr lang="zh-TW" altLang="en-US"/>
           </a:p>
@@ -7665,7 +9500,7 @@
           <a:p>
             <a:fld id="{F5EB54BD-0855-4C71-B321-D9B65086D443}" type="datetime1">
               <a:rPr lang="zh-TW" altLang="en-US" smtClean="0"/>
-              <a:t>2016/7/6</a:t>
+              <a:t>2016/7/11</a:t>
             </a:fld>
             <a:endParaRPr lang="zh-TW" altLang="en-US"/>
           </a:p>
@@ -7747,8 +9582,8 @@
           <a:lstStyle/>
           <a:p>
             <a:r>
-              <a:rPr lang="en-US" altLang="zh-TW" dirty="0" smtClean="0"/>
-              <a:t>Present situation (foreign)</a:t>
+              <a:rPr lang="zh-TW" altLang="en-US" dirty="0" smtClean="0"/>
+              <a:t>國際趨勢</a:t>
             </a:r>
             <a:endParaRPr lang="zh-TW" altLang="en-US" dirty="0"/>
           </a:p>
@@ -7859,28 +9694,48 @@
           <a:p>
             <a:pPr lvl="1"/>
             <a:r>
-              <a:rPr lang="en-US" altLang="zh-TW" dirty="0" smtClean="0"/>
-              <a:t>FT</a:t>
-            </a:r>
-            <a:r>
-              <a:rPr lang="zh-TW" altLang="en-US" dirty="0" smtClean="0"/>
-              <a:t>督導小組、</a:t>
-            </a:r>
-            <a:r>
-              <a:rPr lang="en-US" altLang="zh-TW" dirty="0" smtClean="0"/>
-              <a:t>FT</a:t>
+              <a:rPr lang="en-US" altLang="zh-TW" dirty="0" err="1" smtClean="0"/>
+              <a:t>FinTech</a:t>
+            </a:r>
+            <a:r>
+              <a:rPr lang="zh-TW" altLang="en-US" dirty="0" smtClean="0"/>
+              <a:t>督導</a:t>
+            </a:r>
+            <a:r>
+              <a:rPr lang="zh-TW" altLang="en-US" dirty="0" smtClean="0"/>
+              <a:t>小組</a:t>
+            </a:r>
+            <a:r>
+              <a:rPr lang="zh-TW" altLang="en-US" dirty="0" smtClean="0"/>
+              <a:t>、</a:t>
+            </a:r>
+            <a:r>
+              <a:rPr lang="en-US" altLang="zh-TW" dirty="0"/>
+              <a:t> </a:t>
+            </a:r>
+            <a:r>
+              <a:rPr lang="en-US" altLang="zh-TW" dirty="0" err="1"/>
+              <a:t>FinTech</a:t>
             </a:r>
             <a:r>
               <a:rPr lang="zh-TW" altLang="en-US" dirty="0" smtClean="0"/>
               <a:t>辦公室、</a:t>
             </a:r>
             <a:r>
-              <a:rPr lang="en-US" altLang="zh-TW" dirty="0" smtClean="0"/>
-              <a:t>FT</a:t>
-            </a:r>
-            <a:r>
-              <a:rPr lang="zh-TW" altLang="en-US" dirty="0" smtClean="0"/>
-              <a:t>諮詢顧問團</a:t>
+              <a:rPr lang="en-US" altLang="zh-TW" dirty="0"/>
+              <a:t> </a:t>
+            </a:r>
+            <a:r>
+              <a:rPr lang="en-US" altLang="zh-TW" dirty="0" err="1"/>
+              <a:t>FinTech</a:t>
+            </a:r>
+            <a:r>
+              <a:rPr lang="zh-TW" altLang="en-US" dirty="0" smtClean="0"/>
+              <a:t>諮詢</a:t>
+            </a:r>
+            <a:r>
+              <a:rPr lang="zh-TW" altLang="en-US" dirty="0" smtClean="0"/>
+              <a:t>顧問團</a:t>
             </a:r>
             <a:endParaRPr lang="en-US" altLang="zh-TW" dirty="0" smtClean="0"/>
           </a:p>
@@ -7954,7 +9809,7 @@
           <a:p>
             <a:fld id="{F5EB54BD-0855-4C71-B321-D9B65086D443}" type="datetime1">
               <a:rPr lang="zh-TW" altLang="en-US" smtClean="0"/>
-              <a:t>2016/7/4</a:t>
+              <a:t>2016/7/11</a:t>
             </a:fld>
             <a:endParaRPr lang="zh-TW" altLang="en-US"/>
           </a:p>
@@ -8064,7 +9919,7 @@
           <a:p>
             <a:fld id="{F5EB54BD-0855-4C71-B321-D9B65086D443}" type="datetime1">
               <a:rPr lang="zh-TW" altLang="en-US" smtClean="0"/>
-              <a:t>2016/7/6</a:t>
+              <a:t>2016/7/11</a:t>
             </a:fld>
             <a:endParaRPr lang="zh-TW" altLang="en-US"/>
           </a:p>
@@ -8384,7 +10239,7 @@
             <a:fld id="{E0DBF2A0-D569-4754-A181-EB6AFB346A11}" type="datetime1">
               <a:rPr lang="zh-TW" altLang="en-US" smtClean="0"/>
               <a:pPr/>
-              <a:t>2016/7/6</a:t>
+              <a:t>2016/7/11</a:t>
             </a:fld>
             <a:endParaRPr lang="zh-TW" altLang="en-US" dirty="0"/>
           </a:p>
@@ -8756,7 +10611,7 @@
             <a:fld id="{F5EB54BD-0855-4C71-B321-D9B65086D443}" type="datetime1">
               <a:rPr lang="zh-TW" altLang="en-US" smtClean="0"/>
               <a:pPr/>
-              <a:t>2016/7/7</a:t>
+              <a:t>2016/7/11</a:t>
             </a:fld>
             <a:endParaRPr lang="zh-TW" altLang="en-US"/>
           </a:p>
@@ -8867,7 +10722,178 @@
           <a:p>
             <a:r>
               <a:rPr lang="zh-TW" altLang="en-US" dirty="0" smtClean="0"/>
-              <a:t>施政目標</a:t>
+              <a:t>國際趨勢</a:t>
+            </a:r>
+            <a:endParaRPr lang="en-US" altLang="zh-TW" dirty="0" smtClean="0"/>
+          </a:p>
+          <a:p>
+            <a:pPr lvl="1"/>
+            <a:r>
+              <a:rPr lang="en-US" altLang="zh-TW" dirty="0" smtClean="0"/>
+              <a:t>Gartner</a:t>
+            </a:r>
+            <a:r>
+              <a:rPr lang="zh-TW" altLang="en-US" dirty="0" smtClean="0"/>
+              <a:t>指出，</a:t>
+            </a:r>
+            <a:r>
+              <a:rPr lang="en-US" altLang="zh-TW" dirty="0" smtClean="0"/>
+              <a:t>2009</a:t>
+            </a:r>
+            <a:r>
+              <a:rPr lang="zh-TW" altLang="en-US" dirty="0" smtClean="0"/>
+              <a:t> </a:t>
+            </a:r>
+            <a:r>
+              <a:rPr lang="en-US" altLang="zh-TW" dirty="0" smtClean="0"/>
+              <a:t>–</a:t>
+            </a:r>
+            <a:r>
+              <a:rPr lang="zh-TW" altLang="en-US" dirty="0" smtClean="0"/>
+              <a:t> </a:t>
+            </a:r>
+            <a:r>
+              <a:rPr lang="en-US" altLang="zh-TW" dirty="0" smtClean="0"/>
+              <a:t>2012</a:t>
+            </a:r>
+            <a:r>
+              <a:rPr lang="zh-TW" altLang="en-US" dirty="0" smtClean="0"/>
+              <a:t>全美裁撤逾</a:t>
+            </a:r>
+            <a:r>
+              <a:rPr lang="en-US" altLang="zh-TW" dirty="0" smtClean="0"/>
+              <a:t>3000</a:t>
+            </a:r>
+            <a:r>
+              <a:rPr lang="zh-TW" altLang="en-US" dirty="0" smtClean="0"/>
+              <a:t>家分行。</a:t>
+            </a:r>
+            <a:endParaRPr lang="en-US" altLang="zh-TW" dirty="0" smtClean="0"/>
+          </a:p>
+          <a:p>
+            <a:pPr lvl="1"/>
+            <a:r>
+              <a:rPr lang="zh-TW" altLang="en-US" dirty="0"/>
+              <a:t>實體分行仍有存在必要</a:t>
+            </a:r>
+            <a:r>
+              <a:rPr lang="zh-TW" altLang="en-US" dirty="0" smtClean="0"/>
+              <a:t>。</a:t>
+            </a:r>
+            <a:endParaRPr lang="en-US" altLang="zh-TW" dirty="0" smtClean="0"/>
+          </a:p>
+          <a:p>
+            <a:pPr lvl="1"/>
+            <a:r>
+              <a:rPr lang="zh-TW" altLang="en-US" dirty="0"/>
+              <a:t>金融科技</a:t>
+            </a:r>
+            <a:r>
+              <a:rPr lang="zh-TW" altLang="en-US" dirty="0" smtClean="0"/>
+              <a:t>與雲端技術，拓展了實體分行的服務範疇。</a:t>
+            </a:r>
+            <a:endParaRPr lang="en-US" altLang="zh-TW" dirty="0" smtClean="0"/>
+          </a:p>
+          <a:p>
+            <a:r>
+              <a:rPr lang="zh-TW" altLang="en-US" dirty="0" smtClean="0"/>
+              <a:t>施政方針</a:t>
+            </a:r>
+            <a:endParaRPr lang="en-US" altLang="zh-TW" dirty="0" smtClean="0"/>
+          </a:p>
+          <a:p>
+            <a:pPr lvl="1"/>
+            <a:r>
+              <a:rPr lang="zh-TW" altLang="en-US" dirty="0" smtClean="0"/>
+              <a:t>國內尚無數</a:t>
+            </a:r>
+            <a:r>
+              <a:rPr lang="zh-TW" altLang="en-US" dirty="0"/>
+              <a:t>位虛擬分支機構，</a:t>
+            </a:r>
+            <a:r>
+              <a:rPr lang="zh-TW" altLang="en-US" dirty="0" smtClean="0"/>
+              <a:t>主因來自機構實體</a:t>
+            </a:r>
+            <a:r>
+              <a:rPr lang="zh-TW" altLang="en-US" dirty="0"/>
+              <a:t>通路充沛</a:t>
+            </a:r>
+            <a:r>
+              <a:rPr lang="zh-TW" altLang="en-US" dirty="0" smtClean="0"/>
+              <a:t>，分行超商</a:t>
+            </a:r>
+            <a:r>
+              <a:rPr lang="zh-TW" altLang="en-US" dirty="0"/>
+              <a:t>化。 </a:t>
+            </a:r>
+            <a:endParaRPr lang="en-US" altLang="zh-TW" dirty="0" smtClean="0"/>
+          </a:p>
+          <a:p>
+            <a:pPr lvl="1"/>
+            <a:r>
+              <a:rPr lang="zh-TW" altLang="en-US" dirty="0"/>
+              <a:t>強化國內銀行存放業務科技基礎</a:t>
+            </a:r>
+            <a:r>
+              <a:rPr lang="zh-TW" altLang="en-US" dirty="0" smtClean="0"/>
+              <a:t>建設。</a:t>
+            </a:r>
+            <a:endParaRPr lang="en-US" altLang="zh-TW" dirty="0" smtClean="0"/>
+          </a:p>
+          <a:p>
+            <a:pPr lvl="1"/>
+            <a:r>
+              <a:rPr lang="zh-TW" altLang="en-US" dirty="0"/>
+              <a:t>運用雲端技術推展數位無實體零售金融分支</a:t>
+            </a:r>
+            <a:r>
+              <a:rPr lang="zh-TW" altLang="en-US" dirty="0" smtClean="0"/>
+              <a:t>機構。</a:t>
+            </a:r>
+            <a:endParaRPr lang="en-US" altLang="zh-TW" dirty="0" smtClean="0"/>
+          </a:p>
+          <a:p>
+            <a:pPr lvl="1"/>
+            <a:r>
+              <a:rPr lang="zh-TW" altLang="en-US" dirty="0"/>
+              <a:t>營業據點優化 </a:t>
+            </a:r>
+            <a:r>
+              <a:rPr lang="zh-TW" altLang="en-US" dirty="0" smtClean="0"/>
+              <a:t>。</a:t>
+            </a:r>
+            <a:endParaRPr lang="en-US" altLang="zh-TW" dirty="0" smtClean="0"/>
+          </a:p>
+          <a:p>
+            <a:pPr lvl="2"/>
+            <a:r>
+              <a:rPr lang="zh-TW" altLang="en-US" dirty="0"/>
+              <a:t>建置新</a:t>
+            </a:r>
+            <a:r>
+              <a:rPr lang="zh-TW" altLang="en-US" dirty="0" smtClean="0"/>
+              <a:t>一代貸</a:t>
+            </a:r>
+            <a:r>
+              <a:rPr lang="zh-TW" altLang="en-US" dirty="0"/>
+              <a:t>放行為偵測分析</a:t>
+            </a:r>
+            <a:r>
+              <a:rPr lang="zh-TW" altLang="en-US" dirty="0" smtClean="0"/>
+              <a:t>模式</a:t>
+            </a:r>
+            <a:endParaRPr lang="en-US" altLang="zh-TW" dirty="0" smtClean="0"/>
+          </a:p>
+          <a:p>
+            <a:pPr lvl="2"/>
+            <a:r>
+              <a:rPr lang="zh-TW" altLang="en-US" dirty="0"/>
+              <a:t>建置「全方面數位虛擬軟體零售銀行業務模式</a:t>
+            </a:r>
+            <a:r>
+              <a:rPr lang="zh-TW" altLang="en-US" dirty="0" smtClean="0"/>
+              <a:t>」</a:t>
             </a:r>
             <a:endParaRPr lang="zh-TW" altLang="en-US" dirty="0"/>
           </a:p>
@@ -8890,7 +10916,7 @@
           <a:p>
             <a:fld id="{F5EB54BD-0855-4C71-B321-D9B65086D443}" type="datetime1">
               <a:rPr lang="zh-TW" altLang="en-US" smtClean="0"/>
-              <a:t>2016/7/7</a:t>
+              <a:t>2016/7/11</a:t>
             </a:fld>
             <a:endParaRPr lang="zh-TW" altLang="en-US"/>
           </a:p>
@@ -8923,6 +10949,1515 @@
     <p:extLst>
       <p:ext uri="{BB962C8B-B14F-4D97-AF65-F5344CB8AC3E}">
         <p14:creationId xmlns:p14="http://schemas.microsoft.com/office/powerpoint/2010/main" val="3917764983"/>
+      </p:ext>
+    </p:extLst>
+  </p:cSld>
+  <p:clrMapOvr>
+    <a:masterClrMapping/>
+  </p:clrMapOvr>
+  <p:timing>
+    <p:tnLst>
+      <p:par>
+        <p:cTn id="1" dur="indefinite" restart="never" nodeType="tmRoot"/>
+      </p:par>
+    </p:tnLst>
+  </p:timing>
+</p:sld>
+</file>
+
+<file path=ppt/slides/slide34.xml><?xml version="1.0" encoding="utf-8"?>
+<p:sld xmlns:a="http://schemas.openxmlformats.org/drawingml/2006/main" xmlns:r="http://schemas.openxmlformats.org/officeDocument/2006/relationships" xmlns:p="http://schemas.openxmlformats.org/presentationml/2006/main">
+  <p:cSld>
+    <p:spTree>
+      <p:nvGrpSpPr>
+        <p:cNvPr id="1" name=""/>
+        <p:cNvGrpSpPr/>
+        <p:nvPr/>
+      </p:nvGrpSpPr>
+      <p:grpSpPr>
+        <a:xfrm>
+          <a:off x="0" y="0"/>
+          <a:ext cx="0" cy="0"/>
+          <a:chOff x="0" y="0"/>
+          <a:chExt cx="0" cy="0"/>
+        </a:xfrm>
+      </p:grpSpPr>
+      <p:sp>
+        <p:nvSpPr>
+          <p:cNvPr id="6" name="標題 5"/>
+          <p:cNvSpPr>
+            <a:spLocks noGrp="1"/>
+          </p:cNvSpPr>
+          <p:nvPr>
+            <p:ph type="title"/>
+          </p:nvPr>
+        </p:nvSpPr>
+        <p:spPr/>
+        <p:txBody>
+          <a:bodyPr/>
+          <a:lstStyle/>
+          <a:p>
+            <a:r>
+              <a:rPr lang="en-US" altLang="zh-TW" dirty="0" smtClean="0"/>
+              <a:t>II. </a:t>
+            </a:r>
+            <a:r>
+              <a:rPr lang="zh-TW" altLang="en-US" dirty="0" smtClean="0"/>
+              <a:t>管理面</a:t>
+            </a:r>
+            <a:endParaRPr lang="zh-TW" altLang="en-US" dirty="0"/>
+          </a:p>
+        </p:txBody>
+      </p:sp>
+      <p:sp>
+        <p:nvSpPr>
+          <p:cNvPr id="4" name="日期版面配置區 3"/>
+          <p:cNvSpPr>
+            <a:spLocks noGrp="1"/>
+          </p:cNvSpPr>
+          <p:nvPr>
+            <p:ph type="dt" sz="half" idx="10"/>
+          </p:nvPr>
+        </p:nvSpPr>
+        <p:spPr/>
+        <p:txBody>
+          <a:bodyPr/>
+          <a:lstStyle/>
+          <a:p>
+            <a:fld id="{F5EB54BD-0855-4C71-B321-D9B65086D443}" type="datetime1">
+              <a:rPr lang="zh-TW" altLang="en-US" smtClean="0"/>
+              <a:t>2016/7/11</a:t>
+            </a:fld>
+            <a:endParaRPr lang="zh-TW" altLang="en-US"/>
+          </a:p>
+        </p:txBody>
+      </p:sp>
+      <p:sp>
+        <p:nvSpPr>
+          <p:cNvPr id="5" name="投影片編號版面配置區 4"/>
+          <p:cNvSpPr>
+            <a:spLocks noGrp="1"/>
+          </p:cNvSpPr>
+          <p:nvPr>
+            <p:ph type="sldNum" sz="quarter" idx="12"/>
+          </p:nvPr>
+        </p:nvSpPr>
+        <p:spPr/>
+        <p:txBody>
+          <a:bodyPr/>
+          <a:lstStyle/>
+          <a:p>
+            <a:fld id="{420AFBEC-07C3-4955-862B-EFDB12C88779}" type="slidenum">
+              <a:rPr lang="zh-TW" altLang="en-US" smtClean="0"/>
+              <a:t>34</a:t>
+            </a:fld>
+            <a:endParaRPr lang="zh-TW" altLang="en-US"/>
+          </a:p>
+        </p:txBody>
+      </p:sp>
+    </p:spTree>
+    <p:extLst>
+      <p:ext uri="{BB962C8B-B14F-4D97-AF65-F5344CB8AC3E}">
+        <p14:creationId xmlns:p14="http://schemas.microsoft.com/office/powerpoint/2010/main" val="2460780447"/>
+      </p:ext>
+    </p:extLst>
+  </p:cSld>
+  <p:clrMapOvr>
+    <a:masterClrMapping/>
+  </p:clrMapOvr>
+  <p:timing>
+    <p:tnLst>
+      <p:par>
+        <p:cTn id="1" dur="indefinite" restart="never" nodeType="tmRoot"/>
+      </p:par>
+    </p:tnLst>
+  </p:timing>
+</p:sld>
+</file>
+
+<file path=ppt/slides/slide35.xml><?xml version="1.0" encoding="utf-8"?>
+<p:sld xmlns:a="http://schemas.openxmlformats.org/drawingml/2006/main" xmlns:r="http://schemas.openxmlformats.org/officeDocument/2006/relationships" xmlns:p="http://schemas.openxmlformats.org/presentationml/2006/main">
+  <p:cSld>
+    <p:spTree>
+      <p:nvGrpSpPr>
+        <p:cNvPr id="1" name=""/>
+        <p:cNvGrpSpPr/>
+        <p:nvPr/>
+      </p:nvGrpSpPr>
+      <p:grpSpPr>
+        <a:xfrm>
+          <a:off x="0" y="0"/>
+          <a:ext cx="0" cy="0"/>
+          <a:chOff x="0" y="0"/>
+          <a:chExt cx="0" cy="0"/>
+        </a:xfrm>
+      </p:grpSpPr>
+      <p:sp>
+        <p:nvSpPr>
+          <p:cNvPr id="5" name="標題 4"/>
+          <p:cNvSpPr>
+            <a:spLocks noGrp="1"/>
+          </p:cNvSpPr>
+          <p:nvPr>
+            <p:ph type="title"/>
+          </p:nvPr>
+        </p:nvSpPr>
+        <p:spPr/>
+        <p:txBody>
+          <a:bodyPr/>
+          <a:lstStyle/>
+          <a:p>
+            <a:r>
+              <a:rPr lang="zh-TW" altLang="en-US" dirty="0" smtClean="0"/>
+              <a:t>法規調適</a:t>
+            </a:r>
+            <a:endParaRPr lang="zh-TW" altLang="en-US" dirty="0"/>
+          </a:p>
+        </p:txBody>
+      </p:sp>
+      <p:sp>
+        <p:nvSpPr>
+          <p:cNvPr id="6" name="內容版面配置區 5"/>
+          <p:cNvSpPr>
+            <a:spLocks noGrp="1"/>
+          </p:cNvSpPr>
+          <p:nvPr>
+            <p:ph idx="1"/>
+          </p:nvPr>
+        </p:nvSpPr>
+        <p:spPr/>
+        <p:txBody>
+          <a:bodyPr/>
+          <a:lstStyle/>
+          <a:p>
+            <a:r>
+              <a:rPr lang="zh-TW" altLang="en-US" dirty="0" smtClean="0"/>
+              <a:t>國際趨勢</a:t>
+            </a:r>
+            <a:endParaRPr lang="en-US" altLang="zh-TW" dirty="0" smtClean="0"/>
+          </a:p>
+          <a:p>
+            <a:pPr lvl="1"/>
+            <a:r>
+              <a:rPr lang="zh-TW" altLang="en-US" dirty="0"/>
+              <a:t>芬蘭</a:t>
+            </a:r>
+            <a:r>
+              <a:rPr lang="en-US" altLang="zh-TW" dirty="0"/>
+              <a:t>Open Ministry </a:t>
+            </a:r>
+            <a:r>
+              <a:rPr lang="zh-TW" altLang="en-US" dirty="0" smtClean="0"/>
+              <a:t>，</a:t>
+            </a:r>
+            <a:r>
+              <a:rPr lang="zh-TW" altLang="en-US" dirty="0"/>
+              <a:t>獨立</a:t>
+            </a:r>
+            <a:r>
+              <a:rPr lang="zh-TW" altLang="en-US" dirty="0" smtClean="0"/>
+              <a:t>於政治</a:t>
+            </a:r>
+            <a:r>
+              <a:rPr lang="zh-TW" altLang="en-US" dirty="0"/>
+              <a:t>組織的非</a:t>
+            </a:r>
+            <a:r>
+              <a:rPr lang="zh-TW" altLang="en-US" dirty="0" smtClean="0"/>
+              <a:t>營利平台</a:t>
+            </a:r>
+            <a:r>
+              <a:rPr lang="zh-TW" altLang="en-US" dirty="0"/>
+              <a:t>，專責處理網民的議案及連署</a:t>
+            </a:r>
+            <a:r>
+              <a:rPr lang="zh-TW" altLang="en-US" dirty="0" smtClean="0"/>
+              <a:t>。</a:t>
+            </a:r>
+            <a:endParaRPr lang="en-US" altLang="zh-TW" dirty="0" smtClean="0"/>
+          </a:p>
+          <a:p>
+            <a:pPr lvl="2"/>
+            <a:r>
+              <a:rPr lang="zh-TW" altLang="en-US" dirty="0" smtClean="0"/>
+              <a:t>連署議題可呈交國會表決，有機會成為正式法例。</a:t>
+            </a:r>
+            <a:endParaRPr lang="en-US" altLang="zh-TW" dirty="0" smtClean="0"/>
+          </a:p>
+          <a:p>
+            <a:pPr lvl="1"/>
+            <a:r>
+              <a:rPr lang="zh-TW" altLang="en-US" dirty="0" smtClean="0"/>
+              <a:t>英國金融監理署</a:t>
+            </a:r>
+            <a:r>
+              <a:rPr lang="en-US" altLang="zh-TW" dirty="0" smtClean="0"/>
+              <a:t>FCA</a:t>
+            </a:r>
+            <a:r>
+              <a:rPr lang="zh-TW" altLang="en-US" dirty="0" smtClean="0"/>
+              <a:t>於</a:t>
+            </a:r>
+            <a:r>
+              <a:rPr lang="en-US" altLang="zh-TW" dirty="0" smtClean="0"/>
+              <a:t>2015.11</a:t>
+            </a:r>
+            <a:r>
+              <a:rPr lang="zh-TW" altLang="en-US" dirty="0" smtClean="0"/>
+              <a:t>提出「創新試驗場」，適用的新創公司得暫時豁免於相關法規之適用。</a:t>
+            </a:r>
+            <a:r>
+              <a:rPr lang="en-US" altLang="zh-TW" dirty="0" smtClean="0"/>
+              <a:t>(</a:t>
+            </a:r>
+            <a:r>
+              <a:rPr lang="en-US" altLang="zh-TW" dirty="0" err="1" smtClean="0">
+                <a:hlinkClick r:id="rId2"/>
+              </a:rPr>
+              <a:t>goto</a:t>
+            </a:r>
+            <a:r>
+              <a:rPr lang="en-US" altLang="zh-TW" dirty="0" smtClean="0"/>
+              <a:t>)</a:t>
+            </a:r>
+          </a:p>
+          <a:p>
+            <a:r>
+              <a:rPr lang="zh-TW" altLang="en-US" dirty="0"/>
+              <a:t>施政</a:t>
+            </a:r>
+            <a:r>
+              <a:rPr lang="zh-TW" altLang="en-US" dirty="0" smtClean="0"/>
+              <a:t>方針</a:t>
+            </a:r>
+            <a:endParaRPr lang="en-US" altLang="zh-TW" dirty="0" smtClean="0"/>
+          </a:p>
+          <a:p>
+            <a:pPr lvl="1"/>
+            <a:r>
+              <a:rPr lang="zh-TW" altLang="en-US" dirty="0"/>
+              <a:t>虛擬世界法規調適交流平台 </a:t>
+            </a:r>
+            <a:r>
+              <a:rPr lang="en-US" altLang="zh-TW" dirty="0" smtClean="0"/>
+              <a:t>(?)</a:t>
+            </a:r>
+          </a:p>
+          <a:p>
+            <a:pPr lvl="1"/>
+            <a:r>
+              <a:rPr lang="zh-TW" altLang="en-US" dirty="0"/>
+              <a:t>法規鬆綁建言</a:t>
+            </a:r>
+            <a:r>
+              <a:rPr lang="zh-TW" altLang="en-US" dirty="0" smtClean="0"/>
+              <a:t>平台</a:t>
+            </a:r>
+            <a:r>
+              <a:rPr lang="en-US" altLang="zh-TW" dirty="0" smtClean="0"/>
+              <a:t>(??)</a:t>
+            </a:r>
+          </a:p>
+          <a:p>
+            <a:pPr lvl="1"/>
+            <a:r>
+              <a:rPr lang="zh-TW" altLang="en-US" dirty="0"/>
+              <a:t>公共政策網路參與平台 </a:t>
+            </a:r>
+            <a:r>
+              <a:rPr lang="en-US" altLang="zh-TW" dirty="0" smtClean="0"/>
+              <a:t>(???)</a:t>
+            </a:r>
+            <a:endParaRPr lang="zh-TW" altLang="en-US" dirty="0"/>
+          </a:p>
+        </p:txBody>
+      </p:sp>
+      <p:sp>
+        <p:nvSpPr>
+          <p:cNvPr id="3" name="日期版面配置區 2"/>
+          <p:cNvSpPr>
+            <a:spLocks noGrp="1"/>
+          </p:cNvSpPr>
+          <p:nvPr>
+            <p:ph type="dt" sz="half" idx="10"/>
+          </p:nvPr>
+        </p:nvSpPr>
+        <p:spPr/>
+        <p:txBody>
+          <a:bodyPr/>
+          <a:lstStyle/>
+          <a:p>
+            <a:fld id="{E0DBF2A0-D569-4754-A181-EB6AFB346A11}" type="datetime1">
+              <a:rPr lang="zh-TW" altLang="en-US" smtClean="0"/>
+              <a:pPr/>
+              <a:t>2016/7/11</a:t>
+            </a:fld>
+            <a:endParaRPr lang="zh-TW" altLang="en-US" dirty="0"/>
+          </a:p>
+        </p:txBody>
+      </p:sp>
+      <p:sp>
+        <p:nvSpPr>
+          <p:cNvPr id="4" name="投影片編號版面配置區 3"/>
+          <p:cNvSpPr>
+            <a:spLocks noGrp="1"/>
+          </p:cNvSpPr>
+          <p:nvPr>
+            <p:ph type="sldNum" sz="quarter" idx="12"/>
+          </p:nvPr>
+        </p:nvSpPr>
+        <p:spPr/>
+        <p:txBody>
+          <a:bodyPr/>
+          <a:lstStyle/>
+          <a:p>
+            <a:fld id="{420AFBEC-07C3-4955-862B-EFDB12C88779}" type="slidenum">
+              <a:rPr lang="zh-TW" altLang="en-US" smtClean="0"/>
+              <a:pPr/>
+              <a:t>35</a:t>
+            </a:fld>
+            <a:endParaRPr lang="zh-TW" altLang="en-US"/>
+          </a:p>
+        </p:txBody>
+      </p:sp>
+      <p:grpSp>
+        <p:nvGrpSpPr>
+          <p:cNvPr id="8" name="群組 7"/>
+          <p:cNvGrpSpPr/>
+          <p:nvPr/>
+        </p:nvGrpSpPr>
+        <p:grpSpPr>
+          <a:xfrm>
+            <a:off x="972000" y="4941168"/>
+            <a:ext cx="7200000" cy="1872208"/>
+            <a:chOff x="972000" y="4869160"/>
+            <a:chExt cx="7200000" cy="1872208"/>
+          </a:xfrm>
+        </p:grpSpPr>
+        <p:pic>
+          <p:nvPicPr>
+            <p:cNvPr id="8195" name="Picture 3"/>
+            <p:cNvPicPr>
+              <a:picLocks noChangeAspect="1" noChangeArrowheads="1"/>
+            </p:cNvPicPr>
+            <p:nvPr/>
+          </p:nvPicPr>
+          <p:blipFill rotWithShape="1">
+            <a:blip r:embed="rId3">
+              <a:extLst>
+                <a:ext uri="{28A0092B-C50C-407E-A947-70E740481C1C}">
+                  <a14:useLocalDpi xmlns:a14="http://schemas.microsoft.com/office/drawing/2010/main" val="0"/>
+                </a:ext>
+              </a:extLst>
+            </a:blip>
+            <a:srcRect b="39552"/>
+            <a:stretch/>
+          </p:blipFill>
+          <p:spPr bwMode="auto">
+            <a:xfrm>
+              <a:off x="972000" y="4869160"/>
+              <a:ext cx="7200000" cy="1872208"/>
+            </a:xfrm>
+            <a:prstGeom prst="rect">
+              <a:avLst/>
+            </a:prstGeom>
+            <a:noFill/>
+            <a:ln>
+              <a:noFill/>
+            </a:ln>
+            <a:extLst>
+              <a:ext uri="{909E8E84-426E-40DD-AFC4-6F175D3DCCD1}">
+                <a14:hiddenFill xmlns:a14="http://schemas.microsoft.com/office/drawing/2010/main">
+                  <a:solidFill>
+                    <a:schemeClr val="accent1"/>
+                  </a:solidFill>
+                </a14:hiddenFill>
+              </a:ext>
+              <a:ext uri="{91240B29-F687-4F45-9708-019B960494DF}">
+                <a14:hiddenLine xmlns:a14="http://schemas.microsoft.com/office/drawing/2010/main" w="9525">
+                  <a:solidFill>
+                    <a:schemeClr val="tx1"/>
+                  </a:solidFill>
+                  <a:miter lim="800000"/>
+                  <a:headEnd/>
+                  <a:tailEnd/>
+                </a14:hiddenLine>
+              </a:ext>
+            </a:extLst>
+          </p:spPr>
+        </p:pic>
+        <p:sp>
+          <p:nvSpPr>
+            <p:cNvPr id="7" name="矩形 6"/>
+            <p:cNvSpPr/>
+            <p:nvPr/>
+          </p:nvSpPr>
+          <p:spPr>
+            <a:xfrm>
+              <a:off x="972000" y="4869160"/>
+              <a:ext cx="7200000" cy="1872208"/>
+            </a:xfrm>
+            <a:prstGeom prst="rect">
+              <a:avLst/>
+            </a:prstGeom>
+            <a:gradFill>
+              <a:gsLst>
+                <a:gs pos="0">
+                  <a:schemeClr val="bg1">
+                    <a:alpha val="0"/>
+                  </a:schemeClr>
+                </a:gs>
+                <a:gs pos="100000">
+                  <a:schemeClr val="bg1"/>
+                </a:gs>
+              </a:gsLst>
+              <a:lin ang="5400000" scaled="0"/>
+            </a:gradFill>
+            <a:ln>
+              <a:noFill/>
+            </a:ln>
+          </p:spPr>
+          <p:style>
+            <a:lnRef idx="2">
+              <a:schemeClr val="accent1">
+                <a:shade val="50000"/>
+              </a:schemeClr>
+            </a:lnRef>
+            <a:fillRef idx="1">
+              <a:schemeClr val="accent1"/>
+            </a:fillRef>
+            <a:effectRef idx="0">
+              <a:schemeClr val="accent1"/>
+            </a:effectRef>
+            <a:fontRef idx="minor">
+              <a:schemeClr val="lt1"/>
+            </a:fontRef>
+          </p:style>
+          <p:txBody>
+            <a:bodyPr rtlCol="0" anchor="ctr"/>
+            <a:lstStyle/>
+            <a:p>
+              <a:pPr algn="ctr"/>
+              <a:endParaRPr lang="zh-TW" altLang="en-US"/>
+            </a:p>
+          </p:txBody>
+        </p:sp>
+      </p:grpSp>
+    </p:spTree>
+    <p:extLst>
+      <p:ext uri="{BB962C8B-B14F-4D97-AF65-F5344CB8AC3E}">
+        <p14:creationId xmlns:p14="http://schemas.microsoft.com/office/powerpoint/2010/main" val="3491372200"/>
+      </p:ext>
+    </p:extLst>
+  </p:cSld>
+  <p:clrMapOvr>
+    <a:masterClrMapping/>
+  </p:clrMapOvr>
+  <p:timing>
+    <p:tnLst>
+      <p:par>
+        <p:cTn id="1" dur="indefinite" restart="never" nodeType="tmRoot">
+          <p:childTnLst>
+            <p:seq concurrent="1" nextAc="seek">
+              <p:cTn id="2" dur="indefinite" nodeType="mainSeq">
+                <p:childTnLst>
+                  <p:par>
+                    <p:cTn id="3" fill="hold">
+                      <p:stCondLst>
+                        <p:cond delay="indefinite"/>
+                      </p:stCondLst>
+                      <p:childTnLst>
+                        <p:par>
+                          <p:cTn id="4" fill="hold">
+                            <p:stCondLst>
+                              <p:cond delay="0"/>
+                            </p:stCondLst>
+                            <p:childTnLst>
+                              <p:par>
+                                <p:cTn id="5" presetID="42" presetClass="entr" presetSubtype="0" fill="hold" nodeType="clickEffect">
+                                  <p:stCondLst>
+                                    <p:cond delay="0"/>
+                                  </p:stCondLst>
+                                  <p:childTnLst>
+                                    <p:set>
+                                      <p:cBhvr>
+                                        <p:cTn id="6" dur="1" fill="hold">
+                                          <p:stCondLst>
+                                            <p:cond delay="0"/>
+                                          </p:stCondLst>
+                                        </p:cTn>
+                                        <p:tgtEl>
+                                          <p:spTgt spid="8"/>
+                                        </p:tgtEl>
+                                        <p:attrNameLst>
+                                          <p:attrName>style.visibility</p:attrName>
+                                        </p:attrNameLst>
+                                      </p:cBhvr>
+                                      <p:to>
+                                        <p:strVal val="visible"/>
+                                      </p:to>
+                                    </p:set>
+                                    <p:animEffect transition="in" filter="fade">
+                                      <p:cBhvr>
+                                        <p:cTn id="7" dur="1000"/>
+                                        <p:tgtEl>
+                                          <p:spTgt spid="8"/>
+                                        </p:tgtEl>
+                                      </p:cBhvr>
+                                    </p:animEffect>
+                                    <p:anim calcmode="lin" valueType="num">
+                                      <p:cBhvr>
+                                        <p:cTn id="8" dur="1000" fill="hold"/>
+                                        <p:tgtEl>
+                                          <p:spTgt spid="8"/>
+                                        </p:tgtEl>
+                                        <p:attrNameLst>
+                                          <p:attrName>ppt_x</p:attrName>
+                                        </p:attrNameLst>
+                                      </p:cBhvr>
+                                      <p:tavLst>
+                                        <p:tav tm="0">
+                                          <p:val>
+                                            <p:strVal val="#ppt_x"/>
+                                          </p:val>
+                                        </p:tav>
+                                        <p:tav tm="100000">
+                                          <p:val>
+                                            <p:strVal val="#ppt_x"/>
+                                          </p:val>
+                                        </p:tav>
+                                      </p:tavLst>
+                                    </p:anim>
+                                    <p:anim calcmode="lin" valueType="num">
+                                      <p:cBhvr>
+                                        <p:cTn id="9" dur="1000" fill="hold"/>
+                                        <p:tgtEl>
+                                          <p:spTgt spid="8"/>
+                                        </p:tgtEl>
+                                        <p:attrNameLst>
+                                          <p:attrName>ppt_y</p:attrName>
+                                        </p:attrNameLst>
+                                      </p:cBhvr>
+                                      <p:tavLst>
+                                        <p:tav tm="0">
+                                          <p:val>
+                                            <p:strVal val="#ppt_y+.1"/>
+                                          </p:val>
+                                        </p:tav>
+                                        <p:tav tm="100000">
+                                          <p:val>
+                                            <p:strVal val="#ppt_y"/>
+                                          </p:val>
+                                        </p:tav>
+                                      </p:tavLst>
+                                    </p:anim>
+                                  </p:childTnLst>
+                                </p:cTn>
+                              </p:par>
+                            </p:childTnLst>
+                          </p:cTn>
+                        </p:par>
+                      </p:childTnLst>
+                    </p:cTn>
+                  </p:par>
+                </p:childTnLst>
+              </p:cTn>
+              <p:prevCondLst>
+                <p:cond evt="onPrev" delay="0">
+                  <p:tgtEl>
+                    <p:sldTgt/>
+                  </p:tgtEl>
+                </p:cond>
+              </p:prevCondLst>
+              <p:nextCondLst>
+                <p:cond evt="onNext" delay="0">
+                  <p:tgtEl>
+                    <p:sldTgt/>
+                  </p:tgtEl>
+                </p:cond>
+              </p:nextCondLst>
+            </p:seq>
+          </p:childTnLst>
+        </p:cTn>
+      </p:par>
+    </p:tnLst>
+  </p:timing>
+</p:sld>
+</file>
+
+<file path=ppt/slides/slide36.xml><?xml version="1.0" encoding="utf-8"?>
+<p:sld xmlns:a="http://schemas.openxmlformats.org/drawingml/2006/main" xmlns:r="http://schemas.openxmlformats.org/officeDocument/2006/relationships" xmlns:p="http://schemas.openxmlformats.org/presentationml/2006/main">
+  <p:cSld>
+    <p:spTree>
+      <p:nvGrpSpPr>
+        <p:cNvPr id="1" name=""/>
+        <p:cNvGrpSpPr/>
+        <p:nvPr/>
+      </p:nvGrpSpPr>
+      <p:grpSpPr>
+        <a:xfrm>
+          <a:off x="0" y="0"/>
+          <a:ext cx="0" cy="0"/>
+          <a:chOff x="0" y="0"/>
+          <a:chExt cx="0" cy="0"/>
+        </a:xfrm>
+      </p:grpSpPr>
+      <p:sp>
+        <p:nvSpPr>
+          <p:cNvPr id="2" name="標題 1"/>
+          <p:cNvSpPr>
+            <a:spLocks noGrp="1"/>
+          </p:cNvSpPr>
+          <p:nvPr>
+            <p:ph type="title"/>
+          </p:nvPr>
+        </p:nvSpPr>
+        <p:spPr/>
+        <p:txBody>
+          <a:bodyPr/>
+          <a:lstStyle/>
+          <a:p>
+            <a:r>
+              <a:rPr lang="zh-TW" altLang="en-US" dirty="0" smtClean="0"/>
+              <a:t>風險管理</a:t>
+            </a:r>
+            <a:endParaRPr lang="zh-TW" altLang="en-US" dirty="0"/>
+          </a:p>
+        </p:txBody>
+      </p:sp>
+      <p:sp>
+        <p:nvSpPr>
+          <p:cNvPr id="3" name="內容版面配置區 2"/>
+          <p:cNvSpPr>
+            <a:spLocks noGrp="1"/>
+          </p:cNvSpPr>
+          <p:nvPr>
+            <p:ph idx="1"/>
+          </p:nvPr>
+        </p:nvSpPr>
+        <p:spPr/>
+        <p:txBody>
+          <a:bodyPr/>
+          <a:lstStyle/>
+          <a:p>
+            <a:r>
+              <a:rPr lang="zh-TW" altLang="en-US" dirty="0" smtClean="0"/>
+              <a:t>施政方針</a:t>
+            </a:r>
+            <a:endParaRPr lang="en-US" altLang="zh-TW" dirty="0" smtClean="0"/>
+          </a:p>
+          <a:p>
+            <a:pPr lvl="1"/>
+            <a:r>
+              <a:rPr lang="zh-TW" altLang="en-US" dirty="0" smtClean="0"/>
+              <a:t>金管會落實「雙翼監理</a:t>
+            </a:r>
+            <a:r>
+              <a:rPr lang="zh-TW" altLang="en-US" dirty="0"/>
+              <a:t>」</a:t>
+            </a:r>
+            <a:r>
+              <a:rPr lang="zh-TW" altLang="en-US" dirty="0" smtClean="0"/>
+              <a:t>原則，一則重視風險，一則自由開放</a:t>
+            </a:r>
+            <a:r>
+              <a:rPr lang="en-US" altLang="zh-TW" dirty="0" smtClean="0"/>
+              <a:t>(?)</a:t>
+            </a:r>
+            <a:r>
+              <a:rPr lang="zh-TW" altLang="en-US" dirty="0" smtClean="0"/>
+              <a:t>。</a:t>
+            </a:r>
+            <a:endParaRPr lang="en-US" altLang="zh-TW" dirty="0" smtClean="0"/>
+          </a:p>
+          <a:p>
+            <a:pPr lvl="1"/>
+            <a:r>
+              <a:rPr lang="zh-TW" altLang="en-US" dirty="0" smtClean="0"/>
+              <a:t>依五大</a:t>
+            </a:r>
+            <a:r>
+              <a:rPr lang="zh-TW" altLang="en-US" dirty="0"/>
+              <a:t>範疇</a:t>
+            </a:r>
+            <a:r>
+              <a:rPr lang="zh-TW" altLang="en-US" dirty="0" smtClean="0"/>
+              <a:t>，引導業者健全風險</a:t>
+            </a:r>
+            <a:r>
+              <a:rPr lang="zh-TW" altLang="en-US" dirty="0"/>
+              <a:t>管理</a:t>
+            </a:r>
+            <a:r>
+              <a:rPr lang="zh-TW" altLang="en-US" dirty="0" smtClean="0"/>
+              <a:t>。</a:t>
+            </a:r>
+            <a:endParaRPr lang="en-US" altLang="zh-TW" dirty="0" smtClean="0"/>
+          </a:p>
+          <a:p>
+            <a:pPr lvl="2"/>
+            <a:r>
+              <a:rPr lang="zh-TW" altLang="en-US" dirty="0"/>
+              <a:t>資訊治理、網路安全、個資保護、災害應變、委外</a:t>
+            </a:r>
+            <a:r>
+              <a:rPr lang="zh-TW" altLang="en-US" dirty="0" smtClean="0"/>
+              <a:t>管理。</a:t>
+            </a:r>
+            <a:endParaRPr lang="en-US" altLang="zh-TW" dirty="0" smtClean="0"/>
+          </a:p>
+          <a:p>
+            <a:pPr lvl="1"/>
+            <a:r>
+              <a:rPr lang="zh-TW" altLang="en-US" dirty="0"/>
+              <a:t>督促各公會參酌國內外新興金融科技相關管理規範或標準，研訂自律規範及管控措施，供金融業者遵循</a:t>
+            </a:r>
+            <a:r>
+              <a:rPr lang="zh-TW" altLang="en-US" dirty="0" smtClean="0"/>
+              <a:t>。</a:t>
+            </a:r>
+            <a:endParaRPr lang="en-US" altLang="zh-TW" dirty="0" smtClean="0"/>
+          </a:p>
+          <a:p>
+            <a:pPr lvl="1"/>
+            <a:r>
+              <a:rPr lang="zh-TW" altLang="en-US" dirty="0"/>
+              <a:t>建立金融資安資訊分享與分析</a:t>
+            </a:r>
+            <a:r>
+              <a:rPr lang="zh-TW" altLang="en-US" dirty="0" smtClean="0"/>
+              <a:t>中心</a:t>
+            </a:r>
+            <a:r>
+              <a:rPr lang="en-US" altLang="zh-TW" dirty="0" smtClean="0"/>
+              <a:t>(F-ISAC)</a:t>
+            </a:r>
+            <a:r>
+              <a:rPr lang="zh-TW" altLang="en-US" dirty="0" smtClean="0"/>
+              <a:t>。</a:t>
+            </a:r>
+            <a:endParaRPr lang="en-US" altLang="zh-TW" dirty="0" smtClean="0"/>
+          </a:p>
+          <a:p>
+            <a:pPr lvl="2"/>
+            <a:r>
+              <a:rPr lang="zh-TW" altLang="en-US" dirty="0"/>
+              <a:t>連接各業別之</a:t>
+            </a:r>
+            <a:r>
+              <a:rPr lang="zh-TW" altLang="en-US" dirty="0" smtClean="0"/>
+              <a:t>金融機構、</a:t>
+            </a:r>
+            <a:r>
+              <a:rPr lang="zh-TW" altLang="en-US" u="sng" dirty="0" smtClean="0"/>
+              <a:t>臺灣</a:t>
+            </a:r>
+            <a:r>
+              <a:rPr lang="zh-TW" altLang="en-US" u="sng" dirty="0"/>
+              <a:t>電腦網路危機處理協調</a:t>
+            </a:r>
+            <a:r>
+              <a:rPr lang="zh-TW" altLang="en-US" u="sng" dirty="0" smtClean="0"/>
+              <a:t>中心</a:t>
+            </a:r>
+            <a:r>
+              <a:rPr lang="zh-TW" altLang="en-US" dirty="0" smtClean="0"/>
+              <a:t>。</a:t>
+            </a:r>
+            <a:endParaRPr lang="zh-TW" altLang="en-US" dirty="0"/>
+          </a:p>
+        </p:txBody>
+      </p:sp>
+      <p:sp>
+        <p:nvSpPr>
+          <p:cNvPr id="4" name="日期版面配置區 3"/>
+          <p:cNvSpPr>
+            <a:spLocks noGrp="1"/>
+          </p:cNvSpPr>
+          <p:nvPr>
+            <p:ph type="dt" sz="half" idx="10"/>
+          </p:nvPr>
+        </p:nvSpPr>
+        <p:spPr/>
+        <p:txBody>
+          <a:bodyPr/>
+          <a:lstStyle/>
+          <a:p>
+            <a:fld id="{F5EB54BD-0855-4C71-B321-D9B65086D443}" type="datetime1">
+              <a:rPr lang="zh-TW" altLang="en-US" smtClean="0"/>
+              <a:t>2016/7/11</a:t>
+            </a:fld>
+            <a:endParaRPr lang="zh-TW" altLang="en-US"/>
+          </a:p>
+        </p:txBody>
+      </p:sp>
+      <p:sp>
+        <p:nvSpPr>
+          <p:cNvPr id="5" name="投影片編號版面配置區 4"/>
+          <p:cNvSpPr>
+            <a:spLocks noGrp="1"/>
+          </p:cNvSpPr>
+          <p:nvPr>
+            <p:ph type="sldNum" sz="quarter" idx="12"/>
+          </p:nvPr>
+        </p:nvSpPr>
+        <p:spPr/>
+        <p:txBody>
+          <a:bodyPr/>
+          <a:lstStyle/>
+          <a:p>
+            <a:fld id="{420AFBEC-07C3-4955-862B-EFDB12C88779}" type="slidenum">
+              <a:rPr lang="zh-TW" altLang="en-US" smtClean="0"/>
+              <a:t>36</a:t>
+            </a:fld>
+            <a:endParaRPr lang="zh-TW" altLang="en-US"/>
+          </a:p>
+        </p:txBody>
+      </p:sp>
+    </p:spTree>
+    <p:extLst>
+      <p:ext uri="{BB962C8B-B14F-4D97-AF65-F5344CB8AC3E}">
+        <p14:creationId xmlns:p14="http://schemas.microsoft.com/office/powerpoint/2010/main" val="1986840931"/>
+      </p:ext>
+    </p:extLst>
+  </p:cSld>
+  <p:clrMapOvr>
+    <a:masterClrMapping/>
+  </p:clrMapOvr>
+  <p:timing>
+    <p:tnLst>
+      <p:par>
+        <p:cTn id="1" dur="indefinite" restart="never" nodeType="tmRoot"/>
+      </p:par>
+    </p:tnLst>
+  </p:timing>
+</p:sld>
+</file>
+
+<file path=ppt/slides/slide37.xml><?xml version="1.0" encoding="utf-8"?>
+<p:sld xmlns:a="http://schemas.openxmlformats.org/drawingml/2006/main" xmlns:r="http://schemas.openxmlformats.org/officeDocument/2006/relationships" xmlns:p="http://schemas.openxmlformats.org/presentationml/2006/main">
+  <p:cSld>
+    <p:spTree>
+      <p:nvGrpSpPr>
+        <p:cNvPr id="1" name=""/>
+        <p:cNvGrpSpPr/>
+        <p:nvPr/>
+      </p:nvGrpSpPr>
+      <p:grpSpPr>
+        <a:xfrm>
+          <a:off x="0" y="0"/>
+          <a:ext cx="0" cy="0"/>
+          <a:chOff x="0" y="0"/>
+          <a:chExt cx="0" cy="0"/>
+        </a:xfrm>
+      </p:grpSpPr>
+      <p:sp>
+        <p:nvSpPr>
+          <p:cNvPr id="6" name="標題 5"/>
+          <p:cNvSpPr>
+            <a:spLocks noGrp="1"/>
+          </p:cNvSpPr>
+          <p:nvPr>
+            <p:ph type="title"/>
+          </p:nvPr>
+        </p:nvSpPr>
+        <p:spPr/>
+        <p:txBody>
+          <a:bodyPr/>
+          <a:lstStyle/>
+          <a:p>
+            <a:r>
+              <a:rPr lang="en-US" altLang="zh-TW" dirty="0" smtClean="0"/>
+              <a:t>III.</a:t>
+            </a:r>
+            <a:r>
+              <a:rPr lang="zh-TW" altLang="en-US" dirty="0" smtClean="0"/>
+              <a:t> 資源面</a:t>
+            </a:r>
+            <a:endParaRPr lang="zh-TW" altLang="en-US" dirty="0"/>
+          </a:p>
+        </p:txBody>
+      </p:sp>
+      <p:sp>
+        <p:nvSpPr>
+          <p:cNvPr id="4" name="日期版面配置區 3"/>
+          <p:cNvSpPr>
+            <a:spLocks noGrp="1"/>
+          </p:cNvSpPr>
+          <p:nvPr>
+            <p:ph type="dt" sz="half" idx="10"/>
+          </p:nvPr>
+        </p:nvSpPr>
+        <p:spPr/>
+        <p:txBody>
+          <a:bodyPr/>
+          <a:lstStyle/>
+          <a:p>
+            <a:fld id="{F5EB54BD-0855-4C71-B321-D9B65086D443}" type="datetime1">
+              <a:rPr lang="zh-TW" altLang="en-US" smtClean="0"/>
+              <a:t>2016/7/11</a:t>
+            </a:fld>
+            <a:endParaRPr lang="zh-TW" altLang="en-US"/>
+          </a:p>
+        </p:txBody>
+      </p:sp>
+      <p:sp>
+        <p:nvSpPr>
+          <p:cNvPr id="5" name="投影片編號版面配置區 4"/>
+          <p:cNvSpPr>
+            <a:spLocks noGrp="1"/>
+          </p:cNvSpPr>
+          <p:nvPr>
+            <p:ph type="sldNum" sz="quarter" idx="12"/>
+          </p:nvPr>
+        </p:nvSpPr>
+        <p:spPr/>
+        <p:txBody>
+          <a:bodyPr/>
+          <a:lstStyle/>
+          <a:p>
+            <a:fld id="{420AFBEC-07C3-4955-862B-EFDB12C88779}" type="slidenum">
+              <a:rPr lang="zh-TW" altLang="en-US" smtClean="0"/>
+              <a:t>37</a:t>
+            </a:fld>
+            <a:endParaRPr lang="zh-TW" altLang="en-US"/>
+          </a:p>
+        </p:txBody>
+      </p:sp>
+    </p:spTree>
+    <p:extLst>
+      <p:ext uri="{BB962C8B-B14F-4D97-AF65-F5344CB8AC3E}">
+        <p14:creationId xmlns:p14="http://schemas.microsoft.com/office/powerpoint/2010/main" val="770851554"/>
+      </p:ext>
+    </p:extLst>
+  </p:cSld>
+  <p:clrMapOvr>
+    <a:masterClrMapping/>
+  </p:clrMapOvr>
+  <p:timing>
+    <p:tnLst>
+      <p:par>
+        <p:cTn id="1" dur="indefinite" restart="never" nodeType="tmRoot"/>
+      </p:par>
+    </p:tnLst>
+  </p:timing>
+</p:sld>
+</file>
+
+<file path=ppt/slides/slide38.xml><?xml version="1.0" encoding="utf-8"?>
+<p:sld xmlns:a="http://schemas.openxmlformats.org/drawingml/2006/main" xmlns:r="http://schemas.openxmlformats.org/officeDocument/2006/relationships" xmlns:p="http://schemas.openxmlformats.org/presentationml/2006/main">
+  <p:cSld>
+    <p:spTree>
+      <p:nvGrpSpPr>
+        <p:cNvPr id="1" name=""/>
+        <p:cNvGrpSpPr/>
+        <p:nvPr/>
+      </p:nvGrpSpPr>
+      <p:grpSpPr>
+        <a:xfrm>
+          <a:off x="0" y="0"/>
+          <a:ext cx="0" cy="0"/>
+          <a:chOff x="0" y="0"/>
+          <a:chExt cx="0" cy="0"/>
+        </a:xfrm>
+      </p:grpSpPr>
+      <p:sp>
+        <p:nvSpPr>
+          <p:cNvPr id="5" name="標題 4"/>
+          <p:cNvSpPr>
+            <a:spLocks noGrp="1"/>
+          </p:cNvSpPr>
+          <p:nvPr>
+            <p:ph type="title"/>
+          </p:nvPr>
+        </p:nvSpPr>
+        <p:spPr/>
+        <p:txBody>
+          <a:bodyPr/>
+          <a:lstStyle/>
+          <a:p>
+            <a:r>
+              <a:rPr lang="zh-TW" altLang="en-US" dirty="0" smtClean="0"/>
+              <a:t>人才培育</a:t>
+            </a:r>
+            <a:endParaRPr lang="zh-TW" altLang="en-US" dirty="0"/>
+          </a:p>
+        </p:txBody>
+      </p:sp>
+      <p:sp>
+        <p:nvSpPr>
+          <p:cNvPr id="6" name="內容版面配置區 5"/>
+          <p:cNvSpPr>
+            <a:spLocks noGrp="1"/>
+          </p:cNvSpPr>
+          <p:nvPr>
+            <p:ph idx="1"/>
+          </p:nvPr>
+        </p:nvSpPr>
+        <p:spPr/>
+        <p:txBody>
+          <a:bodyPr/>
+          <a:lstStyle/>
+          <a:p>
+            <a:r>
+              <a:rPr lang="zh-TW" altLang="en-US" dirty="0" smtClean="0"/>
+              <a:t>施政方針</a:t>
+            </a:r>
+            <a:endParaRPr lang="en-US" altLang="zh-TW" dirty="0" smtClean="0"/>
+          </a:p>
+          <a:p>
+            <a:pPr lvl="1"/>
+            <a:r>
+              <a:rPr lang="zh-TW" altLang="en-US" dirty="0" smtClean="0"/>
+              <a:t>訂</a:t>
+            </a:r>
+            <a:r>
+              <a:rPr lang="zh-TW" altLang="en-US" dirty="0"/>
+              <a:t>定金融機構人才之轉型</a:t>
+            </a:r>
+            <a:r>
+              <a:rPr lang="zh-TW" altLang="en-US" dirty="0" smtClean="0"/>
+              <a:t>計畫</a:t>
+            </a:r>
+            <a:endParaRPr lang="en-US" altLang="zh-TW" dirty="0" smtClean="0"/>
+          </a:p>
+          <a:p>
+            <a:pPr lvl="2"/>
+            <a:r>
+              <a:rPr lang="zh-TW" altLang="en-US" dirty="0" smtClean="0"/>
+              <a:t>要求金融機構</a:t>
+            </a:r>
+            <a:r>
+              <a:rPr lang="zh-TW" altLang="en-US" dirty="0"/>
+              <a:t>在</a:t>
+            </a:r>
+            <a:r>
+              <a:rPr lang="en-US" altLang="zh-TW" dirty="0"/>
+              <a:t>2015</a:t>
+            </a:r>
+            <a:r>
+              <a:rPr lang="zh-TW" altLang="en-US" dirty="0"/>
+              <a:t>年底前，</a:t>
+            </a:r>
+            <a:r>
+              <a:rPr lang="zh-TW" altLang="en-US" dirty="0" smtClean="0"/>
+              <a:t>提出從業人員</a:t>
+            </a:r>
+            <a:r>
+              <a:rPr lang="en-US" altLang="zh-TW" dirty="0"/>
+              <a:t>1</a:t>
+            </a:r>
+            <a:r>
+              <a:rPr lang="zh-TW" altLang="en-US" dirty="0"/>
+              <a:t>至</a:t>
+            </a:r>
+            <a:r>
+              <a:rPr lang="en-US" altLang="zh-TW" dirty="0"/>
+              <a:t>3</a:t>
+            </a:r>
+            <a:r>
+              <a:rPr lang="zh-TW" altLang="en-US" dirty="0"/>
+              <a:t>年轉型之因應</a:t>
+            </a:r>
+            <a:r>
+              <a:rPr lang="zh-TW" altLang="en-US" dirty="0" smtClean="0"/>
+              <a:t>計畫。包括</a:t>
+            </a:r>
+            <a:r>
+              <a:rPr lang="zh-TW" altLang="en-US" u="sng" dirty="0" smtClean="0"/>
+              <a:t>專業</a:t>
+            </a:r>
+            <a:r>
+              <a:rPr lang="zh-TW" altLang="en-US" u="sng" dirty="0"/>
+              <a:t>能力調整</a:t>
+            </a:r>
+            <a:r>
+              <a:rPr lang="zh-TW" altLang="en-US" dirty="0"/>
+              <a:t>及</a:t>
+            </a:r>
+            <a:r>
+              <a:rPr lang="zh-TW" altLang="en-US" u="sng" dirty="0"/>
+              <a:t>第二專長</a:t>
+            </a:r>
+            <a:r>
+              <a:rPr lang="zh-TW" altLang="en-US" dirty="0"/>
+              <a:t>之</a:t>
+            </a:r>
+            <a:r>
+              <a:rPr lang="zh-TW" altLang="en-US" dirty="0" smtClean="0"/>
+              <a:t>培養。</a:t>
+            </a:r>
+            <a:endParaRPr lang="en-US" altLang="zh-TW" dirty="0" smtClean="0"/>
+          </a:p>
+          <a:p>
+            <a:pPr lvl="1"/>
+            <a:r>
+              <a:rPr lang="zh-TW" altLang="en-US" dirty="0"/>
+              <a:t>辦理</a:t>
+            </a:r>
+            <a:r>
+              <a:rPr lang="zh-TW" altLang="en-US" dirty="0" smtClean="0"/>
+              <a:t>金融人才</a:t>
+            </a:r>
+            <a:r>
+              <a:rPr lang="zh-TW" altLang="en-US" dirty="0"/>
+              <a:t>供需</a:t>
+            </a:r>
+            <a:r>
+              <a:rPr lang="zh-TW" altLang="en-US" dirty="0" smtClean="0"/>
+              <a:t>調查，進行</a:t>
+            </a:r>
+            <a:r>
+              <a:rPr lang="zh-TW" altLang="en-US" dirty="0"/>
+              <a:t>完整職能分析與建置並規劃學習</a:t>
+            </a:r>
+            <a:r>
+              <a:rPr lang="zh-TW" altLang="en-US" dirty="0" smtClean="0"/>
+              <a:t>地圖。</a:t>
+            </a:r>
+            <a:endParaRPr lang="en-US" altLang="zh-TW" dirty="0" smtClean="0"/>
+          </a:p>
+          <a:p>
+            <a:pPr lvl="1"/>
+            <a:r>
+              <a:rPr lang="zh-TW" altLang="en-US" dirty="0" smtClean="0"/>
+              <a:t>金融機構、</a:t>
+            </a:r>
+            <a:r>
+              <a:rPr lang="zh-TW" altLang="en-US" dirty="0"/>
+              <a:t>訓練機構</a:t>
+            </a:r>
+            <a:r>
+              <a:rPr lang="zh-TW" altLang="en-US" dirty="0" smtClean="0"/>
+              <a:t>與大專院校三方產</a:t>
+            </a:r>
+            <a:r>
+              <a:rPr lang="zh-TW" altLang="en-US" dirty="0"/>
+              <a:t>學合作 </a:t>
+            </a:r>
+            <a:r>
+              <a:rPr lang="zh-TW" altLang="en-US" dirty="0" smtClean="0"/>
+              <a:t>，推動</a:t>
+            </a:r>
+            <a:r>
+              <a:rPr lang="zh-TW" altLang="en-US" dirty="0"/>
+              <a:t>國際交流</a:t>
+            </a:r>
+            <a:r>
+              <a:rPr lang="zh-TW" altLang="en-US" dirty="0" smtClean="0"/>
+              <a:t>事宜。</a:t>
+            </a:r>
+            <a:endParaRPr lang="en-US" altLang="zh-TW" dirty="0" smtClean="0"/>
+          </a:p>
+          <a:p>
+            <a:pPr lvl="1"/>
+            <a:r>
+              <a:rPr lang="zh-TW" altLang="en-US" dirty="0" smtClean="0"/>
+              <a:t>金融聯合會成立「</a:t>
+            </a:r>
+            <a:r>
+              <a:rPr lang="zh-TW" altLang="en-US" dirty="0">
+                <a:hlinkClick r:id="rId2"/>
+              </a:rPr>
+              <a:t>金融科技發展基金</a:t>
+            </a:r>
+            <a:r>
+              <a:rPr lang="zh-TW" altLang="en-US" dirty="0" smtClean="0"/>
+              <a:t>」，</a:t>
+            </a:r>
+            <a:r>
+              <a:rPr lang="zh-TW" altLang="en-US" dirty="0"/>
+              <a:t>期</a:t>
+            </a:r>
+            <a:r>
+              <a:rPr lang="zh-TW" altLang="en-US" dirty="0" smtClean="0"/>
+              <a:t>能達成</a:t>
+            </a:r>
+            <a:r>
+              <a:rPr lang="zh-TW" altLang="en-US" dirty="0"/>
+              <a:t>三年培育至少</a:t>
+            </a:r>
+            <a:r>
+              <a:rPr lang="en-US" altLang="zh-TW" dirty="0"/>
+              <a:t>2,000</a:t>
+            </a:r>
+            <a:r>
+              <a:rPr lang="zh-TW" altLang="en-US" dirty="0"/>
+              <a:t>名以上學生，及</a:t>
+            </a:r>
+            <a:r>
+              <a:rPr lang="en-US" altLang="zh-TW" dirty="0"/>
+              <a:t>4,000</a:t>
+            </a:r>
+            <a:r>
+              <a:rPr lang="zh-TW" altLang="en-US" dirty="0"/>
+              <a:t>名</a:t>
+            </a:r>
+            <a:r>
+              <a:rPr lang="zh-TW" altLang="en-US" dirty="0" smtClean="0"/>
+              <a:t>以上</a:t>
+            </a:r>
+            <a:r>
+              <a:rPr lang="zh-TW" altLang="en-US" dirty="0"/>
+              <a:t>相關產業人員</a:t>
+            </a:r>
+            <a:r>
+              <a:rPr lang="zh-TW" altLang="en-US" dirty="0" smtClean="0"/>
+              <a:t>之目標。</a:t>
+            </a:r>
+            <a:endParaRPr lang="zh-TW" altLang="en-US" dirty="0"/>
+          </a:p>
+        </p:txBody>
+      </p:sp>
+      <p:sp>
+        <p:nvSpPr>
+          <p:cNvPr id="3" name="日期版面配置區 2"/>
+          <p:cNvSpPr>
+            <a:spLocks noGrp="1"/>
+          </p:cNvSpPr>
+          <p:nvPr>
+            <p:ph type="dt" sz="half" idx="10"/>
+          </p:nvPr>
+        </p:nvSpPr>
+        <p:spPr/>
+        <p:txBody>
+          <a:bodyPr/>
+          <a:lstStyle/>
+          <a:p>
+            <a:fld id="{E0DBF2A0-D569-4754-A181-EB6AFB346A11}" type="datetime1">
+              <a:rPr lang="zh-TW" altLang="en-US" smtClean="0"/>
+              <a:pPr/>
+              <a:t>2016/7/11</a:t>
+            </a:fld>
+            <a:endParaRPr lang="zh-TW" altLang="en-US" dirty="0"/>
+          </a:p>
+        </p:txBody>
+      </p:sp>
+      <p:sp>
+        <p:nvSpPr>
+          <p:cNvPr id="4" name="投影片編號版面配置區 3"/>
+          <p:cNvSpPr>
+            <a:spLocks noGrp="1"/>
+          </p:cNvSpPr>
+          <p:nvPr>
+            <p:ph type="sldNum" sz="quarter" idx="12"/>
+          </p:nvPr>
+        </p:nvSpPr>
+        <p:spPr/>
+        <p:txBody>
+          <a:bodyPr/>
+          <a:lstStyle/>
+          <a:p>
+            <a:fld id="{420AFBEC-07C3-4955-862B-EFDB12C88779}" type="slidenum">
+              <a:rPr lang="zh-TW" altLang="en-US" smtClean="0"/>
+              <a:pPr/>
+              <a:t>38</a:t>
+            </a:fld>
+            <a:endParaRPr lang="zh-TW" altLang="en-US"/>
+          </a:p>
+        </p:txBody>
+      </p:sp>
+    </p:spTree>
+    <p:extLst>
+      <p:ext uri="{BB962C8B-B14F-4D97-AF65-F5344CB8AC3E}">
+        <p14:creationId xmlns:p14="http://schemas.microsoft.com/office/powerpoint/2010/main" val="2357847597"/>
+      </p:ext>
+    </p:extLst>
+  </p:cSld>
+  <p:clrMapOvr>
+    <a:masterClrMapping/>
+  </p:clrMapOvr>
+  <p:timing>
+    <p:tnLst>
+      <p:par>
+        <p:cTn id="1" dur="indefinite" restart="never" nodeType="tmRoot"/>
+      </p:par>
+    </p:tnLst>
+  </p:timing>
+</p:sld>
+</file>
+
+<file path=ppt/slides/slide39.xml><?xml version="1.0" encoding="utf-8"?>
+<p:sld xmlns:a="http://schemas.openxmlformats.org/drawingml/2006/main" xmlns:r="http://schemas.openxmlformats.org/officeDocument/2006/relationships" xmlns:p="http://schemas.openxmlformats.org/presentationml/2006/main">
+  <p:cSld>
+    <p:spTree>
+      <p:nvGrpSpPr>
+        <p:cNvPr id="1" name=""/>
+        <p:cNvGrpSpPr/>
+        <p:nvPr/>
+      </p:nvGrpSpPr>
+      <p:grpSpPr>
+        <a:xfrm>
+          <a:off x="0" y="0"/>
+          <a:ext cx="0" cy="0"/>
+          <a:chOff x="0" y="0"/>
+          <a:chExt cx="0" cy="0"/>
+        </a:xfrm>
+      </p:grpSpPr>
+      <p:sp>
+        <p:nvSpPr>
+          <p:cNvPr id="2" name="標題 1"/>
+          <p:cNvSpPr>
+            <a:spLocks noGrp="1"/>
+          </p:cNvSpPr>
+          <p:nvPr>
+            <p:ph type="title"/>
+          </p:nvPr>
+        </p:nvSpPr>
+        <p:spPr/>
+        <p:txBody>
+          <a:bodyPr/>
+          <a:lstStyle/>
+          <a:p>
+            <a:r>
+              <a:rPr lang="zh-TW" altLang="en-US" dirty="0" smtClean="0"/>
+              <a:t>創新創業</a:t>
+            </a:r>
+            <a:endParaRPr lang="zh-TW" altLang="en-US" dirty="0"/>
+          </a:p>
+        </p:txBody>
+      </p:sp>
+      <p:sp>
+        <p:nvSpPr>
+          <p:cNvPr id="3" name="內容版面配置區 2"/>
+          <p:cNvSpPr>
+            <a:spLocks noGrp="1"/>
+          </p:cNvSpPr>
+          <p:nvPr>
+            <p:ph idx="1"/>
+          </p:nvPr>
+        </p:nvSpPr>
+        <p:spPr/>
+        <p:txBody>
+          <a:bodyPr/>
+          <a:lstStyle/>
+          <a:p>
+            <a:r>
+              <a:rPr lang="zh-TW" altLang="en-US" dirty="0" smtClean="0"/>
+              <a:t>施政方針</a:t>
+            </a:r>
+            <a:endParaRPr lang="en-US" altLang="zh-TW" dirty="0" smtClean="0"/>
+          </a:p>
+          <a:p>
+            <a:pPr lvl="1"/>
+            <a:r>
+              <a:rPr lang="zh-TW" altLang="en-US" b="1" dirty="0"/>
+              <a:t>短期</a:t>
+            </a:r>
+            <a:r>
+              <a:rPr lang="zh-TW" altLang="en-US" dirty="0" smtClean="0"/>
+              <a:t>：「</a:t>
+            </a:r>
+            <a:r>
+              <a:rPr lang="zh-TW" altLang="en-US" dirty="0"/>
+              <a:t>金融科技發展基金」委外執行機構推動金融科技創新創業計畫，以科技加值、培育加速、資金補助的資源整合輔導方式，每年至少輔導</a:t>
+            </a:r>
+            <a:r>
+              <a:rPr lang="en-US" altLang="zh-TW" dirty="0"/>
+              <a:t>20</a:t>
+            </a:r>
+            <a:r>
+              <a:rPr lang="zh-TW" altLang="en-US" dirty="0"/>
+              <a:t>案，</a:t>
+            </a:r>
+            <a:r>
+              <a:rPr lang="en-US" altLang="zh-TW" dirty="0"/>
+              <a:t>3</a:t>
+            </a:r>
+            <a:r>
+              <a:rPr lang="zh-TW" altLang="en-US" dirty="0"/>
+              <a:t>年至少輔導</a:t>
+            </a:r>
+            <a:r>
+              <a:rPr lang="en-US" altLang="zh-TW" dirty="0"/>
+              <a:t>60</a:t>
+            </a:r>
+            <a:r>
+              <a:rPr lang="zh-TW" altLang="en-US" dirty="0"/>
+              <a:t>案</a:t>
+            </a:r>
+            <a:r>
+              <a:rPr lang="zh-TW" altLang="en-US" dirty="0" smtClean="0"/>
+              <a:t>。</a:t>
+            </a:r>
+            <a:endParaRPr lang="en-US" altLang="zh-TW" dirty="0" smtClean="0"/>
+          </a:p>
+          <a:p>
+            <a:pPr lvl="1"/>
+            <a:r>
+              <a:rPr lang="zh-TW" altLang="en-US" b="1" dirty="0"/>
+              <a:t>中長期</a:t>
+            </a:r>
+            <a:r>
+              <a:rPr lang="zh-TW" altLang="en-US" dirty="0"/>
+              <a:t>：整合國內外相關金融科技創新中心資源，建立與全球金融科技創新網絡單一對口的金融科技創新</a:t>
+            </a:r>
+            <a:r>
+              <a:rPr lang="zh-TW" altLang="en-US" u="sng" dirty="0"/>
+              <a:t>育成</a:t>
+            </a:r>
+            <a:r>
+              <a:rPr lang="zh-TW" altLang="en-US" u="sng" dirty="0" smtClean="0"/>
+              <a:t>中心</a:t>
+            </a:r>
+            <a:r>
+              <a:rPr lang="zh-TW" altLang="en-US" dirty="0" smtClean="0"/>
+              <a:t>。</a:t>
+            </a:r>
+            <a:endParaRPr lang="zh-TW" altLang="en-US" dirty="0"/>
+          </a:p>
+        </p:txBody>
+      </p:sp>
+      <p:sp>
+        <p:nvSpPr>
+          <p:cNvPr id="4" name="日期版面配置區 3"/>
+          <p:cNvSpPr>
+            <a:spLocks noGrp="1"/>
+          </p:cNvSpPr>
+          <p:nvPr>
+            <p:ph type="dt" sz="half" idx="10"/>
+          </p:nvPr>
+        </p:nvSpPr>
+        <p:spPr/>
+        <p:txBody>
+          <a:bodyPr/>
+          <a:lstStyle/>
+          <a:p>
+            <a:fld id="{F5EB54BD-0855-4C71-B321-D9B65086D443}" type="datetime1">
+              <a:rPr lang="zh-TW" altLang="en-US" smtClean="0"/>
+              <a:t>2016/7/11</a:t>
+            </a:fld>
+            <a:endParaRPr lang="zh-TW" altLang="en-US"/>
+          </a:p>
+        </p:txBody>
+      </p:sp>
+      <p:sp>
+        <p:nvSpPr>
+          <p:cNvPr id="5" name="投影片編號版面配置區 4"/>
+          <p:cNvSpPr>
+            <a:spLocks noGrp="1"/>
+          </p:cNvSpPr>
+          <p:nvPr>
+            <p:ph type="sldNum" sz="quarter" idx="12"/>
+          </p:nvPr>
+        </p:nvSpPr>
+        <p:spPr/>
+        <p:txBody>
+          <a:bodyPr/>
+          <a:lstStyle/>
+          <a:p>
+            <a:fld id="{420AFBEC-07C3-4955-862B-EFDB12C88779}" type="slidenum">
+              <a:rPr lang="zh-TW" altLang="en-US" smtClean="0"/>
+              <a:t>39</a:t>
+            </a:fld>
+            <a:endParaRPr lang="zh-TW" altLang="en-US"/>
+          </a:p>
+        </p:txBody>
+      </p:sp>
+    </p:spTree>
+    <p:extLst>
+      <p:ext uri="{BB962C8B-B14F-4D97-AF65-F5344CB8AC3E}">
+        <p14:creationId xmlns:p14="http://schemas.microsoft.com/office/powerpoint/2010/main" val="3318426087"/>
       </p:ext>
     </p:extLst>
   </p:cSld>
@@ -8972,8 +12507,8 @@
           <a:lstStyle/>
           <a:p>
             <a:r>
-              <a:rPr lang="en-US" altLang="zh-TW" dirty="0" smtClean="0"/>
-              <a:t>Present situation (domestic)</a:t>
+              <a:rPr lang="zh-TW" altLang="en-US" dirty="0" smtClean="0"/>
+              <a:t>國內現況</a:t>
             </a:r>
             <a:endParaRPr lang="zh-TW" altLang="en-US" dirty="0"/>
           </a:p>
@@ -9051,7 +12586,7 @@
             <a:pPr lvl="1"/>
             <a:r>
               <a:rPr lang="en-US" altLang="zh-TW" dirty="0" smtClean="0"/>
-              <a:t>3: </a:t>
+              <a:t>3rd: </a:t>
             </a:r>
             <a:r>
               <a:rPr lang="zh-TW" altLang="en-US" dirty="0" smtClean="0"/>
@@ -9059,11 +12594,15 @@
             </a:r>
             <a:r>
               <a:rPr lang="en-US" altLang="zh-TW" dirty="0" smtClean="0"/>
-              <a:t>;4:</a:t>
-            </a:r>
-            <a:r>
-              <a:rPr lang="zh-TW" altLang="en-US" dirty="0" smtClean="0"/>
-              <a:t> 國際連</a:t>
+              <a:t>; 4th:</a:t>
+            </a:r>
+            <a:r>
+              <a:rPr lang="zh-TW" altLang="en-US" dirty="0" smtClean="0"/>
+              <a:t> </a:t>
+            </a:r>
+            <a:r>
+              <a:rPr lang="zh-TW" altLang="en-US" dirty="0" smtClean="0"/>
+              <a:t>國際連</a:t>
             </a:r>
             <a:r>
               <a:rPr lang="en-US" altLang="zh-TW" dirty="0" smtClean="0"/>
@@ -9075,7 +12614,11 @@
             </a:r>
             <a:r>
               <a:rPr lang="en-US" altLang="zh-TW" dirty="0" smtClean="0"/>
-              <a:t>); 5: </a:t>
+              <a:t>); </a:t>
+            </a:r>
+            <a:r>
+              <a:rPr lang="en-US" altLang="zh-TW" dirty="0" smtClean="0"/>
+              <a:t>5th: </a:t>
             </a:r>
             <a:r>
               <a:rPr lang="zh-TW" altLang="en-US" dirty="0" smtClean="0"/>
@@ -9110,6 +12653,38 @@
             <a:endParaRPr lang="en-US" altLang="zh-TW" dirty="0" smtClean="0"/>
           </a:p>
           <a:p>
+            <a:pPr lvl="1"/>
+            <a:r>
+              <a:rPr lang="zh-TW" altLang="en-US" dirty="0" smtClean="0"/>
+              <a:t>金管會於</a:t>
+            </a:r>
+            <a:r>
+              <a:rPr lang="en-US" altLang="zh-TW" dirty="0" smtClean="0"/>
+              <a:t>2015</a:t>
+            </a:r>
+            <a:r>
+              <a:rPr lang="zh-TW" altLang="en-US" dirty="0"/>
+              <a:t>年度共推動</a:t>
+            </a:r>
+            <a:r>
+              <a:rPr lang="en-US" altLang="zh-TW" dirty="0"/>
+              <a:t>12</a:t>
+            </a:r>
+            <a:r>
+              <a:rPr lang="zh-TW" altLang="en-US" dirty="0" smtClean="0"/>
+              <a:t>項應用案，開放</a:t>
+            </a:r>
+            <a:r>
+              <a:rPr lang="en-US" altLang="zh-TW" dirty="0" smtClean="0"/>
+              <a:t>1,032</a:t>
+            </a:r>
+            <a:r>
+              <a:rPr lang="zh-TW" altLang="en-US" dirty="0" smtClean="0"/>
+              <a:t>項以上資料集。</a:t>
+            </a:r>
+            <a:endParaRPr lang="en-US" altLang="zh-TW" dirty="0" smtClean="0"/>
+          </a:p>
+          <a:p>
             <a:r>
               <a:rPr lang="zh-TW" altLang="en-US" dirty="0" smtClean="0"/>
               <a:t>開放金融業轉投資金融科技業</a:t>
@@ -9119,12 +12694,24 @@
           <a:p>
             <a:pPr lvl="1"/>
             <a:r>
-              <a:rPr lang="zh-TW" altLang="en-US" dirty="0"/>
-              <a:t>大</a:t>
-            </a:r>
-            <a:r>
-              <a:rPr lang="zh-TW" altLang="en-US" dirty="0" smtClean="0"/>
-              <a:t>數據資料應用、雲端科技、機械學習、生物辨識、自動化投資理財顧問、區塊鏈技術</a:t>
+              <a:rPr lang="zh-TW" altLang="en-US" dirty="0" smtClean="0"/>
+              <a:t>資料</a:t>
+            </a:r>
+            <a:r>
+              <a:rPr lang="zh-TW" altLang="en-US" dirty="0" smtClean="0"/>
+              <a:t>應用、雲端科技、機械學習、生物辨識</a:t>
+            </a:r>
+            <a:r>
+              <a:rPr lang="zh-TW" altLang="en-US" dirty="0" smtClean="0"/>
+              <a:t>、理財</a:t>
+            </a:r>
+            <a:r>
+              <a:rPr lang="zh-TW" altLang="en-US" dirty="0" smtClean="0"/>
+              <a:t>顧問、區塊</a:t>
+            </a:r>
+            <a:r>
+              <a:rPr lang="zh-TW" altLang="en-US" dirty="0" smtClean="0"/>
+              <a:t>鏈。</a:t>
             </a:r>
             <a:endParaRPr lang="zh-TW" altLang="en-US" dirty="0"/>
           </a:p>
@@ -9147,7 +12734,7 @@
           <a:p>
             <a:fld id="{F5EB54BD-0855-4C71-B321-D9B65086D443}" type="datetime1">
               <a:rPr lang="zh-TW" altLang="en-US" smtClean="0"/>
-              <a:t>2016/7/4</a:t>
+              <a:t>2016/7/11</a:t>
             </a:fld>
             <a:endParaRPr lang="zh-TW" altLang="en-US"/>
           </a:p>
@@ -9180,6 +12767,657 @@
     <p:extLst>
       <p:ext uri="{BB962C8B-B14F-4D97-AF65-F5344CB8AC3E}">
         <p14:creationId xmlns:p14="http://schemas.microsoft.com/office/powerpoint/2010/main" val="3945788103"/>
+      </p:ext>
+    </p:extLst>
+  </p:cSld>
+  <p:clrMapOvr>
+    <a:masterClrMapping/>
+  </p:clrMapOvr>
+  <p:timing>
+    <p:tnLst>
+      <p:par>
+        <p:cTn id="1" dur="indefinite" restart="never" nodeType="tmRoot"/>
+      </p:par>
+    </p:tnLst>
+  </p:timing>
+</p:sld>
+</file>
+
+<file path=ppt/slides/slide40.xml><?xml version="1.0" encoding="utf-8"?>
+<p:sld xmlns:a="http://schemas.openxmlformats.org/drawingml/2006/main" xmlns:r="http://schemas.openxmlformats.org/officeDocument/2006/relationships" xmlns:p="http://schemas.openxmlformats.org/presentationml/2006/main">
+  <p:cSld>
+    <p:spTree>
+      <p:nvGrpSpPr>
+        <p:cNvPr id="1" name=""/>
+        <p:cNvGrpSpPr/>
+        <p:nvPr/>
+      </p:nvGrpSpPr>
+      <p:grpSpPr>
+        <a:xfrm>
+          <a:off x="0" y="0"/>
+          <a:ext cx="0" cy="0"/>
+          <a:chOff x="0" y="0"/>
+          <a:chExt cx="0" cy="0"/>
+        </a:xfrm>
+      </p:grpSpPr>
+      <p:sp>
+        <p:nvSpPr>
+          <p:cNvPr id="6" name="標題 5"/>
+          <p:cNvSpPr>
+            <a:spLocks noGrp="1"/>
+          </p:cNvSpPr>
+          <p:nvPr>
+            <p:ph type="title"/>
+          </p:nvPr>
+        </p:nvSpPr>
+        <p:spPr/>
+        <p:txBody>
+          <a:bodyPr/>
+          <a:lstStyle/>
+          <a:p>
+            <a:r>
+              <a:rPr lang="en-US" altLang="zh-TW" dirty="0" smtClean="0"/>
+              <a:t>IV. </a:t>
+            </a:r>
+            <a:r>
+              <a:rPr lang="zh-TW" altLang="en-US" dirty="0" smtClean="0"/>
+              <a:t>基礎面</a:t>
+            </a:r>
+            <a:endParaRPr lang="zh-TW" altLang="en-US" dirty="0"/>
+          </a:p>
+        </p:txBody>
+      </p:sp>
+      <p:sp>
+        <p:nvSpPr>
+          <p:cNvPr id="4" name="日期版面配置區 3"/>
+          <p:cNvSpPr>
+            <a:spLocks noGrp="1"/>
+          </p:cNvSpPr>
+          <p:nvPr>
+            <p:ph type="dt" sz="half" idx="10"/>
+          </p:nvPr>
+        </p:nvSpPr>
+        <p:spPr/>
+        <p:txBody>
+          <a:bodyPr/>
+          <a:lstStyle/>
+          <a:p>
+            <a:fld id="{F5EB54BD-0855-4C71-B321-D9B65086D443}" type="datetime1">
+              <a:rPr lang="zh-TW" altLang="en-US" smtClean="0"/>
+              <a:t>2016/7/11</a:t>
+            </a:fld>
+            <a:endParaRPr lang="zh-TW" altLang="en-US"/>
+          </a:p>
+        </p:txBody>
+      </p:sp>
+      <p:sp>
+        <p:nvSpPr>
+          <p:cNvPr id="5" name="投影片編號版面配置區 4"/>
+          <p:cNvSpPr>
+            <a:spLocks noGrp="1"/>
+          </p:cNvSpPr>
+          <p:nvPr>
+            <p:ph type="sldNum" sz="quarter" idx="12"/>
+          </p:nvPr>
+        </p:nvSpPr>
+        <p:spPr/>
+        <p:txBody>
+          <a:bodyPr/>
+          <a:lstStyle/>
+          <a:p>
+            <a:fld id="{420AFBEC-07C3-4955-862B-EFDB12C88779}" type="slidenum">
+              <a:rPr lang="zh-TW" altLang="en-US" smtClean="0"/>
+              <a:t>40</a:t>
+            </a:fld>
+            <a:endParaRPr lang="zh-TW" altLang="en-US"/>
+          </a:p>
+        </p:txBody>
+      </p:sp>
+    </p:spTree>
+    <p:extLst>
+      <p:ext uri="{BB962C8B-B14F-4D97-AF65-F5344CB8AC3E}">
+        <p14:creationId xmlns:p14="http://schemas.microsoft.com/office/powerpoint/2010/main" val="303037878"/>
+      </p:ext>
+    </p:extLst>
+  </p:cSld>
+  <p:clrMapOvr>
+    <a:masterClrMapping/>
+  </p:clrMapOvr>
+  <p:timing>
+    <p:tnLst>
+      <p:par>
+        <p:cTn id="1" dur="indefinite" restart="never" nodeType="tmRoot"/>
+      </p:par>
+    </p:tnLst>
+  </p:timing>
+</p:sld>
+</file>
+
+<file path=ppt/slides/slide41.xml><?xml version="1.0" encoding="utf-8"?>
+<p:sld xmlns:a="http://schemas.openxmlformats.org/drawingml/2006/main" xmlns:r="http://schemas.openxmlformats.org/officeDocument/2006/relationships" xmlns:p="http://schemas.openxmlformats.org/presentationml/2006/main">
+  <p:cSld>
+    <p:spTree>
+      <p:nvGrpSpPr>
+        <p:cNvPr id="1" name=""/>
+        <p:cNvGrpSpPr/>
+        <p:nvPr/>
+      </p:nvGrpSpPr>
+      <p:grpSpPr>
+        <a:xfrm>
+          <a:off x="0" y="0"/>
+          <a:ext cx="0" cy="0"/>
+          <a:chOff x="0" y="0"/>
+          <a:chExt cx="0" cy="0"/>
+        </a:xfrm>
+      </p:grpSpPr>
+      <p:sp>
+        <p:nvSpPr>
+          <p:cNvPr id="5" name="標題 4"/>
+          <p:cNvSpPr>
+            <a:spLocks noGrp="1"/>
+          </p:cNvSpPr>
+          <p:nvPr>
+            <p:ph type="title"/>
+          </p:nvPr>
+        </p:nvSpPr>
+        <p:spPr/>
+        <p:txBody>
+          <a:bodyPr/>
+          <a:lstStyle/>
+          <a:p>
+            <a:r>
+              <a:rPr lang="zh-TW" altLang="en-US" dirty="0" smtClean="0"/>
+              <a:t>區塊鏈</a:t>
+            </a:r>
+            <a:endParaRPr lang="zh-TW" altLang="en-US" dirty="0"/>
+          </a:p>
+        </p:txBody>
+      </p:sp>
+      <p:sp>
+        <p:nvSpPr>
+          <p:cNvPr id="6" name="內容版面配置區 5"/>
+          <p:cNvSpPr>
+            <a:spLocks noGrp="1"/>
+          </p:cNvSpPr>
+          <p:nvPr>
+            <p:ph idx="1"/>
+          </p:nvPr>
+        </p:nvSpPr>
+        <p:spPr/>
+        <p:txBody>
+          <a:bodyPr/>
+          <a:lstStyle/>
+          <a:p>
+            <a:r>
+              <a:rPr lang="zh-TW" altLang="en-US" dirty="0" smtClean="0"/>
+              <a:t>國外趨勢</a:t>
+            </a:r>
+            <a:endParaRPr lang="en-US" altLang="zh-TW" dirty="0" smtClean="0"/>
+          </a:p>
+          <a:p>
+            <a:pPr lvl="1"/>
+            <a:r>
+              <a:rPr lang="zh-TW" altLang="en-US" dirty="0" smtClean="0"/>
+              <a:t>私有</a:t>
+            </a:r>
+            <a:r>
+              <a:rPr lang="zh-TW" altLang="en-US" dirty="0"/>
+              <a:t>化區塊鏈技術</a:t>
+            </a:r>
+            <a:r>
+              <a:rPr lang="zh-TW" altLang="en-US" dirty="0" smtClean="0"/>
+              <a:t>，用來</a:t>
+            </a:r>
+            <a:r>
+              <a:rPr lang="zh-TW" altLang="en-US" dirty="0"/>
+              <a:t>執行政府的</a:t>
+            </a:r>
+            <a:r>
+              <a:rPr lang="en-US" altLang="zh-TW" dirty="0"/>
+              <a:t>KYC</a:t>
+            </a:r>
+            <a:r>
+              <a:rPr lang="zh-TW" altLang="en-US" dirty="0"/>
+              <a:t>及反洗錢規管要求</a:t>
+            </a:r>
+            <a:r>
+              <a:rPr lang="zh-TW" altLang="en-US" dirty="0" smtClean="0"/>
+              <a:t>。</a:t>
+            </a:r>
+            <a:endParaRPr lang="en-US" altLang="zh-TW" dirty="0" smtClean="0"/>
+          </a:p>
+          <a:p>
+            <a:pPr lvl="1"/>
+            <a:r>
+              <a:rPr lang="zh-TW" altLang="en-US" dirty="0"/>
+              <a:t>解決金融機構間同步交易分錄耗費大量時間之問題</a:t>
+            </a:r>
+            <a:r>
+              <a:rPr lang="zh-TW" altLang="en-US" dirty="0" smtClean="0"/>
+              <a:t>。</a:t>
+            </a:r>
+            <a:endParaRPr lang="en-US" altLang="zh-TW" dirty="0" smtClean="0"/>
+          </a:p>
+          <a:p>
+            <a:pPr lvl="1"/>
+            <a:r>
+              <a:rPr lang="zh-TW" altLang="en-US" dirty="0"/>
+              <a:t>智能契約可根據交易雙方商定的條件和語法自動產生</a:t>
+            </a:r>
+            <a:r>
+              <a:rPr lang="zh-TW" altLang="en-US" dirty="0" smtClean="0"/>
+              <a:t>契約。</a:t>
+            </a:r>
+            <a:endParaRPr lang="en-US" altLang="zh-TW" dirty="0" smtClean="0"/>
+          </a:p>
+          <a:p>
+            <a:pPr lvl="1"/>
+            <a:r>
+              <a:rPr lang="zh-TW" altLang="en-US" dirty="0"/>
+              <a:t>聯合貸款與群眾募資可採用智能契約自動執行契約條款</a:t>
+            </a:r>
+            <a:r>
+              <a:rPr lang="zh-TW" altLang="en-US" dirty="0" smtClean="0"/>
+              <a:t>。</a:t>
+            </a:r>
+            <a:endParaRPr lang="en-US" altLang="zh-TW" dirty="0" smtClean="0"/>
+          </a:p>
+          <a:p>
+            <a:pPr lvl="1"/>
+            <a:r>
+              <a:rPr lang="en-US" altLang="zh-TW" dirty="0" smtClean="0"/>
+              <a:t>2015</a:t>
+            </a:r>
+            <a:r>
+              <a:rPr lang="zh-TW" altLang="en-US" dirty="0" smtClean="0"/>
+              <a:t>年</a:t>
+            </a:r>
+            <a:r>
+              <a:rPr lang="en-US" altLang="zh-TW" dirty="0" smtClean="0"/>
+              <a:t>NASDAQ</a:t>
+            </a:r>
+            <a:r>
+              <a:rPr lang="zh-TW" altLang="en-US" dirty="0" smtClean="0"/>
+              <a:t>和</a:t>
+            </a:r>
+            <a:r>
+              <a:rPr lang="en-US" altLang="zh-TW" dirty="0" smtClean="0"/>
+              <a:t>Chain Corp.</a:t>
+            </a:r>
+            <a:r>
+              <a:rPr lang="zh-TW" altLang="en-US" dirty="0" smtClean="0"/>
+              <a:t>合作，建立染色硬幣</a:t>
+            </a:r>
+            <a:r>
+              <a:rPr lang="en-US" altLang="zh-TW" dirty="0" smtClean="0"/>
+              <a:t>(Colored Coins)</a:t>
+            </a:r>
+            <a:r>
+              <a:rPr lang="zh-TW" altLang="en-US" dirty="0" smtClean="0"/>
+              <a:t> ，</a:t>
+            </a:r>
+            <a:r>
+              <a:rPr lang="zh-TW" altLang="en-US" dirty="0"/>
+              <a:t>建構開放式資產</a:t>
+            </a:r>
+            <a:r>
+              <a:rPr lang="zh-TW" altLang="en-US" dirty="0" smtClean="0"/>
+              <a:t>協定，加強</a:t>
+            </a:r>
+            <a:r>
+              <a:rPr lang="zh-TW" altLang="en-US" dirty="0"/>
+              <a:t>其私募市場</a:t>
+            </a:r>
+            <a:r>
+              <a:rPr lang="zh-TW" altLang="en-US" dirty="0" smtClean="0"/>
+              <a:t>平台的</a:t>
+            </a:r>
+            <a:r>
+              <a:rPr lang="zh-TW" altLang="en-US" dirty="0"/>
+              <a:t>應用</a:t>
+            </a:r>
+            <a:r>
+              <a:rPr lang="zh-TW" altLang="en-US" dirty="0" smtClean="0"/>
+              <a:t>。</a:t>
+            </a:r>
+            <a:endParaRPr lang="en-US" altLang="zh-TW" dirty="0" smtClean="0"/>
+          </a:p>
+          <a:p>
+            <a:pPr lvl="2"/>
+            <a:r>
+              <a:rPr lang="en-US" altLang="zh-TW" i="1" dirty="0" smtClean="0"/>
+              <a:t>[Wikipedia]</a:t>
+            </a:r>
+            <a:r>
+              <a:rPr lang="en-US" altLang="zh-TW" dirty="0" smtClean="0"/>
+              <a:t>: </a:t>
+            </a:r>
+            <a:r>
+              <a:rPr lang="en-US" altLang="zh-TW" dirty="0" err="1" smtClean="0"/>
+              <a:t>Bitcoin's</a:t>
+            </a:r>
+            <a:r>
+              <a:rPr lang="en-US" altLang="zh-TW" dirty="0" smtClean="0"/>
+              <a:t> </a:t>
+            </a:r>
+            <a:r>
+              <a:rPr lang="en-US" altLang="zh-TW" dirty="0"/>
+              <a:t>scripting language allows to store small amounts of metadata on the </a:t>
+            </a:r>
+            <a:r>
+              <a:rPr lang="en-US" altLang="zh-TW" dirty="0" err="1"/>
+              <a:t>blockchain</a:t>
+            </a:r>
+            <a:r>
+              <a:rPr lang="en-US" altLang="zh-TW" dirty="0"/>
+              <a:t>, which can be used to represent asset manipulation instructions</a:t>
+            </a:r>
+            <a:r>
+              <a:rPr lang="en-US" altLang="zh-TW" dirty="0" smtClean="0"/>
+              <a:t>.</a:t>
+            </a:r>
+          </a:p>
+          <a:p>
+            <a:r>
+              <a:rPr lang="zh-TW" altLang="en-US" dirty="0"/>
+              <a:t>施政</a:t>
+            </a:r>
+            <a:r>
+              <a:rPr lang="zh-TW" altLang="en-US" dirty="0" smtClean="0"/>
+              <a:t>方針</a:t>
+            </a:r>
+            <a:endParaRPr lang="en-US" altLang="zh-TW" dirty="0" smtClean="0"/>
+          </a:p>
+          <a:p>
+            <a:pPr lvl="1"/>
+            <a:r>
+              <a:rPr lang="zh-TW" altLang="en-US" dirty="0"/>
+              <a:t>台灣大學</a:t>
+            </a:r>
+            <a:r>
+              <a:rPr lang="en-US" altLang="zh-TW" dirty="0"/>
+              <a:t>2016.03</a:t>
+            </a:r>
+            <a:r>
+              <a:rPr lang="zh-TW" altLang="en-US" dirty="0"/>
+              <a:t>籌</a:t>
+            </a:r>
+            <a:r>
+              <a:rPr lang="zh-TW" altLang="en-US" dirty="0" smtClean="0"/>
+              <a:t>設「</a:t>
+            </a:r>
+            <a:r>
+              <a:rPr lang="zh-TW" altLang="en-US" dirty="0"/>
+              <a:t>國立臺灣大學金融科技暨區塊鏈中心</a:t>
+            </a:r>
+            <a:r>
+              <a:rPr lang="zh-TW" altLang="en-US" dirty="0" smtClean="0"/>
+              <a:t>」</a:t>
+            </a:r>
+            <a:endParaRPr lang="en-US" altLang="zh-TW" dirty="0" smtClean="0"/>
+          </a:p>
+          <a:p>
+            <a:pPr lvl="2"/>
+            <a:r>
+              <a:rPr lang="zh-TW" altLang="en-US" dirty="0" smtClean="0"/>
+              <a:t>涵蓋</a:t>
+            </a:r>
+            <a:r>
+              <a:rPr lang="zh-TW" altLang="en-US" dirty="0"/>
+              <a:t>理學院、電資學院、社科院、法律學院、及管理學院等相關</a:t>
+            </a:r>
+            <a:r>
+              <a:rPr lang="zh-TW" altLang="en-US" dirty="0" smtClean="0"/>
+              <a:t>領域。</a:t>
+            </a:r>
+            <a:endParaRPr lang="en-US" altLang="zh-TW" dirty="0" smtClean="0"/>
+          </a:p>
+          <a:p>
+            <a:pPr lvl="1"/>
+            <a:r>
+              <a:rPr lang="zh-TW" altLang="en-US" dirty="0"/>
+              <a:t>各周邊單位與相關金融智庫，</a:t>
+            </a:r>
+            <a:r>
+              <a:rPr lang="zh-TW" altLang="en-US" dirty="0" smtClean="0"/>
+              <a:t>辦理區</a:t>
+            </a:r>
+            <a:r>
+              <a:rPr lang="zh-TW" altLang="en-US" dirty="0"/>
+              <a:t>塊鏈研討會等</a:t>
+            </a:r>
+            <a:r>
+              <a:rPr lang="zh-TW" altLang="en-US" dirty="0" smtClean="0"/>
+              <a:t>課程或競賽。</a:t>
+            </a:r>
+            <a:endParaRPr lang="zh-TW" altLang="en-US" dirty="0"/>
+          </a:p>
+        </p:txBody>
+      </p:sp>
+      <p:sp>
+        <p:nvSpPr>
+          <p:cNvPr id="3" name="日期版面配置區 2"/>
+          <p:cNvSpPr>
+            <a:spLocks noGrp="1"/>
+          </p:cNvSpPr>
+          <p:nvPr>
+            <p:ph type="dt" sz="half" idx="10"/>
+          </p:nvPr>
+        </p:nvSpPr>
+        <p:spPr/>
+        <p:txBody>
+          <a:bodyPr/>
+          <a:lstStyle/>
+          <a:p>
+            <a:fld id="{E0DBF2A0-D569-4754-A181-EB6AFB346A11}" type="datetime1">
+              <a:rPr lang="zh-TW" altLang="en-US" smtClean="0"/>
+              <a:pPr/>
+              <a:t>2016/7/11</a:t>
+            </a:fld>
+            <a:endParaRPr lang="zh-TW" altLang="en-US" dirty="0"/>
+          </a:p>
+        </p:txBody>
+      </p:sp>
+      <p:sp>
+        <p:nvSpPr>
+          <p:cNvPr id="4" name="投影片編號版面配置區 3"/>
+          <p:cNvSpPr>
+            <a:spLocks noGrp="1"/>
+          </p:cNvSpPr>
+          <p:nvPr>
+            <p:ph type="sldNum" sz="quarter" idx="12"/>
+          </p:nvPr>
+        </p:nvSpPr>
+        <p:spPr/>
+        <p:txBody>
+          <a:bodyPr/>
+          <a:lstStyle/>
+          <a:p>
+            <a:fld id="{420AFBEC-07C3-4955-862B-EFDB12C88779}" type="slidenum">
+              <a:rPr lang="zh-TW" altLang="en-US" smtClean="0"/>
+              <a:pPr/>
+              <a:t>41</a:t>
+            </a:fld>
+            <a:endParaRPr lang="zh-TW" altLang="en-US"/>
+          </a:p>
+        </p:txBody>
+      </p:sp>
+    </p:spTree>
+    <p:extLst>
+      <p:ext uri="{BB962C8B-B14F-4D97-AF65-F5344CB8AC3E}">
+        <p14:creationId xmlns:p14="http://schemas.microsoft.com/office/powerpoint/2010/main" val="1741769210"/>
+      </p:ext>
+    </p:extLst>
+  </p:cSld>
+  <p:clrMapOvr>
+    <a:masterClrMapping/>
+  </p:clrMapOvr>
+  <p:timing>
+    <p:tnLst>
+      <p:par>
+        <p:cTn id="1" dur="indefinite" restart="never" nodeType="tmRoot"/>
+      </p:par>
+    </p:tnLst>
+  </p:timing>
+</p:sld>
+</file>
+
+<file path=ppt/slides/slide42.xml><?xml version="1.0" encoding="utf-8"?>
+<p:sld xmlns:a="http://schemas.openxmlformats.org/drawingml/2006/main" xmlns:r="http://schemas.openxmlformats.org/officeDocument/2006/relationships" xmlns:p="http://schemas.openxmlformats.org/presentationml/2006/main">
+  <p:cSld>
+    <p:spTree>
+      <p:nvGrpSpPr>
+        <p:cNvPr id="1" name=""/>
+        <p:cNvGrpSpPr/>
+        <p:nvPr/>
+      </p:nvGrpSpPr>
+      <p:grpSpPr>
+        <a:xfrm>
+          <a:off x="0" y="0"/>
+          <a:ext cx="0" cy="0"/>
+          <a:chOff x="0" y="0"/>
+          <a:chExt cx="0" cy="0"/>
+        </a:xfrm>
+      </p:grpSpPr>
+      <p:sp>
+        <p:nvSpPr>
+          <p:cNvPr id="2" name="標題 1"/>
+          <p:cNvSpPr>
+            <a:spLocks noGrp="1"/>
+          </p:cNvSpPr>
+          <p:nvPr>
+            <p:ph type="title"/>
+          </p:nvPr>
+        </p:nvSpPr>
+        <p:spPr/>
+        <p:txBody>
+          <a:bodyPr/>
+          <a:lstStyle/>
+          <a:p>
+            <a:r>
+              <a:rPr lang="zh-TW" altLang="en-US" dirty="0" smtClean="0"/>
+              <a:t>身分認證</a:t>
+            </a:r>
+            <a:endParaRPr lang="zh-TW" altLang="en-US" dirty="0"/>
+          </a:p>
+        </p:txBody>
+      </p:sp>
+      <p:sp>
+        <p:nvSpPr>
+          <p:cNvPr id="3" name="內容版面配置區 2"/>
+          <p:cNvSpPr>
+            <a:spLocks noGrp="1"/>
+          </p:cNvSpPr>
+          <p:nvPr>
+            <p:ph idx="1"/>
+          </p:nvPr>
+        </p:nvSpPr>
+        <p:spPr/>
+        <p:txBody>
+          <a:bodyPr/>
+          <a:lstStyle/>
+          <a:p>
+            <a:r>
+              <a:rPr lang="zh-TW" altLang="en-US" dirty="0" smtClean="0"/>
+              <a:t>施政方針</a:t>
+            </a:r>
+            <a:endParaRPr lang="en-US" altLang="zh-TW" dirty="0" smtClean="0"/>
+          </a:p>
+          <a:p>
+            <a:pPr lvl="1"/>
+            <a:r>
+              <a:rPr lang="zh-TW" altLang="en-US" dirty="0"/>
+              <a:t>短期：研議開放金控體系下設立「身分認證中心」，讓各子公司可透過相互認證，為客戶建立單一登入機制。 </a:t>
+            </a:r>
+          </a:p>
+          <a:p>
+            <a:pPr lvl="1"/>
+            <a:r>
+              <a:rPr lang="zh-TW" altLang="en-US" dirty="0" smtClean="0"/>
+              <a:t>長期</a:t>
+            </a:r>
+            <a:r>
+              <a:rPr lang="zh-TW" altLang="en-US" dirty="0"/>
+              <a:t>：研議建立身分識別服務中心，由公正專業之第三方機構，提供各類身分識別工具與識別機制之</a:t>
+            </a:r>
+            <a:r>
+              <a:rPr lang="zh-TW" altLang="en-US" dirty="0" smtClean="0"/>
+              <a:t>服務。</a:t>
+            </a:r>
+            <a:endParaRPr lang="en-US" altLang="zh-TW" dirty="0" smtClean="0"/>
+          </a:p>
+          <a:p>
+            <a:pPr lvl="2"/>
+            <a:r>
+              <a:rPr lang="zh-TW" altLang="en-US" dirty="0" smtClean="0"/>
+              <a:t>包含以</a:t>
+            </a:r>
+            <a:r>
+              <a:rPr lang="en-US" altLang="zh-TW" dirty="0"/>
+              <a:t>API</a:t>
+            </a:r>
+            <a:r>
+              <a:rPr lang="zh-TW" altLang="en-US" dirty="0"/>
+              <a:t>介接內政部自然人憑證管理中心、臺灣網路認證憑證中心、各金融機構、及其他可提供身分識別資料之諮詢</a:t>
+            </a:r>
+            <a:r>
+              <a:rPr lang="zh-TW" altLang="en-US" dirty="0" smtClean="0"/>
+              <a:t>單位。</a:t>
+            </a:r>
+            <a:endParaRPr lang="zh-TW" altLang="en-US" dirty="0"/>
+          </a:p>
+        </p:txBody>
+      </p:sp>
+      <p:sp>
+        <p:nvSpPr>
+          <p:cNvPr id="4" name="日期版面配置區 3"/>
+          <p:cNvSpPr>
+            <a:spLocks noGrp="1"/>
+          </p:cNvSpPr>
+          <p:nvPr>
+            <p:ph type="dt" sz="half" idx="10"/>
+          </p:nvPr>
+        </p:nvSpPr>
+        <p:spPr/>
+        <p:txBody>
+          <a:bodyPr/>
+          <a:lstStyle/>
+          <a:p>
+            <a:fld id="{F5EB54BD-0855-4C71-B321-D9B65086D443}" type="datetime1">
+              <a:rPr lang="zh-TW" altLang="en-US" smtClean="0"/>
+              <a:t>2016/7/11</a:t>
+            </a:fld>
+            <a:endParaRPr lang="zh-TW" altLang="en-US"/>
+          </a:p>
+        </p:txBody>
+      </p:sp>
+      <p:sp>
+        <p:nvSpPr>
+          <p:cNvPr id="5" name="投影片編號版面配置區 4"/>
+          <p:cNvSpPr>
+            <a:spLocks noGrp="1"/>
+          </p:cNvSpPr>
+          <p:nvPr>
+            <p:ph type="sldNum" sz="quarter" idx="12"/>
+          </p:nvPr>
+        </p:nvSpPr>
+        <p:spPr/>
+        <p:txBody>
+          <a:bodyPr/>
+          <a:lstStyle/>
+          <a:p>
+            <a:fld id="{420AFBEC-07C3-4955-862B-EFDB12C88779}" type="slidenum">
+              <a:rPr lang="zh-TW" altLang="en-US" smtClean="0"/>
+              <a:t>42</a:t>
+            </a:fld>
+            <a:endParaRPr lang="zh-TW" altLang="en-US"/>
+          </a:p>
+        </p:txBody>
+      </p:sp>
+    </p:spTree>
+    <p:extLst>
+      <p:ext uri="{BB962C8B-B14F-4D97-AF65-F5344CB8AC3E}">
+        <p14:creationId xmlns:p14="http://schemas.microsoft.com/office/powerpoint/2010/main" val="4080506717"/>
       </p:ext>
     </p:extLst>
   </p:cSld>
@@ -9231,16 +13469,12 @@
           <a:lstStyle/>
           <a:p>
             <a:r>
-              <a:rPr lang="en-US" altLang="zh-TW" dirty="0" err="1"/>
+              <a:rPr lang="en-US" altLang="zh-TW" dirty="0" err="1" smtClean="0"/>
               <a:t>FinTech</a:t>
             </a:r>
             <a:r>
-              <a:rPr lang="en-US" altLang="zh-TW" dirty="0"/>
-              <a:t> </a:t>
-            </a:r>
-            <a:r>
-              <a:rPr lang="en-US" altLang="zh-TW" dirty="0" err="1" smtClean="0"/>
-              <a:t>Echosystem</a:t>
+              <a:rPr lang="zh-TW" altLang="en-US" dirty="0" smtClean="0"/>
+              <a:t>生態系統</a:t>
             </a:r>
             <a:endParaRPr lang="zh-TW" altLang="en-US" dirty="0"/>
           </a:p>
@@ -9263,36 +13497,14 @@
           <a:p>
             <a:r>
               <a:rPr lang="zh-TW" altLang="en-US" dirty="0" smtClean="0"/>
-              <a:t>商業環境</a:t>
+              <a:t>建立參與者為政府、金融機構、科技與人才的生態系統。</a:t>
             </a:r>
             <a:endParaRPr lang="en-US" altLang="zh-TW" dirty="0" smtClean="0"/>
           </a:p>
           <a:p>
             <a:r>
               <a:rPr lang="zh-TW" altLang="en-US" dirty="0"/>
-              <a:t>政府</a:t>
-            </a:r>
-            <a:r>
-              <a:rPr lang="zh-TW" altLang="en-US" dirty="0" smtClean="0"/>
-              <a:t>支持</a:t>
-            </a:r>
-            <a:endParaRPr lang="en-US" altLang="zh-TW" dirty="0" smtClean="0"/>
-          </a:p>
-          <a:p>
-            <a:r>
-              <a:rPr lang="zh-TW" altLang="en-US" dirty="0"/>
-              <a:t>資本</a:t>
-            </a:r>
-            <a:r>
-              <a:rPr lang="zh-TW" altLang="en-US" dirty="0" smtClean="0"/>
-              <a:t>取得</a:t>
-            </a:r>
-            <a:endParaRPr lang="en-US" altLang="zh-TW" dirty="0" smtClean="0"/>
-          </a:p>
-          <a:p>
-            <a:r>
-              <a:rPr lang="zh-TW" altLang="en-US" dirty="0"/>
-              <a:t>輔導諮詢</a:t>
+              <a:t>成功關鍵有四</a:t>
             </a:r>
             <a:endParaRPr lang="zh-TW" altLang="en-US" dirty="0"/>
           </a:p>
@@ -9315,7 +13527,7 @@
           <a:p>
             <a:fld id="{F5EB54BD-0855-4C71-B321-D9B65086D443}" type="datetime1">
               <a:rPr lang="zh-TW" altLang="en-US" smtClean="0"/>
-              <a:t>2016/7/4</a:t>
+              <a:t>2016/7/11</a:t>
             </a:fld>
             <a:endParaRPr lang="zh-TW" altLang="en-US"/>
           </a:p>
@@ -9344,6 +13556,1085 @@
           </a:p>
         </p:txBody>
       </p:sp>
+      <p:grpSp>
+        <p:nvGrpSpPr>
+          <p:cNvPr id="14" name="群組 13"/>
+          <p:cNvGrpSpPr/>
+          <p:nvPr/>
+        </p:nvGrpSpPr>
+        <p:grpSpPr>
+          <a:xfrm>
+            <a:off x="1943708" y="2276872"/>
+            <a:ext cx="5256584" cy="3888432"/>
+            <a:chOff x="1331640" y="2348880"/>
+            <a:chExt cx="5256584" cy="3888432"/>
+          </a:xfrm>
+        </p:grpSpPr>
+        <p:grpSp>
+          <p:nvGrpSpPr>
+            <p:cNvPr id="12" name="群組 11"/>
+            <p:cNvGrpSpPr/>
+            <p:nvPr/>
+          </p:nvGrpSpPr>
+          <p:grpSpPr>
+            <a:xfrm>
+              <a:off x="1331640" y="2348880"/>
+              <a:ext cx="2448272" cy="1800200"/>
+              <a:chOff x="1331640" y="2348880"/>
+              <a:chExt cx="2448272" cy="1800200"/>
+            </a:xfrm>
+          </p:grpSpPr>
+          <p:sp>
+            <p:nvSpPr>
+              <p:cNvPr id="7" name="圓角矩形 6"/>
+              <p:cNvSpPr/>
+              <p:nvPr/>
+            </p:nvSpPr>
+            <p:spPr>
+              <a:xfrm>
+                <a:off x="1331640" y="2348880"/>
+                <a:ext cx="2448272" cy="1800200"/>
+              </a:xfrm>
+              <a:prstGeom prst="roundRect">
+                <a:avLst>
+                  <a:gd name="adj" fmla="val 5257"/>
+                </a:avLst>
+              </a:prstGeom>
+              <a:solidFill>
+                <a:srgbClr val="4385C6"/>
+              </a:solidFill>
+              <a:ln>
+                <a:noFill/>
+              </a:ln>
+            </p:spPr>
+            <p:style>
+              <a:lnRef idx="2">
+                <a:schemeClr val="accent1">
+                  <a:shade val="50000"/>
+                </a:schemeClr>
+              </a:lnRef>
+              <a:fillRef idx="1">
+                <a:schemeClr val="accent1"/>
+              </a:fillRef>
+              <a:effectRef idx="0">
+                <a:schemeClr val="accent1"/>
+              </a:effectRef>
+              <a:fontRef idx="minor">
+                <a:schemeClr val="lt1"/>
+              </a:fontRef>
+            </p:style>
+            <p:txBody>
+              <a:bodyPr rtlCol="0" anchor="ctr"/>
+              <a:lstStyle/>
+              <a:p>
+                <a:pPr algn="ctr"/>
+                <a:endParaRPr lang="zh-TW" altLang="en-US" sz="2000" b="1" dirty="0">
+                  <a:latin typeface="微軟正黑體" panose="020B0604030504040204" pitchFamily="34" charset="-120"/>
+                  <a:ea typeface="微軟正黑體" panose="020B0604030504040204" pitchFamily="34" charset="-120"/>
+                </a:endParaRPr>
+              </a:p>
+            </p:txBody>
+          </p:sp>
+          <p:grpSp>
+            <p:nvGrpSpPr>
+              <p:cNvPr id="11" name="群組 10"/>
+              <p:cNvGrpSpPr/>
+              <p:nvPr/>
+            </p:nvGrpSpPr>
+            <p:grpSpPr>
+              <a:xfrm>
+                <a:off x="1619672" y="2492896"/>
+                <a:ext cx="1872208" cy="1569661"/>
+                <a:chOff x="1547664" y="2492896"/>
+                <a:chExt cx="1872208" cy="1569661"/>
+              </a:xfrm>
+            </p:grpSpPr>
+            <p:sp>
+              <p:nvSpPr>
+                <p:cNvPr id="9" name="文字方塊 8"/>
+                <p:cNvSpPr txBox="1"/>
+                <p:nvPr/>
+              </p:nvSpPr>
+              <p:spPr>
+                <a:xfrm>
+                  <a:off x="1763688" y="2492896"/>
+                  <a:ext cx="1512168" cy="400110"/>
+                </a:xfrm>
+                <a:prstGeom prst="rect">
+                  <a:avLst/>
+                </a:prstGeom>
+                <a:noFill/>
+              </p:spPr>
+              <p:txBody>
+                <a:bodyPr wrap="square" rtlCol="0">
+                  <a:spAutoFit/>
+                </a:bodyPr>
+                <a:lstStyle/>
+                <a:p>
+                  <a:r>
+                    <a:rPr lang="zh-TW" altLang="en-US" sz="2000" b="1" dirty="0" smtClean="0">
+                      <a:solidFill>
+                        <a:schemeClr val="bg1"/>
+                      </a:solidFill>
+                      <a:latin typeface="微軟正黑體" panose="020B0604030504040204" pitchFamily="34" charset="-120"/>
+                      <a:ea typeface="微軟正黑體" panose="020B0604030504040204" pitchFamily="34" charset="-120"/>
+                    </a:rPr>
+                    <a:t>商業環境</a:t>
+                  </a:r>
+                  <a:endParaRPr lang="zh-TW" altLang="en-US" sz="2000" b="1" dirty="0">
+                    <a:solidFill>
+                      <a:schemeClr val="bg1"/>
+                    </a:solidFill>
+                    <a:latin typeface="微軟正黑體" panose="020B0604030504040204" pitchFamily="34" charset="-120"/>
+                    <a:ea typeface="微軟正黑體" panose="020B0604030504040204" pitchFamily="34" charset="-120"/>
+                  </a:endParaRPr>
+                </a:p>
+              </p:txBody>
+            </p:sp>
+            <p:sp>
+              <p:nvSpPr>
+                <p:cNvPr id="10" name="文字方塊 9"/>
+                <p:cNvSpPr txBox="1"/>
+                <p:nvPr/>
+              </p:nvSpPr>
+              <p:spPr>
+                <a:xfrm>
+                  <a:off x="1547664" y="2862228"/>
+                  <a:ext cx="1872208" cy="1200329"/>
+                </a:xfrm>
+                <a:prstGeom prst="rect">
+                  <a:avLst/>
+                </a:prstGeom>
+                <a:noFill/>
+              </p:spPr>
+              <p:txBody>
+                <a:bodyPr wrap="square" rtlCol="0">
+                  <a:spAutoFit/>
+                </a:bodyPr>
+                <a:lstStyle/>
+                <a:p>
+                  <a:pPr marL="216000" indent="-216000">
+                    <a:buFontTx/>
+                    <a:buChar char="-"/>
+                  </a:pPr>
+                  <a:r>
+                    <a:rPr lang="zh-TW" altLang="en-US" b="1" dirty="0" smtClean="0">
+                      <a:solidFill>
+                        <a:schemeClr val="bg1">
+                          <a:lumMod val="95000"/>
+                        </a:schemeClr>
+                      </a:solidFill>
+                      <a:latin typeface="微軟正黑體" panose="020B0604030504040204" pitchFamily="34" charset="-120"/>
+                      <a:ea typeface="微軟正黑體" panose="020B0604030504040204" pitchFamily="34" charset="-120"/>
+                    </a:rPr>
+                    <a:t>創造成本優勢</a:t>
+                  </a:r>
+                  <a:endParaRPr lang="en-US" altLang="zh-TW" b="1" dirty="0" smtClean="0">
+                    <a:solidFill>
+                      <a:schemeClr val="bg1">
+                        <a:lumMod val="95000"/>
+                      </a:schemeClr>
+                    </a:solidFill>
+                    <a:latin typeface="微軟正黑體" panose="020B0604030504040204" pitchFamily="34" charset="-120"/>
+                    <a:ea typeface="微軟正黑體" panose="020B0604030504040204" pitchFamily="34" charset="-120"/>
+                  </a:endParaRPr>
+                </a:p>
+                <a:p>
+                  <a:pPr marL="216000" indent="-216000">
+                    <a:buFontTx/>
+                    <a:buChar char="-"/>
+                  </a:pPr>
+                  <a:r>
+                    <a:rPr lang="zh-TW" altLang="en-US" b="1" dirty="0">
+                      <a:solidFill>
+                        <a:schemeClr val="bg1">
+                          <a:lumMod val="95000"/>
+                        </a:schemeClr>
+                      </a:solidFill>
+                      <a:latin typeface="微軟正黑體" panose="020B0604030504040204" pitchFamily="34" charset="-120"/>
+                      <a:ea typeface="微軟正黑體" panose="020B0604030504040204" pitchFamily="34" charset="-120"/>
+                    </a:rPr>
+                    <a:t>豐沛專業</a:t>
+                  </a:r>
+                  <a:r>
+                    <a:rPr lang="zh-TW" altLang="en-US" b="1" dirty="0" smtClean="0">
+                      <a:solidFill>
+                        <a:schemeClr val="bg1">
+                          <a:lumMod val="95000"/>
+                        </a:schemeClr>
+                      </a:solidFill>
+                      <a:latin typeface="微軟正黑體" panose="020B0604030504040204" pitchFamily="34" charset="-120"/>
+                      <a:ea typeface="微軟正黑體" panose="020B0604030504040204" pitchFamily="34" charset="-120"/>
+                    </a:rPr>
+                    <a:t>人才</a:t>
+                  </a:r>
+                  <a:endParaRPr lang="en-US" altLang="zh-TW" b="1" dirty="0" smtClean="0">
+                    <a:solidFill>
+                      <a:schemeClr val="bg1">
+                        <a:lumMod val="95000"/>
+                      </a:schemeClr>
+                    </a:solidFill>
+                    <a:latin typeface="微軟正黑體" panose="020B0604030504040204" pitchFamily="34" charset="-120"/>
+                    <a:ea typeface="微軟正黑體" panose="020B0604030504040204" pitchFamily="34" charset="-120"/>
+                  </a:endParaRPr>
+                </a:p>
+                <a:p>
+                  <a:pPr marL="216000" indent="-216000">
+                    <a:buFontTx/>
+                    <a:buChar char="-"/>
+                  </a:pPr>
+                  <a:r>
+                    <a:rPr lang="zh-TW" altLang="en-US" b="1" dirty="0">
+                      <a:solidFill>
+                        <a:schemeClr val="bg1">
+                          <a:lumMod val="95000"/>
+                        </a:schemeClr>
+                      </a:solidFill>
+                      <a:latin typeface="微軟正黑體" panose="020B0604030504040204" pitchFamily="34" charset="-120"/>
+                      <a:ea typeface="微軟正黑體" panose="020B0604030504040204" pitchFamily="34" charset="-120"/>
+                    </a:rPr>
+                    <a:t>產業群聚</a:t>
+                  </a:r>
+                  <a:r>
+                    <a:rPr lang="zh-TW" altLang="en-US" b="1" dirty="0" smtClean="0">
+                      <a:solidFill>
+                        <a:schemeClr val="bg1">
+                          <a:lumMod val="95000"/>
+                        </a:schemeClr>
+                      </a:solidFill>
+                      <a:latin typeface="微軟正黑體" panose="020B0604030504040204" pitchFamily="34" charset="-120"/>
+                      <a:ea typeface="微軟正黑體" panose="020B0604030504040204" pitchFamily="34" charset="-120"/>
+                    </a:rPr>
+                    <a:t>整合</a:t>
+                  </a:r>
+                  <a:endParaRPr lang="en-US" altLang="zh-TW" b="1" dirty="0" smtClean="0">
+                    <a:solidFill>
+                      <a:schemeClr val="bg1">
+                        <a:lumMod val="95000"/>
+                      </a:schemeClr>
+                    </a:solidFill>
+                    <a:latin typeface="微軟正黑體" panose="020B0604030504040204" pitchFamily="34" charset="-120"/>
+                    <a:ea typeface="微軟正黑體" panose="020B0604030504040204" pitchFamily="34" charset="-120"/>
+                  </a:endParaRPr>
+                </a:p>
+                <a:p>
+                  <a:pPr marL="216000" indent="-216000">
+                    <a:buFontTx/>
+                    <a:buChar char="-"/>
+                  </a:pPr>
+                  <a:r>
+                    <a:rPr lang="zh-TW" altLang="en-US" b="1" dirty="0">
+                      <a:solidFill>
+                        <a:schemeClr val="bg1">
+                          <a:lumMod val="95000"/>
+                        </a:schemeClr>
+                      </a:solidFill>
+                      <a:latin typeface="微軟正黑體" panose="020B0604030504040204" pitchFamily="34" charset="-120"/>
+                      <a:ea typeface="微軟正黑體" panose="020B0604030504040204" pitchFamily="34" charset="-120"/>
+                    </a:rPr>
+                    <a:t>基礎建設品質</a:t>
+                  </a:r>
+                </a:p>
+              </p:txBody>
+            </p:sp>
+          </p:grpSp>
+        </p:grpSp>
+        <p:grpSp>
+          <p:nvGrpSpPr>
+            <p:cNvPr id="15" name="群組 14"/>
+            <p:cNvGrpSpPr/>
+            <p:nvPr/>
+          </p:nvGrpSpPr>
+          <p:grpSpPr>
+            <a:xfrm>
+              <a:off x="4139952" y="2348880"/>
+              <a:ext cx="2448272" cy="1800200"/>
+              <a:chOff x="1331640" y="2348880"/>
+              <a:chExt cx="2448272" cy="1800200"/>
+            </a:xfrm>
+          </p:grpSpPr>
+          <p:sp>
+            <p:nvSpPr>
+              <p:cNvPr id="16" name="圓角矩形 15"/>
+              <p:cNvSpPr/>
+              <p:nvPr/>
+            </p:nvSpPr>
+            <p:spPr>
+              <a:xfrm>
+                <a:off x="1331640" y="2348880"/>
+                <a:ext cx="2448272" cy="1800200"/>
+              </a:xfrm>
+              <a:prstGeom prst="roundRect">
+                <a:avLst>
+                  <a:gd name="adj" fmla="val 5257"/>
+                </a:avLst>
+              </a:prstGeom>
+              <a:solidFill>
+                <a:srgbClr val="5A6D8D"/>
+              </a:solidFill>
+              <a:ln>
+                <a:noFill/>
+              </a:ln>
+            </p:spPr>
+            <p:style>
+              <a:lnRef idx="2">
+                <a:schemeClr val="accent1">
+                  <a:shade val="50000"/>
+                </a:schemeClr>
+              </a:lnRef>
+              <a:fillRef idx="1">
+                <a:schemeClr val="accent1"/>
+              </a:fillRef>
+              <a:effectRef idx="0">
+                <a:schemeClr val="accent1"/>
+              </a:effectRef>
+              <a:fontRef idx="minor">
+                <a:schemeClr val="lt1"/>
+              </a:fontRef>
+            </p:style>
+            <p:txBody>
+              <a:bodyPr rtlCol="0" anchor="ctr"/>
+              <a:lstStyle/>
+              <a:p>
+                <a:pPr algn="ctr"/>
+                <a:endParaRPr lang="zh-TW" altLang="en-US" sz="2000" b="1" dirty="0">
+                  <a:latin typeface="微軟正黑體" panose="020B0604030504040204" pitchFamily="34" charset="-120"/>
+                  <a:ea typeface="微軟正黑體" panose="020B0604030504040204" pitchFamily="34" charset="-120"/>
+                </a:endParaRPr>
+              </a:p>
+            </p:txBody>
+          </p:sp>
+          <p:grpSp>
+            <p:nvGrpSpPr>
+              <p:cNvPr id="17" name="群組 16"/>
+              <p:cNvGrpSpPr/>
+              <p:nvPr/>
+            </p:nvGrpSpPr>
+            <p:grpSpPr>
+              <a:xfrm>
+                <a:off x="1619672" y="2492896"/>
+                <a:ext cx="1872208" cy="1569661"/>
+                <a:chOff x="1547664" y="2492896"/>
+                <a:chExt cx="1872208" cy="1569661"/>
+              </a:xfrm>
+            </p:grpSpPr>
+            <p:sp>
+              <p:nvSpPr>
+                <p:cNvPr id="18" name="文字方塊 17"/>
+                <p:cNvSpPr txBox="1"/>
+                <p:nvPr/>
+              </p:nvSpPr>
+              <p:spPr>
+                <a:xfrm>
+                  <a:off x="1763688" y="2492896"/>
+                  <a:ext cx="1512168" cy="400110"/>
+                </a:xfrm>
+                <a:prstGeom prst="rect">
+                  <a:avLst/>
+                </a:prstGeom>
+                <a:noFill/>
+              </p:spPr>
+              <p:txBody>
+                <a:bodyPr wrap="square" rtlCol="0">
+                  <a:spAutoFit/>
+                </a:bodyPr>
+                <a:lstStyle/>
+                <a:p>
+                  <a:r>
+                    <a:rPr lang="zh-TW" altLang="en-US" sz="2000" b="1" dirty="0" smtClean="0">
+                      <a:solidFill>
+                        <a:schemeClr val="bg1"/>
+                      </a:solidFill>
+                      <a:latin typeface="微軟正黑體" panose="020B0604030504040204" pitchFamily="34" charset="-120"/>
+                      <a:ea typeface="微軟正黑體" panose="020B0604030504040204" pitchFamily="34" charset="-120"/>
+                    </a:rPr>
+                    <a:t>政府支持</a:t>
+                  </a:r>
+                  <a:endParaRPr lang="zh-TW" altLang="en-US" sz="2000" b="1" dirty="0">
+                    <a:solidFill>
+                      <a:schemeClr val="bg1"/>
+                    </a:solidFill>
+                    <a:latin typeface="微軟正黑體" panose="020B0604030504040204" pitchFamily="34" charset="-120"/>
+                    <a:ea typeface="微軟正黑體" panose="020B0604030504040204" pitchFamily="34" charset="-120"/>
+                  </a:endParaRPr>
+                </a:p>
+              </p:txBody>
+            </p:sp>
+            <p:sp>
+              <p:nvSpPr>
+                <p:cNvPr id="19" name="文字方塊 18"/>
+                <p:cNvSpPr txBox="1"/>
+                <p:nvPr/>
+              </p:nvSpPr>
+              <p:spPr>
+                <a:xfrm>
+                  <a:off x="1547664" y="2862228"/>
+                  <a:ext cx="1872208" cy="1200329"/>
+                </a:xfrm>
+                <a:prstGeom prst="rect">
+                  <a:avLst/>
+                </a:prstGeom>
+                <a:noFill/>
+              </p:spPr>
+              <p:txBody>
+                <a:bodyPr wrap="square" rtlCol="0">
+                  <a:spAutoFit/>
+                </a:bodyPr>
+                <a:lstStyle/>
+                <a:p>
+                  <a:pPr marL="216000" indent="-216000">
+                    <a:buFontTx/>
+                    <a:buChar char="-"/>
+                  </a:pPr>
+                  <a:r>
+                    <a:rPr lang="zh-TW" altLang="en-US" b="1" dirty="0" smtClean="0">
+                      <a:solidFill>
+                        <a:schemeClr val="bg1">
+                          <a:lumMod val="95000"/>
+                        </a:schemeClr>
+                      </a:solidFill>
+                      <a:latin typeface="微軟正黑體" panose="020B0604030504040204" pitchFamily="34" charset="-120"/>
+                      <a:ea typeface="微軟正黑體" panose="020B0604030504040204" pitchFamily="34" charset="-120"/>
+                    </a:rPr>
+                    <a:t>產業發展政策</a:t>
+                  </a:r>
+                  <a:endParaRPr lang="en-US" altLang="zh-TW" b="1" dirty="0" smtClean="0">
+                    <a:solidFill>
+                      <a:schemeClr val="bg1">
+                        <a:lumMod val="95000"/>
+                      </a:schemeClr>
+                    </a:solidFill>
+                    <a:latin typeface="微軟正黑體" panose="020B0604030504040204" pitchFamily="34" charset="-120"/>
+                    <a:ea typeface="微軟正黑體" panose="020B0604030504040204" pitchFamily="34" charset="-120"/>
+                  </a:endParaRPr>
+                </a:p>
+                <a:p>
+                  <a:pPr marL="216000" indent="-216000">
+                    <a:buFontTx/>
+                    <a:buChar char="-"/>
+                  </a:pPr>
+                  <a:r>
+                    <a:rPr lang="zh-TW" altLang="en-US" b="1" dirty="0">
+                      <a:solidFill>
+                        <a:schemeClr val="bg1">
+                          <a:lumMod val="95000"/>
+                        </a:schemeClr>
+                      </a:solidFill>
+                      <a:latin typeface="微軟正黑體" panose="020B0604030504040204" pitchFamily="34" charset="-120"/>
+                      <a:ea typeface="微軟正黑體" panose="020B0604030504040204" pitchFamily="34" charset="-120"/>
+                    </a:rPr>
+                    <a:t>經商容易</a:t>
+                  </a:r>
+                  <a:r>
+                    <a:rPr lang="zh-TW" altLang="en-US" b="1" dirty="0" smtClean="0">
+                      <a:solidFill>
+                        <a:schemeClr val="bg1">
+                          <a:lumMod val="95000"/>
+                        </a:schemeClr>
+                      </a:solidFill>
+                      <a:latin typeface="微軟正黑體" panose="020B0604030504040204" pitchFamily="34" charset="-120"/>
+                      <a:ea typeface="微軟正黑體" panose="020B0604030504040204" pitchFamily="34" charset="-120"/>
+                    </a:rPr>
+                    <a:t>程度</a:t>
+                  </a:r>
+                  <a:endParaRPr lang="en-US" altLang="zh-TW" b="1" dirty="0" smtClean="0">
+                    <a:solidFill>
+                      <a:schemeClr val="bg1">
+                        <a:lumMod val="95000"/>
+                      </a:schemeClr>
+                    </a:solidFill>
+                    <a:latin typeface="微軟正黑體" panose="020B0604030504040204" pitchFamily="34" charset="-120"/>
+                    <a:ea typeface="微軟正黑體" panose="020B0604030504040204" pitchFamily="34" charset="-120"/>
+                  </a:endParaRPr>
+                </a:p>
+                <a:p>
+                  <a:pPr marL="216000" indent="-216000">
+                    <a:buFontTx/>
+                    <a:buChar char="-"/>
+                  </a:pPr>
+                  <a:r>
+                    <a:rPr lang="zh-TW" altLang="en-US" b="1" dirty="0" smtClean="0">
+                      <a:solidFill>
+                        <a:schemeClr val="bg1">
+                          <a:lumMod val="95000"/>
+                        </a:schemeClr>
+                      </a:solidFill>
+                      <a:latin typeface="微軟正黑體" panose="020B0604030504040204" pitchFamily="34" charset="-120"/>
+                      <a:ea typeface="微軟正黑體" panose="020B0604030504040204" pitchFamily="34" charset="-120"/>
+                    </a:rPr>
+                    <a:t>園區用地取得</a:t>
+                  </a:r>
+                  <a:endParaRPr lang="en-US" altLang="zh-TW" b="1" dirty="0" smtClean="0">
+                    <a:solidFill>
+                      <a:schemeClr val="bg1">
+                        <a:lumMod val="95000"/>
+                      </a:schemeClr>
+                    </a:solidFill>
+                    <a:latin typeface="微軟正黑體" panose="020B0604030504040204" pitchFamily="34" charset="-120"/>
+                    <a:ea typeface="微軟正黑體" panose="020B0604030504040204" pitchFamily="34" charset="-120"/>
+                  </a:endParaRPr>
+                </a:p>
+                <a:p>
+                  <a:pPr marL="216000" indent="-216000">
+                    <a:buFontTx/>
+                    <a:buChar char="-"/>
+                  </a:pPr>
+                  <a:r>
+                    <a:rPr lang="zh-TW" altLang="en-US" b="1" dirty="0">
+                      <a:solidFill>
+                        <a:schemeClr val="bg1">
+                          <a:lumMod val="95000"/>
+                        </a:schemeClr>
+                      </a:solidFill>
+                      <a:latin typeface="微軟正黑體" panose="020B0604030504040204" pitchFamily="34" charset="-120"/>
+                      <a:ea typeface="微軟正黑體" panose="020B0604030504040204" pitchFamily="34" charset="-120"/>
+                    </a:rPr>
+                    <a:t>稅務工作許可</a:t>
+                  </a:r>
+                </a:p>
+              </p:txBody>
+            </p:sp>
+          </p:grpSp>
+        </p:grpSp>
+        <p:grpSp>
+          <p:nvGrpSpPr>
+            <p:cNvPr id="20" name="群組 19"/>
+            <p:cNvGrpSpPr/>
+            <p:nvPr/>
+          </p:nvGrpSpPr>
+          <p:grpSpPr>
+            <a:xfrm>
+              <a:off x="1367644" y="4437112"/>
+              <a:ext cx="2448272" cy="1800200"/>
+              <a:chOff x="1331640" y="2348880"/>
+              <a:chExt cx="2448272" cy="1800200"/>
+            </a:xfrm>
+          </p:grpSpPr>
+          <p:sp>
+            <p:nvSpPr>
+              <p:cNvPr id="21" name="圓角矩形 20"/>
+              <p:cNvSpPr/>
+              <p:nvPr/>
+            </p:nvSpPr>
+            <p:spPr>
+              <a:xfrm>
+                <a:off x="1331640" y="2348880"/>
+                <a:ext cx="2448272" cy="1800200"/>
+              </a:xfrm>
+              <a:prstGeom prst="roundRect">
+                <a:avLst>
+                  <a:gd name="adj" fmla="val 5257"/>
+                </a:avLst>
+              </a:prstGeom>
+              <a:solidFill>
+                <a:srgbClr val="4E9695"/>
+              </a:solidFill>
+              <a:ln>
+                <a:noFill/>
+              </a:ln>
+            </p:spPr>
+            <p:style>
+              <a:lnRef idx="2">
+                <a:schemeClr val="accent1">
+                  <a:shade val="50000"/>
+                </a:schemeClr>
+              </a:lnRef>
+              <a:fillRef idx="1">
+                <a:schemeClr val="accent1"/>
+              </a:fillRef>
+              <a:effectRef idx="0">
+                <a:schemeClr val="accent1"/>
+              </a:effectRef>
+              <a:fontRef idx="minor">
+                <a:schemeClr val="lt1"/>
+              </a:fontRef>
+            </p:style>
+            <p:txBody>
+              <a:bodyPr rtlCol="0" anchor="ctr"/>
+              <a:lstStyle/>
+              <a:p>
+                <a:pPr algn="ctr"/>
+                <a:endParaRPr lang="zh-TW" altLang="en-US" sz="2000" b="1" dirty="0">
+                  <a:latin typeface="微軟正黑體" panose="020B0604030504040204" pitchFamily="34" charset="-120"/>
+                  <a:ea typeface="微軟正黑體" panose="020B0604030504040204" pitchFamily="34" charset="-120"/>
+                </a:endParaRPr>
+              </a:p>
+            </p:txBody>
+          </p:sp>
+          <p:grpSp>
+            <p:nvGrpSpPr>
+              <p:cNvPr id="22" name="群組 21"/>
+              <p:cNvGrpSpPr/>
+              <p:nvPr/>
+            </p:nvGrpSpPr>
+            <p:grpSpPr>
+              <a:xfrm>
+                <a:off x="1619672" y="2492896"/>
+                <a:ext cx="1872208" cy="1569661"/>
+                <a:chOff x="1547664" y="2492896"/>
+                <a:chExt cx="1872208" cy="1569661"/>
+              </a:xfrm>
+            </p:grpSpPr>
+            <p:sp>
+              <p:nvSpPr>
+                <p:cNvPr id="23" name="文字方塊 22"/>
+                <p:cNvSpPr txBox="1"/>
+                <p:nvPr/>
+              </p:nvSpPr>
+              <p:spPr>
+                <a:xfrm>
+                  <a:off x="1763688" y="2492896"/>
+                  <a:ext cx="1512168" cy="400110"/>
+                </a:xfrm>
+                <a:prstGeom prst="rect">
+                  <a:avLst/>
+                </a:prstGeom>
+                <a:noFill/>
+              </p:spPr>
+              <p:txBody>
+                <a:bodyPr wrap="square" rtlCol="0">
+                  <a:spAutoFit/>
+                </a:bodyPr>
+                <a:lstStyle/>
+                <a:p>
+                  <a:r>
+                    <a:rPr lang="zh-TW" altLang="en-US" sz="2000" b="1" dirty="0" smtClean="0">
+                      <a:solidFill>
+                        <a:schemeClr val="bg1"/>
+                      </a:solidFill>
+                      <a:latin typeface="微軟正黑體" panose="020B0604030504040204" pitchFamily="34" charset="-120"/>
+                      <a:ea typeface="微軟正黑體" panose="020B0604030504040204" pitchFamily="34" charset="-120"/>
+                    </a:rPr>
+                    <a:t>資本取得</a:t>
+                  </a:r>
+                  <a:endParaRPr lang="zh-TW" altLang="en-US" sz="2000" b="1" dirty="0">
+                    <a:solidFill>
+                      <a:schemeClr val="bg1"/>
+                    </a:solidFill>
+                    <a:latin typeface="微軟正黑體" panose="020B0604030504040204" pitchFamily="34" charset="-120"/>
+                    <a:ea typeface="微軟正黑體" panose="020B0604030504040204" pitchFamily="34" charset="-120"/>
+                  </a:endParaRPr>
+                </a:p>
+              </p:txBody>
+            </p:sp>
+            <p:sp>
+              <p:nvSpPr>
+                <p:cNvPr id="24" name="文字方塊 23"/>
+                <p:cNvSpPr txBox="1"/>
+                <p:nvPr/>
+              </p:nvSpPr>
+              <p:spPr>
+                <a:xfrm>
+                  <a:off x="1547664" y="2862228"/>
+                  <a:ext cx="1872208" cy="1200329"/>
+                </a:xfrm>
+                <a:prstGeom prst="rect">
+                  <a:avLst/>
+                </a:prstGeom>
+                <a:noFill/>
+              </p:spPr>
+              <p:txBody>
+                <a:bodyPr wrap="square" rtlCol="0">
+                  <a:spAutoFit/>
+                </a:bodyPr>
+                <a:lstStyle/>
+                <a:p>
+                  <a:pPr marL="216000" indent="-216000">
+                    <a:buFontTx/>
+                    <a:buChar char="-"/>
+                  </a:pPr>
+                  <a:r>
+                    <a:rPr lang="zh-TW" altLang="en-US" b="1" dirty="0" smtClean="0">
+                      <a:solidFill>
+                        <a:schemeClr val="bg1">
+                          <a:lumMod val="95000"/>
+                        </a:schemeClr>
+                      </a:solidFill>
+                      <a:latin typeface="微軟正黑體" panose="020B0604030504040204" pitchFamily="34" charset="-120"/>
+                      <a:ea typeface="微軟正黑體" panose="020B0604030504040204" pitchFamily="34" charset="-120"/>
+                    </a:rPr>
+                    <a:t>政府發展基金</a:t>
+                  </a:r>
+                  <a:endParaRPr lang="en-US" altLang="zh-TW" b="1" dirty="0" smtClean="0">
+                    <a:solidFill>
+                      <a:schemeClr val="bg1">
+                        <a:lumMod val="95000"/>
+                      </a:schemeClr>
+                    </a:solidFill>
+                    <a:latin typeface="微軟正黑體" panose="020B0604030504040204" pitchFamily="34" charset="-120"/>
+                    <a:ea typeface="微軟正黑體" panose="020B0604030504040204" pitchFamily="34" charset="-120"/>
+                  </a:endParaRPr>
+                </a:p>
+                <a:p>
+                  <a:pPr marL="216000" indent="-216000">
+                    <a:buFontTx/>
+                    <a:buChar char="-"/>
+                  </a:pPr>
+                  <a:r>
+                    <a:rPr lang="zh-TW" altLang="en-US" b="1" dirty="0">
+                      <a:solidFill>
+                        <a:schemeClr val="bg1">
+                          <a:lumMod val="95000"/>
+                        </a:schemeClr>
+                      </a:solidFill>
+                      <a:latin typeface="微軟正黑體" panose="020B0604030504040204" pitchFamily="34" charset="-120"/>
+                      <a:ea typeface="微軟正黑體" panose="020B0604030504040204" pitchFamily="34" charset="-120"/>
+                    </a:rPr>
+                    <a:t>私募創投</a:t>
+                  </a:r>
+                  <a:r>
+                    <a:rPr lang="zh-TW" altLang="en-US" b="1" dirty="0" smtClean="0">
+                      <a:solidFill>
+                        <a:schemeClr val="bg1">
+                          <a:lumMod val="95000"/>
+                        </a:schemeClr>
+                      </a:solidFill>
+                      <a:latin typeface="微軟正黑體" panose="020B0604030504040204" pitchFamily="34" charset="-120"/>
+                      <a:ea typeface="微軟正黑體" panose="020B0604030504040204" pitchFamily="34" charset="-120"/>
+                    </a:rPr>
+                    <a:t>基金</a:t>
+                  </a:r>
+                  <a:endParaRPr lang="en-US" altLang="zh-TW" b="1" dirty="0" smtClean="0">
+                    <a:solidFill>
+                      <a:schemeClr val="bg1">
+                        <a:lumMod val="95000"/>
+                      </a:schemeClr>
+                    </a:solidFill>
+                    <a:latin typeface="微軟正黑體" panose="020B0604030504040204" pitchFamily="34" charset="-120"/>
+                    <a:ea typeface="微軟正黑體" panose="020B0604030504040204" pitchFamily="34" charset="-120"/>
+                  </a:endParaRPr>
+                </a:p>
+                <a:p>
+                  <a:pPr marL="216000" indent="-216000">
+                    <a:buFontTx/>
+                    <a:buChar char="-"/>
+                  </a:pPr>
+                  <a:r>
+                    <a:rPr lang="zh-TW" altLang="en-US" b="1" dirty="0">
+                      <a:solidFill>
+                        <a:schemeClr val="bg1">
+                          <a:lumMod val="95000"/>
+                        </a:schemeClr>
+                      </a:solidFill>
+                      <a:latin typeface="微軟正黑體" panose="020B0604030504040204" pitchFamily="34" charset="-120"/>
+                      <a:ea typeface="微軟正黑體" panose="020B0604030504040204" pitchFamily="34" charset="-120"/>
+                    </a:rPr>
+                    <a:t>銀行投資</a:t>
+                  </a:r>
+                  <a:r>
+                    <a:rPr lang="zh-TW" altLang="en-US" b="1" dirty="0" smtClean="0">
+                      <a:solidFill>
+                        <a:schemeClr val="bg1">
+                          <a:lumMod val="95000"/>
+                        </a:schemeClr>
+                      </a:solidFill>
+                      <a:latin typeface="微軟正黑體" panose="020B0604030504040204" pitchFamily="34" charset="-120"/>
+                      <a:ea typeface="微軟正黑體" panose="020B0604030504040204" pitchFamily="34" charset="-120"/>
+                    </a:rPr>
+                    <a:t>基金</a:t>
+                  </a:r>
+                  <a:endParaRPr lang="en-US" altLang="zh-TW" b="1" dirty="0" smtClean="0">
+                    <a:solidFill>
+                      <a:schemeClr val="bg1">
+                        <a:lumMod val="95000"/>
+                      </a:schemeClr>
+                    </a:solidFill>
+                    <a:latin typeface="微軟正黑體" panose="020B0604030504040204" pitchFamily="34" charset="-120"/>
+                    <a:ea typeface="微軟正黑體" panose="020B0604030504040204" pitchFamily="34" charset="-120"/>
+                  </a:endParaRPr>
+                </a:p>
+                <a:p>
+                  <a:pPr marL="216000" indent="-216000">
+                    <a:buFontTx/>
+                    <a:buChar char="-"/>
+                  </a:pPr>
+                  <a:r>
+                    <a:rPr lang="zh-TW" altLang="en-US" b="1" dirty="0">
+                      <a:solidFill>
+                        <a:schemeClr val="bg1">
+                          <a:lumMod val="95000"/>
+                        </a:schemeClr>
+                      </a:solidFill>
+                      <a:latin typeface="微軟正黑體" panose="020B0604030504040204" pitchFamily="34" charset="-120"/>
+                      <a:ea typeface="微軟正黑體" panose="020B0604030504040204" pitchFamily="34" charset="-120"/>
+                    </a:rPr>
+                    <a:t>創新育成中心</a:t>
+                  </a:r>
+                </a:p>
+              </p:txBody>
+            </p:sp>
+          </p:grpSp>
+        </p:grpSp>
+        <p:grpSp>
+          <p:nvGrpSpPr>
+            <p:cNvPr id="25" name="群組 24"/>
+            <p:cNvGrpSpPr/>
+            <p:nvPr/>
+          </p:nvGrpSpPr>
+          <p:grpSpPr>
+            <a:xfrm>
+              <a:off x="4139952" y="4437112"/>
+              <a:ext cx="2448272" cy="1800200"/>
+              <a:chOff x="1331640" y="2348880"/>
+              <a:chExt cx="2448272" cy="1800200"/>
+            </a:xfrm>
+          </p:grpSpPr>
+          <p:sp>
+            <p:nvSpPr>
+              <p:cNvPr id="26" name="圓角矩形 25"/>
+              <p:cNvSpPr/>
+              <p:nvPr/>
+            </p:nvSpPr>
+            <p:spPr>
+              <a:xfrm>
+                <a:off x="1331640" y="2348880"/>
+                <a:ext cx="2448272" cy="1800200"/>
+              </a:xfrm>
+              <a:prstGeom prst="roundRect">
+                <a:avLst>
+                  <a:gd name="adj" fmla="val 5257"/>
+                </a:avLst>
+              </a:prstGeom>
+              <a:solidFill>
+                <a:srgbClr val="EC7320"/>
+              </a:solidFill>
+              <a:ln>
+                <a:noFill/>
+              </a:ln>
+            </p:spPr>
+            <p:style>
+              <a:lnRef idx="2">
+                <a:schemeClr val="accent1">
+                  <a:shade val="50000"/>
+                </a:schemeClr>
+              </a:lnRef>
+              <a:fillRef idx="1">
+                <a:schemeClr val="accent1"/>
+              </a:fillRef>
+              <a:effectRef idx="0">
+                <a:schemeClr val="accent1"/>
+              </a:effectRef>
+              <a:fontRef idx="minor">
+                <a:schemeClr val="lt1"/>
+              </a:fontRef>
+            </p:style>
+            <p:txBody>
+              <a:bodyPr rtlCol="0" anchor="ctr"/>
+              <a:lstStyle/>
+              <a:p>
+                <a:pPr algn="ctr"/>
+                <a:endParaRPr lang="zh-TW" altLang="en-US" sz="2000" b="1" dirty="0">
+                  <a:latin typeface="微軟正黑體" panose="020B0604030504040204" pitchFamily="34" charset="-120"/>
+                  <a:ea typeface="微軟正黑體" panose="020B0604030504040204" pitchFamily="34" charset="-120"/>
+                </a:endParaRPr>
+              </a:p>
+            </p:txBody>
+          </p:sp>
+          <p:grpSp>
+            <p:nvGrpSpPr>
+              <p:cNvPr id="27" name="群組 26"/>
+              <p:cNvGrpSpPr/>
+              <p:nvPr/>
+            </p:nvGrpSpPr>
+            <p:grpSpPr>
+              <a:xfrm>
+                <a:off x="1619672" y="2492896"/>
+                <a:ext cx="1872208" cy="1569661"/>
+                <a:chOff x="1547664" y="2492896"/>
+                <a:chExt cx="1872208" cy="1569661"/>
+              </a:xfrm>
+            </p:grpSpPr>
+            <p:sp>
+              <p:nvSpPr>
+                <p:cNvPr id="28" name="文字方塊 27"/>
+                <p:cNvSpPr txBox="1"/>
+                <p:nvPr/>
+              </p:nvSpPr>
+              <p:spPr>
+                <a:xfrm>
+                  <a:off x="1763688" y="2492896"/>
+                  <a:ext cx="1512168" cy="400110"/>
+                </a:xfrm>
+                <a:prstGeom prst="rect">
+                  <a:avLst/>
+                </a:prstGeom>
+                <a:noFill/>
+              </p:spPr>
+              <p:txBody>
+                <a:bodyPr wrap="square" rtlCol="0">
+                  <a:spAutoFit/>
+                </a:bodyPr>
+                <a:lstStyle/>
+                <a:p>
+                  <a:r>
+                    <a:rPr lang="zh-TW" altLang="en-US" sz="2000" b="1" dirty="0" smtClean="0">
+                      <a:solidFill>
+                        <a:schemeClr val="bg1"/>
+                      </a:solidFill>
+                      <a:latin typeface="微軟正黑體" panose="020B0604030504040204" pitchFamily="34" charset="-120"/>
+                      <a:ea typeface="微軟正黑體" panose="020B0604030504040204" pitchFamily="34" charset="-120"/>
+                    </a:rPr>
+                    <a:t>輔導諮詢</a:t>
+                  </a:r>
+                  <a:endParaRPr lang="zh-TW" altLang="en-US" sz="2000" b="1" dirty="0">
+                    <a:solidFill>
+                      <a:schemeClr val="bg1"/>
+                    </a:solidFill>
+                    <a:latin typeface="微軟正黑體" panose="020B0604030504040204" pitchFamily="34" charset="-120"/>
+                    <a:ea typeface="微軟正黑體" panose="020B0604030504040204" pitchFamily="34" charset="-120"/>
+                  </a:endParaRPr>
+                </a:p>
+              </p:txBody>
+            </p:sp>
+            <p:sp>
+              <p:nvSpPr>
+                <p:cNvPr id="29" name="文字方塊 28"/>
+                <p:cNvSpPr txBox="1"/>
+                <p:nvPr/>
+              </p:nvSpPr>
+              <p:spPr>
+                <a:xfrm>
+                  <a:off x="1547664" y="2862228"/>
+                  <a:ext cx="1872208" cy="1200329"/>
+                </a:xfrm>
+                <a:prstGeom prst="rect">
+                  <a:avLst/>
+                </a:prstGeom>
+                <a:noFill/>
+              </p:spPr>
+              <p:txBody>
+                <a:bodyPr wrap="square" rtlCol="0">
+                  <a:spAutoFit/>
+                </a:bodyPr>
+                <a:lstStyle/>
+                <a:p>
+                  <a:pPr marL="216000" indent="-216000">
+                    <a:buFontTx/>
+                    <a:buChar char="-"/>
+                  </a:pPr>
+                  <a:r>
+                    <a:rPr lang="zh-TW" altLang="en-US" b="1" dirty="0" smtClean="0">
+                      <a:solidFill>
+                        <a:schemeClr val="bg1">
+                          <a:lumMod val="95000"/>
+                        </a:schemeClr>
+                      </a:solidFill>
+                      <a:latin typeface="微軟正黑體" panose="020B0604030504040204" pitchFamily="34" charset="-120"/>
+                      <a:ea typeface="微軟正黑體" panose="020B0604030504040204" pitchFamily="34" charset="-120"/>
+                    </a:rPr>
+                    <a:t>新創籌資輔導</a:t>
+                  </a:r>
+                  <a:endParaRPr lang="en-US" altLang="zh-TW" b="1" dirty="0" smtClean="0">
+                    <a:solidFill>
+                      <a:schemeClr val="bg1">
+                        <a:lumMod val="95000"/>
+                      </a:schemeClr>
+                    </a:solidFill>
+                    <a:latin typeface="微軟正黑體" panose="020B0604030504040204" pitchFamily="34" charset="-120"/>
+                    <a:ea typeface="微軟正黑體" panose="020B0604030504040204" pitchFamily="34" charset="-120"/>
+                  </a:endParaRPr>
+                </a:p>
+                <a:p>
+                  <a:pPr marL="216000" indent="-216000">
+                    <a:buFontTx/>
+                    <a:buChar char="-"/>
+                  </a:pPr>
+                  <a:r>
+                    <a:rPr lang="zh-TW" altLang="en-US" b="1" dirty="0">
+                      <a:solidFill>
+                        <a:schemeClr val="bg1">
+                          <a:lumMod val="95000"/>
+                        </a:schemeClr>
+                      </a:solidFill>
+                      <a:latin typeface="微軟正黑體" panose="020B0604030504040204" pitchFamily="34" charset="-120"/>
+                      <a:ea typeface="微軟正黑體" panose="020B0604030504040204" pitchFamily="34" charset="-120"/>
+                    </a:rPr>
+                    <a:t>交易模式</a:t>
+                  </a:r>
+                  <a:r>
+                    <a:rPr lang="zh-TW" altLang="en-US" b="1" dirty="0" smtClean="0">
+                      <a:solidFill>
+                        <a:schemeClr val="bg1">
+                          <a:lumMod val="95000"/>
+                        </a:schemeClr>
+                      </a:solidFill>
+                      <a:latin typeface="微軟正黑體" panose="020B0604030504040204" pitchFamily="34" charset="-120"/>
+                      <a:ea typeface="微軟正黑體" panose="020B0604030504040204" pitchFamily="34" charset="-120"/>
+                    </a:rPr>
+                    <a:t>建立</a:t>
+                  </a:r>
+                  <a:endParaRPr lang="en-US" altLang="zh-TW" b="1" dirty="0" smtClean="0">
+                    <a:solidFill>
+                      <a:schemeClr val="bg1">
+                        <a:lumMod val="95000"/>
+                      </a:schemeClr>
+                    </a:solidFill>
+                    <a:latin typeface="微軟正黑體" panose="020B0604030504040204" pitchFamily="34" charset="-120"/>
+                    <a:ea typeface="微軟正黑體" panose="020B0604030504040204" pitchFamily="34" charset="-120"/>
+                  </a:endParaRPr>
+                </a:p>
+                <a:p>
+                  <a:pPr marL="216000" indent="-216000">
+                    <a:buFontTx/>
+                    <a:buChar char="-"/>
+                  </a:pPr>
+                  <a:r>
+                    <a:rPr lang="zh-TW" altLang="en-US" b="1" dirty="0">
+                      <a:solidFill>
+                        <a:schemeClr val="bg1">
+                          <a:lumMod val="95000"/>
+                        </a:schemeClr>
+                      </a:solidFill>
+                      <a:latin typeface="微軟正黑體" panose="020B0604030504040204" pitchFamily="34" charset="-120"/>
+                      <a:ea typeface="微軟正黑體" panose="020B0604030504040204" pitchFamily="34" charset="-120"/>
+                    </a:rPr>
+                    <a:t>監理法規</a:t>
+                  </a:r>
+                  <a:r>
+                    <a:rPr lang="zh-TW" altLang="en-US" b="1" dirty="0" smtClean="0">
+                      <a:solidFill>
+                        <a:schemeClr val="bg1">
+                          <a:lumMod val="95000"/>
+                        </a:schemeClr>
+                      </a:solidFill>
+                      <a:latin typeface="微軟正黑體" panose="020B0604030504040204" pitchFamily="34" charset="-120"/>
+                      <a:ea typeface="微軟正黑體" panose="020B0604030504040204" pitchFamily="34" charset="-120"/>
+                    </a:rPr>
+                    <a:t>諮詢</a:t>
+                  </a:r>
+                  <a:endParaRPr lang="en-US" altLang="zh-TW" b="1" dirty="0" smtClean="0">
+                    <a:solidFill>
+                      <a:schemeClr val="bg1">
+                        <a:lumMod val="95000"/>
+                      </a:schemeClr>
+                    </a:solidFill>
+                    <a:latin typeface="微軟正黑體" panose="020B0604030504040204" pitchFamily="34" charset="-120"/>
+                    <a:ea typeface="微軟正黑體" panose="020B0604030504040204" pitchFamily="34" charset="-120"/>
+                  </a:endParaRPr>
+                </a:p>
+                <a:p>
+                  <a:pPr marL="216000" indent="-216000">
+                    <a:buFontTx/>
+                    <a:buChar char="-"/>
+                  </a:pPr>
+                  <a:r>
+                    <a:rPr lang="zh-TW" altLang="en-US" b="1" dirty="0">
+                      <a:solidFill>
+                        <a:schemeClr val="bg1">
+                          <a:lumMod val="95000"/>
+                        </a:schemeClr>
+                      </a:solidFill>
+                      <a:latin typeface="微軟正黑體" panose="020B0604030504040204" pitchFamily="34" charset="-120"/>
+                      <a:ea typeface="微軟正黑體" panose="020B0604030504040204" pitchFamily="34" charset="-120"/>
+                    </a:rPr>
+                    <a:t>投資風險評估</a:t>
+                  </a:r>
+                </a:p>
+              </p:txBody>
+            </p:sp>
+          </p:grpSp>
+        </p:grpSp>
+      </p:grpSp>
     </p:spTree>
     <p:extLst>
       <p:ext uri="{BB962C8B-B14F-4D97-AF65-F5344CB8AC3E}">
@@ -9365,7 +14656,7 @@
 </file>
 
 <file path=ppt/slides/slide6.xml><?xml version="1.0" encoding="utf-8"?>
-<p:sld xmlns:a="http://schemas.openxmlformats.org/drawingml/2006/main" xmlns:r="http://schemas.openxmlformats.org/officeDocument/2006/relationships" xmlns:p="http://schemas.openxmlformats.org/presentationml/2006/main">
+<p:sld xmlns:a="http://schemas.openxmlformats.org/drawingml/2006/main" xmlns:r="http://schemas.openxmlformats.org/officeDocument/2006/relationships" xmlns:p="http://schemas.openxmlformats.org/presentationml/2006/main" show="0">
   <p:cSld>
     <p:spTree>
       <p:nvGrpSpPr>
@@ -9397,8 +14688,8 @@
           <a:lstStyle/>
           <a:p>
             <a:r>
-              <a:rPr lang="en-US" altLang="zh-TW" dirty="0" smtClean="0"/>
-              <a:t>Advantages of Taiwan</a:t>
+              <a:rPr lang="zh-TW" altLang="en-US" dirty="0" smtClean="0"/>
+              <a:t>本國優勢</a:t>
             </a:r>
             <a:endParaRPr lang="zh-TW" altLang="en-US" dirty="0"/>
           </a:p>
@@ -9466,7 +14757,7 @@
           <a:p>
             <a:fld id="{F5EB54BD-0855-4C71-B321-D9B65086D443}" type="datetime1">
               <a:rPr lang="zh-TW" altLang="en-US" smtClean="0"/>
-              <a:t>2016/7/4</a:t>
+              <a:t>2016/7/11</a:t>
             </a:fld>
             <a:endParaRPr lang="zh-TW" altLang="en-US"/>
           </a:p>
@@ -9559,6 +14850,14 @@
   <p:clrMapOvr>
     <a:masterClrMapping/>
   </p:clrMapOvr>
+  <mc:AlternateContent xmlns:mc="http://schemas.openxmlformats.org/markup-compatibility/2006">
+    <mc:Choice xmlns:p14="http://schemas.microsoft.com/office/powerpoint/2010/main" Requires="p14">
+      <p:transition spd="slow" p14:dur="2000"/>
+    </mc:Choice>
+    <mc:Fallback>
+      <p:transition spd="slow"/>
+    </mc:Fallback>
+  </mc:AlternateContent>
   <p:timing>
     <p:tnLst>
       <p:par>
@@ -9611,12 +14910,12 @@
       </p:sp>
       <p:sp>
         <p:nvSpPr>
-          <p:cNvPr id="4" name="日期版面配置區 3"/>
+          <p:cNvPr id="3" name="內容版面配置區 2"/>
           <p:cNvSpPr>
             <a:spLocks noGrp="1"/>
           </p:cNvSpPr>
           <p:nvPr>
-            <p:ph type="dt" sz="half" idx="10"/>
+            <p:ph idx="1"/>
           </p:nvPr>
         </p:nvSpPr>
         <p:spPr/>
@@ -9624,9 +14923,40 @@
           <a:bodyPr/>
           <a:lstStyle/>
           <a:p>
+            <a:r>
+              <a:rPr lang="zh-TW" altLang="en-US" dirty="0" smtClean="0"/>
+              <a:t>四大面向、</a:t>
+            </a:r>
+            <a:r>
+              <a:rPr lang="en-US" altLang="zh-TW" dirty="0" smtClean="0"/>
+              <a:t>11</a:t>
+            </a:r>
+            <a:r>
+              <a:rPr lang="zh-TW" altLang="en-US" dirty="0" smtClean="0"/>
+              <a:t>項發展強化項目。</a:t>
+            </a:r>
+            <a:endParaRPr lang="zh-TW" altLang="en-US" dirty="0"/>
+          </a:p>
+        </p:txBody>
+      </p:sp>
+      <p:sp>
+        <p:nvSpPr>
+          <p:cNvPr id="4" name="日期版面配置區 3"/>
+          <p:cNvSpPr>
+            <a:spLocks noGrp="1"/>
+          </p:cNvSpPr>
+          <p:nvPr>
+            <p:ph type="dt" sz="half" idx="10"/>
+          </p:nvPr>
+        </p:nvSpPr>
+        <p:spPr/>
+        <p:txBody>
+          <a:bodyPr/>
+          <a:lstStyle/>
+          <a:p>
             <a:fld id="{F5EB54BD-0855-4C71-B321-D9B65086D443}" type="datetime1">
               <a:rPr lang="zh-TW" altLang="en-US" smtClean="0"/>
-              <a:t>2016/7/4</a:t>
+              <a:t>2016/7/11</a:t>
             </a:fld>
             <a:endParaRPr lang="zh-TW" altLang="en-US"/>
           </a:p>
@@ -9678,7 +15008,7 @@
         </p:blipFill>
         <p:spPr bwMode="auto">
           <a:xfrm>
-            <a:off x="1121569" y="1582167"/>
+            <a:off x="1121569" y="1844824"/>
             <a:ext cx="6900863" cy="4079081"/>
           </a:xfrm>
           <a:prstGeom prst="rect">
@@ -9748,7 +15078,7 @@
       </p:grpSpPr>
       <p:sp>
         <p:nvSpPr>
-          <p:cNvPr id="5" name="標題 4"/>
+          <p:cNvPr id="6" name="標題 5"/>
           <p:cNvSpPr>
             <a:spLocks noGrp="1"/>
           </p:cNvSpPr>
@@ -9762,12 +15092,8 @@
           <a:lstStyle/>
           <a:p>
             <a:r>
-              <a:rPr lang="en-US" altLang="zh-TW" dirty="0" smtClean="0"/>
-              <a:t>I.</a:t>
-            </a:r>
-            <a:r>
-              <a:rPr lang="zh-TW" altLang="en-US" dirty="0" smtClean="0"/>
-              <a:t> 金融服務</a:t>
+              <a:rPr lang="zh-TW" altLang="en-US" dirty="0" smtClean="0"/>
+              <a:t>金融趨勢發展</a:t>
             </a:r>
             <a:endParaRPr lang="zh-TW" altLang="en-US" dirty="0"/>
           </a:p>
@@ -9775,7 +15101,7 @@
       </p:sp>
       <p:sp>
         <p:nvSpPr>
-          <p:cNvPr id="3" name="日期版面配置區 2"/>
+          <p:cNvPr id="4" name="日期版面配置區 3"/>
           <p:cNvSpPr>
             <a:spLocks noGrp="1"/>
           </p:cNvSpPr>
@@ -9788,9 +15114,9 @@
           <a:bodyPr/>
           <a:lstStyle/>
           <a:p>
-            <a:fld id="{3E126CAF-FBB1-47BB-86FD-F9B759A3D0CD}" type="datetime1">
+            <a:fld id="{F5EB54BD-0855-4C71-B321-D9B65086D443}" type="datetime1">
               <a:rPr lang="zh-TW" altLang="en-US" smtClean="0"/>
-              <a:t>2016/7/4</a:t>
+              <a:t>2016/7/11</a:t>
             </a:fld>
             <a:endParaRPr lang="zh-TW" altLang="en-US"/>
           </a:p>
@@ -9798,7 +15124,7 @@
       </p:sp>
       <p:sp>
         <p:nvSpPr>
-          <p:cNvPr id="4" name="投影片編號版面配置區 3"/>
+          <p:cNvPr id="5" name="投影片編號版面配置區 4"/>
           <p:cNvSpPr>
             <a:spLocks noGrp="1"/>
           </p:cNvSpPr>
@@ -9819,10 +15145,1424 @@
           </a:p>
         </p:txBody>
       </p:sp>
+      <p:grpSp>
+        <p:nvGrpSpPr>
+          <p:cNvPr id="12" name="群組 11"/>
+          <p:cNvGrpSpPr/>
+          <p:nvPr/>
+        </p:nvGrpSpPr>
+        <p:grpSpPr>
+          <a:xfrm>
+            <a:off x="1115616" y="1124744"/>
+            <a:ext cx="6984136" cy="1296089"/>
+            <a:chOff x="1115616" y="1628799"/>
+            <a:chExt cx="6984136" cy="1296089"/>
+          </a:xfrm>
+        </p:grpSpPr>
+        <p:sp>
+          <p:nvSpPr>
+            <p:cNvPr id="8" name="流程圖: 人工輸入 7"/>
+            <p:cNvSpPr/>
+            <p:nvPr/>
+          </p:nvSpPr>
+          <p:spPr>
+            <a:xfrm rot="16200000" flipV="1">
+              <a:off x="3347865" y="-603450"/>
+              <a:ext cx="864095" cy="5328594"/>
+            </a:xfrm>
+            <a:prstGeom prst="flowChartManualInput">
+              <a:avLst/>
+            </a:prstGeom>
+            <a:solidFill>
+              <a:srgbClr val="FCB040"/>
+            </a:solidFill>
+            <a:ln>
+              <a:noFill/>
+            </a:ln>
+            <a:effectLst>
+              <a:outerShdw blurRad="50800" dist="38100" dir="2700000" algn="tl" rotWithShape="0">
+                <a:prstClr val="black">
+                  <a:alpha val="40000"/>
+                </a:prstClr>
+              </a:outerShdw>
+            </a:effectLst>
+          </p:spPr>
+          <p:style>
+            <a:lnRef idx="2">
+              <a:schemeClr val="accent1">
+                <a:shade val="50000"/>
+              </a:schemeClr>
+            </a:lnRef>
+            <a:fillRef idx="1">
+              <a:schemeClr val="accent1"/>
+            </a:fillRef>
+            <a:effectRef idx="0">
+              <a:schemeClr val="accent1"/>
+            </a:effectRef>
+            <a:fontRef idx="minor">
+              <a:schemeClr val="lt1"/>
+            </a:fontRef>
+          </p:style>
+          <p:txBody>
+            <a:bodyPr rtlCol="0" anchor="ctr"/>
+            <a:lstStyle/>
+            <a:p>
+              <a:pPr algn="ctr"/>
+              <a:endParaRPr lang="zh-TW" altLang="en-US"/>
+            </a:p>
+          </p:txBody>
+        </p:sp>
+        <p:sp>
+          <p:nvSpPr>
+            <p:cNvPr id="9" name="流程圖: 人工輸入 8"/>
+            <p:cNvSpPr/>
+            <p:nvPr/>
+          </p:nvSpPr>
+          <p:spPr>
+            <a:xfrm rot="16200000" flipH="1">
+              <a:off x="4679752" y="-495112"/>
+              <a:ext cx="1080000" cy="5760000"/>
+            </a:xfrm>
+            <a:custGeom>
+              <a:avLst/>
+              <a:gdLst>
+                <a:gd name="connsiteX0" fmla="*/ 0 w 10000"/>
+                <a:gd name="connsiteY0" fmla="*/ 2000 h 10000"/>
+                <a:gd name="connsiteX1" fmla="*/ 10000 w 10000"/>
+                <a:gd name="connsiteY1" fmla="*/ 0 h 10000"/>
+                <a:gd name="connsiteX2" fmla="*/ 10000 w 10000"/>
+                <a:gd name="connsiteY2" fmla="*/ 10000 h 10000"/>
+                <a:gd name="connsiteX3" fmla="*/ 0 w 10000"/>
+                <a:gd name="connsiteY3" fmla="*/ 10000 h 10000"/>
+                <a:gd name="connsiteX4" fmla="*/ 0 w 10000"/>
+                <a:gd name="connsiteY4" fmla="*/ 2000 h 10000"/>
+                <a:gd name="connsiteX0" fmla="*/ 0 w 10000"/>
+                <a:gd name="connsiteY0" fmla="*/ 523 h 10000"/>
+                <a:gd name="connsiteX1" fmla="*/ 10000 w 10000"/>
+                <a:gd name="connsiteY1" fmla="*/ 0 h 10000"/>
+                <a:gd name="connsiteX2" fmla="*/ 10000 w 10000"/>
+                <a:gd name="connsiteY2" fmla="*/ 10000 h 10000"/>
+                <a:gd name="connsiteX3" fmla="*/ 0 w 10000"/>
+                <a:gd name="connsiteY3" fmla="*/ 10000 h 10000"/>
+                <a:gd name="connsiteX4" fmla="*/ 0 w 10000"/>
+                <a:gd name="connsiteY4" fmla="*/ 523 h 10000"/>
+              </a:gdLst>
+              <a:ahLst/>
+              <a:cxnLst>
+                <a:cxn ang="0">
+                  <a:pos x="connsiteX0" y="connsiteY0"/>
+                </a:cxn>
+                <a:cxn ang="0">
+                  <a:pos x="connsiteX1" y="connsiteY1"/>
+                </a:cxn>
+                <a:cxn ang="0">
+                  <a:pos x="connsiteX2" y="connsiteY2"/>
+                </a:cxn>
+                <a:cxn ang="0">
+                  <a:pos x="connsiteX3" y="connsiteY3"/>
+                </a:cxn>
+                <a:cxn ang="0">
+                  <a:pos x="connsiteX4" y="connsiteY4"/>
+                </a:cxn>
+              </a:cxnLst>
+              <a:rect l="l" t="t" r="r" b="b"/>
+              <a:pathLst>
+                <a:path w="10000" h="10000">
+                  <a:moveTo>
+                    <a:pt x="0" y="523"/>
+                  </a:moveTo>
+                  <a:lnTo>
+                    <a:pt x="10000" y="0"/>
+                  </a:lnTo>
+                  <a:lnTo>
+                    <a:pt x="10000" y="10000"/>
+                  </a:lnTo>
+                  <a:lnTo>
+                    <a:pt x="0" y="10000"/>
+                  </a:lnTo>
+                  <a:lnTo>
+                    <a:pt x="0" y="523"/>
+                  </a:lnTo>
+                  <a:close/>
+                </a:path>
+              </a:pathLst>
+            </a:custGeom>
+            <a:solidFill>
+              <a:srgbClr val="EBEBEB"/>
+            </a:solidFill>
+            <a:ln>
+              <a:noFill/>
+            </a:ln>
+            <a:effectLst>
+              <a:outerShdw blurRad="50800" dist="38100" dir="2700000" algn="tl" rotWithShape="0">
+                <a:prstClr val="black">
+                  <a:alpha val="40000"/>
+                </a:prstClr>
+              </a:outerShdw>
+            </a:effectLst>
+          </p:spPr>
+          <p:style>
+            <a:lnRef idx="2">
+              <a:schemeClr val="accent1">
+                <a:shade val="50000"/>
+              </a:schemeClr>
+            </a:lnRef>
+            <a:fillRef idx="1">
+              <a:schemeClr val="accent1"/>
+            </a:fillRef>
+            <a:effectRef idx="0">
+              <a:schemeClr val="accent1"/>
+            </a:effectRef>
+            <a:fontRef idx="minor">
+              <a:schemeClr val="lt1"/>
+            </a:fontRef>
+          </p:style>
+          <p:txBody>
+            <a:bodyPr rtlCol="0" anchor="ctr"/>
+            <a:lstStyle/>
+            <a:p>
+              <a:pPr algn="ctr"/>
+              <a:endParaRPr lang="zh-TW" altLang="en-US" dirty="0"/>
+            </a:p>
+          </p:txBody>
+        </p:sp>
+        <p:sp>
+          <p:nvSpPr>
+            <p:cNvPr id="10" name="文字方塊 9"/>
+            <p:cNvSpPr txBox="1"/>
+            <p:nvPr/>
+          </p:nvSpPr>
+          <p:spPr>
+            <a:xfrm>
+              <a:off x="1259632" y="1907539"/>
+              <a:ext cx="1152000" cy="369332"/>
+            </a:xfrm>
+            <a:prstGeom prst="rect">
+              <a:avLst/>
+            </a:prstGeom>
+            <a:noFill/>
+          </p:spPr>
+          <p:txBody>
+            <a:bodyPr wrap="square" rtlCol="0">
+              <a:spAutoFit/>
+            </a:bodyPr>
+            <a:lstStyle/>
+            <a:p>
+              <a:pPr algn="ctr"/>
+              <a:r>
+                <a:rPr lang="zh-TW" altLang="en-US" b="1" dirty="0" smtClean="0">
+                  <a:solidFill>
+                    <a:schemeClr val="bg1"/>
+                  </a:solidFill>
+                  <a:effectLst>
+                    <a:outerShdw blurRad="38100" dist="38100" dir="2700000" algn="tl">
+                      <a:srgbClr val="000000">
+                        <a:alpha val="43137"/>
+                      </a:srgbClr>
+                    </a:outerShdw>
+                  </a:effectLst>
+                  <a:latin typeface="微軟正黑體" panose="020B0604030504040204" pitchFamily="34" charset="-120"/>
+                  <a:ea typeface="微軟正黑體" panose="020B0604030504040204" pitchFamily="34" charset="-120"/>
+                </a:rPr>
+                <a:t>金融服務</a:t>
+              </a:r>
+              <a:endParaRPr lang="zh-TW" altLang="en-US" b="1" dirty="0">
+                <a:solidFill>
+                  <a:schemeClr val="bg1"/>
+                </a:solidFill>
+                <a:effectLst>
+                  <a:outerShdw blurRad="38100" dist="38100" dir="2700000" algn="tl">
+                    <a:srgbClr val="000000">
+                      <a:alpha val="43137"/>
+                    </a:srgbClr>
+                  </a:outerShdw>
+                </a:effectLst>
+                <a:latin typeface="微軟正黑體" panose="020B0604030504040204" pitchFamily="34" charset="-120"/>
+                <a:ea typeface="微軟正黑體" panose="020B0604030504040204" pitchFamily="34" charset="-120"/>
+              </a:endParaRPr>
+            </a:p>
+          </p:txBody>
+        </p:sp>
+        <p:sp>
+          <p:nvSpPr>
+            <p:cNvPr id="11" name="文字方塊 10"/>
+            <p:cNvSpPr txBox="1"/>
+            <p:nvPr/>
+          </p:nvSpPr>
+          <p:spPr>
+            <a:xfrm>
+              <a:off x="2699792" y="1844887"/>
+              <a:ext cx="5292000" cy="1080000"/>
+            </a:xfrm>
+            <a:prstGeom prst="rect">
+              <a:avLst/>
+            </a:prstGeom>
+            <a:noFill/>
+          </p:spPr>
+          <p:txBody>
+            <a:bodyPr wrap="square" rtlCol="0">
+              <a:spAutoFit/>
+            </a:bodyPr>
+            <a:lstStyle/>
+            <a:p>
+              <a:r>
+                <a:rPr lang="zh-TW" altLang="en-US" sz="1600" dirty="0">
+                  <a:solidFill>
+                    <a:schemeClr val="tx1">
+                      <a:lumMod val="75000"/>
+                      <a:lumOff val="25000"/>
+                    </a:schemeClr>
+                  </a:solidFill>
+                  <a:latin typeface="微軟正黑體" panose="020B0604030504040204" pitchFamily="34" charset="-120"/>
+                  <a:ea typeface="微軟正黑體" panose="020B0604030504040204" pitchFamily="34" charset="-120"/>
+                </a:rPr>
+                <a:t>就世界經濟論壇</a:t>
+              </a:r>
+              <a:r>
+                <a:rPr lang="en-US" altLang="zh-TW" sz="1600" dirty="0">
+                  <a:solidFill>
+                    <a:schemeClr val="tx1">
+                      <a:lumMod val="75000"/>
+                      <a:lumOff val="25000"/>
+                    </a:schemeClr>
+                  </a:solidFill>
+                  <a:latin typeface="微軟正黑體" panose="020B0604030504040204" pitchFamily="34" charset="-120"/>
+                  <a:ea typeface="微軟正黑體" panose="020B0604030504040204" pitchFamily="34" charset="-120"/>
+                </a:rPr>
+                <a:t>2015</a:t>
+              </a:r>
+              <a:r>
+                <a:rPr lang="zh-TW" altLang="en-US" sz="1600" dirty="0">
+                  <a:solidFill>
+                    <a:schemeClr val="tx1">
+                      <a:lumMod val="75000"/>
+                      <a:lumOff val="25000"/>
+                    </a:schemeClr>
+                  </a:solidFill>
+                  <a:latin typeface="微軟正黑體" panose="020B0604030504040204" pitchFamily="34" charset="-120"/>
+                  <a:ea typeface="微軟正黑體" panose="020B0604030504040204" pitchFamily="34" charset="-120"/>
+                </a:rPr>
+                <a:t>年</a:t>
+              </a:r>
+              <a:r>
+                <a:rPr lang="en-US" altLang="zh-TW" sz="1600" dirty="0">
+                  <a:solidFill>
+                    <a:schemeClr val="tx1">
+                      <a:lumMod val="75000"/>
+                      <a:lumOff val="25000"/>
+                    </a:schemeClr>
+                  </a:solidFill>
+                  <a:latin typeface="微軟正黑體" panose="020B0604030504040204" pitchFamily="34" charset="-120"/>
+                  <a:ea typeface="微軟正黑體" panose="020B0604030504040204" pitchFamily="34" charset="-120"/>
+                </a:rPr>
+                <a:t>6</a:t>
+              </a:r>
+              <a:r>
+                <a:rPr lang="zh-TW" altLang="en-US" sz="1600" dirty="0">
+                  <a:solidFill>
+                    <a:schemeClr val="tx1">
+                      <a:lumMod val="75000"/>
+                      <a:lumOff val="25000"/>
+                    </a:schemeClr>
+                  </a:solidFill>
+                  <a:latin typeface="微軟正黑體" panose="020B0604030504040204" pitchFamily="34" charset="-120"/>
+                  <a:ea typeface="微軟正黑體" panose="020B0604030504040204" pitchFamily="34" charset="-120"/>
+                </a:rPr>
+                <a:t>月所發布「金融服務的</a:t>
+              </a:r>
+              <a:r>
+                <a:rPr lang="zh-TW" altLang="en-US" sz="1600" dirty="0" smtClean="0">
+                  <a:solidFill>
+                    <a:schemeClr val="tx1">
+                      <a:lumMod val="75000"/>
+                      <a:lumOff val="25000"/>
+                    </a:schemeClr>
+                  </a:solidFill>
+                  <a:latin typeface="微軟正黑體" panose="020B0604030504040204" pitchFamily="34" charset="-120"/>
+                  <a:ea typeface="微軟正黑體" panose="020B0604030504040204" pitchFamily="34" charset="-120"/>
+                </a:rPr>
+                <a:t>未來」</a:t>
+              </a:r>
+              <a:r>
+                <a:rPr lang="zh-TW" altLang="en-US" sz="1600" dirty="0">
+                  <a:solidFill>
+                    <a:schemeClr val="tx1">
+                      <a:lumMod val="75000"/>
+                      <a:lumOff val="25000"/>
+                    </a:schemeClr>
+                  </a:solidFill>
+                  <a:latin typeface="微軟正黑體" panose="020B0604030504040204" pitchFamily="34" charset="-120"/>
+                  <a:ea typeface="微軟正黑體" panose="020B0604030504040204" pitchFamily="34" charset="-120"/>
+                </a:rPr>
+                <a:t>報告所揭露包括支付、保險、融資、募資、投資管理、市場供應等金融</a:t>
+              </a:r>
+              <a:r>
+                <a:rPr lang="en-US" altLang="zh-TW" sz="1600" dirty="0">
+                  <a:solidFill>
+                    <a:schemeClr val="tx1">
+                      <a:lumMod val="75000"/>
+                      <a:lumOff val="25000"/>
+                    </a:schemeClr>
+                  </a:solidFill>
+                  <a:latin typeface="微軟正黑體" panose="020B0604030504040204" pitchFamily="34" charset="-120"/>
+                  <a:ea typeface="微軟正黑體" panose="020B0604030504040204" pitchFamily="34" charset="-120"/>
+                </a:rPr>
+                <a:t>6</a:t>
+              </a:r>
+              <a:r>
+                <a:rPr lang="zh-TW" altLang="en-US" sz="1600" dirty="0">
+                  <a:solidFill>
+                    <a:schemeClr val="tx1">
+                      <a:lumMod val="75000"/>
+                      <a:lumOff val="25000"/>
+                    </a:schemeClr>
+                  </a:solidFill>
+                  <a:latin typeface="微軟正黑體" panose="020B0604030504040204" pitchFamily="34" charset="-120"/>
+                  <a:ea typeface="微軟正黑體" panose="020B0604030504040204" pitchFamily="34" charset="-120"/>
+                </a:rPr>
+                <a:t>大核心服務功能，探討國際發展趨勢與國內推動現況。 </a:t>
+              </a:r>
+              <a:endParaRPr lang="zh-TW" altLang="en-US" sz="1600" dirty="0">
+                <a:solidFill>
+                  <a:schemeClr val="tx1">
+                    <a:lumMod val="75000"/>
+                    <a:lumOff val="25000"/>
+                  </a:schemeClr>
+                </a:solidFill>
+                <a:latin typeface="微軟正黑體" panose="020B0604030504040204" pitchFamily="34" charset="-120"/>
+                <a:ea typeface="微軟正黑體" panose="020B0604030504040204" pitchFamily="34" charset="-120"/>
+              </a:endParaRPr>
+            </a:p>
+          </p:txBody>
+        </p:sp>
+      </p:grpSp>
+      <p:grpSp>
+        <p:nvGrpSpPr>
+          <p:cNvPr id="28" name="群組 27"/>
+          <p:cNvGrpSpPr/>
+          <p:nvPr/>
+        </p:nvGrpSpPr>
+        <p:grpSpPr>
+          <a:xfrm>
+            <a:off x="1115616" y="2468893"/>
+            <a:ext cx="6984136" cy="1296089"/>
+            <a:chOff x="1115616" y="1628799"/>
+            <a:chExt cx="6984136" cy="1296089"/>
+          </a:xfrm>
+        </p:grpSpPr>
+        <p:sp>
+          <p:nvSpPr>
+            <p:cNvPr id="29" name="流程圖: 人工輸入 28"/>
+            <p:cNvSpPr/>
+            <p:nvPr/>
+          </p:nvSpPr>
+          <p:spPr>
+            <a:xfrm rot="16200000" flipV="1">
+              <a:off x="3347865" y="-603450"/>
+              <a:ext cx="864095" cy="5328594"/>
+            </a:xfrm>
+            <a:prstGeom prst="flowChartManualInput">
+              <a:avLst/>
+            </a:prstGeom>
+            <a:solidFill>
+              <a:srgbClr val="3AB3D2"/>
+            </a:solidFill>
+            <a:ln>
+              <a:noFill/>
+            </a:ln>
+            <a:effectLst>
+              <a:outerShdw blurRad="50800" dist="38100" dir="2700000" algn="tl" rotWithShape="0">
+                <a:prstClr val="black">
+                  <a:alpha val="40000"/>
+                </a:prstClr>
+              </a:outerShdw>
+            </a:effectLst>
+          </p:spPr>
+          <p:style>
+            <a:lnRef idx="2">
+              <a:schemeClr val="accent1">
+                <a:shade val="50000"/>
+              </a:schemeClr>
+            </a:lnRef>
+            <a:fillRef idx="1">
+              <a:schemeClr val="accent1"/>
+            </a:fillRef>
+            <a:effectRef idx="0">
+              <a:schemeClr val="accent1"/>
+            </a:effectRef>
+            <a:fontRef idx="minor">
+              <a:schemeClr val="lt1"/>
+            </a:fontRef>
+          </p:style>
+          <p:txBody>
+            <a:bodyPr rtlCol="0" anchor="ctr"/>
+            <a:lstStyle/>
+            <a:p>
+              <a:pPr algn="ctr"/>
+              <a:endParaRPr lang="zh-TW" altLang="en-US"/>
+            </a:p>
+          </p:txBody>
+        </p:sp>
+        <p:sp>
+          <p:nvSpPr>
+            <p:cNvPr id="30" name="流程圖: 人工輸入 8"/>
+            <p:cNvSpPr/>
+            <p:nvPr/>
+          </p:nvSpPr>
+          <p:spPr>
+            <a:xfrm rot="16200000" flipH="1">
+              <a:off x="4679752" y="-495112"/>
+              <a:ext cx="1080000" cy="5760000"/>
+            </a:xfrm>
+            <a:custGeom>
+              <a:avLst/>
+              <a:gdLst>
+                <a:gd name="connsiteX0" fmla="*/ 0 w 10000"/>
+                <a:gd name="connsiteY0" fmla="*/ 2000 h 10000"/>
+                <a:gd name="connsiteX1" fmla="*/ 10000 w 10000"/>
+                <a:gd name="connsiteY1" fmla="*/ 0 h 10000"/>
+                <a:gd name="connsiteX2" fmla="*/ 10000 w 10000"/>
+                <a:gd name="connsiteY2" fmla="*/ 10000 h 10000"/>
+                <a:gd name="connsiteX3" fmla="*/ 0 w 10000"/>
+                <a:gd name="connsiteY3" fmla="*/ 10000 h 10000"/>
+                <a:gd name="connsiteX4" fmla="*/ 0 w 10000"/>
+                <a:gd name="connsiteY4" fmla="*/ 2000 h 10000"/>
+                <a:gd name="connsiteX0" fmla="*/ 0 w 10000"/>
+                <a:gd name="connsiteY0" fmla="*/ 523 h 10000"/>
+                <a:gd name="connsiteX1" fmla="*/ 10000 w 10000"/>
+                <a:gd name="connsiteY1" fmla="*/ 0 h 10000"/>
+                <a:gd name="connsiteX2" fmla="*/ 10000 w 10000"/>
+                <a:gd name="connsiteY2" fmla="*/ 10000 h 10000"/>
+                <a:gd name="connsiteX3" fmla="*/ 0 w 10000"/>
+                <a:gd name="connsiteY3" fmla="*/ 10000 h 10000"/>
+                <a:gd name="connsiteX4" fmla="*/ 0 w 10000"/>
+                <a:gd name="connsiteY4" fmla="*/ 523 h 10000"/>
+              </a:gdLst>
+              <a:ahLst/>
+              <a:cxnLst>
+                <a:cxn ang="0">
+                  <a:pos x="connsiteX0" y="connsiteY0"/>
+                </a:cxn>
+                <a:cxn ang="0">
+                  <a:pos x="connsiteX1" y="connsiteY1"/>
+                </a:cxn>
+                <a:cxn ang="0">
+                  <a:pos x="connsiteX2" y="connsiteY2"/>
+                </a:cxn>
+                <a:cxn ang="0">
+                  <a:pos x="connsiteX3" y="connsiteY3"/>
+                </a:cxn>
+                <a:cxn ang="0">
+                  <a:pos x="connsiteX4" y="connsiteY4"/>
+                </a:cxn>
+              </a:cxnLst>
+              <a:rect l="l" t="t" r="r" b="b"/>
+              <a:pathLst>
+                <a:path w="10000" h="10000">
+                  <a:moveTo>
+                    <a:pt x="0" y="523"/>
+                  </a:moveTo>
+                  <a:lnTo>
+                    <a:pt x="10000" y="0"/>
+                  </a:lnTo>
+                  <a:lnTo>
+                    <a:pt x="10000" y="10000"/>
+                  </a:lnTo>
+                  <a:lnTo>
+                    <a:pt x="0" y="10000"/>
+                  </a:lnTo>
+                  <a:lnTo>
+                    <a:pt x="0" y="523"/>
+                  </a:lnTo>
+                  <a:close/>
+                </a:path>
+              </a:pathLst>
+            </a:custGeom>
+            <a:solidFill>
+              <a:srgbClr val="EBEBEB"/>
+            </a:solidFill>
+            <a:ln>
+              <a:noFill/>
+            </a:ln>
+            <a:effectLst>
+              <a:outerShdw blurRad="50800" dist="38100" dir="2700000" algn="tl" rotWithShape="0">
+                <a:prstClr val="black">
+                  <a:alpha val="40000"/>
+                </a:prstClr>
+              </a:outerShdw>
+            </a:effectLst>
+          </p:spPr>
+          <p:style>
+            <a:lnRef idx="2">
+              <a:schemeClr val="accent1">
+                <a:shade val="50000"/>
+              </a:schemeClr>
+            </a:lnRef>
+            <a:fillRef idx="1">
+              <a:schemeClr val="accent1"/>
+            </a:fillRef>
+            <a:effectRef idx="0">
+              <a:schemeClr val="accent1"/>
+            </a:effectRef>
+            <a:fontRef idx="minor">
+              <a:schemeClr val="lt1"/>
+            </a:fontRef>
+          </p:style>
+          <p:txBody>
+            <a:bodyPr rtlCol="0" anchor="ctr"/>
+            <a:lstStyle/>
+            <a:p>
+              <a:pPr algn="ctr"/>
+              <a:endParaRPr lang="zh-TW" altLang="en-US" dirty="0"/>
+            </a:p>
+          </p:txBody>
+        </p:sp>
+        <p:sp>
+          <p:nvSpPr>
+            <p:cNvPr id="31" name="文字方塊 30"/>
+            <p:cNvSpPr txBox="1"/>
+            <p:nvPr/>
+          </p:nvSpPr>
+          <p:spPr>
+            <a:xfrm>
+              <a:off x="1259632" y="1931542"/>
+              <a:ext cx="1152000" cy="369332"/>
+            </a:xfrm>
+            <a:prstGeom prst="rect">
+              <a:avLst/>
+            </a:prstGeom>
+            <a:noFill/>
+          </p:spPr>
+          <p:txBody>
+            <a:bodyPr wrap="square" rtlCol="0">
+              <a:spAutoFit/>
+            </a:bodyPr>
+            <a:lstStyle/>
+            <a:p>
+              <a:pPr algn="ctr"/>
+              <a:r>
+                <a:rPr lang="zh-TW" altLang="en-US" b="1" dirty="0" smtClean="0">
+                  <a:solidFill>
+                    <a:schemeClr val="bg1"/>
+                  </a:solidFill>
+                  <a:effectLst>
+                    <a:outerShdw blurRad="38100" dist="38100" dir="2700000" algn="tl">
+                      <a:srgbClr val="000000">
+                        <a:alpha val="43137"/>
+                      </a:srgbClr>
+                    </a:outerShdw>
+                  </a:effectLst>
+                  <a:latin typeface="微軟正黑體" panose="020B0604030504040204" pitchFamily="34" charset="-120"/>
+                  <a:ea typeface="微軟正黑體" panose="020B0604030504040204" pitchFamily="34" charset="-120"/>
+                </a:rPr>
+                <a:t>創新研發</a:t>
+              </a:r>
+              <a:endParaRPr lang="zh-TW" altLang="en-US" b="1" dirty="0">
+                <a:solidFill>
+                  <a:schemeClr val="bg1"/>
+                </a:solidFill>
+                <a:effectLst>
+                  <a:outerShdw blurRad="38100" dist="38100" dir="2700000" algn="tl">
+                    <a:srgbClr val="000000">
+                      <a:alpha val="43137"/>
+                    </a:srgbClr>
+                  </a:outerShdw>
+                </a:effectLst>
+                <a:latin typeface="微軟正黑體" panose="020B0604030504040204" pitchFamily="34" charset="-120"/>
+                <a:ea typeface="微軟正黑體" panose="020B0604030504040204" pitchFamily="34" charset="-120"/>
+              </a:endParaRPr>
+            </a:p>
+          </p:txBody>
+        </p:sp>
+        <p:sp>
+          <p:nvSpPr>
+            <p:cNvPr id="32" name="文字方塊 31"/>
+            <p:cNvSpPr txBox="1"/>
+            <p:nvPr/>
+          </p:nvSpPr>
+          <p:spPr>
+            <a:xfrm>
+              <a:off x="2699792" y="1844887"/>
+              <a:ext cx="5292000" cy="1080000"/>
+            </a:xfrm>
+            <a:prstGeom prst="rect">
+              <a:avLst/>
+            </a:prstGeom>
+            <a:noFill/>
+          </p:spPr>
+          <p:txBody>
+            <a:bodyPr wrap="square" rtlCol="0">
+              <a:spAutoFit/>
+            </a:bodyPr>
+            <a:lstStyle/>
+            <a:p>
+              <a:r>
+                <a:rPr lang="zh-TW" altLang="en-US" sz="1600" dirty="0">
+                  <a:solidFill>
+                    <a:schemeClr val="tx1">
+                      <a:lumMod val="75000"/>
+                      <a:lumOff val="25000"/>
+                    </a:schemeClr>
+                  </a:solidFill>
+                  <a:latin typeface="微軟正黑體" panose="020B0604030504040204" pitchFamily="34" charset="-120"/>
+                  <a:ea typeface="微軟正黑體" panose="020B0604030504040204" pitchFamily="34" charset="-120"/>
+                </a:rPr>
+                <a:t>為發展金融科技產業，各國積極鼓勵創新創業，作為促進經濟成的動力，提供新創事業資金、人才、租稅等各方面優惠措施，此外具高度發展潛力及新技術、新構想、快速成長的新創</a:t>
+              </a:r>
+              <a:r>
+                <a:rPr lang="zh-TW" altLang="en-US" sz="1600" dirty="0" smtClean="0">
+                  <a:solidFill>
+                    <a:schemeClr val="tx1">
+                      <a:lumMod val="75000"/>
+                      <a:lumOff val="25000"/>
+                    </a:schemeClr>
+                  </a:solidFill>
+                  <a:latin typeface="微軟正黑體" panose="020B0604030504040204" pitchFamily="34" charset="-120"/>
+                  <a:ea typeface="微軟正黑體" panose="020B0604030504040204" pitchFamily="34" charset="-120"/>
+                </a:rPr>
+                <a:t>事業。</a:t>
+              </a:r>
+              <a:endParaRPr lang="zh-TW" altLang="en-US" sz="1600" dirty="0">
+                <a:solidFill>
+                  <a:schemeClr val="tx1">
+                    <a:lumMod val="75000"/>
+                    <a:lumOff val="25000"/>
+                  </a:schemeClr>
+                </a:solidFill>
+                <a:latin typeface="微軟正黑體" panose="020B0604030504040204" pitchFamily="34" charset="-120"/>
+                <a:ea typeface="微軟正黑體" panose="020B0604030504040204" pitchFamily="34" charset="-120"/>
+              </a:endParaRPr>
+            </a:p>
+          </p:txBody>
+        </p:sp>
+      </p:grpSp>
+      <p:grpSp>
+        <p:nvGrpSpPr>
+          <p:cNvPr id="33" name="群組 32"/>
+          <p:cNvGrpSpPr/>
+          <p:nvPr/>
+        </p:nvGrpSpPr>
+        <p:grpSpPr>
+          <a:xfrm>
+            <a:off x="1115616" y="3813042"/>
+            <a:ext cx="6984136" cy="1296089"/>
+            <a:chOff x="1115616" y="1628799"/>
+            <a:chExt cx="6984136" cy="1296089"/>
+          </a:xfrm>
+        </p:grpSpPr>
+        <p:sp>
+          <p:nvSpPr>
+            <p:cNvPr id="34" name="流程圖: 人工輸入 33"/>
+            <p:cNvSpPr/>
+            <p:nvPr/>
+          </p:nvSpPr>
+          <p:spPr>
+            <a:xfrm rot="16200000" flipV="1">
+              <a:off x="3347865" y="-603450"/>
+              <a:ext cx="864095" cy="5328594"/>
+            </a:xfrm>
+            <a:prstGeom prst="flowChartManualInput">
+              <a:avLst/>
+            </a:prstGeom>
+            <a:solidFill>
+              <a:srgbClr val="BE1F33"/>
+            </a:solidFill>
+            <a:ln>
+              <a:noFill/>
+            </a:ln>
+            <a:effectLst>
+              <a:outerShdw blurRad="50800" dist="38100" dir="2700000" algn="tl" rotWithShape="0">
+                <a:prstClr val="black">
+                  <a:alpha val="40000"/>
+                </a:prstClr>
+              </a:outerShdw>
+            </a:effectLst>
+          </p:spPr>
+          <p:style>
+            <a:lnRef idx="2">
+              <a:schemeClr val="accent1">
+                <a:shade val="50000"/>
+              </a:schemeClr>
+            </a:lnRef>
+            <a:fillRef idx="1">
+              <a:schemeClr val="accent1"/>
+            </a:fillRef>
+            <a:effectRef idx="0">
+              <a:schemeClr val="accent1"/>
+            </a:effectRef>
+            <a:fontRef idx="minor">
+              <a:schemeClr val="lt1"/>
+            </a:fontRef>
+          </p:style>
+          <p:txBody>
+            <a:bodyPr rtlCol="0" anchor="ctr"/>
+            <a:lstStyle/>
+            <a:p>
+              <a:pPr algn="ctr"/>
+              <a:endParaRPr lang="zh-TW" altLang="en-US"/>
+            </a:p>
+          </p:txBody>
+        </p:sp>
+        <p:sp>
+          <p:nvSpPr>
+            <p:cNvPr id="35" name="流程圖: 人工輸入 8"/>
+            <p:cNvSpPr/>
+            <p:nvPr/>
+          </p:nvSpPr>
+          <p:spPr>
+            <a:xfrm rot="16200000" flipH="1">
+              <a:off x="4679752" y="-495112"/>
+              <a:ext cx="1080000" cy="5760000"/>
+            </a:xfrm>
+            <a:custGeom>
+              <a:avLst/>
+              <a:gdLst>
+                <a:gd name="connsiteX0" fmla="*/ 0 w 10000"/>
+                <a:gd name="connsiteY0" fmla="*/ 2000 h 10000"/>
+                <a:gd name="connsiteX1" fmla="*/ 10000 w 10000"/>
+                <a:gd name="connsiteY1" fmla="*/ 0 h 10000"/>
+                <a:gd name="connsiteX2" fmla="*/ 10000 w 10000"/>
+                <a:gd name="connsiteY2" fmla="*/ 10000 h 10000"/>
+                <a:gd name="connsiteX3" fmla="*/ 0 w 10000"/>
+                <a:gd name="connsiteY3" fmla="*/ 10000 h 10000"/>
+                <a:gd name="connsiteX4" fmla="*/ 0 w 10000"/>
+                <a:gd name="connsiteY4" fmla="*/ 2000 h 10000"/>
+                <a:gd name="connsiteX0" fmla="*/ 0 w 10000"/>
+                <a:gd name="connsiteY0" fmla="*/ 523 h 10000"/>
+                <a:gd name="connsiteX1" fmla="*/ 10000 w 10000"/>
+                <a:gd name="connsiteY1" fmla="*/ 0 h 10000"/>
+                <a:gd name="connsiteX2" fmla="*/ 10000 w 10000"/>
+                <a:gd name="connsiteY2" fmla="*/ 10000 h 10000"/>
+                <a:gd name="connsiteX3" fmla="*/ 0 w 10000"/>
+                <a:gd name="connsiteY3" fmla="*/ 10000 h 10000"/>
+                <a:gd name="connsiteX4" fmla="*/ 0 w 10000"/>
+                <a:gd name="connsiteY4" fmla="*/ 523 h 10000"/>
+              </a:gdLst>
+              <a:ahLst/>
+              <a:cxnLst>
+                <a:cxn ang="0">
+                  <a:pos x="connsiteX0" y="connsiteY0"/>
+                </a:cxn>
+                <a:cxn ang="0">
+                  <a:pos x="connsiteX1" y="connsiteY1"/>
+                </a:cxn>
+                <a:cxn ang="0">
+                  <a:pos x="connsiteX2" y="connsiteY2"/>
+                </a:cxn>
+                <a:cxn ang="0">
+                  <a:pos x="connsiteX3" y="connsiteY3"/>
+                </a:cxn>
+                <a:cxn ang="0">
+                  <a:pos x="connsiteX4" y="connsiteY4"/>
+                </a:cxn>
+              </a:cxnLst>
+              <a:rect l="l" t="t" r="r" b="b"/>
+              <a:pathLst>
+                <a:path w="10000" h="10000">
+                  <a:moveTo>
+                    <a:pt x="0" y="523"/>
+                  </a:moveTo>
+                  <a:lnTo>
+                    <a:pt x="10000" y="0"/>
+                  </a:lnTo>
+                  <a:lnTo>
+                    <a:pt x="10000" y="10000"/>
+                  </a:lnTo>
+                  <a:lnTo>
+                    <a:pt x="0" y="10000"/>
+                  </a:lnTo>
+                  <a:lnTo>
+                    <a:pt x="0" y="523"/>
+                  </a:lnTo>
+                  <a:close/>
+                </a:path>
+              </a:pathLst>
+            </a:custGeom>
+            <a:solidFill>
+              <a:srgbClr val="EBEBEB"/>
+            </a:solidFill>
+            <a:ln>
+              <a:noFill/>
+            </a:ln>
+            <a:effectLst>
+              <a:outerShdw blurRad="50800" dist="38100" dir="2700000" algn="tl" rotWithShape="0">
+                <a:prstClr val="black">
+                  <a:alpha val="40000"/>
+                </a:prstClr>
+              </a:outerShdw>
+            </a:effectLst>
+          </p:spPr>
+          <p:style>
+            <a:lnRef idx="2">
+              <a:schemeClr val="accent1">
+                <a:shade val="50000"/>
+              </a:schemeClr>
+            </a:lnRef>
+            <a:fillRef idx="1">
+              <a:schemeClr val="accent1"/>
+            </a:fillRef>
+            <a:effectRef idx="0">
+              <a:schemeClr val="accent1"/>
+            </a:effectRef>
+            <a:fontRef idx="minor">
+              <a:schemeClr val="lt1"/>
+            </a:fontRef>
+          </p:style>
+          <p:txBody>
+            <a:bodyPr rtlCol="0" anchor="ctr"/>
+            <a:lstStyle/>
+            <a:p>
+              <a:pPr algn="ctr"/>
+              <a:endParaRPr lang="zh-TW" altLang="en-US" dirty="0"/>
+            </a:p>
+          </p:txBody>
+        </p:sp>
+        <p:sp>
+          <p:nvSpPr>
+            <p:cNvPr id="36" name="文字方塊 35"/>
+            <p:cNvSpPr txBox="1"/>
+            <p:nvPr/>
+          </p:nvSpPr>
+          <p:spPr>
+            <a:xfrm>
+              <a:off x="1259632" y="1892829"/>
+              <a:ext cx="1152000" cy="369332"/>
+            </a:xfrm>
+            <a:prstGeom prst="rect">
+              <a:avLst/>
+            </a:prstGeom>
+            <a:noFill/>
+          </p:spPr>
+          <p:txBody>
+            <a:bodyPr wrap="square" rtlCol="0">
+              <a:spAutoFit/>
+            </a:bodyPr>
+            <a:lstStyle/>
+            <a:p>
+              <a:pPr algn="ctr"/>
+              <a:r>
+                <a:rPr lang="zh-TW" altLang="en-US" b="1" dirty="0" smtClean="0">
+                  <a:solidFill>
+                    <a:schemeClr val="bg1"/>
+                  </a:solidFill>
+                  <a:effectLst>
+                    <a:outerShdw blurRad="38100" dist="38100" dir="2700000" algn="tl">
+                      <a:srgbClr val="000000">
+                        <a:alpha val="43137"/>
+                      </a:srgbClr>
+                    </a:outerShdw>
+                  </a:effectLst>
+                  <a:latin typeface="微軟正黑體" panose="020B0604030504040204" pitchFamily="34" charset="-120"/>
+                  <a:ea typeface="微軟正黑體" panose="020B0604030504040204" pitchFamily="34" charset="-120"/>
+                </a:rPr>
+                <a:t>風險管理</a:t>
+              </a:r>
+              <a:endParaRPr lang="zh-TW" altLang="en-US" b="1" dirty="0">
+                <a:solidFill>
+                  <a:schemeClr val="bg1"/>
+                </a:solidFill>
+                <a:effectLst>
+                  <a:outerShdw blurRad="38100" dist="38100" dir="2700000" algn="tl">
+                    <a:srgbClr val="000000">
+                      <a:alpha val="43137"/>
+                    </a:srgbClr>
+                  </a:outerShdw>
+                </a:effectLst>
+                <a:latin typeface="微軟正黑體" panose="020B0604030504040204" pitchFamily="34" charset="-120"/>
+                <a:ea typeface="微軟正黑體" panose="020B0604030504040204" pitchFamily="34" charset="-120"/>
+              </a:endParaRPr>
+            </a:p>
+          </p:txBody>
+        </p:sp>
+        <p:sp>
+          <p:nvSpPr>
+            <p:cNvPr id="37" name="文字方塊 36"/>
+            <p:cNvSpPr txBox="1"/>
+            <p:nvPr/>
+          </p:nvSpPr>
+          <p:spPr>
+            <a:xfrm>
+              <a:off x="2699792" y="1844887"/>
+              <a:ext cx="5292000" cy="1077218"/>
+            </a:xfrm>
+            <a:prstGeom prst="rect">
+              <a:avLst/>
+            </a:prstGeom>
+            <a:noFill/>
+          </p:spPr>
+          <p:txBody>
+            <a:bodyPr wrap="square" rtlCol="0">
+              <a:spAutoFit/>
+            </a:bodyPr>
+            <a:lstStyle/>
+            <a:p>
+              <a:r>
+                <a:rPr lang="zh-TW" altLang="en-US" sz="1600" dirty="0" smtClean="0">
+                  <a:solidFill>
+                    <a:schemeClr val="tx1">
+                      <a:lumMod val="75000"/>
+                      <a:lumOff val="25000"/>
+                    </a:schemeClr>
+                  </a:solidFill>
+                  <a:latin typeface="微軟正黑體" panose="020B0604030504040204" pitchFamily="34" charset="-120"/>
+                  <a:ea typeface="微軟正黑體" panose="020B0604030504040204" pitchFamily="34" charset="-120"/>
+                </a:rPr>
+                <a:t>金融機構開始</a:t>
+              </a:r>
+              <a:r>
+                <a:rPr lang="zh-TW" altLang="en-US" sz="1600" dirty="0">
+                  <a:solidFill>
+                    <a:schemeClr val="tx1">
+                      <a:lumMod val="75000"/>
+                      <a:lumOff val="25000"/>
+                    </a:schemeClr>
+                  </a:solidFill>
+                  <a:latin typeface="微軟正黑體" panose="020B0604030504040204" pitchFamily="34" charset="-120"/>
+                  <a:ea typeface="微軟正黑體" panose="020B0604030504040204" pitchFamily="34" charset="-120"/>
+                </a:rPr>
+                <a:t>投資大數據分析，以及輔助</a:t>
+              </a:r>
+              <a:r>
+                <a:rPr lang="zh-TW" altLang="en-US" sz="1600" dirty="0" smtClean="0">
+                  <a:solidFill>
+                    <a:schemeClr val="tx1">
+                      <a:lumMod val="75000"/>
+                      <a:lumOff val="25000"/>
+                    </a:schemeClr>
+                  </a:solidFill>
+                  <a:latin typeface="微軟正黑體" panose="020B0604030504040204" pitchFamily="34" charset="-120"/>
+                  <a:ea typeface="微軟正黑體" panose="020B0604030504040204" pitchFamily="34" charset="-120"/>
+                </a:rPr>
+                <a:t>人工智慧技術</a:t>
+              </a:r>
+              <a:r>
+                <a:rPr lang="zh-TW" altLang="en-US" sz="1600" dirty="0">
+                  <a:solidFill>
+                    <a:schemeClr val="tx1">
+                      <a:lumMod val="75000"/>
+                      <a:lumOff val="25000"/>
+                    </a:schemeClr>
+                  </a:solidFill>
+                  <a:latin typeface="微軟正黑體" panose="020B0604030504040204" pitchFamily="34" charset="-120"/>
+                  <a:ea typeface="微軟正黑體" panose="020B0604030504040204" pitchFamily="34" charset="-120"/>
+                </a:rPr>
+                <a:t>，同時尋求外部軟體即服務（</a:t>
+              </a:r>
+              <a:r>
+                <a:rPr lang="en-US" altLang="zh-TW" sz="1600" dirty="0" err="1">
+                  <a:solidFill>
+                    <a:schemeClr val="tx1">
+                      <a:lumMod val="75000"/>
+                      <a:lumOff val="25000"/>
+                    </a:schemeClr>
+                  </a:solidFill>
+                  <a:latin typeface="微軟正黑體" panose="020B0604030504040204" pitchFamily="34" charset="-120"/>
+                  <a:ea typeface="微軟正黑體" panose="020B0604030504040204" pitchFamily="34" charset="-120"/>
+                </a:rPr>
+                <a:t>SaaS</a:t>
+              </a:r>
+              <a:r>
+                <a:rPr lang="zh-TW" altLang="en-US" sz="1600" dirty="0">
+                  <a:solidFill>
+                    <a:schemeClr val="tx1">
+                      <a:lumMod val="75000"/>
+                      <a:lumOff val="25000"/>
+                    </a:schemeClr>
+                  </a:solidFill>
+                  <a:latin typeface="微軟正黑體" panose="020B0604030504040204" pitchFamily="34" charset="-120"/>
+                  <a:ea typeface="微軟正黑體" panose="020B0604030504040204" pitchFamily="34" charset="-120"/>
+                </a:rPr>
+                <a:t>）和金融科技委外的雲端服務，建立自動化風險控管機制，以滿足其流程處理和法規遵循之需求，降低成本並提高組織靈活性和透明度。</a:t>
+              </a:r>
+            </a:p>
+          </p:txBody>
+        </p:sp>
+      </p:grpSp>
+      <p:grpSp>
+        <p:nvGrpSpPr>
+          <p:cNvPr id="38" name="群組 37"/>
+          <p:cNvGrpSpPr/>
+          <p:nvPr/>
+        </p:nvGrpSpPr>
+        <p:grpSpPr>
+          <a:xfrm>
+            <a:off x="1115616" y="5157192"/>
+            <a:ext cx="6984136" cy="1296089"/>
+            <a:chOff x="1115616" y="1628799"/>
+            <a:chExt cx="6984136" cy="1296089"/>
+          </a:xfrm>
+        </p:grpSpPr>
+        <p:sp>
+          <p:nvSpPr>
+            <p:cNvPr id="39" name="流程圖: 人工輸入 38"/>
+            <p:cNvSpPr/>
+            <p:nvPr/>
+          </p:nvSpPr>
+          <p:spPr>
+            <a:xfrm rot="16200000" flipV="1">
+              <a:off x="3347865" y="-603450"/>
+              <a:ext cx="864095" cy="5328594"/>
+            </a:xfrm>
+            <a:prstGeom prst="flowChartManualInput">
+              <a:avLst/>
+            </a:prstGeom>
+            <a:solidFill>
+              <a:srgbClr val="01A5AE"/>
+            </a:solidFill>
+            <a:ln>
+              <a:noFill/>
+            </a:ln>
+            <a:effectLst>
+              <a:outerShdw blurRad="50800" dist="38100" dir="2700000" algn="tl" rotWithShape="0">
+                <a:prstClr val="black">
+                  <a:alpha val="40000"/>
+                </a:prstClr>
+              </a:outerShdw>
+            </a:effectLst>
+          </p:spPr>
+          <p:style>
+            <a:lnRef idx="2">
+              <a:schemeClr val="accent1">
+                <a:shade val="50000"/>
+              </a:schemeClr>
+            </a:lnRef>
+            <a:fillRef idx="1">
+              <a:schemeClr val="accent1"/>
+            </a:fillRef>
+            <a:effectRef idx="0">
+              <a:schemeClr val="accent1"/>
+            </a:effectRef>
+            <a:fontRef idx="minor">
+              <a:schemeClr val="lt1"/>
+            </a:fontRef>
+          </p:style>
+          <p:txBody>
+            <a:bodyPr rtlCol="0" anchor="ctr"/>
+            <a:lstStyle/>
+            <a:p>
+              <a:pPr algn="ctr"/>
+              <a:endParaRPr lang="zh-TW" altLang="en-US"/>
+            </a:p>
+          </p:txBody>
+        </p:sp>
+        <p:sp>
+          <p:nvSpPr>
+            <p:cNvPr id="40" name="流程圖: 人工輸入 8"/>
+            <p:cNvSpPr/>
+            <p:nvPr/>
+          </p:nvSpPr>
+          <p:spPr>
+            <a:xfrm rot="16200000" flipH="1">
+              <a:off x="4679752" y="-495112"/>
+              <a:ext cx="1080000" cy="5760000"/>
+            </a:xfrm>
+            <a:custGeom>
+              <a:avLst/>
+              <a:gdLst>
+                <a:gd name="connsiteX0" fmla="*/ 0 w 10000"/>
+                <a:gd name="connsiteY0" fmla="*/ 2000 h 10000"/>
+                <a:gd name="connsiteX1" fmla="*/ 10000 w 10000"/>
+                <a:gd name="connsiteY1" fmla="*/ 0 h 10000"/>
+                <a:gd name="connsiteX2" fmla="*/ 10000 w 10000"/>
+                <a:gd name="connsiteY2" fmla="*/ 10000 h 10000"/>
+                <a:gd name="connsiteX3" fmla="*/ 0 w 10000"/>
+                <a:gd name="connsiteY3" fmla="*/ 10000 h 10000"/>
+                <a:gd name="connsiteX4" fmla="*/ 0 w 10000"/>
+                <a:gd name="connsiteY4" fmla="*/ 2000 h 10000"/>
+                <a:gd name="connsiteX0" fmla="*/ 0 w 10000"/>
+                <a:gd name="connsiteY0" fmla="*/ 523 h 10000"/>
+                <a:gd name="connsiteX1" fmla="*/ 10000 w 10000"/>
+                <a:gd name="connsiteY1" fmla="*/ 0 h 10000"/>
+                <a:gd name="connsiteX2" fmla="*/ 10000 w 10000"/>
+                <a:gd name="connsiteY2" fmla="*/ 10000 h 10000"/>
+                <a:gd name="connsiteX3" fmla="*/ 0 w 10000"/>
+                <a:gd name="connsiteY3" fmla="*/ 10000 h 10000"/>
+                <a:gd name="connsiteX4" fmla="*/ 0 w 10000"/>
+                <a:gd name="connsiteY4" fmla="*/ 523 h 10000"/>
+              </a:gdLst>
+              <a:ahLst/>
+              <a:cxnLst>
+                <a:cxn ang="0">
+                  <a:pos x="connsiteX0" y="connsiteY0"/>
+                </a:cxn>
+                <a:cxn ang="0">
+                  <a:pos x="connsiteX1" y="connsiteY1"/>
+                </a:cxn>
+                <a:cxn ang="0">
+                  <a:pos x="connsiteX2" y="connsiteY2"/>
+                </a:cxn>
+                <a:cxn ang="0">
+                  <a:pos x="connsiteX3" y="connsiteY3"/>
+                </a:cxn>
+                <a:cxn ang="0">
+                  <a:pos x="connsiteX4" y="connsiteY4"/>
+                </a:cxn>
+              </a:cxnLst>
+              <a:rect l="l" t="t" r="r" b="b"/>
+              <a:pathLst>
+                <a:path w="10000" h="10000">
+                  <a:moveTo>
+                    <a:pt x="0" y="523"/>
+                  </a:moveTo>
+                  <a:lnTo>
+                    <a:pt x="10000" y="0"/>
+                  </a:lnTo>
+                  <a:lnTo>
+                    <a:pt x="10000" y="10000"/>
+                  </a:lnTo>
+                  <a:lnTo>
+                    <a:pt x="0" y="10000"/>
+                  </a:lnTo>
+                  <a:lnTo>
+                    <a:pt x="0" y="523"/>
+                  </a:lnTo>
+                  <a:close/>
+                </a:path>
+              </a:pathLst>
+            </a:custGeom>
+            <a:solidFill>
+              <a:srgbClr val="EBEBEB"/>
+            </a:solidFill>
+            <a:ln>
+              <a:noFill/>
+            </a:ln>
+            <a:effectLst>
+              <a:outerShdw blurRad="50800" dist="38100" dir="2700000" algn="tl" rotWithShape="0">
+                <a:prstClr val="black">
+                  <a:alpha val="40000"/>
+                </a:prstClr>
+              </a:outerShdw>
+            </a:effectLst>
+          </p:spPr>
+          <p:style>
+            <a:lnRef idx="2">
+              <a:schemeClr val="accent1">
+                <a:shade val="50000"/>
+              </a:schemeClr>
+            </a:lnRef>
+            <a:fillRef idx="1">
+              <a:schemeClr val="accent1"/>
+            </a:fillRef>
+            <a:effectRef idx="0">
+              <a:schemeClr val="accent1"/>
+            </a:effectRef>
+            <a:fontRef idx="minor">
+              <a:schemeClr val="lt1"/>
+            </a:fontRef>
+          </p:style>
+          <p:txBody>
+            <a:bodyPr rtlCol="0" anchor="ctr"/>
+            <a:lstStyle/>
+            <a:p>
+              <a:pPr algn="ctr"/>
+              <a:endParaRPr lang="zh-TW" altLang="en-US" dirty="0"/>
+            </a:p>
+          </p:txBody>
+        </p:sp>
+        <p:sp>
+          <p:nvSpPr>
+            <p:cNvPr id="41" name="文字方塊 40"/>
+            <p:cNvSpPr txBox="1"/>
+            <p:nvPr/>
+          </p:nvSpPr>
+          <p:spPr>
+            <a:xfrm>
+              <a:off x="1259632" y="1916831"/>
+              <a:ext cx="1152000" cy="369332"/>
+            </a:xfrm>
+            <a:prstGeom prst="rect">
+              <a:avLst/>
+            </a:prstGeom>
+            <a:noFill/>
+          </p:spPr>
+          <p:txBody>
+            <a:bodyPr wrap="square" rtlCol="0">
+              <a:spAutoFit/>
+            </a:bodyPr>
+            <a:lstStyle/>
+            <a:p>
+              <a:pPr algn="ctr"/>
+              <a:r>
+                <a:rPr lang="zh-TW" altLang="en-US" b="1" dirty="0" smtClean="0">
+                  <a:solidFill>
+                    <a:schemeClr val="bg1"/>
+                  </a:solidFill>
+                  <a:effectLst>
+                    <a:outerShdw blurRad="38100" dist="38100" dir="2700000" algn="tl">
+                      <a:srgbClr val="000000">
+                        <a:alpha val="43137"/>
+                      </a:srgbClr>
+                    </a:outerShdw>
+                  </a:effectLst>
+                  <a:latin typeface="微軟正黑體" panose="020B0604030504040204" pitchFamily="34" charset="-120"/>
+                  <a:ea typeface="微軟正黑體" panose="020B0604030504040204" pitchFamily="34" charset="-120"/>
+                </a:rPr>
+                <a:t>基礎建設</a:t>
+              </a:r>
+              <a:endParaRPr lang="zh-TW" altLang="en-US" b="1" dirty="0">
+                <a:solidFill>
+                  <a:schemeClr val="bg1"/>
+                </a:solidFill>
+                <a:effectLst>
+                  <a:outerShdw blurRad="38100" dist="38100" dir="2700000" algn="tl">
+                    <a:srgbClr val="000000">
+                      <a:alpha val="43137"/>
+                    </a:srgbClr>
+                  </a:outerShdw>
+                </a:effectLst>
+                <a:latin typeface="微軟正黑體" panose="020B0604030504040204" pitchFamily="34" charset="-120"/>
+                <a:ea typeface="微軟正黑體" panose="020B0604030504040204" pitchFamily="34" charset="-120"/>
+              </a:endParaRPr>
+            </a:p>
+          </p:txBody>
+        </p:sp>
+        <p:sp>
+          <p:nvSpPr>
+            <p:cNvPr id="42" name="文字方塊 41"/>
+            <p:cNvSpPr txBox="1"/>
+            <p:nvPr/>
+          </p:nvSpPr>
+          <p:spPr>
+            <a:xfrm>
+              <a:off x="2699792" y="1844887"/>
+              <a:ext cx="5292000" cy="1077218"/>
+            </a:xfrm>
+            <a:prstGeom prst="rect">
+              <a:avLst/>
+            </a:prstGeom>
+            <a:noFill/>
+          </p:spPr>
+          <p:txBody>
+            <a:bodyPr wrap="square" rtlCol="0">
+              <a:spAutoFit/>
+            </a:bodyPr>
+            <a:lstStyle/>
+            <a:p>
+              <a:r>
+                <a:rPr lang="zh-TW" altLang="en-US" sz="1600" dirty="0">
+                  <a:solidFill>
+                    <a:schemeClr val="tx1">
+                      <a:lumMod val="75000"/>
+                      <a:lumOff val="25000"/>
+                    </a:schemeClr>
+                  </a:solidFill>
+                  <a:latin typeface="微軟正黑體" panose="020B0604030504040204" pitchFamily="34" charset="-120"/>
+                  <a:ea typeface="微軟正黑體" panose="020B0604030504040204" pitchFamily="34" charset="-120"/>
+                </a:rPr>
+                <a:t>隨著第</a:t>
+              </a:r>
+              <a:r>
+                <a:rPr lang="en-US" altLang="zh-TW" sz="1600" dirty="0">
+                  <a:solidFill>
+                    <a:schemeClr val="tx1">
+                      <a:lumMod val="75000"/>
+                      <a:lumOff val="25000"/>
+                    </a:schemeClr>
+                  </a:solidFill>
+                  <a:latin typeface="微軟正黑體" panose="020B0604030504040204" pitchFamily="34" charset="-120"/>
+                  <a:ea typeface="微軟正黑體" panose="020B0604030504040204" pitchFamily="34" charset="-120"/>
+                </a:rPr>
+                <a:t>3</a:t>
+              </a:r>
+              <a:r>
+                <a:rPr lang="zh-TW" altLang="en-US" sz="1600" dirty="0">
+                  <a:solidFill>
+                    <a:schemeClr val="tx1">
+                      <a:lumMod val="75000"/>
+                      <a:lumOff val="25000"/>
+                    </a:schemeClr>
+                  </a:solidFill>
+                  <a:latin typeface="微軟正黑體" panose="020B0604030504040204" pitchFamily="34" charset="-120"/>
+                  <a:ea typeface="微軟正黑體" panose="020B0604030504040204" pitchFamily="34" charset="-120"/>
+                </a:rPr>
+                <a:t>、</a:t>
+              </a:r>
+              <a:r>
+                <a:rPr lang="en-US" altLang="zh-TW" sz="1600" dirty="0">
+                  <a:solidFill>
+                    <a:schemeClr val="tx1">
+                      <a:lumMod val="75000"/>
+                      <a:lumOff val="25000"/>
+                    </a:schemeClr>
+                  </a:solidFill>
+                  <a:latin typeface="微軟正黑體" panose="020B0604030504040204" pitchFamily="34" charset="-120"/>
+                  <a:ea typeface="微軟正黑體" panose="020B0604030504040204" pitchFamily="34" charset="-120"/>
+                </a:rPr>
+                <a:t>4</a:t>
+              </a:r>
+              <a:r>
+                <a:rPr lang="zh-TW" altLang="en-US" sz="1600" dirty="0">
+                  <a:solidFill>
+                    <a:schemeClr val="tx1">
+                      <a:lumMod val="75000"/>
+                      <a:lumOff val="25000"/>
+                    </a:schemeClr>
+                  </a:solidFill>
+                  <a:latin typeface="微軟正黑體" panose="020B0604030504040204" pitchFamily="34" charset="-120"/>
+                  <a:ea typeface="微軟正黑體" panose="020B0604030504040204" pitchFamily="34" charset="-120"/>
+                </a:rPr>
+                <a:t>代行動網路基礎建設</a:t>
+              </a:r>
+              <a:r>
+                <a:rPr lang="zh-TW" altLang="en-US" sz="1600" dirty="0" smtClean="0">
+                  <a:solidFill>
+                    <a:schemeClr val="tx1">
+                      <a:lumMod val="75000"/>
+                      <a:lumOff val="25000"/>
+                    </a:schemeClr>
+                  </a:solidFill>
+                  <a:latin typeface="微軟正黑體" panose="020B0604030504040204" pitchFamily="34" charset="-120"/>
+                  <a:ea typeface="微軟正黑體" panose="020B0604030504040204" pitchFamily="34" charset="-120"/>
+                </a:rPr>
+                <a:t>與行動</a:t>
+              </a:r>
+              <a:r>
+                <a:rPr lang="zh-TW" altLang="en-US" sz="1600" dirty="0">
+                  <a:solidFill>
+                    <a:schemeClr val="tx1">
+                      <a:lumMod val="75000"/>
+                      <a:lumOff val="25000"/>
+                    </a:schemeClr>
+                  </a:solidFill>
+                  <a:latin typeface="微軟正黑體" panose="020B0604030504040204" pitchFamily="34" charset="-120"/>
+                  <a:ea typeface="微軟正黑體" panose="020B0604030504040204" pitchFamily="34" charset="-120"/>
+                </a:rPr>
+                <a:t>裝置普及，使得行動金融服務更加蓬勃發展。不過由於金融與電信業者分受不同部門監理，如何制定監理框架，衡量監理比例</a:t>
+              </a:r>
+              <a:r>
+                <a:rPr lang="zh-TW" altLang="en-US" sz="1600" dirty="0" smtClean="0">
+                  <a:solidFill>
+                    <a:schemeClr val="tx1">
+                      <a:lumMod val="75000"/>
+                      <a:lumOff val="25000"/>
+                    </a:schemeClr>
+                  </a:solidFill>
+                  <a:latin typeface="微軟正黑體" panose="020B0604030504040204" pitchFamily="34" charset="-120"/>
+                  <a:ea typeface="微軟正黑體" panose="020B0604030504040204" pitchFamily="34" charset="-120"/>
+                </a:rPr>
+                <a:t>，以</a:t>
+              </a:r>
+              <a:r>
+                <a:rPr lang="zh-TW" altLang="en-US" sz="1600" dirty="0">
+                  <a:solidFill>
+                    <a:schemeClr val="tx1">
+                      <a:lumMod val="75000"/>
+                      <a:lumOff val="25000"/>
+                    </a:schemeClr>
+                  </a:solidFill>
+                  <a:latin typeface="微軟正黑體" panose="020B0604030504040204" pitchFamily="34" charset="-120"/>
+                  <a:ea typeface="微軟正黑體" panose="020B0604030504040204" pitchFamily="34" charset="-120"/>
+                </a:rPr>
+                <a:t>確保金融穩定及保護消費者，成為各國共同面對的挑戰。</a:t>
+              </a:r>
+            </a:p>
+          </p:txBody>
+        </p:sp>
+      </p:grpSp>
     </p:spTree>
     <p:extLst>
       <p:ext uri="{BB962C8B-B14F-4D97-AF65-F5344CB8AC3E}">
-        <p14:creationId xmlns:p14="http://schemas.microsoft.com/office/powerpoint/2010/main" val="3208920711"/>
+        <p14:creationId xmlns:p14="http://schemas.microsoft.com/office/powerpoint/2010/main" val="667382729"/>
       </p:ext>
     </p:extLst>
   </p:cSld>
@@ -9858,7 +16598,7 @@
       </p:grpSpPr>
       <p:sp>
         <p:nvSpPr>
-          <p:cNvPr id="5" name="標題 4"/>
+          <p:cNvPr id="6" name="標題 5"/>
           <p:cNvSpPr>
             <a:spLocks noGrp="1"/>
           </p:cNvSpPr>
@@ -9873,15 +16613,7 @@
           <a:p>
             <a:r>
               <a:rPr lang="zh-TW" altLang="en-US" dirty="0" smtClean="0"/>
-              <a:t>支付</a:t>
-            </a:r>
-            <a:r>
-              <a:rPr lang="en-US" altLang="zh-TW" dirty="0" smtClean="0"/>
-              <a:t>: </a:t>
-            </a:r>
-            <a:r>
-              <a:rPr lang="zh-TW" altLang="en-US" dirty="0" smtClean="0"/>
-              <a:t>國際趨勢</a:t>
+              <a:t>金融趨勢發展</a:t>
             </a:r>
             <a:endParaRPr lang="zh-TW" altLang="en-US" dirty="0"/>
           </a:p>
@@ -9889,12 +16621,12 @@
       </p:sp>
       <p:sp>
         <p:nvSpPr>
-          <p:cNvPr id="6" name="內容版面配置區 5"/>
+          <p:cNvPr id="4" name="日期版面配置區 3"/>
           <p:cNvSpPr>
             <a:spLocks noGrp="1"/>
           </p:cNvSpPr>
           <p:nvPr>
-            <p:ph idx="1"/>
+            <p:ph type="dt" sz="half" idx="10"/>
           </p:nvPr>
         </p:nvSpPr>
         <p:spPr/>
@@ -9902,139 +16634,9 @@
           <a:bodyPr/>
           <a:lstStyle/>
           <a:p>
-            <a:r>
-              <a:rPr lang="zh-TW" altLang="en-US" dirty="0" smtClean="0"/>
-              <a:t>開放式 </a:t>
-            </a:r>
-            <a:r>
-              <a:rPr lang="en-US" altLang="zh-TW" dirty="0" smtClean="0"/>
-              <a:t>(open loop)</a:t>
-            </a:r>
-          </a:p>
-          <a:p>
-            <a:pPr lvl="1"/>
-            <a:r>
-              <a:rPr lang="zh-TW" altLang="en-US" dirty="0" smtClean="0"/>
-              <a:t>強化既有的支付程序。如</a:t>
-            </a:r>
-            <a:r>
-              <a:rPr lang="en-US" altLang="zh-TW" dirty="0" smtClean="0"/>
-              <a:t>NFC(</a:t>
-            </a:r>
-            <a:r>
-              <a:rPr lang="zh-TW" altLang="en-US" dirty="0" smtClean="0"/>
-              <a:t>近場通訊</a:t>
-            </a:r>
-            <a:r>
-              <a:rPr lang="en-US" altLang="zh-TW" dirty="0" smtClean="0"/>
-              <a:t>), QR</a:t>
-            </a:r>
-            <a:r>
-              <a:rPr lang="zh-TW" altLang="en-US" dirty="0" smtClean="0"/>
-              <a:t>技術</a:t>
-            </a:r>
-            <a:endParaRPr lang="en-US" altLang="zh-TW" dirty="0" smtClean="0"/>
-          </a:p>
-          <a:p>
-            <a:r>
-              <a:rPr lang="zh-TW" altLang="en-US" dirty="0" smtClean="0"/>
-              <a:t>封閉式 </a:t>
-            </a:r>
-            <a:r>
-              <a:rPr lang="en-US" altLang="zh-TW" dirty="0" smtClean="0"/>
-              <a:t>(close loop)</a:t>
-            </a:r>
-          </a:p>
-          <a:p>
-            <a:pPr lvl="1"/>
-            <a:r>
-              <a:rPr lang="zh-TW" altLang="en-US" dirty="0"/>
-              <a:t>整合電子支付</a:t>
-            </a:r>
-            <a:r>
-              <a:rPr lang="zh-TW" altLang="en-US" dirty="0" smtClean="0"/>
-              <a:t>程序，包含</a:t>
-            </a:r>
-            <a:r>
-              <a:rPr lang="en-US" altLang="zh-TW" dirty="0" smtClean="0"/>
-              <a:t>POS</a:t>
-            </a:r>
-            <a:r>
-              <a:rPr lang="zh-TW" altLang="en-US" dirty="0" smtClean="0"/>
-              <a:t>、收單機構、支付網路。如</a:t>
-            </a:r>
-            <a:r>
-              <a:rPr lang="en-US" altLang="zh-TW" dirty="0" smtClean="0"/>
-              <a:t>PayPal</a:t>
-            </a:r>
-          </a:p>
-          <a:p>
-            <a:r>
-              <a:rPr lang="zh-TW" altLang="en-US" dirty="0"/>
-              <a:t>整合式行動</a:t>
-            </a:r>
-            <a:r>
-              <a:rPr lang="zh-TW" altLang="en-US" dirty="0" smtClean="0"/>
-              <a:t>支付</a:t>
-            </a:r>
-            <a:endParaRPr lang="en-US" altLang="zh-TW" dirty="0" smtClean="0"/>
-          </a:p>
-          <a:p>
-            <a:pPr lvl="1"/>
-            <a:r>
-              <a:rPr lang="zh-TW" altLang="en-US" dirty="0"/>
-              <a:t>利用行動</a:t>
-            </a:r>
-            <a:r>
-              <a:rPr lang="zh-TW" altLang="en-US" dirty="0" smtClean="0"/>
-              <a:t>裝置取代</a:t>
-            </a:r>
-            <a:r>
-              <a:rPr lang="en-US" altLang="zh-TW" dirty="0" smtClean="0"/>
-              <a:t>POS</a:t>
-            </a:r>
-            <a:r>
-              <a:rPr lang="zh-TW" altLang="en-US" dirty="0" smtClean="0"/>
-              <a:t>。如</a:t>
-            </a:r>
-            <a:r>
-              <a:rPr lang="en-US" altLang="zh-TW" dirty="0" smtClean="0"/>
-              <a:t>Square</a:t>
-            </a:r>
-            <a:r>
-              <a:rPr lang="zh-TW" altLang="en-US" dirty="0" smtClean="0"/>
-              <a:t> 手機信用卡刷卡機、</a:t>
-            </a:r>
-            <a:r>
-              <a:rPr lang="en-US" altLang="zh-TW" dirty="0" err="1" smtClean="0"/>
-              <a:t>Uber</a:t>
-            </a:r>
-            <a:r>
-              <a:rPr lang="zh-TW" altLang="en-US" dirty="0" smtClean="0"/>
-              <a:t>運輸服務平台。</a:t>
-            </a:r>
-            <a:endParaRPr lang="zh-TW" altLang="en-US" dirty="0"/>
-          </a:p>
-        </p:txBody>
-      </p:sp>
-      <p:sp>
-        <p:nvSpPr>
-          <p:cNvPr id="3" name="日期版面配置區 2"/>
-          <p:cNvSpPr>
-            <a:spLocks noGrp="1"/>
-          </p:cNvSpPr>
-          <p:nvPr>
-            <p:ph type="dt" sz="half" idx="10"/>
-          </p:nvPr>
-        </p:nvSpPr>
-        <p:spPr/>
-        <p:txBody>
-          <a:bodyPr/>
-          <a:lstStyle/>
-          <a:p>
-            <a:fld id="{3E126CAF-FBB1-47BB-86FD-F9B759A3D0CD}" type="datetime1">
+            <a:fld id="{F5EB54BD-0855-4C71-B321-D9B65086D443}" type="datetime1">
               <a:rPr lang="zh-TW" altLang="en-US" smtClean="0"/>
-              <a:t>2016/7/4</a:t>
+              <a:t>2016/7/11</a:t>
             </a:fld>
             <a:endParaRPr lang="zh-TW" altLang="en-US"/>
           </a:p>
@@ -10042,7 +16644,7 @@
       </p:sp>
       <p:sp>
         <p:nvSpPr>
-          <p:cNvPr id="4" name="投影片編號版面配置區 3"/>
+          <p:cNvPr id="5" name="投影片編號版面配置區 4"/>
           <p:cNvSpPr>
             <a:spLocks noGrp="1"/>
           </p:cNvSpPr>
@@ -10063,10 +16665,1472 @@
           </a:p>
         </p:txBody>
       </p:sp>
+      <p:grpSp>
+        <p:nvGrpSpPr>
+          <p:cNvPr id="12" name="群組 11"/>
+          <p:cNvGrpSpPr/>
+          <p:nvPr/>
+        </p:nvGrpSpPr>
+        <p:grpSpPr>
+          <a:xfrm>
+            <a:off x="1115616" y="1124744"/>
+            <a:ext cx="6984136" cy="1296089"/>
+            <a:chOff x="1115616" y="1628799"/>
+            <a:chExt cx="6984136" cy="1296089"/>
+          </a:xfrm>
+        </p:grpSpPr>
+        <p:sp>
+          <p:nvSpPr>
+            <p:cNvPr id="8" name="流程圖: 人工輸入 7"/>
+            <p:cNvSpPr/>
+            <p:nvPr/>
+          </p:nvSpPr>
+          <p:spPr>
+            <a:xfrm rot="16200000" flipV="1">
+              <a:off x="3347865" y="-603450"/>
+              <a:ext cx="864095" cy="5328594"/>
+            </a:xfrm>
+            <a:prstGeom prst="flowChartManualInput">
+              <a:avLst/>
+            </a:prstGeom>
+            <a:solidFill>
+              <a:srgbClr val="FCB040"/>
+            </a:solidFill>
+            <a:ln>
+              <a:noFill/>
+            </a:ln>
+            <a:effectLst>
+              <a:outerShdw blurRad="50800" dist="38100" dir="2700000" algn="tl" rotWithShape="0">
+                <a:prstClr val="black">
+                  <a:alpha val="40000"/>
+                </a:prstClr>
+              </a:outerShdw>
+            </a:effectLst>
+          </p:spPr>
+          <p:style>
+            <a:lnRef idx="2">
+              <a:schemeClr val="accent1">
+                <a:shade val="50000"/>
+              </a:schemeClr>
+            </a:lnRef>
+            <a:fillRef idx="1">
+              <a:schemeClr val="accent1"/>
+            </a:fillRef>
+            <a:effectRef idx="0">
+              <a:schemeClr val="accent1"/>
+            </a:effectRef>
+            <a:fontRef idx="minor">
+              <a:schemeClr val="lt1"/>
+            </a:fontRef>
+          </p:style>
+          <p:txBody>
+            <a:bodyPr rtlCol="0" anchor="ctr"/>
+            <a:lstStyle/>
+            <a:p>
+              <a:pPr algn="ctr"/>
+              <a:endParaRPr lang="zh-TW" altLang="en-US"/>
+            </a:p>
+          </p:txBody>
+        </p:sp>
+        <p:sp>
+          <p:nvSpPr>
+            <p:cNvPr id="9" name="流程圖: 人工輸入 8"/>
+            <p:cNvSpPr/>
+            <p:nvPr/>
+          </p:nvSpPr>
+          <p:spPr>
+            <a:xfrm rot="16200000" flipH="1">
+              <a:off x="4679752" y="-495112"/>
+              <a:ext cx="1080000" cy="5760000"/>
+            </a:xfrm>
+            <a:custGeom>
+              <a:avLst/>
+              <a:gdLst>
+                <a:gd name="connsiteX0" fmla="*/ 0 w 10000"/>
+                <a:gd name="connsiteY0" fmla="*/ 2000 h 10000"/>
+                <a:gd name="connsiteX1" fmla="*/ 10000 w 10000"/>
+                <a:gd name="connsiteY1" fmla="*/ 0 h 10000"/>
+                <a:gd name="connsiteX2" fmla="*/ 10000 w 10000"/>
+                <a:gd name="connsiteY2" fmla="*/ 10000 h 10000"/>
+                <a:gd name="connsiteX3" fmla="*/ 0 w 10000"/>
+                <a:gd name="connsiteY3" fmla="*/ 10000 h 10000"/>
+                <a:gd name="connsiteX4" fmla="*/ 0 w 10000"/>
+                <a:gd name="connsiteY4" fmla="*/ 2000 h 10000"/>
+                <a:gd name="connsiteX0" fmla="*/ 0 w 10000"/>
+                <a:gd name="connsiteY0" fmla="*/ 523 h 10000"/>
+                <a:gd name="connsiteX1" fmla="*/ 10000 w 10000"/>
+                <a:gd name="connsiteY1" fmla="*/ 0 h 10000"/>
+                <a:gd name="connsiteX2" fmla="*/ 10000 w 10000"/>
+                <a:gd name="connsiteY2" fmla="*/ 10000 h 10000"/>
+                <a:gd name="connsiteX3" fmla="*/ 0 w 10000"/>
+                <a:gd name="connsiteY3" fmla="*/ 10000 h 10000"/>
+                <a:gd name="connsiteX4" fmla="*/ 0 w 10000"/>
+                <a:gd name="connsiteY4" fmla="*/ 523 h 10000"/>
+              </a:gdLst>
+              <a:ahLst/>
+              <a:cxnLst>
+                <a:cxn ang="0">
+                  <a:pos x="connsiteX0" y="connsiteY0"/>
+                </a:cxn>
+                <a:cxn ang="0">
+                  <a:pos x="connsiteX1" y="connsiteY1"/>
+                </a:cxn>
+                <a:cxn ang="0">
+                  <a:pos x="connsiteX2" y="connsiteY2"/>
+                </a:cxn>
+                <a:cxn ang="0">
+                  <a:pos x="connsiteX3" y="connsiteY3"/>
+                </a:cxn>
+                <a:cxn ang="0">
+                  <a:pos x="connsiteX4" y="connsiteY4"/>
+                </a:cxn>
+              </a:cxnLst>
+              <a:rect l="l" t="t" r="r" b="b"/>
+              <a:pathLst>
+                <a:path w="10000" h="10000">
+                  <a:moveTo>
+                    <a:pt x="0" y="523"/>
+                  </a:moveTo>
+                  <a:lnTo>
+                    <a:pt x="10000" y="0"/>
+                  </a:lnTo>
+                  <a:lnTo>
+                    <a:pt x="10000" y="10000"/>
+                  </a:lnTo>
+                  <a:lnTo>
+                    <a:pt x="0" y="10000"/>
+                  </a:lnTo>
+                  <a:lnTo>
+                    <a:pt x="0" y="523"/>
+                  </a:lnTo>
+                  <a:close/>
+                </a:path>
+              </a:pathLst>
+            </a:custGeom>
+            <a:solidFill>
+              <a:srgbClr val="EBEBEB"/>
+            </a:solidFill>
+            <a:ln>
+              <a:noFill/>
+            </a:ln>
+            <a:effectLst>
+              <a:outerShdw blurRad="50800" dist="38100" dir="2700000" algn="tl" rotWithShape="0">
+                <a:prstClr val="black">
+                  <a:alpha val="40000"/>
+                </a:prstClr>
+              </a:outerShdw>
+            </a:effectLst>
+          </p:spPr>
+          <p:style>
+            <a:lnRef idx="2">
+              <a:schemeClr val="accent1">
+                <a:shade val="50000"/>
+              </a:schemeClr>
+            </a:lnRef>
+            <a:fillRef idx="1">
+              <a:schemeClr val="accent1"/>
+            </a:fillRef>
+            <a:effectRef idx="0">
+              <a:schemeClr val="accent1"/>
+            </a:effectRef>
+            <a:fontRef idx="minor">
+              <a:schemeClr val="lt1"/>
+            </a:fontRef>
+          </p:style>
+          <p:txBody>
+            <a:bodyPr rtlCol="0" anchor="ctr"/>
+            <a:lstStyle/>
+            <a:p>
+              <a:pPr algn="ctr"/>
+              <a:endParaRPr lang="zh-TW" altLang="en-US" dirty="0"/>
+            </a:p>
+          </p:txBody>
+        </p:sp>
+        <p:sp>
+          <p:nvSpPr>
+            <p:cNvPr id="10" name="文字方塊 9"/>
+            <p:cNvSpPr txBox="1"/>
+            <p:nvPr/>
+          </p:nvSpPr>
+          <p:spPr>
+            <a:xfrm>
+              <a:off x="1259632" y="1907539"/>
+              <a:ext cx="1152000" cy="369332"/>
+            </a:xfrm>
+            <a:prstGeom prst="rect">
+              <a:avLst/>
+            </a:prstGeom>
+            <a:noFill/>
+          </p:spPr>
+          <p:txBody>
+            <a:bodyPr wrap="square" rtlCol="0">
+              <a:spAutoFit/>
+            </a:bodyPr>
+            <a:lstStyle/>
+            <a:p>
+              <a:pPr algn="ctr"/>
+              <a:r>
+                <a:rPr lang="zh-TW" altLang="en-US" b="1" dirty="0" smtClean="0">
+                  <a:solidFill>
+                    <a:schemeClr val="bg1"/>
+                  </a:solidFill>
+                  <a:effectLst>
+                    <a:outerShdw blurRad="38100" dist="38100" dir="2700000" algn="tl">
+                      <a:srgbClr val="000000">
+                        <a:alpha val="43137"/>
+                      </a:srgbClr>
+                    </a:outerShdw>
+                  </a:effectLst>
+                  <a:latin typeface="微軟正黑體" panose="020B0604030504040204" pitchFamily="34" charset="-120"/>
+                  <a:ea typeface="微軟正黑體" panose="020B0604030504040204" pitchFamily="34" charset="-120"/>
+                </a:rPr>
+                <a:t>金融服務</a:t>
+              </a:r>
+              <a:endParaRPr lang="zh-TW" altLang="en-US" b="1" dirty="0">
+                <a:solidFill>
+                  <a:schemeClr val="bg1"/>
+                </a:solidFill>
+                <a:effectLst>
+                  <a:outerShdw blurRad="38100" dist="38100" dir="2700000" algn="tl">
+                    <a:srgbClr val="000000">
+                      <a:alpha val="43137"/>
+                    </a:srgbClr>
+                  </a:outerShdw>
+                </a:effectLst>
+                <a:latin typeface="微軟正黑體" panose="020B0604030504040204" pitchFamily="34" charset="-120"/>
+                <a:ea typeface="微軟正黑體" panose="020B0604030504040204" pitchFamily="34" charset="-120"/>
+              </a:endParaRPr>
+            </a:p>
+          </p:txBody>
+        </p:sp>
+        <p:sp>
+          <p:nvSpPr>
+            <p:cNvPr id="11" name="文字方塊 10"/>
+            <p:cNvSpPr txBox="1"/>
+            <p:nvPr/>
+          </p:nvSpPr>
+          <p:spPr>
+            <a:xfrm>
+              <a:off x="2699792" y="1844887"/>
+              <a:ext cx="5292000" cy="1080000"/>
+            </a:xfrm>
+            <a:prstGeom prst="rect">
+              <a:avLst/>
+            </a:prstGeom>
+            <a:noFill/>
+          </p:spPr>
+          <p:txBody>
+            <a:bodyPr wrap="square" rtlCol="0">
+              <a:spAutoFit/>
+            </a:bodyPr>
+            <a:lstStyle/>
+            <a:p>
+              <a:r>
+                <a:rPr lang="zh-TW" altLang="en-US" sz="1600" dirty="0">
+                  <a:solidFill>
+                    <a:schemeClr val="tx1">
+                      <a:lumMod val="75000"/>
+                      <a:lumOff val="25000"/>
+                    </a:schemeClr>
+                  </a:solidFill>
+                  <a:latin typeface="微軟正黑體" panose="020B0604030504040204" pitchFamily="34" charset="-120"/>
+                  <a:ea typeface="微軟正黑體" panose="020B0604030504040204" pitchFamily="34" charset="-120"/>
+                </a:rPr>
+                <a:t>就世界經濟論壇</a:t>
+              </a:r>
+              <a:r>
+                <a:rPr lang="en-US" altLang="zh-TW" sz="1600" dirty="0">
+                  <a:solidFill>
+                    <a:schemeClr val="tx1">
+                      <a:lumMod val="75000"/>
+                      <a:lumOff val="25000"/>
+                    </a:schemeClr>
+                  </a:solidFill>
+                  <a:latin typeface="微軟正黑體" panose="020B0604030504040204" pitchFamily="34" charset="-120"/>
+                  <a:ea typeface="微軟正黑體" panose="020B0604030504040204" pitchFamily="34" charset="-120"/>
+                </a:rPr>
+                <a:t>2015</a:t>
+              </a:r>
+              <a:r>
+                <a:rPr lang="zh-TW" altLang="en-US" sz="1600" dirty="0">
+                  <a:solidFill>
+                    <a:schemeClr val="tx1">
+                      <a:lumMod val="75000"/>
+                      <a:lumOff val="25000"/>
+                    </a:schemeClr>
+                  </a:solidFill>
+                  <a:latin typeface="微軟正黑體" panose="020B0604030504040204" pitchFamily="34" charset="-120"/>
+                  <a:ea typeface="微軟正黑體" panose="020B0604030504040204" pitchFamily="34" charset="-120"/>
+                </a:rPr>
+                <a:t>年</a:t>
+              </a:r>
+              <a:r>
+                <a:rPr lang="en-US" altLang="zh-TW" sz="1600" dirty="0">
+                  <a:solidFill>
+                    <a:schemeClr val="tx1">
+                      <a:lumMod val="75000"/>
+                      <a:lumOff val="25000"/>
+                    </a:schemeClr>
+                  </a:solidFill>
+                  <a:latin typeface="微軟正黑體" panose="020B0604030504040204" pitchFamily="34" charset="-120"/>
+                  <a:ea typeface="微軟正黑體" panose="020B0604030504040204" pitchFamily="34" charset="-120"/>
+                </a:rPr>
+                <a:t>6</a:t>
+              </a:r>
+              <a:r>
+                <a:rPr lang="zh-TW" altLang="en-US" sz="1600" dirty="0">
+                  <a:solidFill>
+                    <a:schemeClr val="tx1">
+                      <a:lumMod val="75000"/>
+                      <a:lumOff val="25000"/>
+                    </a:schemeClr>
+                  </a:solidFill>
+                  <a:latin typeface="微軟正黑體" panose="020B0604030504040204" pitchFamily="34" charset="-120"/>
+                  <a:ea typeface="微軟正黑體" panose="020B0604030504040204" pitchFamily="34" charset="-120"/>
+                </a:rPr>
+                <a:t>月所發布「金融服務的</a:t>
+              </a:r>
+              <a:r>
+                <a:rPr lang="zh-TW" altLang="en-US" sz="1600" dirty="0" smtClean="0">
+                  <a:solidFill>
+                    <a:schemeClr val="tx1">
+                      <a:lumMod val="75000"/>
+                      <a:lumOff val="25000"/>
+                    </a:schemeClr>
+                  </a:solidFill>
+                  <a:latin typeface="微軟正黑體" panose="020B0604030504040204" pitchFamily="34" charset="-120"/>
+                  <a:ea typeface="微軟正黑體" panose="020B0604030504040204" pitchFamily="34" charset="-120"/>
+                </a:rPr>
+                <a:t>未來」</a:t>
+              </a:r>
+              <a:r>
+                <a:rPr lang="zh-TW" altLang="en-US" sz="1600" dirty="0">
+                  <a:solidFill>
+                    <a:schemeClr val="tx1">
+                      <a:lumMod val="75000"/>
+                      <a:lumOff val="25000"/>
+                    </a:schemeClr>
+                  </a:solidFill>
+                  <a:latin typeface="微軟正黑體" panose="020B0604030504040204" pitchFamily="34" charset="-120"/>
+                  <a:ea typeface="微軟正黑體" panose="020B0604030504040204" pitchFamily="34" charset="-120"/>
+                </a:rPr>
+                <a:t>報告所揭露包括支付、保險、融資、募資、投資管理、市場供應等金融</a:t>
+              </a:r>
+              <a:r>
+                <a:rPr lang="en-US" altLang="zh-TW" sz="1600" dirty="0">
+                  <a:solidFill>
+                    <a:schemeClr val="tx1">
+                      <a:lumMod val="75000"/>
+                      <a:lumOff val="25000"/>
+                    </a:schemeClr>
+                  </a:solidFill>
+                  <a:latin typeface="微軟正黑體" panose="020B0604030504040204" pitchFamily="34" charset="-120"/>
+                  <a:ea typeface="微軟正黑體" panose="020B0604030504040204" pitchFamily="34" charset="-120"/>
+                </a:rPr>
+                <a:t>6</a:t>
+              </a:r>
+              <a:r>
+                <a:rPr lang="zh-TW" altLang="en-US" sz="1600" dirty="0">
+                  <a:solidFill>
+                    <a:schemeClr val="tx1">
+                      <a:lumMod val="75000"/>
+                      <a:lumOff val="25000"/>
+                    </a:schemeClr>
+                  </a:solidFill>
+                  <a:latin typeface="微軟正黑體" panose="020B0604030504040204" pitchFamily="34" charset="-120"/>
+                  <a:ea typeface="微軟正黑體" panose="020B0604030504040204" pitchFamily="34" charset="-120"/>
+                </a:rPr>
+                <a:t>大核心服務功能，探討國際發展趨勢與國內推動現況。 </a:t>
+              </a:r>
+              <a:endParaRPr lang="zh-TW" altLang="en-US" sz="1600" dirty="0">
+                <a:solidFill>
+                  <a:schemeClr val="tx1">
+                    <a:lumMod val="75000"/>
+                    <a:lumOff val="25000"/>
+                  </a:schemeClr>
+                </a:solidFill>
+                <a:latin typeface="微軟正黑體" panose="020B0604030504040204" pitchFamily="34" charset="-120"/>
+                <a:ea typeface="微軟正黑體" panose="020B0604030504040204" pitchFamily="34" charset="-120"/>
+              </a:endParaRPr>
+            </a:p>
+          </p:txBody>
+        </p:sp>
+      </p:grpSp>
+      <p:grpSp>
+        <p:nvGrpSpPr>
+          <p:cNvPr id="28" name="群組 27"/>
+          <p:cNvGrpSpPr/>
+          <p:nvPr/>
+        </p:nvGrpSpPr>
+        <p:grpSpPr>
+          <a:xfrm>
+            <a:off x="1115616" y="2468893"/>
+            <a:ext cx="6984136" cy="1296089"/>
+            <a:chOff x="1115616" y="1628799"/>
+            <a:chExt cx="6984136" cy="1296089"/>
+          </a:xfrm>
+        </p:grpSpPr>
+        <p:sp>
+          <p:nvSpPr>
+            <p:cNvPr id="29" name="流程圖: 人工輸入 28"/>
+            <p:cNvSpPr/>
+            <p:nvPr/>
+          </p:nvSpPr>
+          <p:spPr>
+            <a:xfrm rot="16200000" flipV="1">
+              <a:off x="3347865" y="-603450"/>
+              <a:ext cx="864095" cy="5328594"/>
+            </a:xfrm>
+            <a:prstGeom prst="flowChartManualInput">
+              <a:avLst/>
+            </a:prstGeom>
+            <a:solidFill>
+              <a:srgbClr val="3AB3D2"/>
+            </a:solidFill>
+            <a:ln>
+              <a:noFill/>
+            </a:ln>
+            <a:effectLst>
+              <a:outerShdw blurRad="50800" dist="38100" dir="2700000" algn="tl" rotWithShape="0">
+                <a:prstClr val="black">
+                  <a:alpha val="40000"/>
+                </a:prstClr>
+              </a:outerShdw>
+            </a:effectLst>
+          </p:spPr>
+          <p:style>
+            <a:lnRef idx="2">
+              <a:schemeClr val="accent1">
+                <a:shade val="50000"/>
+              </a:schemeClr>
+            </a:lnRef>
+            <a:fillRef idx="1">
+              <a:schemeClr val="accent1"/>
+            </a:fillRef>
+            <a:effectRef idx="0">
+              <a:schemeClr val="accent1"/>
+            </a:effectRef>
+            <a:fontRef idx="minor">
+              <a:schemeClr val="lt1"/>
+            </a:fontRef>
+          </p:style>
+          <p:txBody>
+            <a:bodyPr rtlCol="0" anchor="ctr"/>
+            <a:lstStyle/>
+            <a:p>
+              <a:pPr algn="ctr"/>
+              <a:endParaRPr lang="zh-TW" altLang="en-US"/>
+            </a:p>
+          </p:txBody>
+        </p:sp>
+        <p:sp>
+          <p:nvSpPr>
+            <p:cNvPr id="30" name="流程圖: 人工輸入 8"/>
+            <p:cNvSpPr/>
+            <p:nvPr/>
+          </p:nvSpPr>
+          <p:spPr>
+            <a:xfrm rot="16200000" flipH="1">
+              <a:off x="4679752" y="-495112"/>
+              <a:ext cx="1080000" cy="5760000"/>
+            </a:xfrm>
+            <a:custGeom>
+              <a:avLst/>
+              <a:gdLst>
+                <a:gd name="connsiteX0" fmla="*/ 0 w 10000"/>
+                <a:gd name="connsiteY0" fmla="*/ 2000 h 10000"/>
+                <a:gd name="connsiteX1" fmla="*/ 10000 w 10000"/>
+                <a:gd name="connsiteY1" fmla="*/ 0 h 10000"/>
+                <a:gd name="connsiteX2" fmla="*/ 10000 w 10000"/>
+                <a:gd name="connsiteY2" fmla="*/ 10000 h 10000"/>
+                <a:gd name="connsiteX3" fmla="*/ 0 w 10000"/>
+                <a:gd name="connsiteY3" fmla="*/ 10000 h 10000"/>
+                <a:gd name="connsiteX4" fmla="*/ 0 w 10000"/>
+                <a:gd name="connsiteY4" fmla="*/ 2000 h 10000"/>
+                <a:gd name="connsiteX0" fmla="*/ 0 w 10000"/>
+                <a:gd name="connsiteY0" fmla="*/ 523 h 10000"/>
+                <a:gd name="connsiteX1" fmla="*/ 10000 w 10000"/>
+                <a:gd name="connsiteY1" fmla="*/ 0 h 10000"/>
+                <a:gd name="connsiteX2" fmla="*/ 10000 w 10000"/>
+                <a:gd name="connsiteY2" fmla="*/ 10000 h 10000"/>
+                <a:gd name="connsiteX3" fmla="*/ 0 w 10000"/>
+                <a:gd name="connsiteY3" fmla="*/ 10000 h 10000"/>
+                <a:gd name="connsiteX4" fmla="*/ 0 w 10000"/>
+                <a:gd name="connsiteY4" fmla="*/ 523 h 10000"/>
+              </a:gdLst>
+              <a:ahLst/>
+              <a:cxnLst>
+                <a:cxn ang="0">
+                  <a:pos x="connsiteX0" y="connsiteY0"/>
+                </a:cxn>
+                <a:cxn ang="0">
+                  <a:pos x="connsiteX1" y="connsiteY1"/>
+                </a:cxn>
+                <a:cxn ang="0">
+                  <a:pos x="connsiteX2" y="connsiteY2"/>
+                </a:cxn>
+                <a:cxn ang="0">
+                  <a:pos x="connsiteX3" y="connsiteY3"/>
+                </a:cxn>
+                <a:cxn ang="0">
+                  <a:pos x="connsiteX4" y="connsiteY4"/>
+                </a:cxn>
+              </a:cxnLst>
+              <a:rect l="l" t="t" r="r" b="b"/>
+              <a:pathLst>
+                <a:path w="10000" h="10000">
+                  <a:moveTo>
+                    <a:pt x="0" y="523"/>
+                  </a:moveTo>
+                  <a:lnTo>
+                    <a:pt x="10000" y="0"/>
+                  </a:lnTo>
+                  <a:lnTo>
+                    <a:pt x="10000" y="10000"/>
+                  </a:lnTo>
+                  <a:lnTo>
+                    <a:pt x="0" y="10000"/>
+                  </a:lnTo>
+                  <a:lnTo>
+                    <a:pt x="0" y="523"/>
+                  </a:lnTo>
+                  <a:close/>
+                </a:path>
+              </a:pathLst>
+            </a:custGeom>
+            <a:solidFill>
+              <a:srgbClr val="EBEBEB"/>
+            </a:solidFill>
+            <a:ln>
+              <a:noFill/>
+            </a:ln>
+            <a:effectLst>
+              <a:outerShdw blurRad="50800" dist="38100" dir="2700000" algn="tl" rotWithShape="0">
+                <a:prstClr val="black">
+                  <a:alpha val="40000"/>
+                </a:prstClr>
+              </a:outerShdw>
+            </a:effectLst>
+          </p:spPr>
+          <p:style>
+            <a:lnRef idx="2">
+              <a:schemeClr val="accent1">
+                <a:shade val="50000"/>
+              </a:schemeClr>
+            </a:lnRef>
+            <a:fillRef idx="1">
+              <a:schemeClr val="accent1"/>
+            </a:fillRef>
+            <a:effectRef idx="0">
+              <a:schemeClr val="accent1"/>
+            </a:effectRef>
+            <a:fontRef idx="minor">
+              <a:schemeClr val="lt1"/>
+            </a:fontRef>
+          </p:style>
+          <p:txBody>
+            <a:bodyPr rtlCol="0" anchor="ctr"/>
+            <a:lstStyle/>
+            <a:p>
+              <a:pPr algn="ctr"/>
+              <a:endParaRPr lang="zh-TW" altLang="en-US" dirty="0"/>
+            </a:p>
+          </p:txBody>
+        </p:sp>
+        <p:sp>
+          <p:nvSpPr>
+            <p:cNvPr id="31" name="文字方塊 30"/>
+            <p:cNvSpPr txBox="1"/>
+            <p:nvPr/>
+          </p:nvSpPr>
+          <p:spPr>
+            <a:xfrm>
+              <a:off x="1259632" y="1931542"/>
+              <a:ext cx="1152000" cy="369332"/>
+            </a:xfrm>
+            <a:prstGeom prst="rect">
+              <a:avLst/>
+            </a:prstGeom>
+            <a:noFill/>
+          </p:spPr>
+          <p:txBody>
+            <a:bodyPr wrap="square" rtlCol="0">
+              <a:spAutoFit/>
+            </a:bodyPr>
+            <a:lstStyle/>
+            <a:p>
+              <a:pPr algn="ctr"/>
+              <a:r>
+                <a:rPr lang="zh-TW" altLang="en-US" b="1" dirty="0" smtClean="0">
+                  <a:solidFill>
+                    <a:schemeClr val="bg1"/>
+                  </a:solidFill>
+                  <a:effectLst>
+                    <a:outerShdw blurRad="38100" dist="38100" dir="2700000" algn="tl">
+                      <a:srgbClr val="000000">
+                        <a:alpha val="43137"/>
+                      </a:srgbClr>
+                    </a:outerShdw>
+                  </a:effectLst>
+                  <a:latin typeface="微軟正黑體" panose="020B0604030504040204" pitchFamily="34" charset="-120"/>
+                  <a:ea typeface="微軟正黑體" panose="020B0604030504040204" pitchFamily="34" charset="-120"/>
+                </a:rPr>
+                <a:t>創新研發</a:t>
+              </a:r>
+              <a:endParaRPr lang="zh-TW" altLang="en-US" b="1" dirty="0">
+                <a:solidFill>
+                  <a:schemeClr val="bg1"/>
+                </a:solidFill>
+                <a:effectLst>
+                  <a:outerShdw blurRad="38100" dist="38100" dir="2700000" algn="tl">
+                    <a:srgbClr val="000000">
+                      <a:alpha val="43137"/>
+                    </a:srgbClr>
+                  </a:outerShdw>
+                </a:effectLst>
+                <a:latin typeface="微軟正黑體" panose="020B0604030504040204" pitchFamily="34" charset="-120"/>
+                <a:ea typeface="微軟正黑體" panose="020B0604030504040204" pitchFamily="34" charset="-120"/>
+              </a:endParaRPr>
+            </a:p>
+          </p:txBody>
+        </p:sp>
+        <p:sp>
+          <p:nvSpPr>
+            <p:cNvPr id="32" name="文字方塊 31"/>
+            <p:cNvSpPr txBox="1"/>
+            <p:nvPr/>
+          </p:nvSpPr>
+          <p:spPr>
+            <a:xfrm>
+              <a:off x="2699792" y="1844887"/>
+              <a:ext cx="5292000" cy="1080000"/>
+            </a:xfrm>
+            <a:prstGeom prst="rect">
+              <a:avLst/>
+            </a:prstGeom>
+            <a:noFill/>
+          </p:spPr>
+          <p:txBody>
+            <a:bodyPr wrap="square" rtlCol="0">
+              <a:spAutoFit/>
+            </a:bodyPr>
+            <a:lstStyle/>
+            <a:p>
+              <a:r>
+                <a:rPr lang="zh-TW" altLang="en-US" sz="1600" dirty="0">
+                  <a:solidFill>
+                    <a:schemeClr val="tx1">
+                      <a:lumMod val="75000"/>
+                      <a:lumOff val="25000"/>
+                    </a:schemeClr>
+                  </a:solidFill>
+                  <a:latin typeface="微軟正黑體" panose="020B0604030504040204" pitchFamily="34" charset="-120"/>
+                  <a:ea typeface="微軟正黑體" panose="020B0604030504040204" pitchFamily="34" charset="-120"/>
+                </a:rPr>
+                <a:t>為發展金融科技產業，各國積極鼓勵創新創業，作為促進經濟成的動力，提供新創事業資金、人才、租稅等各方面優惠措施，此外具高度發展潛力及新技術、新構想、快速成長的新創</a:t>
+              </a:r>
+              <a:r>
+                <a:rPr lang="zh-TW" altLang="en-US" sz="1600" dirty="0" smtClean="0">
+                  <a:solidFill>
+                    <a:schemeClr val="tx1">
+                      <a:lumMod val="75000"/>
+                      <a:lumOff val="25000"/>
+                    </a:schemeClr>
+                  </a:solidFill>
+                  <a:latin typeface="微軟正黑體" panose="020B0604030504040204" pitchFamily="34" charset="-120"/>
+                  <a:ea typeface="微軟正黑體" panose="020B0604030504040204" pitchFamily="34" charset="-120"/>
+                </a:rPr>
+                <a:t>事業。</a:t>
+              </a:r>
+              <a:endParaRPr lang="zh-TW" altLang="en-US" sz="1600" dirty="0">
+                <a:solidFill>
+                  <a:schemeClr val="tx1">
+                    <a:lumMod val="75000"/>
+                    <a:lumOff val="25000"/>
+                  </a:schemeClr>
+                </a:solidFill>
+                <a:latin typeface="微軟正黑體" panose="020B0604030504040204" pitchFamily="34" charset="-120"/>
+                <a:ea typeface="微軟正黑體" panose="020B0604030504040204" pitchFamily="34" charset="-120"/>
+              </a:endParaRPr>
+            </a:p>
+          </p:txBody>
+        </p:sp>
+      </p:grpSp>
+      <p:grpSp>
+        <p:nvGrpSpPr>
+          <p:cNvPr id="33" name="群組 32"/>
+          <p:cNvGrpSpPr/>
+          <p:nvPr/>
+        </p:nvGrpSpPr>
+        <p:grpSpPr>
+          <a:xfrm>
+            <a:off x="1115616" y="3813042"/>
+            <a:ext cx="6984136" cy="1296089"/>
+            <a:chOff x="1115616" y="1628799"/>
+            <a:chExt cx="6984136" cy="1296089"/>
+          </a:xfrm>
+        </p:grpSpPr>
+        <p:sp>
+          <p:nvSpPr>
+            <p:cNvPr id="34" name="流程圖: 人工輸入 33"/>
+            <p:cNvSpPr/>
+            <p:nvPr/>
+          </p:nvSpPr>
+          <p:spPr>
+            <a:xfrm rot="16200000" flipV="1">
+              <a:off x="3347865" y="-603450"/>
+              <a:ext cx="864095" cy="5328594"/>
+            </a:xfrm>
+            <a:prstGeom prst="flowChartManualInput">
+              <a:avLst/>
+            </a:prstGeom>
+            <a:solidFill>
+              <a:srgbClr val="BE1F33"/>
+            </a:solidFill>
+            <a:ln>
+              <a:noFill/>
+            </a:ln>
+            <a:effectLst>
+              <a:outerShdw blurRad="50800" dist="38100" dir="2700000" algn="tl" rotWithShape="0">
+                <a:prstClr val="black">
+                  <a:alpha val="40000"/>
+                </a:prstClr>
+              </a:outerShdw>
+            </a:effectLst>
+          </p:spPr>
+          <p:style>
+            <a:lnRef idx="2">
+              <a:schemeClr val="accent1">
+                <a:shade val="50000"/>
+              </a:schemeClr>
+            </a:lnRef>
+            <a:fillRef idx="1">
+              <a:schemeClr val="accent1"/>
+            </a:fillRef>
+            <a:effectRef idx="0">
+              <a:schemeClr val="accent1"/>
+            </a:effectRef>
+            <a:fontRef idx="minor">
+              <a:schemeClr val="lt1"/>
+            </a:fontRef>
+          </p:style>
+          <p:txBody>
+            <a:bodyPr rtlCol="0" anchor="ctr"/>
+            <a:lstStyle/>
+            <a:p>
+              <a:pPr algn="ctr"/>
+              <a:endParaRPr lang="zh-TW" altLang="en-US"/>
+            </a:p>
+          </p:txBody>
+        </p:sp>
+        <p:sp>
+          <p:nvSpPr>
+            <p:cNvPr id="35" name="流程圖: 人工輸入 8"/>
+            <p:cNvSpPr/>
+            <p:nvPr/>
+          </p:nvSpPr>
+          <p:spPr>
+            <a:xfrm rot="16200000" flipH="1">
+              <a:off x="4679752" y="-495112"/>
+              <a:ext cx="1080000" cy="5760000"/>
+            </a:xfrm>
+            <a:custGeom>
+              <a:avLst/>
+              <a:gdLst>
+                <a:gd name="connsiteX0" fmla="*/ 0 w 10000"/>
+                <a:gd name="connsiteY0" fmla="*/ 2000 h 10000"/>
+                <a:gd name="connsiteX1" fmla="*/ 10000 w 10000"/>
+                <a:gd name="connsiteY1" fmla="*/ 0 h 10000"/>
+                <a:gd name="connsiteX2" fmla="*/ 10000 w 10000"/>
+                <a:gd name="connsiteY2" fmla="*/ 10000 h 10000"/>
+                <a:gd name="connsiteX3" fmla="*/ 0 w 10000"/>
+                <a:gd name="connsiteY3" fmla="*/ 10000 h 10000"/>
+                <a:gd name="connsiteX4" fmla="*/ 0 w 10000"/>
+                <a:gd name="connsiteY4" fmla="*/ 2000 h 10000"/>
+                <a:gd name="connsiteX0" fmla="*/ 0 w 10000"/>
+                <a:gd name="connsiteY0" fmla="*/ 523 h 10000"/>
+                <a:gd name="connsiteX1" fmla="*/ 10000 w 10000"/>
+                <a:gd name="connsiteY1" fmla="*/ 0 h 10000"/>
+                <a:gd name="connsiteX2" fmla="*/ 10000 w 10000"/>
+                <a:gd name="connsiteY2" fmla="*/ 10000 h 10000"/>
+                <a:gd name="connsiteX3" fmla="*/ 0 w 10000"/>
+                <a:gd name="connsiteY3" fmla="*/ 10000 h 10000"/>
+                <a:gd name="connsiteX4" fmla="*/ 0 w 10000"/>
+                <a:gd name="connsiteY4" fmla="*/ 523 h 10000"/>
+              </a:gdLst>
+              <a:ahLst/>
+              <a:cxnLst>
+                <a:cxn ang="0">
+                  <a:pos x="connsiteX0" y="connsiteY0"/>
+                </a:cxn>
+                <a:cxn ang="0">
+                  <a:pos x="connsiteX1" y="connsiteY1"/>
+                </a:cxn>
+                <a:cxn ang="0">
+                  <a:pos x="connsiteX2" y="connsiteY2"/>
+                </a:cxn>
+                <a:cxn ang="0">
+                  <a:pos x="connsiteX3" y="connsiteY3"/>
+                </a:cxn>
+                <a:cxn ang="0">
+                  <a:pos x="connsiteX4" y="connsiteY4"/>
+                </a:cxn>
+              </a:cxnLst>
+              <a:rect l="l" t="t" r="r" b="b"/>
+              <a:pathLst>
+                <a:path w="10000" h="10000">
+                  <a:moveTo>
+                    <a:pt x="0" y="523"/>
+                  </a:moveTo>
+                  <a:lnTo>
+                    <a:pt x="10000" y="0"/>
+                  </a:lnTo>
+                  <a:lnTo>
+                    <a:pt x="10000" y="10000"/>
+                  </a:lnTo>
+                  <a:lnTo>
+                    <a:pt x="0" y="10000"/>
+                  </a:lnTo>
+                  <a:lnTo>
+                    <a:pt x="0" y="523"/>
+                  </a:lnTo>
+                  <a:close/>
+                </a:path>
+              </a:pathLst>
+            </a:custGeom>
+            <a:solidFill>
+              <a:srgbClr val="EBEBEB"/>
+            </a:solidFill>
+            <a:ln>
+              <a:noFill/>
+            </a:ln>
+            <a:effectLst>
+              <a:outerShdw blurRad="50800" dist="38100" dir="2700000" algn="tl" rotWithShape="0">
+                <a:prstClr val="black">
+                  <a:alpha val="40000"/>
+                </a:prstClr>
+              </a:outerShdw>
+            </a:effectLst>
+          </p:spPr>
+          <p:style>
+            <a:lnRef idx="2">
+              <a:schemeClr val="accent1">
+                <a:shade val="50000"/>
+              </a:schemeClr>
+            </a:lnRef>
+            <a:fillRef idx="1">
+              <a:schemeClr val="accent1"/>
+            </a:fillRef>
+            <a:effectRef idx="0">
+              <a:schemeClr val="accent1"/>
+            </a:effectRef>
+            <a:fontRef idx="minor">
+              <a:schemeClr val="lt1"/>
+            </a:fontRef>
+          </p:style>
+          <p:txBody>
+            <a:bodyPr rtlCol="0" anchor="ctr"/>
+            <a:lstStyle/>
+            <a:p>
+              <a:pPr algn="ctr"/>
+              <a:endParaRPr lang="zh-TW" altLang="en-US" dirty="0"/>
+            </a:p>
+          </p:txBody>
+        </p:sp>
+        <p:sp>
+          <p:nvSpPr>
+            <p:cNvPr id="36" name="文字方塊 35"/>
+            <p:cNvSpPr txBox="1"/>
+            <p:nvPr/>
+          </p:nvSpPr>
+          <p:spPr>
+            <a:xfrm>
+              <a:off x="1259632" y="1892829"/>
+              <a:ext cx="1152000" cy="369332"/>
+            </a:xfrm>
+            <a:prstGeom prst="rect">
+              <a:avLst/>
+            </a:prstGeom>
+            <a:noFill/>
+          </p:spPr>
+          <p:txBody>
+            <a:bodyPr wrap="square" rtlCol="0">
+              <a:spAutoFit/>
+            </a:bodyPr>
+            <a:lstStyle/>
+            <a:p>
+              <a:pPr algn="ctr"/>
+              <a:r>
+                <a:rPr lang="zh-TW" altLang="en-US" b="1" dirty="0" smtClean="0">
+                  <a:solidFill>
+                    <a:schemeClr val="bg1"/>
+                  </a:solidFill>
+                  <a:effectLst>
+                    <a:outerShdw blurRad="38100" dist="38100" dir="2700000" algn="tl">
+                      <a:srgbClr val="000000">
+                        <a:alpha val="43137"/>
+                      </a:srgbClr>
+                    </a:outerShdw>
+                  </a:effectLst>
+                  <a:latin typeface="微軟正黑體" panose="020B0604030504040204" pitchFamily="34" charset="-120"/>
+                  <a:ea typeface="微軟正黑體" panose="020B0604030504040204" pitchFamily="34" charset="-120"/>
+                </a:rPr>
+                <a:t>風險管理</a:t>
+              </a:r>
+              <a:endParaRPr lang="zh-TW" altLang="en-US" b="1" dirty="0">
+                <a:solidFill>
+                  <a:schemeClr val="bg1"/>
+                </a:solidFill>
+                <a:effectLst>
+                  <a:outerShdw blurRad="38100" dist="38100" dir="2700000" algn="tl">
+                    <a:srgbClr val="000000">
+                      <a:alpha val="43137"/>
+                    </a:srgbClr>
+                  </a:outerShdw>
+                </a:effectLst>
+                <a:latin typeface="微軟正黑體" panose="020B0604030504040204" pitchFamily="34" charset="-120"/>
+                <a:ea typeface="微軟正黑體" panose="020B0604030504040204" pitchFamily="34" charset="-120"/>
+              </a:endParaRPr>
+            </a:p>
+          </p:txBody>
+        </p:sp>
+        <p:sp>
+          <p:nvSpPr>
+            <p:cNvPr id="37" name="文字方塊 36"/>
+            <p:cNvSpPr txBox="1"/>
+            <p:nvPr/>
+          </p:nvSpPr>
+          <p:spPr>
+            <a:xfrm>
+              <a:off x="2699792" y="1844887"/>
+              <a:ext cx="5292000" cy="1077218"/>
+            </a:xfrm>
+            <a:prstGeom prst="rect">
+              <a:avLst/>
+            </a:prstGeom>
+            <a:noFill/>
+          </p:spPr>
+          <p:txBody>
+            <a:bodyPr wrap="square" rtlCol="0">
+              <a:spAutoFit/>
+            </a:bodyPr>
+            <a:lstStyle/>
+            <a:p>
+              <a:r>
+                <a:rPr lang="zh-TW" altLang="en-US" sz="1600" dirty="0" smtClean="0">
+                  <a:solidFill>
+                    <a:schemeClr val="tx1">
+                      <a:lumMod val="75000"/>
+                      <a:lumOff val="25000"/>
+                    </a:schemeClr>
+                  </a:solidFill>
+                  <a:latin typeface="微軟正黑體" panose="020B0604030504040204" pitchFamily="34" charset="-120"/>
+                  <a:ea typeface="微軟正黑體" panose="020B0604030504040204" pitchFamily="34" charset="-120"/>
+                </a:rPr>
+                <a:t>金融機構開始</a:t>
+              </a:r>
+              <a:r>
+                <a:rPr lang="zh-TW" altLang="en-US" sz="1600" dirty="0">
+                  <a:solidFill>
+                    <a:schemeClr val="tx1">
+                      <a:lumMod val="75000"/>
+                      <a:lumOff val="25000"/>
+                    </a:schemeClr>
+                  </a:solidFill>
+                  <a:latin typeface="微軟正黑體" panose="020B0604030504040204" pitchFamily="34" charset="-120"/>
+                  <a:ea typeface="微軟正黑體" panose="020B0604030504040204" pitchFamily="34" charset="-120"/>
+                </a:rPr>
+                <a:t>投資大數據分析，以及輔助</a:t>
+              </a:r>
+              <a:r>
+                <a:rPr lang="zh-TW" altLang="en-US" sz="1600" dirty="0" smtClean="0">
+                  <a:solidFill>
+                    <a:schemeClr val="tx1">
+                      <a:lumMod val="75000"/>
+                      <a:lumOff val="25000"/>
+                    </a:schemeClr>
+                  </a:solidFill>
+                  <a:latin typeface="微軟正黑體" panose="020B0604030504040204" pitchFamily="34" charset="-120"/>
+                  <a:ea typeface="微軟正黑體" panose="020B0604030504040204" pitchFamily="34" charset="-120"/>
+                </a:rPr>
+                <a:t>人工智慧技術</a:t>
+              </a:r>
+              <a:r>
+                <a:rPr lang="zh-TW" altLang="en-US" sz="1600" dirty="0">
+                  <a:solidFill>
+                    <a:schemeClr val="tx1">
+                      <a:lumMod val="75000"/>
+                      <a:lumOff val="25000"/>
+                    </a:schemeClr>
+                  </a:solidFill>
+                  <a:latin typeface="微軟正黑體" panose="020B0604030504040204" pitchFamily="34" charset="-120"/>
+                  <a:ea typeface="微軟正黑體" panose="020B0604030504040204" pitchFamily="34" charset="-120"/>
+                </a:rPr>
+                <a:t>，同時尋求外部軟體即服務（</a:t>
+              </a:r>
+              <a:r>
+                <a:rPr lang="en-US" altLang="zh-TW" sz="1600" dirty="0" err="1">
+                  <a:solidFill>
+                    <a:schemeClr val="tx1">
+                      <a:lumMod val="75000"/>
+                      <a:lumOff val="25000"/>
+                    </a:schemeClr>
+                  </a:solidFill>
+                  <a:latin typeface="微軟正黑體" panose="020B0604030504040204" pitchFamily="34" charset="-120"/>
+                  <a:ea typeface="微軟正黑體" panose="020B0604030504040204" pitchFamily="34" charset="-120"/>
+                </a:rPr>
+                <a:t>SaaS</a:t>
+              </a:r>
+              <a:r>
+                <a:rPr lang="zh-TW" altLang="en-US" sz="1600" dirty="0">
+                  <a:solidFill>
+                    <a:schemeClr val="tx1">
+                      <a:lumMod val="75000"/>
+                      <a:lumOff val="25000"/>
+                    </a:schemeClr>
+                  </a:solidFill>
+                  <a:latin typeface="微軟正黑體" panose="020B0604030504040204" pitchFamily="34" charset="-120"/>
+                  <a:ea typeface="微軟正黑體" panose="020B0604030504040204" pitchFamily="34" charset="-120"/>
+                </a:rPr>
+                <a:t>）和金融科技委外的雲端服務，建立自動化風險控管機制，以滿足其流程處理和法規遵循之需求，降低成本並提高組織靈活性和透明度。</a:t>
+              </a:r>
+            </a:p>
+          </p:txBody>
+        </p:sp>
+      </p:grpSp>
+      <p:grpSp>
+        <p:nvGrpSpPr>
+          <p:cNvPr id="38" name="群組 37"/>
+          <p:cNvGrpSpPr/>
+          <p:nvPr/>
+        </p:nvGrpSpPr>
+        <p:grpSpPr>
+          <a:xfrm>
+            <a:off x="1115616" y="5157192"/>
+            <a:ext cx="6984136" cy="1296089"/>
+            <a:chOff x="1115616" y="1628799"/>
+            <a:chExt cx="6984136" cy="1296089"/>
+          </a:xfrm>
+        </p:grpSpPr>
+        <p:sp>
+          <p:nvSpPr>
+            <p:cNvPr id="39" name="流程圖: 人工輸入 38"/>
+            <p:cNvSpPr/>
+            <p:nvPr/>
+          </p:nvSpPr>
+          <p:spPr>
+            <a:xfrm rot="16200000" flipV="1">
+              <a:off x="3347865" y="-603450"/>
+              <a:ext cx="864095" cy="5328594"/>
+            </a:xfrm>
+            <a:prstGeom prst="flowChartManualInput">
+              <a:avLst/>
+            </a:prstGeom>
+            <a:solidFill>
+              <a:srgbClr val="01A5AE"/>
+            </a:solidFill>
+            <a:ln>
+              <a:noFill/>
+            </a:ln>
+            <a:effectLst>
+              <a:outerShdw blurRad="50800" dist="38100" dir="2700000" algn="tl" rotWithShape="0">
+                <a:prstClr val="black">
+                  <a:alpha val="40000"/>
+                </a:prstClr>
+              </a:outerShdw>
+            </a:effectLst>
+          </p:spPr>
+          <p:style>
+            <a:lnRef idx="2">
+              <a:schemeClr val="accent1">
+                <a:shade val="50000"/>
+              </a:schemeClr>
+            </a:lnRef>
+            <a:fillRef idx="1">
+              <a:schemeClr val="accent1"/>
+            </a:fillRef>
+            <a:effectRef idx="0">
+              <a:schemeClr val="accent1"/>
+            </a:effectRef>
+            <a:fontRef idx="minor">
+              <a:schemeClr val="lt1"/>
+            </a:fontRef>
+          </p:style>
+          <p:txBody>
+            <a:bodyPr rtlCol="0" anchor="ctr"/>
+            <a:lstStyle/>
+            <a:p>
+              <a:pPr algn="ctr"/>
+              <a:endParaRPr lang="zh-TW" altLang="en-US"/>
+            </a:p>
+          </p:txBody>
+        </p:sp>
+        <p:sp>
+          <p:nvSpPr>
+            <p:cNvPr id="40" name="流程圖: 人工輸入 8"/>
+            <p:cNvSpPr/>
+            <p:nvPr/>
+          </p:nvSpPr>
+          <p:spPr>
+            <a:xfrm rot="16200000" flipH="1">
+              <a:off x="4679752" y="-495112"/>
+              <a:ext cx="1080000" cy="5760000"/>
+            </a:xfrm>
+            <a:custGeom>
+              <a:avLst/>
+              <a:gdLst>
+                <a:gd name="connsiteX0" fmla="*/ 0 w 10000"/>
+                <a:gd name="connsiteY0" fmla="*/ 2000 h 10000"/>
+                <a:gd name="connsiteX1" fmla="*/ 10000 w 10000"/>
+                <a:gd name="connsiteY1" fmla="*/ 0 h 10000"/>
+                <a:gd name="connsiteX2" fmla="*/ 10000 w 10000"/>
+                <a:gd name="connsiteY2" fmla="*/ 10000 h 10000"/>
+                <a:gd name="connsiteX3" fmla="*/ 0 w 10000"/>
+                <a:gd name="connsiteY3" fmla="*/ 10000 h 10000"/>
+                <a:gd name="connsiteX4" fmla="*/ 0 w 10000"/>
+                <a:gd name="connsiteY4" fmla="*/ 2000 h 10000"/>
+                <a:gd name="connsiteX0" fmla="*/ 0 w 10000"/>
+                <a:gd name="connsiteY0" fmla="*/ 523 h 10000"/>
+                <a:gd name="connsiteX1" fmla="*/ 10000 w 10000"/>
+                <a:gd name="connsiteY1" fmla="*/ 0 h 10000"/>
+                <a:gd name="connsiteX2" fmla="*/ 10000 w 10000"/>
+                <a:gd name="connsiteY2" fmla="*/ 10000 h 10000"/>
+                <a:gd name="connsiteX3" fmla="*/ 0 w 10000"/>
+                <a:gd name="connsiteY3" fmla="*/ 10000 h 10000"/>
+                <a:gd name="connsiteX4" fmla="*/ 0 w 10000"/>
+                <a:gd name="connsiteY4" fmla="*/ 523 h 10000"/>
+              </a:gdLst>
+              <a:ahLst/>
+              <a:cxnLst>
+                <a:cxn ang="0">
+                  <a:pos x="connsiteX0" y="connsiteY0"/>
+                </a:cxn>
+                <a:cxn ang="0">
+                  <a:pos x="connsiteX1" y="connsiteY1"/>
+                </a:cxn>
+                <a:cxn ang="0">
+                  <a:pos x="connsiteX2" y="connsiteY2"/>
+                </a:cxn>
+                <a:cxn ang="0">
+                  <a:pos x="connsiteX3" y="connsiteY3"/>
+                </a:cxn>
+                <a:cxn ang="0">
+                  <a:pos x="connsiteX4" y="connsiteY4"/>
+                </a:cxn>
+              </a:cxnLst>
+              <a:rect l="l" t="t" r="r" b="b"/>
+              <a:pathLst>
+                <a:path w="10000" h="10000">
+                  <a:moveTo>
+                    <a:pt x="0" y="523"/>
+                  </a:moveTo>
+                  <a:lnTo>
+                    <a:pt x="10000" y="0"/>
+                  </a:lnTo>
+                  <a:lnTo>
+                    <a:pt x="10000" y="10000"/>
+                  </a:lnTo>
+                  <a:lnTo>
+                    <a:pt x="0" y="10000"/>
+                  </a:lnTo>
+                  <a:lnTo>
+                    <a:pt x="0" y="523"/>
+                  </a:lnTo>
+                  <a:close/>
+                </a:path>
+              </a:pathLst>
+            </a:custGeom>
+            <a:solidFill>
+              <a:srgbClr val="EBEBEB"/>
+            </a:solidFill>
+            <a:ln>
+              <a:noFill/>
+            </a:ln>
+            <a:effectLst>
+              <a:outerShdw blurRad="50800" dist="38100" dir="2700000" algn="tl" rotWithShape="0">
+                <a:prstClr val="black">
+                  <a:alpha val="40000"/>
+                </a:prstClr>
+              </a:outerShdw>
+            </a:effectLst>
+          </p:spPr>
+          <p:style>
+            <a:lnRef idx="2">
+              <a:schemeClr val="accent1">
+                <a:shade val="50000"/>
+              </a:schemeClr>
+            </a:lnRef>
+            <a:fillRef idx="1">
+              <a:schemeClr val="accent1"/>
+            </a:fillRef>
+            <a:effectRef idx="0">
+              <a:schemeClr val="accent1"/>
+            </a:effectRef>
+            <a:fontRef idx="minor">
+              <a:schemeClr val="lt1"/>
+            </a:fontRef>
+          </p:style>
+          <p:txBody>
+            <a:bodyPr rtlCol="0" anchor="ctr"/>
+            <a:lstStyle/>
+            <a:p>
+              <a:pPr algn="ctr"/>
+              <a:endParaRPr lang="zh-TW" altLang="en-US" dirty="0"/>
+            </a:p>
+          </p:txBody>
+        </p:sp>
+        <p:sp>
+          <p:nvSpPr>
+            <p:cNvPr id="41" name="文字方塊 40"/>
+            <p:cNvSpPr txBox="1"/>
+            <p:nvPr/>
+          </p:nvSpPr>
+          <p:spPr>
+            <a:xfrm>
+              <a:off x="1259632" y="1916831"/>
+              <a:ext cx="1152000" cy="369332"/>
+            </a:xfrm>
+            <a:prstGeom prst="rect">
+              <a:avLst/>
+            </a:prstGeom>
+            <a:noFill/>
+          </p:spPr>
+          <p:txBody>
+            <a:bodyPr wrap="square" rtlCol="0">
+              <a:spAutoFit/>
+            </a:bodyPr>
+            <a:lstStyle/>
+            <a:p>
+              <a:pPr algn="ctr"/>
+              <a:r>
+                <a:rPr lang="zh-TW" altLang="en-US" b="1" dirty="0" smtClean="0">
+                  <a:solidFill>
+                    <a:schemeClr val="bg1"/>
+                  </a:solidFill>
+                  <a:effectLst>
+                    <a:outerShdw blurRad="38100" dist="38100" dir="2700000" algn="tl">
+                      <a:srgbClr val="000000">
+                        <a:alpha val="43137"/>
+                      </a:srgbClr>
+                    </a:outerShdw>
+                  </a:effectLst>
+                  <a:latin typeface="微軟正黑體" panose="020B0604030504040204" pitchFamily="34" charset="-120"/>
+                  <a:ea typeface="微軟正黑體" panose="020B0604030504040204" pitchFamily="34" charset="-120"/>
+                </a:rPr>
+                <a:t>基礎建設</a:t>
+              </a:r>
+              <a:endParaRPr lang="zh-TW" altLang="en-US" b="1" dirty="0">
+                <a:solidFill>
+                  <a:schemeClr val="bg1"/>
+                </a:solidFill>
+                <a:effectLst>
+                  <a:outerShdw blurRad="38100" dist="38100" dir="2700000" algn="tl">
+                    <a:srgbClr val="000000">
+                      <a:alpha val="43137"/>
+                    </a:srgbClr>
+                  </a:outerShdw>
+                </a:effectLst>
+                <a:latin typeface="微軟正黑體" panose="020B0604030504040204" pitchFamily="34" charset="-120"/>
+                <a:ea typeface="微軟正黑體" panose="020B0604030504040204" pitchFamily="34" charset="-120"/>
+              </a:endParaRPr>
+            </a:p>
+          </p:txBody>
+        </p:sp>
+        <p:sp>
+          <p:nvSpPr>
+            <p:cNvPr id="42" name="文字方塊 41"/>
+            <p:cNvSpPr txBox="1"/>
+            <p:nvPr/>
+          </p:nvSpPr>
+          <p:spPr>
+            <a:xfrm>
+              <a:off x="2699792" y="1844887"/>
+              <a:ext cx="5292000" cy="1077218"/>
+            </a:xfrm>
+            <a:prstGeom prst="rect">
+              <a:avLst/>
+            </a:prstGeom>
+            <a:noFill/>
+          </p:spPr>
+          <p:txBody>
+            <a:bodyPr wrap="square" rtlCol="0">
+              <a:spAutoFit/>
+            </a:bodyPr>
+            <a:lstStyle/>
+            <a:p>
+              <a:r>
+                <a:rPr lang="zh-TW" altLang="en-US" sz="1600" dirty="0">
+                  <a:solidFill>
+                    <a:schemeClr val="tx1">
+                      <a:lumMod val="75000"/>
+                      <a:lumOff val="25000"/>
+                    </a:schemeClr>
+                  </a:solidFill>
+                  <a:latin typeface="微軟正黑體" panose="020B0604030504040204" pitchFamily="34" charset="-120"/>
+                  <a:ea typeface="微軟正黑體" panose="020B0604030504040204" pitchFamily="34" charset="-120"/>
+                </a:rPr>
+                <a:t>隨著第</a:t>
+              </a:r>
+              <a:r>
+                <a:rPr lang="en-US" altLang="zh-TW" sz="1600" dirty="0">
+                  <a:solidFill>
+                    <a:schemeClr val="tx1">
+                      <a:lumMod val="75000"/>
+                      <a:lumOff val="25000"/>
+                    </a:schemeClr>
+                  </a:solidFill>
+                  <a:latin typeface="微軟正黑體" panose="020B0604030504040204" pitchFamily="34" charset="-120"/>
+                  <a:ea typeface="微軟正黑體" panose="020B0604030504040204" pitchFamily="34" charset="-120"/>
+                </a:rPr>
+                <a:t>3</a:t>
+              </a:r>
+              <a:r>
+                <a:rPr lang="zh-TW" altLang="en-US" sz="1600" dirty="0">
+                  <a:solidFill>
+                    <a:schemeClr val="tx1">
+                      <a:lumMod val="75000"/>
+                      <a:lumOff val="25000"/>
+                    </a:schemeClr>
+                  </a:solidFill>
+                  <a:latin typeface="微軟正黑體" panose="020B0604030504040204" pitchFamily="34" charset="-120"/>
+                  <a:ea typeface="微軟正黑體" panose="020B0604030504040204" pitchFamily="34" charset="-120"/>
+                </a:rPr>
+                <a:t>、</a:t>
+              </a:r>
+              <a:r>
+                <a:rPr lang="en-US" altLang="zh-TW" sz="1600" dirty="0">
+                  <a:solidFill>
+                    <a:schemeClr val="tx1">
+                      <a:lumMod val="75000"/>
+                      <a:lumOff val="25000"/>
+                    </a:schemeClr>
+                  </a:solidFill>
+                  <a:latin typeface="微軟正黑體" panose="020B0604030504040204" pitchFamily="34" charset="-120"/>
+                  <a:ea typeface="微軟正黑體" panose="020B0604030504040204" pitchFamily="34" charset="-120"/>
+                </a:rPr>
+                <a:t>4</a:t>
+              </a:r>
+              <a:r>
+                <a:rPr lang="zh-TW" altLang="en-US" sz="1600" dirty="0">
+                  <a:solidFill>
+                    <a:schemeClr val="tx1">
+                      <a:lumMod val="75000"/>
+                      <a:lumOff val="25000"/>
+                    </a:schemeClr>
+                  </a:solidFill>
+                  <a:latin typeface="微軟正黑體" panose="020B0604030504040204" pitchFamily="34" charset="-120"/>
+                  <a:ea typeface="微軟正黑體" panose="020B0604030504040204" pitchFamily="34" charset="-120"/>
+                </a:rPr>
+                <a:t>代行動網路基礎建設</a:t>
+              </a:r>
+              <a:r>
+                <a:rPr lang="zh-TW" altLang="en-US" sz="1600" dirty="0" smtClean="0">
+                  <a:solidFill>
+                    <a:schemeClr val="tx1">
+                      <a:lumMod val="75000"/>
+                      <a:lumOff val="25000"/>
+                    </a:schemeClr>
+                  </a:solidFill>
+                  <a:latin typeface="微軟正黑體" panose="020B0604030504040204" pitchFamily="34" charset="-120"/>
+                  <a:ea typeface="微軟正黑體" panose="020B0604030504040204" pitchFamily="34" charset="-120"/>
+                </a:rPr>
+                <a:t>與行動</a:t>
+              </a:r>
+              <a:r>
+                <a:rPr lang="zh-TW" altLang="en-US" sz="1600" dirty="0">
+                  <a:solidFill>
+                    <a:schemeClr val="tx1">
+                      <a:lumMod val="75000"/>
+                      <a:lumOff val="25000"/>
+                    </a:schemeClr>
+                  </a:solidFill>
+                  <a:latin typeface="微軟正黑體" panose="020B0604030504040204" pitchFamily="34" charset="-120"/>
+                  <a:ea typeface="微軟正黑體" panose="020B0604030504040204" pitchFamily="34" charset="-120"/>
+                </a:rPr>
+                <a:t>裝置普及，使得行動金融服務更加蓬勃發展。不過由於金融與電信業者分受不同部門監理，如何制定監理框架，衡量監理比例</a:t>
+              </a:r>
+              <a:r>
+                <a:rPr lang="zh-TW" altLang="en-US" sz="1600" dirty="0" smtClean="0">
+                  <a:solidFill>
+                    <a:schemeClr val="tx1">
+                      <a:lumMod val="75000"/>
+                      <a:lumOff val="25000"/>
+                    </a:schemeClr>
+                  </a:solidFill>
+                  <a:latin typeface="微軟正黑體" panose="020B0604030504040204" pitchFamily="34" charset="-120"/>
+                  <a:ea typeface="微軟正黑體" panose="020B0604030504040204" pitchFamily="34" charset="-120"/>
+                </a:rPr>
+                <a:t>，以</a:t>
+              </a:r>
+              <a:r>
+                <a:rPr lang="zh-TW" altLang="en-US" sz="1600" dirty="0">
+                  <a:solidFill>
+                    <a:schemeClr val="tx1">
+                      <a:lumMod val="75000"/>
+                      <a:lumOff val="25000"/>
+                    </a:schemeClr>
+                  </a:solidFill>
+                  <a:latin typeface="微軟正黑體" panose="020B0604030504040204" pitchFamily="34" charset="-120"/>
+                  <a:ea typeface="微軟正黑體" panose="020B0604030504040204" pitchFamily="34" charset="-120"/>
+                </a:rPr>
+                <a:t>確保金融穩定及保護消費者，成為各國共同面對的挑戰。</a:t>
+              </a:r>
+            </a:p>
+          </p:txBody>
+        </p:sp>
+      </p:grpSp>
+      <p:sp>
+        <p:nvSpPr>
+          <p:cNvPr id="2" name="矩形 1"/>
+          <p:cNvSpPr/>
+          <p:nvPr/>
+        </p:nvSpPr>
+        <p:spPr>
+          <a:xfrm>
+            <a:off x="935596" y="2468893"/>
+            <a:ext cx="7272808" cy="4056451"/>
+          </a:xfrm>
+          <a:prstGeom prst="rect">
+            <a:avLst/>
+          </a:prstGeom>
+          <a:solidFill>
+            <a:schemeClr val="bg1">
+              <a:alpha val="85000"/>
+            </a:schemeClr>
+          </a:solidFill>
+          <a:ln>
+            <a:noFill/>
+          </a:ln>
+        </p:spPr>
+        <p:style>
+          <a:lnRef idx="2">
+            <a:schemeClr val="accent1">
+              <a:shade val="50000"/>
+            </a:schemeClr>
+          </a:lnRef>
+          <a:fillRef idx="1">
+            <a:schemeClr val="accent1"/>
+          </a:fillRef>
+          <a:effectRef idx="0">
+            <a:schemeClr val="accent1"/>
+          </a:effectRef>
+          <a:fontRef idx="minor">
+            <a:schemeClr val="lt1"/>
+          </a:fontRef>
+        </p:style>
+        <p:txBody>
+          <a:bodyPr rtlCol="0" anchor="ctr"/>
+          <a:lstStyle/>
+          <a:p>
+            <a:pPr algn="ctr"/>
+            <a:endParaRPr lang="zh-TW" altLang="en-US"/>
+          </a:p>
+        </p:txBody>
+      </p:sp>
     </p:spTree>
     <p:extLst>
       <p:ext uri="{BB962C8B-B14F-4D97-AF65-F5344CB8AC3E}">
-        <p14:creationId xmlns:p14="http://schemas.microsoft.com/office/powerpoint/2010/main" val="2201541891"/>
+        <p14:creationId xmlns:p14="http://schemas.microsoft.com/office/powerpoint/2010/main" val="1436051819"/>
       </p:ext>
     </p:extLst>
   </p:cSld>

--- a/20160712 - 金融科技白皮書(部會).pptx
+++ b/20160712 - 金融科技白皮書(部會).pptx
@@ -5,7 +5,7 @@
     <p:sldMasterId id="2147483648" r:id="rId1"/>
   </p:sldMasterIdLst>
   <p:notesMasterIdLst>
-    <p:notesMasterId r:id="rId44"/>
+    <p:notesMasterId r:id="rId43"/>
   </p:notesMasterIdLst>
   <p:sldIdLst>
     <p:sldId id="256" r:id="rId2"/>
@@ -25,31 +25,30 @@
     <p:sldId id="270" r:id="rId16"/>
     <p:sldId id="271" r:id="rId17"/>
     <p:sldId id="272" r:id="rId18"/>
-    <p:sldId id="273" r:id="rId19"/>
+    <p:sldId id="301" r:id="rId19"/>
     <p:sldId id="274" r:id="rId20"/>
     <p:sldId id="275" r:id="rId21"/>
-    <p:sldId id="276" r:id="rId22"/>
-    <p:sldId id="277" r:id="rId23"/>
-    <p:sldId id="278" r:id="rId24"/>
-    <p:sldId id="279" r:id="rId25"/>
-    <p:sldId id="280" r:id="rId26"/>
-    <p:sldId id="281" r:id="rId27"/>
-    <p:sldId id="282" r:id="rId28"/>
-    <p:sldId id="283" r:id="rId29"/>
-    <p:sldId id="284" r:id="rId30"/>
-    <p:sldId id="285" r:id="rId31"/>
-    <p:sldId id="286" r:id="rId32"/>
-    <p:sldId id="287" r:id="rId33"/>
-    <p:sldId id="288" r:id="rId34"/>
-    <p:sldId id="289" r:id="rId35"/>
-    <p:sldId id="290" r:id="rId36"/>
-    <p:sldId id="291" r:id="rId37"/>
-    <p:sldId id="292" r:id="rId38"/>
-    <p:sldId id="293" r:id="rId39"/>
-    <p:sldId id="294" r:id="rId40"/>
-    <p:sldId id="295" r:id="rId41"/>
-    <p:sldId id="296" r:id="rId42"/>
-    <p:sldId id="297" r:id="rId43"/>
+    <p:sldId id="277" r:id="rId22"/>
+    <p:sldId id="278" r:id="rId23"/>
+    <p:sldId id="302" r:id="rId24"/>
+    <p:sldId id="280" r:id="rId25"/>
+    <p:sldId id="281" r:id="rId26"/>
+    <p:sldId id="282" r:id="rId27"/>
+    <p:sldId id="283" r:id="rId28"/>
+    <p:sldId id="284" r:id="rId29"/>
+    <p:sldId id="285" r:id="rId30"/>
+    <p:sldId id="286" r:id="rId31"/>
+    <p:sldId id="287" r:id="rId32"/>
+    <p:sldId id="288" r:id="rId33"/>
+    <p:sldId id="289" r:id="rId34"/>
+    <p:sldId id="290" r:id="rId35"/>
+    <p:sldId id="291" r:id="rId36"/>
+    <p:sldId id="292" r:id="rId37"/>
+    <p:sldId id="293" r:id="rId38"/>
+    <p:sldId id="294" r:id="rId39"/>
+    <p:sldId id="295" r:id="rId40"/>
+    <p:sldId id="296" r:id="rId41"/>
+    <p:sldId id="297" r:id="rId42"/>
   </p:sldIdLst>
   <p:sldSz cx="9144000" cy="6858000" type="screen4x3"/>
   <p:notesSz cx="6858000" cy="9144000"/>
@@ -2191,11 +2190,7 @@
             </a:r>
             <a:r>
               <a:rPr lang="zh-TW" altLang="en-US" dirty="0" smtClean="0"/>
-              <a:t>運輸服務平台</a:t>
-            </a:r>
-            <a:r>
-              <a:rPr lang="zh-TW" altLang="en-US" dirty="0" smtClean="0"/>
-              <a:t>。</a:t>
+              <a:t>運輸服務平台。</a:t>
             </a:r>
             <a:endParaRPr lang="en-US" altLang="zh-TW" dirty="0" smtClean="0"/>
           </a:p>
@@ -3865,16 +3860,6 @@
                 </a:rPr>
                 <a:t>大核心服務功能，探討國際發展趨勢與國內推動現況。 </a:t>
               </a:r>
-              <a:endParaRPr lang="zh-TW" altLang="en-US" sz="1600" dirty="0">
-                <a:solidFill>
-                  <a:schemeClr val="tx1">
-                    <a:lumMod val="75000"/>
-                    <a:lumOff val="25000"/>
-                  </a:schemeClr>
-                </a:solidFill>
-                <a:latin typeface="微軟正黑體" panose="020B0604030504040204" pitchFamily="34" charset="-120"/>
-                <a:ea typeface="微軟正黑體" panose="020B0604030504040204" pitchFamily="34" charset="-120"/>
-              </a:endParaRPr>
             </a:p>
           </p:txBody>
         </p:sp>
@@ -5885,12 +5870,8 @@
           <a:lstStyle/>
           <a:p>
             <a:r>
-              <a:rPr lang="en-US" altLang="zh-TW" dirty="0" smtClean="0"/>
-              <a:t>IV. </a:t>
-            </a:r>
-            <a:r>
-              <a:rPr lang="zh-TW" altLang="en-US" dirty="0" smtClean="0"/>
-              <a:t>風險管理</a:t>
+              <a:rPr lang="zh-TW" altLang="en-US" dirty="0" smtClean="0"/>
+              <a:t>金融趨勢發展</a:t>
             </a:r>
             <a:endParaRPr lang="zh-TW" altLang="en-US" dirty="0"/>
           </a:p>
@@ -5942,10 +5923,1510 @@
           </a:p>
         </p:txBody>
       </p:sp>
+      <p:grpSp>
+        <p:nvGrpSpPr>
+          <p:cNvPr id="12" name="群組 11"/>
+          <p:cNvGrpSpPr/>
+          <p:nvPr/>
+        </p:nvGrpSpPr>
+        <p:grpSpPr>
+          <a:xfrm>
+            <a:off x="1115616" y="1124744"/>
+            <a:ext cx="6984136" cy="1296089"/>
+            <a:chOff x="1115616" y="1628799"/>
+            <a:chExt cx="6984136" cy="1296089"/>
+          </a:xfrm>
+        </p:grpSpPr>
+        <p:sp>
+          <p:nvSpPr>
+            <p:cNvPr id="8" name="流程圖: 人工輸入 7"/>
+            <p:cNvSpPr/>
+            <p:nvPr/>
+          </p:nvSpPr>
+          <p:spPr>
+            <a:xfrm rot="16200000" flipV="1">
+              <a:off x="3347865" y="-603450"/>
+              <a:ext cx="864095" cy="5328594"/>
+            </a:xfrm>
+            <a:prstGeom prst="flowChartManualInput">
+              <a:avLst/>
+            </a:prstGeom>
+            <a:solidFill>
+              <a:srgbClr val="FCB040"/>
+            </a:solidFill>
+            <a:ln>
+              <a:noFill/>
+            </a:ln>
+            <a:effectLst>
+              <a:outerShdw blurRad="50800" dist="38100" dir="2700000" algn="tl" rotWithShape="0">
+                <a:prstClr val="black">
+                  <a:alpha val="40000"/>
+                </a:prstClr>
+              </a:outerShdw>
+            </a:effectLst>
+          </p:spPr>
+          <p:style>
+            <a:lnRef idx="2">
+              <a:schemeClr val="accent1">
+                <a:shade val="50000"/>
+              </a:schemeClr>
+            </a:lnRef>
+            <a:fillRef idx="1">
+              <a:schemeClr val="accent1"/>
+            </a:fillRef>
+            <a:effectRef idx="0">
+              <a:schemeClr val="accent1"/>
+            </a:effectRef>
+            <a:fontRef idx="minor">
+              <a:schemeClr val="lt1"/>
+            </a:fontRef>
+          </p:style>
+          <p:txBody>
+            <a:bodyPr rtlCol="0" anchor="ctr"/>
+            <a:lstStyle/>
+            <a:p>
+              <a:pPr algn="ctr"/>
+              <a:endParaRPr lang="zh-TW" altLang="en-US"/>
+            </a:p>
+          </p:txBody>
+        </p:sp>
+        <p:sp>
+          <p:nvSpPr>
+            <p:cNvPr id="9" name="流程圖: 人工輸入 8"/>
+            <p:cNvSpPr/>
+            <p:nvPr/>
+          </p:nvSpPr>
+          <p:spPr>
+            <a:xfrm rot="16200000" flipH="1">
+              <a:off x="4679752" y="-495112"/>
+              <a:ext cx="1080000" cy="5760000"/>
+            </a:xfrm>
+            <a:custGeom>
+              <a:avLst/>
+              <a:gdLst>
+                <a:gd name="connsiteX0" fmla="*/ 0 w 10000"/>
+                <a:gd name="connsiteY0" fmla="*/ 2000 h 10000"/>
+                <a:gd name="connsiteX1" fmla="*/ 10000 w 10000"/>
+                <a:gd name="connsiteY1" fmla="*/ 0 h 10000"/>
+                <a:gd name="connsiteX2" fmla="*/ 10000 w 10000"/>
+                <a:gd name="connsiteY2" fmla="*/ 10000 h 10000"/>
+                <a:gd name="connsiteX3" fmla="*/ 0 w 10000"/>
+                <a:gd name="connsiteY3" fmla="*/ 10000 h 10000"/>
+                <a:gd name="connsiteX4" fmla="*/ 0 w 10000"/>
+                <a:gd name="connsiteY4" fmla="*/ 2000 h 10000"/>
+                <a:gd name="connsiteX0" fmla="*/ 0 w 10000"/>
+                <a:gd name="connsiteY0" fmla="*/ 523 h 10000"/>
+                <a:gd name="connsiteX1" fmla="*/ 10000 w 10000"/>
+                <a:gd name="connsiteY1" fmla="*/ 0 h 10000"/>
+                <a:gd name="connsiteX2" fmla="*/ 10000 w 10000"/>
+                <a:gd name="connsiteY2" fmla="*/ 10000 h 10000"/>
+                <a:gd name="connsiteX3" fmla="*/ 0 w 10000"/>
+                <a:gd name="connsiteY3" fmla="*/ 10000 h 10000"/>
+                <a:gd name="connsiteX4" fmla="*/ 0 w 10000"/>
+                <a:gd name="connsiteY4" fmla="*/ 523 h 10000"/>
+              </a:gdLst>
+              <a:ahLst/>
+              <a:cxnLst>
+                <a:cxn ang="0">
+                  <a:pos x="connsiteX0" y="connsiteY0"/>
+                </a:cxn>
+                <a:cxn ang="0">
+                  <a:pos x="connsiteX1" y="connsiteY1"/>
+                </a:cxn>
+                <a:cxn ang="0">
+                  <a:pos x="connsiteX2" y="connsiteY2"/>
+                </a:cxn>
+                <a:cxn ang="0">
+                  <a:pos x="connsiteX3" y="connsiteY3"/>
+                </a:cxn>
+                <a:cxn ang="0">
+                  <a:pos x="connsiteX4" y="connsiteY4"/>
+                </a:cxn>
+              </a:cxnLst>
+              <a:rect l="l" t="t" r="r" b="b"/>
+              <a:pathLst>
+                <a:path w="10000" h="10000">
+                  <a:moveTo>
+                    <a:pt x="0" y="523"/>
+                  </a:moveTo>
+                  <a:lnTo>
+                    <a:pt x="10000" y="0"/>
+                  </a:lnTo>
+                  <a:lnTo>
+                    <a:pt x="10000" y="10000"/>
+                  </a:lnTo>
+                  <a:lnTo>
+                    <a:pt x="0" y="10000"/>
+                  </a:lnTo>
+                  <a:lnTo>
+                    <a:pt x="0" y="523"/>
+                  </a:lnTo>
+                  <a:close/>
+                </a:path>
+              </a:pathLst>
+            </a:custGeom>
+            <a:solidFill>
+              <a:srgbClr val="EBEBEB"/>
+            </a:solidFill>
+            <a:ln>
+              <a:noFill/>
+            </a:ln>
+            <a:effectLst>
+              <a:outerShdw blurRad="50800" dist="38100" dir="2700000" algn="tl" rotWithShape="0">
+                <a:prstClr val="black">
+                  <a:alpha val="40000"/>
+                </a:prstClr>
+              </a:outerShdw>
+            </a:effectLst>
+          </p:spPr>
+          <p:style>
+            <a:lnRef idx="2">
+              <a:schemeClr val="accent1">
+                <a:shade val="50000"/>
+              </a:schemeClr>
+            </a:lnRef>
+            <a:fillRef idx="1">
+              <a:schemeClr val="accent1"/>
+            </a:fillRef>
+            <a:effectRef idx="0">
+              <a:schemeClr val="accent1"/>
+            </a:effectRef>
+            <a:fontRef idx="minor">
+              <a:schemeClr val="lt1"/>
+            </a:fontRef>
+          </p:style>
+          <p:txBody>
+            <a:bodyPr rtlCol="0" anchor="ctr"/>
+            <a:lstStyle/>
+            <a:p>
+              <a:pPr algn="ctr"/>
+              <a:endParaRPr lang="zh-TW" altLang="en-US" dirty="0"/>
+            </a:p>
+          </p:txBody>
+        </p:sp>
+        <p:sp>
+          <p:nvSpPr>
+            <p:cNvPr id="10" name="文字方塊 9"/>
+            <p:cNvSpPr txBox="1"/>
+            <p:nvPr/>
+          </p:nvSpPr>
+          <p:spPr>
+            <a:xfrm>
+              <a:off x="1259632" y="1907539"/>
+              <a:ext cx="1152000" cy="369332"/>
+            </a:xfrm>
+            <a:prstGeom prst="rect">
+              <a:avLst/>
+            </a:prstGeom>
+            <a:noFill/>
+          </p:spPr>
+          <p:txBody>
+            <a:bodyPr wrap="square" rtlCol="0">
+              <a:spAutoFit/>
+            </a:bodyPr>
+            <a:lstStyle/>
+            <a:p>
+              <a:pPr algn="ctr"/>
+              <a:r>
+                <a:rPr lang="zh-TW" altLang="en-US" b="1" dirty="0" smtClean="0">
+                  <a:solidFill>
+                    <a:schemeClr val="bg1"/>
+                  </a:solidFill>
+                  <a:effectLst>
+                    <a:outerShdw blurRad="38100" dist="38100" dir="2700000" algn="tl">
+                      <a:srgbClr val="000000">
+                        <a:alpha val="43137"/>
+                      </a:srgbClr>
+                    </a:outerShdw>
+                  </a:effectLst>
+                  <a:latin typeface="微軟正黑體" panose="020B0604030504040204" pitchFamily="34" charset="-120"/>
+                  <a:ea typeface="微軟正黑體" panose="020B0604030504040204" pitchFamily="34" charset="-120"/>
+                </a:rPr>
+                <a:t>金融服務</a:t>
+              </a:r>
+              <a:endParaRPr lang="zh-TW" altLang="en-US" b="1" dirty="0">
+                <a:solidFill>
+                  <a:schemeClr val="bg1"/>
+                </a:solidFill>
+                <a:effectLst>
+                  <a:outerShdw blurRad="38100" dist="38100" dir="2700000" algn="tl">
+                    <a:srgbClr val="000000">
+                      <a:alpha val="43137"/>
+                    </a:srgbClr>
+                  </a:outerShdw>
+                </a:effectLst>
+                <a:latin typeface="微軟正黑體" panose="020B0604030504040204" pitchFamily="34" charset="-120"/>
+                <a:ea typeface="微軟正黑體" panose="020B0604030504040204" pitchFamily="34" charset="-120"/>
+              </a:endParaRPr>
+            </a:p>
+          </p:txBody>
+        </p:sp>
+        <p:sp>
+          <p:nvSpPr>
+            <p:cNvPr id="11" name="文字方塊 10"/>
+            <p:cNvSpPr txBox="1"/>
+            <p:nvPr/>
+          </p:nvSpPr>
+          <p:spPr>
+            <a:xfrm>
+              <a:off x="2699792" y="1844887"/>
+              <a:ext cx="5292000" cy="1080000"/>
+            </a:xfrm>
+            <a:prstGeom prst="rect">
+              <a:avLst/>
+            </a:prstGeom>
+            <a:noFill/>
+          </p:spPr>
+          <p:txBody>
+            <a:bodyPr wrap="square" rtlCol="0">
+              <a:spAutoFit/>
+            </a:bodyPr>
+            <a:lstStyle/>
+            <a:p>
+              <a:r>
+                <a:rPr lang="zh-TW" altLang="en-US" sz="1600" dirty="0">
+                  <a:solidFill>
+                    <a:schemeClr val="tx1">
+                      <a:lumMod val="75000"/>
+                      <a:lumOff val="25000"/>
+                    </a:schemeClr>
+                  </a:solidFill>
+                  <a:latin typeface="微軟正黑體" panose="020B0604030504040204" pitchFamily="34" charset="-120"/>
+                  <a:ea typeface="微軟正黑體" panose="020B0604030504040204" pitchFamily="34" charset="-120"/>
+                </a:rPr>
+                <a:t>就世界經濟論壇</a:t>
+              </a:r>
+              <a:r>
+                <a:rPr lang="en-US" altLang="zh-TW" sz="1600" dirty="0">
+                  <a:solidFill>
+                    <a:schemeClr val="tx1">
+                      <a:lumMod val="75000"/>
+                      <a:lumOff val="25000"/>
+                    </a:schemeClr>
+                  </a:solidFill>
+                  <a:latin typeface="微軟正黑體" panose="020B0604030504040204" pitchFamily="34" charset="-120"/>
+                  <a:ea typeface="微軟正黑體" panose="020B0604030504040204" pitchFamily="34" charset="-120"/>
+                </a:rPr>
+                <a:t>2015</a:t>
+              </a:r>
+              <a:r>
+                <a:rPr lang="zh-TW" altLang="en-US" sz="1600" dirty="0">
+                  <a:solidFill>
+                    <a:schemeClr val="tx1">
+                      <a:lumMod val="75000"/>
+                      <a:lumOff val="25000"/>
+                    </a:schemeClr>
+                  </a:solidFill>
+                  <a:latin typeface="微軟正黑體" panose="020B0604030504040204" pitchFamily="34" charset="-120"/>
+                  <a:ea typeface="微軟正黑體" panose="020B0604030504040204" pitchFamily="34" charset="-120"/>
+                </a:rPr>
+                <a:t>年</a:t>
+              </a:r>
+              <a:r>
+                <a:rPr lang="en-US" altLang="zh-TW" sz="1600" dirty="0">
+                  <a:solidFill>
+                    <a:schemeClr val="tx1">
+                      <a:lumMod val="75000"/>
+                      <a:lumOff val="25000"/>
+                    </a:schemeClr>
+                  </a:solidFill>
+                  <a:latin typeface="微軟正黑體" panose="020B0604030504040204" pitchFamily="34" charset="-120"/>
+                  <a:ea typeface="微軟正黑體" panose="020B0604030504040204" pitchFamily="34" charset="-120"/>
+                </a:rPr>
+                <a:t>6</a:t>
+              </a:r>
+              <a:r>
+                <a:rPr lang="zh-TW" altLang="en-US" sz="1600" dirty="0">
+                  <a:solidFill>
+                    <a:schemeClr val="tx1">
+                      <a:lumMod val="75000"/>
+                      <a:lumOff val="25000"/>
+                    </a:schemeClr>
+                  </a:solidFill>
+                  <a:latin typeface="微軟正黑體" panose="020B0604030504040204" pitchFamily="34" charset="-120"/>
+                  <a:ea typeface="微軟正黑體" panose="020B0604030504040204" pitchFamily="34" charset="-120"/>
+                </a:rPr>
+                <a:t>月所發布「金融服務的</a:t>
+              </a:r>
+              <a:r>
+                <a:rPr lang="zh-TW" altLang="en-US" sz="1600" dirty="0" smtClean="0">
+                  <a:solidFill>
+                    <a:schemeClr val="tx1">
+                      <a:lumMod val="75000"/>
+                      <a:lumOff val="25000"/>
+                    </a:schemeClr>
+                  </a:solidFill>
+                  <a:latin typeface="微軟正黑體" panose="020B0604030504040204" pitchFamily="34" charset="-120"/>
+                  <a:ea typeface="微軟正黑體" panose="020B0604030504040204" pitchFamily="34" charset="-120"/>
+                </a:rPr>
+                <a:t>未來」</a:t>
+              </a:r>
+              <a:r>
+                <a:rPr lang="zh-TW" altLang="en-US" sz="1600" dirty="0">
+                  <a:solidFill>
+                    <a:schemeClr val="tx1">
+                      <a:lumMod val="75000"/>
+                      <a:lumOff val="25000"/>
+                    </a:schemeClr>
+                  </a:solidFill>
+                  <a:latin typeface="微軟正黑體" panose="020B0604030504040204" pitchFamily="34" charset="-120"/>
+                  <a:ea typeface="微軟正黑體" panose="020B0604030504040204" pitchFamily="34" charset="-120"/>
+                </a:rPr>
+                <a:t>報告所揭露包括支付、保險、融資、募資、投資管理、市場供應等金融</a:t>
+              </a:r>
+              <a:r>
+                <a:rPr lang="en-US" altLang="zh-TW" sz="1600" dirty="0">
+                  <a:solidFill>
+                    <a:schemeClr val="tx1">
+                      <a:lumMod val="75000"/>
+                      <a:lumOff val="25000"/>
+                    </a:schemeClr>
+                  </a:solidFill>
+                  <a:latin typeface="微軟正黑體" panose="020B0604030504040204" pitchFamily="34" charset="-120"/>
+                  <a:ea typeface="微軟正黑體" panose="020B0604030504040204" pitchFamily="34" charset="-120"/>
+                </a:rPr>
+                <a:t>6</a:t>
+              </a:r>
+              <a:r>
+                <a:rPr lang="zh-TW" altLang="en-US" sz="1600" dirty="0">
+                  <a:solidFill>
+                    <a:schemeClr val="tx1">
+                      <a:lumMod val="75000"/>
+                      <a:lumOff val="25000"/>
+                    </a:schemeClr>
+                  </a:solidFill>
+                  <a:latin typeface="微軟正黑體" panose="020B0604030504040204" pitchFamily="34" charset="-120"/>
+                  <a:ea typeface="微軟正黑體" panose="020B0604030504040204" pitchFamily="34" charset="-120"/>
+                </a:rPr>
+                <a:t>大核心服務功能，探討國際發展趨勢與國內推動現況。 </a:t>
+              </a:r>
+            </a:p>
+          </p:txBody>
+        </p:sp>
+      </p:grpSp>
+      <p:grpSp>
+        <p:nvGrpSpPr>
+          <p:cNvPr id="28" name="群組 27"/>
+          <p:cNvGrpSpPr/>
+          <p:nvPr/>
+        </p:nvGrpSpPr>
+        <p:grpSpPr>
+          <a:xfrm>
+            <a:off x="1115616" y="2468893"/>
+            <a:ext cx="6984136" cy="1296089"/>
+            <a:chOff x="1115616" y="1628799"/>
+            <a:chExt cx="6984136" cy="1296089"/>
+          </a:xfrm>
+        </p:grpSpPr>
+        <p:sp>
+          <p:nvSpPr>
+            <p:cNvPr id="29" name="流程圖: 人工輸入 28"/>
+            <p:cNvSpPr/>
+            <p:nvPr/>
+          </p:nvSpPr>
+          <p:spPr>
+            <a:xfrm rot="16200000" flipV="1">
+              <a:off x="3347865" y="-603450"/>
+              <a:ext cx="864095" cy="5328594"/>
+            </a:xfrm>
+            <a:prstGeom prst="flowChartManualInput">
+              <a:avLst/>
+            </a:prstGeom>
+            <a:solidFill>
+              <a:srgbClr val="3AB3D2"/>
+            </a:solidFill>
+            <a:ln>
+              <a:noFill/>
+            </a:ln>
+            <a:effectLst>
+              <a:outerShdw blurRad="50800" dist="38100" dir="2700000" algn="tl" rotWithShape="0">
+                <a:prstClr val="black">
+                  <a:alpha val="40000"/>
+                </a:prstClr>
+              </a:outerShdw>
+            </a:effectLst>
+          </p:spPr>
+          <p:style>
+            <a:lnRef idx="2">
+              <a:schemeClr val="accent1">
+                <a:shade val="50000"/>
+              </a:schemeClr>
+            </a:lnRef>
+            <a:fillRef idx="1">
+              <a:schemeClr val="accent1"/>
+            </a:fillRef>
+            <a:effectRef idx="0">
+              <a:schemeClr val="accent1"/>
+            </a:effectRef>
+            <a:fontRef idx="minor">
+              <a:schemeClr val="lt1"/>
+            </a:fontRef>
+          </p:style>
+          <p:txBody>
+            <a:bodyPr rtlCol="0" anchor="ctr"/>
+            <a:lstStyle/>
+            <a:p>
+              <a:pPr algn="ctr"/>
+              <a:endParaRPr lang="zh-TW" altLang="en-US"/>
+            </a:p>
+          </p:txBody>
+        </p:sp>
+        <p:sp>
+          <p:nvSpPr>
+            <p:cNvPr id="30" name="流程圖: 人工輸入 8"/>
+            <p:cNvSpPr/>
+            <p:nvPr/>
+          </p:nvSpPr>
+          <p:spPr>
+            <a:xfrm rot="16200000" flipH="1">
+              <a:off x="4679752" y="-495112"/>
+              <a:ext cx="1080000" cy="5760000"/>
+            </a:xfrm>
+            <a:custGeom>
+              <a:avLst/>
+              <a:gdLst>
+                <a:gd name="connsiteX0" fmla="*/ 0 w 10000"/>
+                <a:gd name="connsiteY0" fmla="*/ 2000 h 10000"/>
+                <a:gd name="connsiteX1" fmla="*/ 10000 w 10000"/>
+                <a:gd name="connsiteY1" fmla="*/ 0 h 10000"/>
+                <a:gd name="connsiteX2" fmla="*/ 10000 w 10000"/>
+                <a:gd name="connsiteY2" fmla="*/ 10000 h 10000"/>
+                <a:gd name="connsiteX3" fmla="*/ 0 w 10000"/>
+                <a:gd name="connsiteY3" fmla="*/ 10000 h 10000"/>
+                <a:gd name="connsiteX4" fmla="*/ 0 w 10000"/>
+                <a:gd name="connsiteY4" fmla="*/ 2000 h 10000"/>
+                <a:gd name="connsiteX0" fmla="*/ 0 w 10000"/>
+                <a:gd name="connsiteY0" fmla="*/ 523 h 10000"/>
+                <a:gd name="connsiteX1" fmla="*/ 10000 w 10000"/>
+                <a:gd name="connsiteY1" fmla="*/ 0 h 10000"/>
+                <a:gd name="connsiteX2" fmla="*/ 10000 w 10000"/>
+                <a:gd name="connsiteY2" fmla="*/ 10000 h 10000"/>
+                <a:gd name="connsiteX3" fmla="*/ 0 w 10000"/>
+                <a:gd name="connsiteY3" fmla="*/ 10000 h 10000"/>
+                <a:gd name="connsiteX4" fmla="*/ 0 w 10000"/>
+                <a:gd name="connsiteY4" fmla="*/ 523 h 10000"/>
+              </a:gdLst>
+              <a:ahLst/>
+              <a:cxnLst>
+                <a:cxn ang="0">
+                  <a:pos x="connsiteX0" y="connsiteY0"/>
+                </a:cxn>
+                <a:cxn ang="0">
+                  <a:pos x="connsiteX1" y="connsiteY1"/>
+                </a:cxn>
+                <a:cxn ang="0">
+                  <a:pos x="connsiteX2" y="connsiteY2"/>
+                </a:cxn>
+                <a:cxn ang="0">
+                  <a:pos x="connsiteX3" y="connsiteY3"/>
+                </a:cxn>
+                <a:cxn ang="0">
+                  <a:pos x="connsiteX4" y="connsiteY4"/>
+                </a:cxn>
+              </a:cxnLst>
+              <a:rect l="l" t="t" r="r" b="b"/>
+              <a:pathLst>
+                <a:path w="10000" h="10000">
+                  <a:moveTo>
+                    <a:pt x="0" y="523"/>
+                  </a:moveTo>
+                  <a:lnTo>
+                    <a:pt x="10000" y="0"/>
+                  </a:lnTo>
+                  <a:lnTo>
+                    <a:pt x="10000" y="10000"/>
+                  </a:lnTo>
+                  <a:lnTo>
+                    <a:pt x="0" y="10000"/>
+                  </a:lnTo>
+                  <a:lnTo>
+                    <a:pt x="0" y="523"/>
+                  </a:lnTo>
+                  <a:close/>
+                </a:path>
+              </a:pathLst>
+            </a:custGeom>
+            <a:solidFill>
+              <a:srgbClr val="EBEBEB"/>
+            </a:solidFill>
+            <a:ln>
+              <a:noFill/>
+            </a:ln>
+            <a:effectLst>
+              <a:outerShdw blurRad="50800" dist="38100" dir="2700000" algn="tl" rotWithShape="0">
+                <a:prstClr val="black">
+                  <a:alpha val="40000"/>
+                </a:prstClr>
+              </a:outerShdw>
+            </a:effectLst>
+          </p:spPr>
+          <p:style>
+            <a:lnRef idx="2">
+              <a:schemeClr val="accent1">
+                <a:shade val="50000"/>
+              </a:schemeClr>
+            </a:lnRef>
+            <a:fillRef idx="1">
+              <a:schemeClr val="accent1"/>
+            </a:fillRef>
+            <a:effectRef idx="0">
+              <a:schemeClr val="accent1"/>
+            </a:effectRef>
+            <a:fontRef idx="minor">
+              <a:schemeClr val="lt1"/>
+            </a:fontRef>
+          </p:style>
+          <p:txBody>
+            <a:bodyPr rtlCol="0" anchor="ctr"/>
+            <a:lstStyle/>
+            <a:p>
+              <a:pPr algn="ctr"/>
+              <a:endParaRPr lang="zh-TW" altLang="en-US" dirty="0"/>
+            </a:p>
+          </p:txBody>
+        </p:sp>
+        <p:sp>
+          <p:nvSpPr>
+            <p:cNvPr id="31" name="文字方塊 30"/>
+            <p:cNvSpPr txBox="1"/>
+            <p:nvPr/>
+          </p:nvSpPr>
+          <p:spPr>
+            <a:xfrm>
+              <a:off x="1259632" y="1931542"/>
+              <a:ext cx="1152000" cy="369332"/>
+            </a:xfrm>
+            <a:prstGeom prst="rect">
+              <a:avLst/>
+            </a:prstGeom>
+            <a:noFill/>
+          </p:spPr>
+          <p:txBody>
+            <a:bodyPr wrap="square" rtlCol="0">
+              <a:spAutoFit/>
+            </a:bodyPr>
+            <a:lstStyle/>
+            <a:p>
+              <a:pPr algn="ctr"/>
+              <a:r>
+                <a:rPr lang="zh-TW" altLang="en-US" b="1" dirty="0" smtClean="0">
+                  <a:solidFill>
+                    <a:schemeClr val="bg1"/>
+                  </a:solidFill>
+                  <a:effectLst>
+                    <a:outerShdw blurRad="38100" dist="38100" dir="2700000" algn="tl">
+                      <a:srgbClr val="000000">
+                        <a:alpha val="43137"/>
+                      </a:srgbClr>
+                    </a:outerShdw>
+                  </a:effectLst>
+                  <a:latin typeface="微軟正黑體" panose="020B0604030504040204" pitchFamily="34" charset="-120"/>
+                  <a:ea typeface="微軟正黑體" panose="020B0604030504040204" pitchFamily="34" charset="-120"/>
+                </a:rPr>
+                <a:t>創新研發</a:t>
+              </a:r>
+              <a:endParaRPr lang="zh-TW" altLang="en-US" b="1" dirty="0">
+                <a:solidFill>
+                  <a:schemeClr val="bg1"/>
+                </a:solidFill>
+                <a:effectLst>
+                  <a:outerShdw blurRad="38100" dist="38100" dir="2700000" algn="tl">
+                    <a:srgbClr val="000000">
+                      <a:alpha val="43137"/>
+                    </a:srgbClr>
+                  </a:outerShdw>
+                </a:effectLst>
+                <a:latin typeface="微軟正黑體" panose="020B0604030504040204" pitchFamily="34" charset="-120"/>
+                <a:ea typeface="微軟正黑體" panose="020B0604030504040204" pitchFamily="34" charset="-120"/>
+              </a:endParaRPr>
+            </a:p>
+          </p:txBody>
+        </p:sp>
+        <p:sp>
+          <p:nvSpPr>
+            <p:cNvPr id="32" name="文字方塊 31"/>
+            <p:cNvSpPr txBox="1"/>
+            <p:nvPr/>
+          </p:nvSpPr>
+          <p:spPr>
+            <a:xfrm>
+              <a:off x="2699792" y="1844887"/>
+              <a:ext cx="5292000" cy="1080000"/>
+            </a:xfrm>
+            <a:prstGeom prst="rect">
+              <a:avLst/>
+            </a:prstGeom>
+            <a:noFill/>
+          </p:spPr>
+          <p:txBody>
+            <a:bodyPr wrap="square" rtlCol="0">
+              <a:spAutoFit/>
+            </a:bodyPr>
+            <a:lstStyle/>
+            <a:p>
+              <a:r>
+                <a:rPr lang="zh-TW" altLang="en-US" sz="1600" dirty="0">
+                  <a:solidFill>
+                    <a:schemeClr val="tx1">
+                      <a:lumMod val="75000"/>
+                      <a:lumOff val="25000"/>
+                    </a:schemeClr>
+                  </a:solidFill>
+                  <a:latin typeface="微軟正黑體" panose="020B0604030504040204" pitchFamily="34" charset="-120"/>
+                  <a:ea typeface="微軟正黑體" panose="020B0604030504040204" pitchFamily="34" charset="-120"/>
+                </a:rPr>
+                <a:t>為發展金融科技產業，各國積極鼓勵創新創業，作為促進經濟成的動力，提供新創事業資金、人才、租稅等各方面優惠措施，此外具高度發展潛力及新技術、新構想、快速成長的新創</a:t>
+              </a:r>
+              <a:r>
+                <a:rPr lang="zh-TW" altLang="en-US" sz="1600" dirty="0" smtClean="0">
+                  <a:solidFill>
+                    <a:schemeClr val="tx1">
+                      <a:lumMod val="75000"/>
+                      <a:lumOff val="25000"/>
+                    </a:schemeClr>
+                  </a:solidFill>
+                  <a:latin typeface="微軟正黑體" panose="020B0604030504040204" pitchFamily="34" charset="-120"/>
+                  <a:ea typeface="微軟正黑體" panose="020B0604030504040204" pitchFamily="34" charset="-120"/>
+                </a:rPr>
+                <a:t>事業。</a:t>
+              </a:r>
+              <a:endParaRPr lang="zh-TW" altLang="en-US" sz="1600" dirty="0">
+                <a:solidFill>
+                  <a:schemeClr val="tx1">
+                    <a:lumMod val="75000"/>
+                    <a:lumOff val="25000"/>
+                  </a:schemeClr>
+                </a:solidFill>
+                <a:latin typeface="微軟正黑體" panose="020B0604030504040204" pitchFamily="34" charset="-120"/>
+                <a:ea typeface="微軟正黑體" panose="020B0604030504040204" pitchFamily="34" charset="-120"/>
+              </a:endParaRPr>
+            </a:p>
+          </p:txBody>
+        </p:sp>
+      </p:grpSp>
+      <p:grpSp>
+        <p:nvGrpSpPr>
+          <p:cNvPr id="33" name="群組 32"/>
+          <p:cNvGrpSpPr/>
+          <p:nvPr/>
+        </p:nvGrpSpPr>
+        <p:grpSpPr>
+          <a:xfrm>
+            <a:off x="1115616" y="3813042"/>
+            <a:ext cx="6984136" cy="1296089"/>
+            <a:chOff x="1115616" y="1628799"/>
+            <a:chExt cx="6984136" cy="1296089"/>
+          </a:xfrm>
+        </p:grpSpPr>
+        <p:sp>
+          <p:nvSpPr>
+            <p:cNvPr id="34" name="流程圖: 人工輸入 33"/>
+            <p:cNvSpPr/>
+            <p:nvPr/>
+          </p:nvSpPr>
+          <p:spPr>
+            <a:xfrm rot="16200000" flipV="1">
+              <a:off x="3347865" y="-603450"/>
+              <a:ext cx="864095" cy="5328594"/>
+            </a:xfrm>
+            <a:prstGeom prst="flowChartManualInput">
+              <a:avLst/>
+            </a:prstGeom>
+            <a:solidFill>
+              <a:srgbClr val="BE1F33"/>
+            </a:solidFill>
+            <a:ln>
+              <a:noFill/>
+            </a:ln>
+            <a:effectLst>
+              <a:outerShdw blurRad="50800" dist="38100" dir="2700000" algn="tl" rotWithShape="0">
+                <a:prstClr val="black">
+                  <a:alpha val="40000"/>
+                </a:prstClr>
+              </a:outerShdw>
+            </a:effectLst>
+          </p:spPr>
+          <p:style>
+            <a:lnRef idx="2">
+              <a:schemeClr val="accent1">
+                <a:shade val="50000"/>
+              </a:schemeClr>
+            </a:lnRef>
+            <a:fillRef idx="1">
+              <a:schemeClr val="accent1"/>
+            </a:fillRef>
+            <a:effectRef idx="0">
+              <a:schemeClr val="accent1"/>
+            </a:effectRef>
+            <a:fontRef idx="minor">
+              <a:schemeClr val="lt1"/>
+            </a:fontRef>
+          </p:style>
+          <p:txBody>
+            <a:bodyPr rtlCol="0" anchor="ctr"/>
+            <a:lstStyle/>
+            <a:p>
+              <a:pPr algn="ctr"/>
+              <a:endParaRPr lang="zh-TW" altLang="en-US"/>
+            </a:p>
+          </p:txBody>
+        </p:sp>
+        <p:sp>
+          <p:nvSpPr>
+            <p:cNvPr id="35" name="流程圖: 人工輸入 8"/>
+            <p:cNvSpPr/>
+            <p:nvPr/>
+          </p:nvSpPr>
+          <p:spPr>
+            <a:xfrm rot="16200000" flipH="1">
+              <a:off x="4679752" y="-495112"/>
+              <a:ext cx="1080000" cy="5760000"/>
+            </a:xfrm>
+            <a:custGeom>
+              <a:avLst/>
+              <a:gdLst>
+                <a:gd name="connsiteX0" fmla="*/ 0 w 10000"/>
+                <a:gd name="connsiteY0" fmla="*/ 2000 h 10000"/>
+                <a:gd name="connsiteX1" fmla="*/ 10000 w 10000"/>
+                <a:gd name="connsiteY1" fmla="*/ 0 h 10000"/>
+                <a:gd name="connsiteX2" fmla="*/ 10000 w 10000"/>
+                <a:gd name="connsiteY2" fmla="*/ 10000 h 10000"/>
+                <a:gd name="connsiteX3" fmla="*/ 0 w 10000"/>
+                <a:gd name="connsiteY3" fmla="*/ 10000 h 10000"/>
+                <a:gd name="connsiteX4" fmla="*/ 0 w 10000"/>
+                <a:gd name="connsiteY4" fmla="*/ 2000 h 10000"/>
+                <a:gd name="connsiteX0" fmla="*/ 0 w 10000"/>
+                <a:gd name="connsiteY0" fmla="*/ 523 h 10000"/>
+                <a:gd name="connsiteX1" fmla="*/ 10000 w 10000"/>
+                <a:gd name="connsiteY1" fmla="*/ 0 h 10000"/>
+                <a:gd name="connsiteX2" fmla="*/ 10000 w 10000"/>
+                <a:gd name="connsiteY2" fmla="*/ 10000 h 10000"/>
+                <a:gd name="connsiteX3" fmla="*/ 0 w 10000"/>
+                <a:gd name="connsiteY3" fmla="*/ 10000 h 10000"/>
+                <a:gd name="connsiteX4" fmla="*/ 0 w 10000"/>
+                <a:gd name="connsiteY4" fmla="*/ 523 h 10000"/>
+              </a:gdLst>
+              <a:ahLst/>
+              <a:cxnLst>
+                <a:cxn ang="0">
+                  <a:pos x="connsiteX0" y="connsiteY0"/>
+                </a:cxn>
+                <a:cxn ang="0">
+                  <a:pos x="connsiteX1" y="connsiteY1"/>
+                </a:cxn>
+                <a:cxn ang="0">
+                  <a:pos x="connsiteX2" y="connsiteY2"/>
+                </a:cxn>
+                <a:cxn ang="0">
+                  <a:pos x="connsiteX3" y="connsiteY3"/>
+                </a:cxn>
+                <a:cxn ang="0">
+                  <a:pos x="connsiteX4" y="connsiteY4"/>
+                </a:cxn>
+              </a:cxnLst>
+              <a:rect l="l" t="t" r="r" b="b"/>
+              <a:pathLst>
+                <a:path w="10000" h="10000">
+                  <a:moveTo>
+                    <a:pt x="0" y="523"/>
+                  </a:moveTo>
+                  <a:lnTo>
+                    <a:pt x="10000" y="0"/>
+                  </a:lnTo>
+                  <a:lnTo>
+                    <a:pt x="10000" y="10000"/>
+                  </a:lnTo>
+                  <a:lnTo>
+                    <a:pt x="0" y="10000"/>
+                  </a:lnTo>
+                  <a:lnTo>
+                    <a:pt x="0" y="523"/>
+                  </a:lnTo>
+                  <a:close/>
+                </a:path>
+              </a:pathLst>
+            </a:custGeom>
+            <a:solidFill>
+              <a:srgbClr val="EBEBEB"/>
+            </a:solidFill>
+            <a:ln>
+              <a:noFill/>
+            </a:ln>
+            <a:effectLst>
+              <a:outerShdw blurRad="50800" dist="38100" dir="2700000" algn="tl" rotWithShape="0">
+                <a:prstClr val="black">
+                  <a:alpha val="40000"/>
+                </a:prstClr>
+              </a:outerShdw>
+            </a:effectLst>
+          </p:spPr>
+          <p:style>
+            <a:lnRef idx="2">
+              <a:schemeClr val="accent1">
+                <a:shade val="50000"/>
+              </a:schemeClr>
+            </a:lnRef>
+            <a:fillRef idx="1">
+              <a:schemeClr val="accent1"/>
+            </a:fillRef>
+            <a:effectRef idx="0">
+              <a:schemeClr val="accent1"/>
+            </a:effectRef>
+            <a:fontRef idx="minor">
+              <a:schemeClr val="lt1"/>
+            </a:fontRef>
+          </p:style>
+          <p:txBody>
+            <a:bodyPr rtlCol="0" anchor="ctr"/>
+            <a:lstStyle/>
+            <a:p>
+              <a:pPr algn="ctr"/>
+              <a:endParaRPr lang="zh-TW" altLang="en-US" dirty="0"/>
+            </a:p>
+          </p:txBody>
+        </p:sp>
+        <p:sp>
+          <p:nvSpPr>
+            <p:cNvPr id="36" name="文字方塊 35"/>
+            <p:cNvSpPr txBox="1"/>
+            <p:nvPr/>
+          </p:nvSpPr>
+          <p:spPr>
+            <a:xfrm>
+              <a:off x="1259632" y="1892829"/>
+              <a:ext cx="1152000" cy="369332"/>
+            </a:xfrm>
+            <a:prstGeom prst="rect">
+              <a:avLst/>
+            </a:prstGeom>
+            <a:noFill/>
+          </p:spPr>
+          <p:txBody>
+            <a:bodyPr wrap="square" rtlCol="0">
+              <a:spAutoFit/>
+            </a:bodyPr>
+            <a:lstStyle/>
+            <a:p>
+              <a:pPr algn="ctr"/>
+              <a:r>
+                <a:rPr lang="zh-TW" altLang="en-US" b="1" dirty="0" smtClean="0">
+                  <a:solidFill>
+                    <a:schemeClr val="bg1"/>
+                  </a:solidFill>
+                  <a:effectLst>
+                    <a:outerShdw blurRad="38100" dist="38100" dir="2700000" algn="tl">
+                      <a:srgbClr val="000000">
+                        <a:alpha val="43137"/>
+                      </a:srgbClr>
+                    </a:outerShdw>
+                  </a:effectLst>
+                  <a:latin typeface="微軟正黑體" panose="020B0604030504040204" pitchFamily="34" charset="-120"/>
+                  <a:ea typeface="微軟正黑體" panose="020B0604030504040204" pitchFamily="34" charset="-120"/>
+                </a:rPr>
+                <a:t>風險管理</a:t>
+              </a:r>
+              <a:endParaRPr lang="zh-TW" altLang="en-US" b="1" dirty="0">
+                <a:solidFill>
+                  <a:schemeClr val="bg1"/>
+                </a:solidFill>
+                <a:effectLst>
+                  <a:outerShdw blurRad="38100" dist="38100" dir="2700000" algn="tl">
+                    <a:srgbClr val="000000">
+                      <a:alpha val="43137"/>
+                    </a:srgbClr>
+                  </a:outerShdw>
+                </a:effectLst>
+                <a:latin typeface="微軟正黑體" panose="020B0604030504040204" pitchFamily="34" charset="-120"/>
+                <a:ea typeface="微軟正黑體" panose="020B0604030504040204" pitchFamily="34" charset="-120"/>
+              </a:endParaRPr>
+            </a:p>
+          </p:txBody>
+        </p:sp>
+        <p:sp>
+          <p:nvSpPr>
+            <p:cNvPr id="37" name="文字方塊 36"/>
+            <p:cNvSpPr txBox="1"/>
+            <p:nvPr/>
+          </p:nvSpPr>
+          <p:spPr>
+            <a:xfrm>
+              <a:off x="2699792" y="1844887"/>
+              <a:ext cx="5292000" cy="1077218"/>
+            </a:xfrm>
+            <a:prstGeom prst="rect">
+              <a:avLst/>
+            </a:prstGeom>
+            <a:noFill/>
+          </p:spPr>
+          <p:txBody>
+            <a:bodyPr wrap="square" rtlCol="0">
+              <a:spAutoFit/>
+            </a:bodyPr>
+            <a:lstStyle/>
+            <a:p>
+              <a:r>
+                <a:rPr lang="zh-TW" altLang="en-US" sz="1600" dirty="0" smtClean="0">
+                  <a:solidFill>
+                    <a:schemeClr val="tx1">
+                      <a:lumMod val="75000"/>
+                      <a:lumOff val="25000"/>
+                    </a:schemeClr>
+                  </a:solidFill>
+                  <a:latin typeface="微軟正黑體" panose="020B0604030504040204" pitchFamily="34" charset="-120"/>
+                  <a:ea typeface="微軟正黑體" panose="020B0604030504040204" pitchFamily="34" charset="-120"/>
+                </a:rPr>
+                <a:t>金融機構開始</a:t>
+              </a:r>
+              <a:r>
+                <a:rPr lang="zh-TW" altLang="en-US" sz="1600" dirty="0">
+                  <a:solidFill>
+                    <a:schemeClr val="tx1">
+                      <a:lumMod val="75000"/>
+                      <a:lumOff val="25000"/>
+                    </a:schemeClr>
+                  </a:solidFill>
+                  <a:latin typeface="微軟正黑體" panose="020B0604030504040204" pitchFamily="34" charset="-120"/>
+                  <a:ea typeface="微軟正黑體" panose="020B0604030504040204" pitchFamily="34" charset="-120"/>
+                </a:rPr>
+                <a:t>投資大數據分析，以及輔助</a:t>
+              </a:r>
+              <a:r>
+                <a:rPr lang="zh-TW" altLang="en-US" sz="1600" dirty="0" smtClean="0">
+                  <a:solidFill>
+                    <a:schemeClr val="tx1">
+                      <a:lumMod val="75000"/>
+                      <a:lumOff val="25000"/>
+                    </a:schemeClr>
+                  </a:solidFill>
+                  <a:latin typeface="微軟正黑體" panose="020B0604030504040204" pitchFamily="34" charset="-120"/>
+                  <a:ea typeface="微軟正黑體" panose="020B0604030504040204" pitchFamily="34" charset="-120"/>
+                </a:rPr>
+                <a:t>人工智慧技術</a:t>
+              </a:r>
+              <a:r>
+                <a:rPr lang="zh-TW" altLang="en-US" sz="1600" dirty="0">
+                  <a:solidFill>
+                    <a:schemeClr val="tx1">
+                      <a:lumMod val="75000"/>
+                      <a:lumOff val="25000"/>
+                    </a:schemeClr>
+                  </a:solidFill>
+                  <a:latin typeface="微軟正黑體" panose="020B0604030504040204" pitchFamily="34" charset="-120"/>
+                  <a:ea typeface="微軟正黑體" panose="020B0604030504040204" pitchFamily="34" charset="-120"/>
+                </a:rPr>
+                <a:t>，同時尋求外部軟體即服務（</a:t>
+              </a:r>
+              <a:r>
+                <a:rPr lang="en-US" altLang="zh-TW" sz="1600" dirty="0" err="1">
+                  <a:solidFill>
+                    <a:schemeClr val="tx1">
+                      <a:lumMod val="75000"/>
+                      <a:lumOff val="25000"/>
+                    </a:schemeClr>
+                  </a:solidFill>
+                  <a:latin typeface="微軟正黑體" panose="020B0604030504040204" pitchFamily="34" charset="-120"/>
+                  <a:ea typeface="微軟正黑體" panose="020B0604030504040204" pitchFamily="34" charset="-120"/>
+                </a:rPr>
+                <a:t>SaaS</a:t>
+              </a:r>
+              <a:r>
+                <a:rPr lang="zh-TW" altLang="en-US" sz="1600" dirty="0">
+                  <a:solidFill>
+                    <a:schemeClr val="tx1">
+                      <a:lumMod val="75000"/>
+                      <a:lumOff val="25000"/>
+                    </a:schemeClr>
+                  </a:solidFill>
+                  <a:latin typeface="微軟正黑體" panose="020B0604030504040204" pitchFamily="34" charset="-120"/>
+                  <a:ea typeface="微軟正黑體" panose="020B0604030504040204" pitchFamily="34" charset="-120"/>
+                </a:rPr>
+                <a:t>）和金融科技委外的雲端服務，建立自動化風險控管機制，以滿足其流程處理和法規遵循之需求，降低成本並提高組織靈活性和透明度。</a:t>
+              </a:r>
+            </a:p>
+          </p:txBody>
+        </p:sp>
+      </p:grpSp>
+      <p:grpSp>
+        <p:nvGrpSpPr>
+          <p:cNvPr id="38" name="群組 37"/>
+          <p:cNvGrpSpPr/>
+          <p:nvPr/>
+        </p:nvGrpSpPr>
+        <p:grpSpPr>
+          <a:xfrm>
+            <a:off x="1115616" y="5157192"/>
+            <a:ext cx="6984136" cy="1296089"/>
+            <a:chOff x="1115616" y="1628799"/>
+            <a:chExt cx="6984136" cy="1296089"/>
+          </a:xfrm>
+        </p:grpSpPr>
+        <p:sp>
+          <p:nvSpPr>
+            <p:cNvPr id="39" name="流程圖: 人工輸入 38"/>
+            <p:cNvSpPr/>
+            <p:nvPr/>
+          </p:nvSpPr>
+          <p:spPr>
+            <a:xfrm rot="16200000" flipV="1">
+              <a:off x="3347865" y="-603450"/>
+              <a:ext cx="864095" cy="5328594"/>
+            </a:xfrm>
+            <a:prstGeom prst="flowChartManualInput">
+              <a:avLst/>
+            </a:prstGeom>
+            <a:solidFill>
+              <a:srgbClr val="01A5AE"/>
+            </a:solidFill>
+            <a:ln>
+              <a:noFill/>
+            </a:ln>
+            <a:effectLst>
+              <a:outerShdw blurRad="50800" dist="38100" dir="2700000" algn="tl" rotWithShape="0">
+                <a:prstClr val="black">
+                  <a:alpha val="40000"/>
+                </a:prstClr>
+              </a:outerShdw>
+            </a:effectLst>
+          </p:spPr>
+          <p:style>
+            <a:lnRef idx="2">
+              <a:schemeClr val="accent1">
+                <a:shade val="50000"/>
+              </a:schemeClr>
+            </a:lnRef>
+            <a:fillRef idx="1">
+              <a:schemeClr val="accent1"/>
+            </a:fillRef>
+            <a:effectRef idx="0">
+              <a:schemeClr val="accent1"/>
+            </a:effectRef>
+            <a:fontRef idx="minor">
+              <a:schemeClr val="lt1"/>
+            </a:fontRef>
+          </p:style>
+          <p:txBody>
+            <a:bodyPr rtlCol="0" anchor="ctr"/>
+            <a:lstStyle/>
+            <a:p>
+              <a:pPr algn="ctr"/>
+              <a:endParaRPr lang="zh-TW" altLang="en-US"/>
+            </a:p>
+          </p:txBody>
+        </p:sp>
+        <p:sp>
+          <p:nvSpPr>
+            <p:cNvPr id="40" name="流程圖: 人工輸入 8"/>
+            <p:cNvSpPr/>
+            <p:nvPr/>
+          </p:nvSpPr>
+          <p:spPr>
+            <a:xfrm rot="16200000" flipH="1">
+              <a:off x="4679752" y="-495112"/>
+              <a:ext cx="1080000" cy="5760000"/>
+            </a:xfrm>
+            <a:custGeom>
+              <a:avLst/>
+              <a:gdLst>
+                <a:gd name="connsiteX0" fmla="*/ 0 w 10000"/>
+                <a:gd name="connsiteY0" fmla="*/ 2000 h 10000"/>
+                <a:gd name="connsiteX1" fmla="*/ 10000 w 10000"/>
+                <a:gd name="connsiteY1" fmla="*/ 0 h 10000"/>
+                <a:gd name="connsiteX2" fmla="*/ 10000 w 10000"/>
+                <a:gd name="connsiteY2" fmla="*/ 10000 h 10000"/>
+                <a:gd name="connsiteX3" fmla="*/ 0 w 10000"/>
+                <a:gd name="connsiteY3" fmla="*/ 10000 h 10000"/>
+                <a:gd name="connsiteX4" fmla="*/ 0 w 10000"/>
+                <a:gd name="connsiteY4" fmla="*/ 2000 h 10000"/>
+                <a:gd name="connsiteX0" fmla="*/ 0 w 10000"/>
+                <a:gd name="connsiteY0" fmla="*/ 523 h 10000"/>
+                <a:gd name="connsiteX1" fmla="*/ 10000 w 10000"/>
+                <a:gd name="connsiteY1" fmla="*/ 0 h 10000"/>
+                <a:gd name="connsiteX2" fmla="*/ 10000 w 10000"/>
+                <a:gd name="connsiteY2" fmla="*/ 10000 h 10000"/>
+                <a:gd name="connsiteX3" fmla="*/ 0 w 10000"/>
+                <a:gd name="connsiteY3" fmla="*/ 10000 h 10000"/>
+                <a:gd name="connsiteX4" fmla="*/ 0 w 10000"/>
+                <a:gd name="connsiteY4" fmla="*/ 523 h 10000"/>
+              </a:gdLst>
+              <a:ahLst/>
+              <a:cxnLst>
+                <a:cxn ang="0">
+                  <a:pos x="connsiteX0" y="connsiteY0"/>
+                </a:cxn>
+                <a:cxn ang="0">
+                  <a:pos x="connsiteX1" y="connsiteY1"/>
+                </a:cxn>
+                <a:cxn ang="0">
+                  <a:pos x="connsiteX2" y="connsiteY2"/>
+                </a:cxn>
+                <a:cxn ang="0">
+                  <a:pos x="connsiteX3" y="connsiteY3"/>
+                </a:cxn>
+                <a:cxn ang="0">
+                  <a:pos x="connsiteX4" y="connsiteY4"/>
+                </a:cxn>
+              </a:cxnLst>
+              <a:rect l="l" t="t" r="r" b="b"/>
+              <a:pathLst>
+                <a:path w="10000" h="10000">
+                  <a:moveTo>
+                    <a:pt x="0" y="523"/>
+                  </a:moveTo>
+                  <a:lnTo>
+                    <a:pt x="10000" y="0"/>
+                  </a:lnTo>
+                  <a:lnTo>
+                    <a:pt x="10000" y="10000"/>
+                  </a:lnTo>
+                  <a:lnTo>
+                    <a:pt x="0" y="10000"/>
+                  </a:lnTo>
+                  <a:lnTo>
+                    <a:pt x="0" y="523"/>
+                  </a:lnTo>
+                  <a:close/>
+                </a:path>
+              </a:pathLst>
+            </a:custGeom>
+            <a:solidFill>
+              <a:srgbClr val="EBEBEB"/>
+            </a:solidFill>
+            <a:ln>
+              <a:noFill/>
+            </a:ln>
+            <a:effectLst>
+              <a:outerShdw blurRad="50800" dist="38100" dir="2700000" algn="tl" rotWithShape="0">
+                <a:prstClr val="black">
+                  <a:alpha val="40000"/>
+                </a:prstClr>
+              </a:outerShdw>
+            </a:effectLst>
+          </p:spPr>
+          <p:style>
+            <a:lnRef idx="2">
+              <a:schemeClr val="accent1">
+                <a:shade val="50000"/>
+              </a:schemeClr>
+            </a:lnRef>
+            <a:fillRef idx="1">
+              <a:schemeClr val="accent1"/>
+            </a:fillRef>
+            <a:effectRef idx="0">
+              <a:schemeClr val="accent1"/>
+            </a:effectRef>
+            <a:fontRef idx="minor">
+              <a:schemeClr val="lt1"/>
+            </a:fontRef>
+          </p:style>
+          <p:txBody>
+            <a:bodyPr rtlCol="0" anchor="ctr"/>
+            <a:lstStyle/>
+            <a:p>
+              <a:pPr algn="ctr"/>
+              <a:endParaRPr lang="zh-TW" altLang="en-US" dirty="0"/>
+            </a:p>
+          </p:txBody>
+        </p:sp>
+        <p:sp>
+          <p:nvSpPr>
+            <p:cNvPr id="41" name="文字方塊 40"/>
+            <p:cNvSpPr txBox="1"/>
+            <p:nvPr/>
+          </p:nvSpPr>
+          <p:spPr>
+            <a:xfrm>
+              <a:off x="1259632" y="1916831"/>
+              <a:ext cx="1152000" cy="369332"/>
+            </a:xfrm>
+            <a:prstGeom prst="rect">
+              <a:avLst/>
+            </a:prstGeom>
+            <a:noFill/>
+          </p:spPr>
+          <p:txBody>
+            <a:bodyPr wrap="square" rtlCol="0">
+              <a:spAutoFit/>
+            </a:bodyPr>
+            <a:lstStyle/>
+            <a:p>
+              <a:pPr algn="ctr"/>
+              <a:r>
+                <a:rPr lang="zh-TW" altLang="en-US" b="1" dirty="0" smtClean="0">
+                  <a:solidFill>
+                    <a:schemeClr val="bg1"/>
+                  </a:solidFill>
+                  <a:effectLst>
+                    <a:outerShdw blurRad="38100" dist="38100" dir="2700000" algn="tl">
+                      <a:srgbClr val="000000">
+                        <a:alpha val="43137"/>
+                      </a:srgbClr>
+                    </a:outerShdw>
+                  </a:effectLst>
+                  <a:latin typeface="微軟正黑體" panose="020B0604030504040204" pitchFamily="34" charset="-120"/>
+                  <a:ea typeface="微軟正黑體" panose="020B0604030504040204" pitchFamily="34" charset="-120"/>
+                </a:rPr>
+                <a:t>基礎建設</a:t>
+              </a:r>
+              <a:endParaRPr lang="zh-TW" altLang="en-US" b="1" dirty="0">
+                <a:solidFill>
+                  <a:schemeClr val="bg1"/>
+                </a:solidFill>
+                <a:effectLst>
+                  <a:outerShdw blurRad="38100" dist="38100" dir="2700000" algn="tl">
+                    <a:srgbClr val="000000">
+                      <a:alpha val="43137"/>
+                    </a:srgbClr>
+                  </a:outerShdw>
+                </a:effectLst>
+                <a:latin typeface="微軟正黑體" panose="020B0604030504040204" pitchFamily="34" charset="-120"/>
+                <a:ea typeface="微軟正黑體" panose="020B0604030504040204" pitchFamily="34" charset="-120"/>
+              </a:endParaRPr>
+            </a:p>
+          </p:txBody>
+        </p:sp>
+        <p:sp>
+          <p:nvSpPr>
+            <p:cNvPr id="42" name="文字方塊 41"/>
+            <p:cNvSpPr txBox="1"/>
+            <p:nvPr/>
+          </p:nvSpPr>
+          <p:spPr>
+            <a:xfrm>
+              <a:off x="2699792" y="1844887"/>
+              <a:ext cx="5292000" cy="1077218"/>
+            </a:xfrm>
+            <a:prstGeom prst="rect">
+              <a:avLst/>
+            </a:prstGeom>
+            <a:noFill/>
+          </p:spPr>
+          <p:txBody>
+            <a:bodyPr wrap="square" rtlCol="0">
+              <a:spAutoFit/>
+            </a:bodyPr>
+            <a:lstStyle/>
+            <a:p>
+              <a:r>
+                <a:rPr lang="zh-TW" altLang="en-US" sz="1600" dirty="0">
+                  <a:solidFill>
+                    <a:schemeClr val="tx1">
+                      <a:lumMod val="75000"/>
+                      <a:lumOff val="25000"/>
+                    </a:schemeClr>
+                  </a:solidFill>
+                  <a:latin typeface="微軟正黑體" panose="020B0604030504040204" pitchFamily="34" charset="-120"/>
+                  <a:ea typeface="微軟正黑體" panose="020B0604030504040204" pitchFamily="34" charset="-120"/>
+                </a:rPr>
+                <a:t>隨著第</a:t>
+              </a:r>
+              <a:r>
+                <a:rPr lang="en-US" altLang="zh-TW" sz="1600" dirty="0">
+                  <a:solidFill>
+                    <a:schemeClr val="tx1">
+                      <a:lumMod val="75000"/>
+                      <a:lumOff val="25000"/>
+                    </a:schemeClr>
+                  </a:solidFill>
+                  <a:latin typeface="微軟正黑體" panose="020B0604030504040204" pitchFamily="34" charset="-120"/>
+                  <a:ea typeface="微軟正黑體" panose="020B0604030504040204" pitchFamily="34" charset="-120"/>
+                </a:rPr>
+                <a:t>3</a:t>
+              </a:r>
+              <a:r>
+                <a:rPr lang="zh-TW" altLang="en-US" sz="1600" dirty="0">
+                  <a:solidFill>
+                    <a:schemeClr val="tx1">
+                      <a:lumMod val="75000"/>
+                      <a:lumOff val="25000"/>
+                    </a:schemeClr>
+                  </a:solidFill>
+                  <a:latin typeface="微軟正黑體" panose="020B0604030504040204" pitchFamily="34" charset="-120"/>
+                  <a:ea typeface="微軟正黑體" panose="020B0604030504040204" pitchFamily="34" charset="-120"/>
+                </a:rPr>
+                <a:t>、</a:t>
+              </a:r>
+              <a:r>
+                <a:rPr lang="en-US" altLang="zh-TW" sz="1600" dirty="0">
+                  <a:solidFill>
+                    <a:schemeClr val="tx1">
+                      <a:lumMod val="75000"/>
+                      <a:lumOff val="25000"/>
+                    </a:schemeClr>
+                  </a:solidFill>
+                  <a:latin typeface="微軟正黑體" panose="020B0604030504040204" pitchFamily="34" charset="-120"/>
+                  <a:ea typeface="微軟正黑體" panose="020B0604030504040204" pitchFamily="34" charset="-120"/>
+                </a:rPr>
+                <a:t>4</a:t>
+              </a:r>
+              <a:r>
+                <a:rPr lang="zh-TW" altLang="en-US" sz="1600" dirty="0">
+                  <a:solidFill>
+                    <a:schemeClr val="tx1">
+                      <a:lumMod val="75000"/>
+                      <a:lumOff val="25000"/>
+                    </a:schemeClr>
+                  </a:solidFill>
+                  <a:latin typeface="微軟正黑體" panose="020B0604030504040204" pitchFamily="34" charset="-120"/>
+                  <a:ea typeface="微軟正黑體" panose="020B0604030504040204" pitchFamily="34" charset="-120"/>
+                </a:rPr>
+                <a:t>代行動網路基礎建設</a:t>
+              </a:r>
+              <a:r>
+                <a:rPr lang="zh-TW" altLang="en-US" sz="1600" dirty="0" smtClean="0">
+                  <a:solidFill>
+                    <a:schemeClr val="tx1">
+                      <a:lumMod val="75000"/>
+                      <a:lumOff val="25000"/>
+                    </a:schemeClr>
+                  </a:solidFill>
+                  <a:latin typeface="微軟正黑體" panose="020B0604030504040204" pitchFamily="34" charset="-120"/>
+                  <a:ea typeface="微軟正黑體" panose="020B0604030504040204" pitchFamily="34" charset="-120"/>
+                </a:rPr>
+                <a:t>與行動</a:t>
+              </a:r>
+              <a:r>
+                <a:rPr lang="zh-TW" altLang="en-US" sz="1600" dirty="0">
+                  <a:solidFill>
+                    <a:schemeClr val="tx1">
+                      <a:lumMod val="75000"/>
+                      <a:lumOff val="25000"/>
+                    </a:schemeClr>
+                  </a:solidFill>
+                  <a:latin typeface="微軟正黑體" panose="020B0604030504040204" pitchFamily="34" charset="-120"/>
+                  <a:ea typeface="微軟正黑體" panose="020B0604030504040204" pitchFamily="34" charset="-120"/>
+                </a:rPr>
+                <a:t>裝置普及，使得行動金融服務更加蓬勃發展。不過由於金融與電信業者分受不同部門監理，如何制定監理框架，衡量監理比例</a:t>
+              </a:r>
+              <a:r>
+                <a:rPr lang="zh-TW" altLang="en-US" sz="1600" dirty="0" smtClean="0">
+                  <a:solidFill>
+                    <a:schemeClr val="tx1">
+                      <a:lumMod val="75000"/>
+                      <a:lumOff val="25000"/>
+                    </a:schemeClr>
+                  </a:solidFill>
+                  <a:latin typeface="微軟正黑體" panose="020B0604030504040204" pitchFamily="34" charset="-120"/>
+                  <a:ea typeface="微軟正黑體" panose="020B0604030504040204" pitchFamily="34" charset="-120"/>
+                </a:rPr>
+                <a:t>，以</a:t>
+              </a:r>
+              <a:r>
+                <a:rPr lang="zh-TW" altLang="en-US" sz="1600" dirty="0">
+                  <a:solidFill>
+                    <a:schemeClr val="tx1">
+                      <a:lumMod val="75000"/>
+                      <a:lumOff val="25000"/>
+                    </a:schemeClr>
+                  </a:solidFill>
+                  <a:latin typeface="微軟正黑體" panose="020B0604030504040204" pitchFamily="34" charset="-120"/>
+                  <a:ea typeface="微軟正黑體" panose="020B0604030504040204" pitchFamily="34" charset="-120"/>
+                </a:rPr>
+                <a:t>確保金融穩定及保護消費者，成為各國共同面對的挑戰。</a:t>
+              </a:r>
+            </a:p>
+          </p:txBody>
+        </p:sp>
+      </p:grpSp>
+      <p:sp>
+        <p:nvSpPr>
+          <p:cNvPr id="2" name="矩形 1"/>
+          <p:cNvSpPr/>
+          <p:nvPr/>
+        </p:nvSpPr>
+        <p:spPr>
+          <a:xfrm>
+            <a:off x="935596" y="5148000"/>
+            <a:ext cx="7272808" cy="1418995"/>
+          </a:xfrm>
+          <a:prstGeom prst="rect">
+            <a:avLst/>
+          </a:prstGeom>
+          <a:solidFill>
+            <a:schemeClr val="bg1">
+              <a:alpha val="85000"/>
+            </a:schemeClr>
+          </a:solidFill>
+          <a:ln>
+            <a:noFill/>
+          </a:ln>
+        </p:spPr>
+        <p:style>
+          <a:lnRef idx="2">
+            <a:schemeClr val="accent1">
+              <a:shade val="50000"/>
+            </a:schemeClr>
+          </a:lnRef>
+          <a:fillRef idx="1">
+            <a:schemeClr val="accent1"/>
+          </a:fillRef>
+          <a:effectRef idx="0">
+            <a:schemeClr val="accent1"/>
+          </a:effectRef>
+          <a:fontRef idx="minor">
+            <a:schemeClr val="lt1"/>
+          </a:fontRef>
+        </p:style>
+        <p:txBody>
+          <a:bodyPr rtlCol="0" anchor="ctr"/>
+          <a:lstStyle/>
+          <a:p>
+            <a:pPr algn="ctr"/>
+            <a:endParaRPr lang="zh-TW" altLang="en-US"/>
+          </a:p>
+        </p:txBody>
+      </p:sp>
+      <p:sp>
+        <p:nvSpPr>
+          <p:cNvPr id="26" name="矩形 25"/>
+          <p:cNvSpPr/>
+          <p:nvPr/>
+        </p:nvSpPr>
+        <p:spPr>
+          <a:xfrm>
+            <a:off x="935596" y="1052736"/>
+            <a:ext cx="7272808" cy="2760306"/>
+          </a:xfrm>
+          <a:prstGeom prst="rect">
+            <a:avLst/>
+          </a:prstGeom>
+          <a:solidFill>
+            <a:schemeClr val="bg1">
+              <a:alpha val="85000"/>
+            </a:schemeClr>
+          </a:solidFill>
+          <a:ln>
+            <a:noFill/>
+          </a:ln>
+        </p:spPr>
+        <p:style>
+          <a:lnRef idx="2">
+            <a:schemeClr val="accent1">
+              <a:shade val="50000"/>
+            </a:schemeClr>
+          </a:lnRef>
+          <a:fillRef idx="1">
+            <a:schemeClr val="accent1"/>
+          </a:fillRef>
+          <a:effectRef idx="0">
+            <a:schemeClr val="accent1"/>
+          </a:effectRef>
+          <a:fontRef idx="minor">
+            <a:schemeClr val="lt1"/>
+          </a:fontRef>
+        </p:style>
+        <p:txBody>
+          <a:bodyPr rtlCol="0" anchor="ctr"/>
+          <a:lstStyle/>
+          <a:p>
+            <a:pPr algn="ctr"/>
+            <a:endParaRPr lang="zh-TW" altLang="en-US"/>
+          </a:p>
+        </p:txBody>
+      </p:sp>
     </p:spTree>
     <p:extLst>
       <p:ext uri="{BB962C8B-B14F-4D97-AF65-F5344CB8AC3E}">
-        <p14:creationId xmlns:p14="http://schemas.microsoft.com/office/powerpoint/2010/main" val="1665312510"/>
+        <p14:creationId xmlns:p14="http://schemas.microsoft.com/office/powerpoint/2010/main" val="4217480361"/>
       </p:ext>
     </p:extLst>
   </p:cSld>
@@ -6258,11 +7739,7 @@
           <a:p>
             <a:r>
               <a:rPr lang="zh-TW" altLang="en-US" dirty="0" smtClean="0"/>
-              <a:t>產業</a:t>
-            </a:r>
-            <a:r>
-              <a:rPr lang="zh-TW" altLang="en-US" dirty="0" smtClean="0"/>
-              <a:t>融合</a:t>
+              <a:t>產業融合</a:t>
             </a:r>
             <a:endParaRPr lang="en-US" altLang="zh-TW" dirty="0" smtClean="0"/>
           </a:p>
@@ -6293,11 +7770,7 @@
           <a:p>
             <a:r>
               <a:rPr lang="zh-TW" altLang="en-US" dirty="0" smtClean="0"/>
-              <a:t>中介</a:t>
-            </a:r>
-            <a:r>
-              <a:rPr lang="zh-TW" altLang="en-US" dirty="0" smtClean="0"/>
-              <a:t>式微</a:t>
+              <a:t>中介式微</a:t>
             </a:r>
             <a:endParaRPr lang="en-US" altLang="zh-TW" dirty="0" smtClean="0"/>
           </a:p>
@@ -6452,7 +7925,9 @@
         </p:nvSpPr>
         <p:spPr/>
         <p:txBody>
-          <a:bodyPr/>
+          <a:bodyPr>
+            <a:normAutofit/>
+          </a:bodyPr>
           <a:lstStyle/>
           <a:p>
             <a:r>
@@ -6585,7 +8060,23 @@
             </a:r>
             <a:r>
               <a:rPr lang="zh-TW" altLang="en-US" dirty="0" smtClean="0"/>
-              <a:t>，推動相關法案</a:t>
+              <a:t>，推動相關法案。</a:t>
+            </a:r>
+            <a:r>
+              <a:rPr lang="en-US" altLang="zh-TW" dirty="0" smtClean="0"/>
+              <a:t>(</a:t>
+            </a:r>
+            <a:r>
+              <a:rPr lang="zh-TW" altLang="en-US" dirty="0" smtClean="0"/>
+              <a:t>餘參閱</a:t>
+            </a:r>
+            <a:r>
+              <a:rPr lang="zh-TW" altLang="en-US" dirty="0"/>
+              <a:t>白皮書</a:t>
+            </a:r>
+            <a:r>
+              <a:rPr lang="en-US" altLang="zh-TW" dirty="0"/>
+              <a:t>p.65)</a:t>
             </a:r>
             <a:endParaRPr lang="en-US" altLang="zh-TW" dirty="0" smtClean="0"/>
           </a:p>
@@ -6601,7 +8092,7 @@
             </a:r>
             <a:r>
               <a:rPr lang="zh-TW" altLang="en-US" dirty="0" smtClean="0"/>
-              <a:t> 規範對消費者服務之指示、移轉紀錄、交付義務及不法資金移轉的雙方責任</a:t>
+              <a:t> 規範對消費者服務之指示、紀錄、交付及資金移轉雙方責任</a:t>
             </a:r>
             <a:endParaRPr lang="en-US" altLang="zh-TW" dirty="0" smtClean="0"/>
           </a:p>
@@ -6658,22 +8149,37 @@
             <a:endParaRPr lang="en-US" altLang="zh-TW" dirty="0" smtClean="0"/>
           </a:p>
           <a:p>
-            <a:pPr lvl="2"/>
             <a:r>
               <a:rPr lang="zh-TW" altLang="en-US" dirty="0"/>
-              <a:t>其餘法規</a:t>
-            </a:r>
-            <a:r>
-              <a:rPr lang="zh-TW" altLang="en-US" dirty="0" smtClean="0"/>
-              <a:t>參閱白皮書</a:t>
-            </a:r>
-            <a:r>
-              <a:rPr lang="en-US" altLang="zh-TW" dirty="0" smtClean="0"/>
-              <a:t>p.65</a:t>
-            </a:r>
-            <a:r>
-              <a:rPr lang="zh-TW" altLang="en-US" dirty="0" smtClean="0"/>
-              <a:t>。</a:t>
+              <a:t>國內現況</a:t>
+            </a:r>
+            <a:endParaRPr lang="en-US" altLang="zh-TW" dirty="0"/>
+          </a:p>
+          <a:p>
+            <a:pPr lvl="1"/>
+            <a:r>
+              <a:rPr lang="zh-TW" altLang="en-US" dirty="0"/>
+              <a:t>修正金融消費者保護法</a:t>
+            </a:r>
+            <a:endParaRPr lang="en-US" altLang="zh-TW" dirty="0"/>
+          </a:p>
+          <a:p>
+            <a:pPr lvl="1"/>
+            <a:r>
+              <a:rPr lang="zh-TW" altLang="en-US" dirty="0"/>
+              <a:t>督導金融機構建立消費爭議處理作業</a:t>
+            </a:r>
+            <a:r>
+              <a:rPr lang="zh-TW" altLang="en-US" dirty="0" smtClean="0"/>
+              <a:t>流程，推廣金融業</a:t>
+            </a:r>
+            <a:r>
+              <a:rPr lang="zh-TW" altLang="en-US" dirty="0"/>
+              <a:t>公平待客</a:t>
+            </a:r>
+            <a:r>
+              <a:rPr lang="zh-TW" altLang="en-US" dirty="0" smtClean="0"/>
+              <a:t>原則</a:t>
             </a:r>
             <a:endParaRPr lang="zh-TW" altLang="en-US" dirty="0"/>
           </a:p>
@@ -6779,7 +8285,7 @@
           <a:p>
             <a:r>
               <a:rPr lang="zh-TW" altLang="en-US" dirty="0" smtClean="0"/>
-              <a:t>消費者保護</a:t>
+              <a:t>新興資安議題</a:t>
             </a:r>
             <a:endParaRPr lang="zh-TW" altLang="en-US" dirty="0"/>
           </a:p>
@@ -6802,35 +8308,143 @@
           <a:p>
             <a:r>
               <a:rPr lang="zh-TW" altLang="en-US" dirty="0" smtClean="0"/>
-              <a:t>國內現況</a:t>
+              <a:t>國際趨勢</a:t>
             </a:r>
             <a:endParaRPr lang="en-US" altLang="zh-TW" dirty="0" smtClean="0"/>
           </a:p>
           <a:p>
             <a:pPr lvl="1"/>
             <a:r>
-              <a:rPr lang="zh-TW" altLang="en-US" dirty="0" smtClean="0"/>
-              <a:t>修正金融消費者保護法</a:t>
+              <a:rPr lang="zh-TW" altLang="en-US" dirty="0"/>
+              <a:t>第三</a:t>
+            </a:r>
+            <a:r>
+              <a:rPr lang="zh-TW" altLang="en-US" dirty="0" smtClean="0"/>
+              <a:t>方安全</a:t>
             </a:r>
             <a:endParaRPr lang="en-US" altLang="zh-TW" dirty="0" smtClean="0"/>
           </a:p>
           <a:p>
+            <a:pPr lvl="2"/>
+            <a:r>
+              <a:rPr lang="zh-TW" altLang="en-US" dirty="0" smtClean="0"/>
+              <a:t>增加第三方安全的監督支出</a:t>
+            </a:r>
+            <a:endParaRPr lang="en-US" altLang="zh-TW" dirty="0" smtClean="0"/>
+          </a:p>
+          <a:p>
+            <a:pPr lvl="2"/>
+            <a:r>
+              <a:rPr lang="zh-TW" altLang="en-US" dirty="0" smtClean="0"/>
+              <a:t>健全基礎安全架構以增進與第三方合作之保障</a:t>
+            </a:r>
+            <a:endParaRPr lang="en-US" altLang="zh-TW" dirty="0" smtClean="0"/>
+          </a:p>
+          <a:p>
             <a:pPr lvl="1"/>
             <a:r>
-              <a:rPr lang="zh-TW" altLang="en-US" dirty="0" smtClean="0"/>
-              <a:t>督導金融機構建立消費爭議處理作業流程</a:t>
+              <a:rPr lang="zh-TW" altLang="en-US" dirty="0"/>
+              <a:t>行動服務</a:t>
+            </a:r>
+            <a:r>
+              <a:rPr lang="zh-TW" altLang="en-US" dirty="0" smtClean="0"/>
+              <a:t>安全</a:t>
             </a:r>
             <a:endParaRPr lang="en-US" altLang="zh-TW" dirty="0" smtClean="0"/>
           </a:p>
           <a:p>
+            <a:pPr lvl="2"/>
+            <a:r>
+              <a:rPr lang="zh-TW" altLang="en-US" dirty="0"/>
+              <a:t>行動裝置</a:t>
+            </a:r>
+            <a:r>
+              <a:rPr lang="en-US" altLang="zh-TW" dirty="0" smtClean="0"/>
+              <a:t>:</a:t>
+            </a:r>
+            <a:r>
+              <a:rPr lang="zh-TW" altLang="en-US" dirty="0" smtClean="0"/>
+              <a:t> 資料保護、連線功能、加密傳輸等。</a:t>
+            </a:r>
+            <a:endParaRPr lang="en-US" altLang="zh-TW" dirty="0" smtClean="0"/>
+          </a:p>
+          <a:p>
+            <a:pPr lvl="2"/>
+            <a:r>
+              <a:rPr lang="zh-TW" altLang="en-US" dirty="0"/>
+              <a:t>應用軟體</a:t>
+            </a:r>
+            <a:r>
+              <a:rPr lang="en-US" altLang="zh-TW" dirty="0" smtClean="0"/>
+              <a:t>:</a:t>
+            </a:r>
+            <a:r>
+              <a:rPr lang="zh-TW" altLang="en-US" dirty="0" smtClean="0"/>
+              <a:t> </a:t>
+            </a:r>
+            <a:r>
+              <a:rPr lang="en-US" altLang="zh-TW" dirty="0" smtClean="0"/>
+              <a:t>App</a:t>
+            </a:r>
+            <a:r>
+              <a:rPr lang="zh-TW" altLang="en-US" dirty="0" smtClean="0"/>
+              <a:t>開發門檻降低，易導致安全漏洞。</a:t>
+            </a:r>
+            <a:endParaRPr lang="en-US" altLang="zh-TW" dirty="0" smtClean="0"/>
+          </a:p>
+          <a:p>
+            <a:pPr lvl="2"/>
+            <a:r>
+              <a:rPr lang="zh-TW" altLang="en-US" dirty="0"/>
+              <a:t>身分識別</a:t>
+            </a:r>
+            <a:r>
+              <a:rPr lang="en-US" altLang="zh-TW" dirty="0" smtClean="0"/>
+              <a:t>:</a:t>
+            </a:r>
+            <a:r>
+              <a:rPr lang="zh-TW" altLang="en-US" dirty="0" smtClean="0"/>
+              <a:t> 生物識別。</a:t>
+            </a:r>
+            <a:endParaRPr lang="en-US" altLang="zh-TW" dirty="0" smtClean="0"/>
+          </a:p>
+          <a:p>
             <a:pPr lvl="1"/>
             <a:r>
               <a:rPr lang="zh-TW" altLang="en-US" dirty="0"/>
-              <a:t>金融</a:t>
-            </a:r>
-            <a:r>
-              <a:rPr lang="zh-TW" altLang="en-US" dirty="0" smtClean="0"/>
-              <a:t>服務業公平待客原則</a:t>
+              <a:t>快速</a:t>
+            </a:r>
+            <a:r>
+              <a:rPr lang="zh-TW" altLang="en-US" dirty="0" smtClean="0"/>
+              <a:t>回應</a:t>
+            </a:r>
+            <a:endParaRPr lang="en-US" altLang="zh-TW" dirty="0" smtClean="0"/>
+          </a:p>
+          <a:p>
+            <a:pPr lvl="2"/>
+            <a:r>
+              <a:rPr lang="zh-TW" altLang="en-US" dirty="0" smtClean="0"/>
+              <a:t>傳播迅速是科技帶來的雙面刃</a:t>
+            </a:r>
+            <a:endParaRPr lang="en-US" altLang="zh-TW" dirty="0" smtClean="0"/>
+          </a:p>
+          <a:p>
+            <a:pPr lvl="2"/>
+            <a:r>
+              <a:rPr lang="zh-TW" altLang="en-US" dirty="0"/>
+              <a:t>錯誤訊息、謠言</a:t>
+            </a:r>
+            <a:r>
+              <a:rPr lang="zh-TW" altLang="en-US" dirty="0" smtClean="0"/>
+              <a:t>散播</a:t>
+            </a:r>
+            <a:endParaRPr lang="en-US" altLang="zh-TW" dirty="0" smtClean="0"/>
+          </a:p>
+          <a:p>
+            <a:pPr lvl="2"/>
+            <a:r>
+              <a:rPr lang="zh-TW" altLang="en-US" dirty="0" smtClean="0"/>
+              <a:t>影響風險定價、消費者信心不足發生擠兌</a:t>
             </a:r>
             <a:endParaRPr lang="zh-TW" altLang="en-US" dirty="0"/>
           </a:p>
@@ -6885,7 +8499,7 @@
     </p:spTree>
     <p:extLst>
       <p:ext uri="{BB962C8B-B14F-4D97-AF65-F5344CB8AC3E}">
-        <p14:creationId xmlns:p14="http://schemas.microsoft.com/office/powerpoint/2010/main" val="4266159434"/>
+        <p14:creationId xmlns:p14="http://schemas.microsoft.com/office/powerpoint/2010/main" val="2463573083"/>
       </p:ext>
     </p:extLst>
   </p:cSld>
@@ -6959,145 +8573,207 @@
           <a:p>
             <a:r>
               <a:rPr lang="zh-TW" altLang="en-US" dirty="0" smtClean="0"/>
-              <a:t>國際趨勢</a:t>
+              <a:t>國內現況 </a:t>
+            </a:r>
+            <a:r>
+              <a:rPr lang="en-US" altLang="zh-TW" dirty="0" smtClean="0"/>
+              <a:t>(</a:t>
+            </a:r>
+            <a:r>
+              <a:rPr lang="zh-TW" altLang="en-US" dirty="0" smtClean="0"/>
+              <a:t>銀行業</a:t>
+            </a:r>
+            <a:r>
+              <a:rPr lang="en-US" altLang="zh-TW" dirty="0" smtClean="0"/>
+              <a:t>)</a:t>
+            </a:r>
+          </a:p>
+          <a:p>
+            <a:pPr marL="745200" lvl="1" indent="-457200">
+              <a:buFont typeface="+mj-lt"/>
+              <a:buAutoNum type="arabicPeriod"/>
+            </a:pPr>
+            <a:r>
+              <a:rPr lang="zh-TW" altLang="en-US" dirty="0" smtClean="0"/>
+              <a:t>金融機構資訊系統安全基準</a:t>
             </a:r>
             <a:endParaRPr lang="en-US" altLang="zh-TW" dirty="0" smtClean="0"/>
           </a:p>
           <a:p>
-            <a:pPr lvl="1"/>
+            <a:pPr marL="745200" lvl="1" indent="-457200">
+              <a:buFont typeface="+mj-lt"/>
+              <a:buAutoNum type="arabicPeriod"/>
+            </a:pPr>
             <a:r>
               <a:rPr lang="zh-TW" altLang="en-US" dirty="0"/>
-              <a:t>第三</a:t>
-            </a:r>
-            <a:r>
-              <a:rPr lang="zh-TW" altLang="en-US" dirty="0" smtClean="0"/>
-              <a:t>方安全</a:t>
+              <a:t>金融機構</a:t>
+            </a:r>
+            <a:r>
+              <a:rPr lang="zh-TW" altLang="en-US" dirty="0" smtClean="0"/>
+              <a:t>辦理</a:t>
+            </a:r>
+            <a:r>
+              <a:rPr lang="zh-TW" altLang="en-US" u="sng" dirty="0" smtClean="0"/>
+              <a:t>電子銀行業務</a:t>
+            </a:r>
+            <a:r>
+              <a:rPr lang="zh-TW" altLang="en-US" dirty="0" smtClean="0"/>
+              <a:t>安全控管作業基準</a:t>
             </a:r>
             <a:endParaRPr lang="en-US" altLang="zh-TW" dirty="0" smtClean="0"/>
           </a:p>
           <a:p>
+            <a:pPr marL="745200" lvl="1" indent="-457200">
+              <a:buFont typeface="+mj-lt"/>
+              <a:buAutoNum type="arabicPeriod"/>
+            </a:pPr>
+            <a:r>
+              <a:rPr lang="zh-TW" altLang="en-US" u="sng" dirty="0"/>
+              <a:t>信用卡</a:t>
+            </a:r>
+            <a:r>
+              <a:rPr lang="zh-TW" altLang="en-US" u="sng" dirty="0" smtClean="0"/>
+              <a:t>業務機構</a:t>
+            </a:r>
+            <a:r>
+              <a:rPr lang="zh-TW" altLang="en-US" dirty="0" smtClean="0"/>
+              <a:t>辦理</a:t>
+            </a:r>
+            <a:r>
+              <a:rPr lang="zh-TW" altLang="en-US" u="sng" dirty="0" smtClean="0"/>
+              <a:t>手機信用卡業務</a:t>
+            </a:r>
+            <a:r>
+              <a:rPr lang="zh-TW" altLang="en-US" dirty="0" smtClean="0"/>
+              <a:t>安全</a:t>
+            </a:r>
+            <a:r>
+              <a:rPr lang="zh-TW" altLang="en-US" dirty="0"/>
+              <a:t>控管作業</a:t>
+            </a:r>
+            <a:r>
+              <a:rPr lang="zh-TW" altLang="en-US" dirty="0" smtClean="0"/>
+              <a:t>基準</a:t>
+            </a:r>
+            <a:endParaRPr lang="en-US" altLang="zh-TW" dirty="0" smtClean="0"/>
+          </a:p>
+          <a:p>
+            <a:pPr marL="745200" lvl="1" indent="-457200">
+              <a:buFont typeface="+mj-lt"/>
+              <a:buAutoNum type="arabicPeriod"/>
+            </a:pPr>
+            <a:r>
+              <a:rPr lang="zh-TW" altLang="en-US" u="sng" dirty="0"/>
+              <a:t>電子支付</a:t>
+            </a:r>
+            <a:r>
+              <a:rPr lang="zh-TW" altLang="en-US" u="sng" dirty="0" smtClean="0"/>
+              <a:t>機構</a:t>
+            </a:r>
+            <a:r>
+              <a:rPr lang="zh-TW" altLang="en-US" dirty="0" smtClean="0"/>
+              <a:t>資訊系統標準及</a:t>
+            </a:r>
+            <a:r>
+              <a:rPr lang="zh-TW" altLang="en-US" dirty="0"/>
+              <a:t>安全控管作業</a:t>
+            </a:r>
+            <a:r>
+              <a:rPr lang="zh-TW" altLang="en-US" dirty="0" smtClean="0"/>
+              <a:t>基準辦法</a:t>
+            </a:r>
+            <a:endParaRPr lang="en-US" altLang="zh-TW" dirty="0" smtClean="0"/>
+          </a:p>
+          <a:p>
+            <a:pPr marL="745200" lvl="1" indent="-457200">
+              <a:buFont typeface="+mj-lt"/>
+              <a:buAutoNum type="arabicPeriod"/>
+            </a:pPr>
+            <a:r>
+              <a:rPr lang="zh-TW" altLang="en-US" u="sng" dirty="0"/>
+              <a:t>電子票</a:t>
+            </a:r>
+            <a:r>
+              <a:rPr lang="zh-TW" altLang="en-US" u="sng" dirty="0" smtClean="0"/>
+              <a:t>證</a:t>
+            </a:r>
+            <a:r>
+              <a:rPr lang="zh-TW" altLang="en-US" dirty="0" smtClean="0"/>
+              <a:t>應用安全強度準則</a:t>
+            </a:r>
+            <a:endParaRPr lang="en-US" altLang="zh-TW" dirty="0" smtClean="0"/>
+          </a:p>
+          <a:p>
+            <a:pPr marL="745200" lvl="1" indent="-457200">
+              <a:buFont typeface="+mj-lt"/>
+              <a:buAutoNum type="arabicPeriod"/>
+            </a:pPr>
+            <a:r>
+              <a:rPr lang="zh-TW" altLang="en-US" dirty="0"/>
+              <a:t>金融機構辦理電腦系統資訊安全評估</a:t>
+            </a:r>
+            <a:r>
+              <a:rPr lang="zh-TW" altLang="en-US" dirty="0" smtClean="0"/>
+              <a:t>辦法</a:t>
+            </a:r>
+            <a:endParaRPr lang="en-US" altLang="zh-TW" dirty="0" smtClean="0"/>
+          </a:p>
+          <a:p>
             <a:pPr lvl="2"/>
             <a:r>
               <a:rPr lang="zh-TW" altLang="en-US" dirty="0" smtClean="0"/>
-              <a:t>增加第三方安全的監督支出</a:t>
+              <a:t>係指電子銀行、</a:t>
+            </a:r>
+            <a:r>
+              <a:rPr lang="en-US" altLang="zh-TW" dirty="0" smtClean="0"/>
+              <a:t>ATM</a:t>
+            </a:r>
+            <a:r>
+              <a:rPr lang="zh-TW" altLang="en-US" dirty="0" smtClean="0"/>
+              <a:t>、分行系統等客戶服務系統</a:t>
             </a:r>
             <a:endParaRPr lang="en-US" altLang="zh-TW" dirty="0" smtClean="0"/>
           </a:p>
           <a:p>
-            <a:pPr lvl="2"/>
-            <a:r>
-              <a:rPr lang="zh-TW" altLang="en-US" dirty="0" smtClean="0"/>
-              <a:t>健全基礎安全架構以增進與第三方合作之保障</a:t>
+            <a:pPr marL="745200" lvl="1" indent="-457200">
+              <a:buFont typeface="+mj-lt"/>
+              <a:buAutoNum type="arabicPeriod"/>
+            </a:pPr>
+            <a:r>
+              <a:rPr lang="zh-TW" altLang="en-US" dirty="0"/>
+              <a:t>金融監督管理委員會指定非公務機關個人資料檔案安全維護</a:t>
+            </a:r>
+            <a:r>
+              <a:rPr lang="zh-TW" altLang="en-US" dirty="0" smtClean="0"/>
+              <a:t>辦法</a:t>
             </a:r>
             <a:endParaRPr lang="en-US" altLang="zh-TW" dirty="0" smtClean="0"/>
           </a:p>
           <a:p>
-            <a:pPr lvl="1"/>
+            <a:pPr marL="745200" lvl="1" indent="-457200">
+              <a:buFont typeface="+mj-lt"/>
+              <a:buAutoNum type="arabicPeriod"/>
+            </a:pPr>
             <a:r>
               <a:rPr lang="zh-TW" altLang="en-US" dirty="0"/>
-              <a:t>行動服務</a:t>
-            </a:r>
-            <a:r>
-              <a:rPr lang="zh-TW" altLang="en-US" dirty="0" smtClean="0"/>
-              <a:t>安全</a:t>
+              <a:t>金融機構提供行動裝置應用程式</a:t>
+            </a:r>
+            <a:r>
+              <a:rPr lang="zh-TW" altLang="en-US" dirty="0" smtClean="0"/>
+              <a:t>注意事項</a:t>
             </a:r>
             <a:endParaRPr lang="en-US" altLang="zh-TW" dirty="0" smtClean="0"/>
           </a:p>
           <a:p>
-            <a:pPr lvl="2"/>
+            <a:pPr marL="745200" lvl="1" indent="-457200">
+              <a:buFont typeface="+mj-lt"/>
+              <a:buAutoNum type="arabicPeriod"/>
+            </a:pPr>
             <a:r>
               <a:rPr lang="zh-TW" altLang="en-US" dirty="0"/>
-              <a:t>行動裝置</a:t>
-            </a:r>
-            <a:r>
-              <a:rPr lang="en-US" altLang="zh-TW" dirty="0" smtClean="0"/>
-              <a:t>:</a:t>
-            </a:r>
-            <a:r>
-              <a:rPr lang="zh-TW" altLang="en-US" dirty="0" smtClean="0"/>
-              <a:t> 資料保護、連線功能、加密傳輸等。</a:t>
+              <a:t>運用新興科技應注意事項</a:t>
             </a:r>
             <a:endParaRPr lang="en-US" altLang="zh-TW" dirty="0" smtClean="0"/>
-          </a:p>
-          <a:p>
-            <a:pPr lvl="2"/>
-            <a:r>
-              <a:rPr lang="zh-TW" altLang="en-US" dirty="0"/>
-              <a:t>應用軟體</a:t>
-            </a:r>
-            <a:r>
-              <a:rPr lang="en-US" altLang="zh-TW" dirty="0" smtClean="0"/>
-              <a:t>:</a:t>
-            </a:r>
-            <a:r>
-              <a:rPr lang="zh-TW" altLang="en-US" dirty="0" smtClean="0"/>
-              <a:t> </a:t>
-            </a:r>
-            <a:r>
-              <a:rPr lang="en-US" altLang="zh-TW" dirty="0" smtClean="0"/>
-              <a:t>App</a:t>
-            </a:r>
-            <a:r>
-              <a:rPr lang="zh-TW" altLang="en-US" dirty="0" smtClean="0"/>
-              <a:t>開發門檻降低，安全漏洞</a:t>
-            </a:r>
-            <a:endParaRPr lang="en-US" altLang="zh-TW" dirty="0" smtClean="0"/>
-          </a:p>
-          <a:p>
-            <a:pPr lvl="2"/>
-            <a:r>
-              <a:rPr lang="zh-TW" altLang="en-US" dirty="0"/>
-              <a:t>身分識別</a:t>
-            </a:r>
-            <a:r>
-              <a:rPr lang="en-US" altLang="zh-TW" dirty="0" smtClean="0"/>
-              <a:t>:</a:t>
-            </a:r>
-            <a:r>
-              <a:rPr lang="zh-TW" altLang="en-US" dirty="0" smtClean="0"/>
-              <a:t> 生物識別。</a:t>
-            </a:r>
-            <a:endParaRPr lang="en-US" altLang="zh-TW" dirty="0" smtClean="0"/>
-          </a:p>
-          <a:p>
-            <a:pPr lvl="1"/>
-            <a:r>
-              <a:rPr lang="zh-TW" altLang="en-US" dirty="0"/>
-              <a:t>快速</a:t>
-            </a:r>
-            <a:r>
-              <a:rPr lang="zh-TW" altLang="en-US" dirty="0" smtClean="0"/>
-              <a:t>回應</a:t>
-            </a:r>
-            <a:endParaRPr lang="en-US" altLang="zh-TW" dirty="0" smtClean="0"/>
-          </a:p>
-          <a:p>
-            <a:pPr lvl="2"/>
-            <a:r>
-              <a:rPr lang="zh-TW" altLang="en-US" dirty="0" smtClean="0"/>
-              <a:t>傳播迅速是科技帶來的雙面刃</a:t>
-            </a:r>
-            <a:endParaRPr lang="en-US" altLang="zh-TW" dirty="0" smtClean="0"/>
-          </a:p>
-          <a:p>
-            <a:pPr lvl="2"/>
-            <a:r>
-              <a:rPr lang="zh-TW" altLang="en-US" dirty="0"/>
-              <a:t>錯誤訊息、謠言</a:t>
-            </a:r>
-            <a:r>
-              <a:rPr lang="zh-TW" altLang="en-US" dirty="0" smtClean="0"/>
-              <a:t>散播</a:t>
-            </a:r>
-            <a:endParaRPr lang="en-US" altLang="zh-TW" dirty="0" smtClean="0"/>
-          </a:p>
-          <a:p>
-            <a:pPr lvl="2"/>
-            <a:r>
-              <a:rPr lang="zh-TW" altLang="en-US" dirty="0" smtClean="0"/>
-              <a:t>影響風險定價、消費者信心不足發生擠兌</a:t>
-            </a:r>
-            <a:endParaRPr lang="zh-TW" altLang="en-US" dirty="0"/>
           </a:p>
         </p:txBody>
       </p:sp>
@@ -7150,7 +8826,7 @@
     </p:spTree>
     <p:extLst>
       <p:ext uri="{BB962C8B-B14F-4D97-AF65-F5344CB8AC3E}">
-        <p14:creationId xmlns:p14="http://schemas.microsoft.com/office/powerpoint/2010/main" val="2463573083"/>
+        <p14:creationId xmlns:p14="http://schemas.microsoft.com/office/powerpoint/2010/main" val="1813436842"/>
       </p:ext>
     </p:extLst>
   </p:cSld>
@@ -7186,7 +8862,7 @@
       </p:grpSpPr>
       <p:sp>
         <p:nvSpPr>
-          <p:cNvPr id="2" name="標題 1"/>
+          <p:cNvPr id="6" name="標題 5"/>
           <p:cNvSpPr>
             <a:spLocks noGrp="1"/>
           </p:cNvSpPr>
@@ -7201,230 +8877,9 @@
           <a:p>
             <a:r>
               <a:rPr lang="zh-TW" altLang="en-US" dirty="0" smtClean="0"/>
-              <a:t>新興資安議題</a:t>
+              <a:t>金融趨勢發展</a:t>
             </a:r>
             <a:endParaRPr lang="zh-TW" altLang="en-US" dirty="0"/>
-          </a:p>
-        </p:txBody>
-      </p:sp>
-      <p:sp>
-        <p:nvSpPr>
-          <p:cNvPr id="3" name="內容版面配置區 2"/>
-          <p:cNvSpPr>
-            <a:spLocks noGrp="1"/>
-          </p:cNvSpPr>
-          <p:nvPr>
-            <p:ph idx="1"/>
-          </p:nvPr>
-        </p:nvSpPr>
-        <p:spPr/>
-        <p:txBody>
-          <a:bodyPr/>
-          <a:lstStyle/>
-          <a:p>
-            <a:r>
-              <a:rPr lang="zh-TW" altLang="en-US" dirty="0" smtClean="0"/>
-              <a:t>國內現況 </a:t>
-            </a:r>
-            <a:r>
-              <a:rPr lang="en-US" altLang="zh-TW" dirty="0" smtClean="0"/>
-              <a:t>(</a:t>
-            </a:r>
-            <a:r>
-              <a:rPr lang="zh-TW" altLang="en-US" dirty="0" smtClean="0"/>
-              <a:t>銀行業</a:t>
-            </a:r>
-            <a:r>
-              <a:rPr lang="en-US" altLang="zh-TW" dirty="0" smtClean="0"/>
-              <a:t>)</a:t>
-            </a:r>
-          </a:p>
-          <a:p>
-            <a:pPr marL="745200" lvl="1" indent="-457200">
-              <a:buFont typeface="+mj-lt"/>
-              <a:buAutoNum type="arabicPeriod"/>
-            </a:pPr>
-            <a:r>
-              <a:rPr lang="zh-TW" altLang="en-US" dirty="0" smtClean="0"/>
-              <a:t>金融機構資訊系統安全基準</a:t>
-            </a:r>
-            <a:endParaRPr lang="en-US" altLang="zh-TW" dirty="0" smtClean="0"/>
-          </a:p>
-          <a:p>
-            <a:pPr marL="745200" lvl="1" indent="-457200">
-              <a:buFont typeface="+mj-lt"/>
-              <a:buAutoNum type="arabicPeriod"/>
-            </a:pPr>
-            <a:r>
-              <a:rPr lang="zh-TW" altLang="en-US" dirty="0"/>
-              <a:t>金融機構</a:t>
-            </a:r>
-            <a:r>
-              <a:rPr lang="zh-TW" altLang="en-US" dirty="0" smtClean="0"/>
-              <a:t>辦理</a:t>
-            </a:r>
-            <a:r>
-              <a:rPr lang="zh-TW" altLang="en-US" u="sng" dirty="0" smtClean="0"/>
-              <a:t>電子銀行業務</a:t>
-            </a:r>
-            <a:r>
-              <a:rPr lang="zh-TW" altLang="en-US" dirty="0" smtClean="0"/>
-              <a:t>安全控管作業基準</a:t>
-            </a:r>
-            <a:endParaRPr lang="en-US" altLang="zh-TW" dirty="0" smtClean="0"/>
-          </a:p>
-          <a:p>
-            <a:pPr marL="745200" lvl="1" indent="-457200">
-              <a:buFont typeface="+mj-lt"/>
-              <a:buAutoNum type="arabicPeriod"/>
-            </a:pPr>
-            <a:r>
-              <a:rPr lang="zh-TW" altLang="en-US" u="sng" dirty="0"/>
-              <a:t>信用卡</a:t>
-            </a:r>
-            <a:r>
-              <a:rPr lang="zh-TW" altLang="en-US" u="sng" dirty="0" smtClean="0"/>
-              <a:t>業務機構</a:t>
-            </a:r>
-            <a:r>
-              <a:rPr lang="zh-TW" altLang="en-US" dirty="0" smtClean="0"/>
-              <a:t>辦理</a:t>
-            </a:r>
-            <a:r>
-              <a:rPr lang="zh-TW" altLang="en-US" u="sng" dirty="0" smtClean="0"/>
-              <a:t>手機信用卡業務</a:t>
-            </a:r>
-            <a:r>
-              <a:rPr lang="zh-TW" altLang="en-US" dirty="0" smtClean="0"/>
-              <a:t>安全</a:t>
-            </a:r>
-            <a:r>
-              <a:rPr lang="zh-TW" altLang="en-US" dirty="0"/>
-              <a:t>控管作業</a:t>
-            </a:r>
-            <a:r>
-              <a:rPr lang="zh-TW" altLang="en-US" dirty="0" smtClean="0"/>
-              <a:t>基準</a:t>
-            </a:r>
-            <a:endParaRPr lang="en-US" altLang="zh-TW" dirty="0" smtClean="0"/>
-          </a:p>
-          <a:p>
-            <a:pPr marL="745200" lvl="1" indent="-457200">
-              <a:buFont typeface="+mj-lt"/>
-              <a:buAutoNum type="arabicPeriod"/>
-            </a:pPr>
-            <a:r>
-              <a:rPr lang="zh-TW" altLang="en-US" u="sng" dirty="0"/>
-              <a:t>電子支付</a:t>
-            </a:r>
-            <a:r>
-              <a:rPr lang="zh-TW" altLang="en-US" u="sng" dirty="0" smtClean="0"/>
-              <a:t>機構</a:t>
-            </a:r>
-            <a:r>
-              <a:rPr lang="zh-TW" altLang="en-US" dirty="0" smtClean="0"/>
-              <a:t>資訊系統標準及</a:t>
-            </a:r>
-            <a:r>
-              <a:rPr lang="zh-TW" altLang="en-US" dirty="0"/>
-              <a:t>安全控管作業</a:t>
-            </a:r>
-            <a:r>
-              <a:rPr lang="zh-TW" altLang="en-US" dirty="0" smtClean="0"/>
-              <a:t>基準辦法</a:t>
-            </a:r>
-            <a:endParaRPr lang="en-US" altLang="zh-TW" dirty="0" smtClean="0"/>
-          </a:p>
-          <a:p>
-            <a:pPr marL="745200" lvl="1" indent="-457200">
-              <a:buFont typeface="+mj-lt"/>
-              <a:buAutoNum type="arabicPeriod"/>
-            </a:pPr>
-            <a:r>
-              <a:rPr lang="zh-TW" altLang="en-US" u="sng" dirty="0"/>
-              <a:t>電子票</a:t>
-            </a:r>
-            <a:r>
-              <a:rPr lang="zh-TW" altLang="en-US" u="sng" dirty="0" smtClean="0"/>
-              <a:t>證</a:t>
-            </a:r>
-            <a:r>
-              <a:rPr lang="zh-TW" altLang="en-US" dirty="0" smtClean="0"/>
-              <a:t>應用安全強度準則</a:t>
-            </a:r>
-            <a:endParaRPr lang="en-US" altLang="zh-TW" dirty="0" smtClean="0"/>
-          </a:p>
-          <a:p>
-            <a:pPr marL="745200" lvl="1" indent="-457200">
-              <a:buFont typeface="+mj-lt"/>
-              <a:buAutoNum type="arabicPeriod"/>
-            </a:pPr>
-            <a:r>
-              <a:rPr lang="zh-TW" altLang="en-US" dirty="0"/>
-              <a:t>金融機構辦理電腦系統資訊安全評估</a:t>
-            </a:r>
-            <a:r>
-              <a:rPr lang="zh-TW" altLang="en-US" dirty="0" smtClean="0"/>
-              <a:t>辦法</a:t>
-            </a:r>
-            <a:endParaRPr lang="en-US" altLang="zh-TW" dirty="0" smtClean="0"/>
-          </a:p>
-          <a:p>
-            <a:pPr lvl="2"/>
-            <a:r>
-              <a:rPr lang="zh-TW" altLang="en-US" dirty="0" smtClean="0"/>
-              <a:t>係指電子銀行、</a:t>
-            </a:r>
-            <a:r>
-              <a:rPr lang="en-US" altLang="zh-TW" dirty="0" smtClean="0"/>
-              <a:t>ATM</a:t>
-            </a:r>
-            <a:r>
-              <a:rPr lang="zh-TW" altLang="en-US" dirty="0" smtClean="0"/>
-              <a:t>、分行系統等客戶服務系統</a:t>
-            </a:r>
-            <a:endParaRPr lang="en-US" altLang="zh-TW" dirty="0" smtClean="0"/>
-          </a:p>
-          <a:p>
-            <a:pPr marL="745200" lvl="1" indent="-457200">
-              <a:buFont typeface="+mj-lt"/>
-              <a:buAutoNum type="arabicPeriod"/>
-            </a:pPr>
-            <a:r>
-              <a:rPr lang="zh-TW" altLang="en-US" dirty="0"/>
-              <a:t>金融監督管理委員會指定非公務機關個人資料檔案安全維護</a:t>
-            </a:r>
-            <a:r>
-              <a:rPr lang="zh-TW" altLang="en-US" dirty="0" smtClean="0"/>
-              <a:t>辦法</a:t>
-            </a:r>
-            <a:endParaRPr lang="en-US" altLang="zh-TW" dirty="0" smtClean="0"/>
-          </a:p>
-          <a:p>
-            <a:pPr marL="745200" lvl="1" indent="-457200">
-              <a:buFont typeface="+mj-lt"/>
-              <a:buAutoNum type="arabicPeriod"/>
-            </a:pPr>
-            <a:r>
-              <a:rPr lang="zh-TW" altLang="en-US" dirty="0"/>
-              <a:t>金融機構提供行動裝置應用程式</a:t>
-            </a:r>
-            <a:r>
-              <a:rPr lang="zh-TW" altLang="en-US" dirty="0" smtClean="0"/>
-              <a:t>注意事項</a:t>
-            </a:r>
-            <a:endParaRPr lang="en-US" altLang="zh-TW" dirty="0" smtClean="0"/>
-          </a:p>
-          <a:p>
-            <a:pPr marL="745200" lvl="1" indent="-457200">
-              <a:buFont typeface="+mj-lt"/>
-              <a:buAutoNum type="arabicPeriod"/>
-            </a:pPr>
-            <a:r>
-              <a:rPr lang="zh-TW" altLang="en-US" dirty="0"/>
-              <a:t>運用新興科技應注意事項</a:t>
-            </a:r>
-            <a:endParaRPr lang="en-US" altLang="zh-TW" dirty="0" smtClean="0"/>
           </a:p>
         </p:txBody>
       </p:sp>
@@ -7474,10 +8929,1462 @@
           </a:p>
         </p:txBody>
       </p:sp>
+      <p:grpSp>
+        <p:nvGrpSpPr>
+          <p:cNvPr id="12" name="群組 11"/>
+          <p:cNvGrpSpPr/>
+          <p:nvPr/>
+        </p:nvGrpSpPr>
+        <p:grpSpPr>
+          <a:xfrm>
+            <a:off x="1115616" y="1124744"/>
+            <a:ext cx="6984136" cy="1296089"/>
+            <a:chOff x="1115616" y="1628799"/>
+            <a:chExt cx="6984136" cy="1296089"/>
+          </a:xfrm>
+        </p:grpSpPr>
+        <p:sp>
+          <p:nvSpPr>
+            <p:cNvPr id="8" name="流程圖: 人工輸入 7"/>
+            <p:cNvSpPr/>
+            <p:nvPr/>
+          </p:nvSpPr>
+          <p:spPr>
+            <a:xfrm rot="16200000" flipV="1">
+              <a:off x="3347865" y="-603450"/>
+              <a:ext cx="864095" cy="5328594"/>
+            </a:xfrm>
+            <a:prstGeom prst="flowChartManualInput">
+              <a:avLst/>
+            </a:prstGeom>
+            <a:solidFill>
+              <a:srgbClr val="FCB040"/>
+            </a:solidFill>
+            <a:ln>
+              <a:noFill/>
+            </a:ln>
+            <a:effectLst>
+              <a:outerShdw blurRad="50800" dist="38100" dir="2700000" algn="tl" rotWithShape="0">
+                <a:prstClr val="black">
+                  <a:alpha val="40000"/>
+                </a:prstClr>
+              </a:outerShdw>
+            </a:effectLst>
+          </p:spPr>
+          <p:style>
+            <a:lnRef idx="2">
+              <a:schemeClr val="accent1">
+                <a:shade val="50000"/>
+              </a:schemeClr>
+            </a:lnRef>
+            <a:fillRef idx="1">
+              <a:schemeClr val="accent1"/>
+            </a:fillRef>
+            <a:effectRef idx="0">
+              <a:schemeClr val="accent1"/>
+            </a:effectRef>
+            <a:fontRef idx="minor">
+              <a:schemeClr val="lt1"/>
+            </a:fontRef>
+          </p:style>
+          <p:txBody>
+            <a:bodyPr rtlCol="0" anchor="ctr"/>
+            <a:lstStyle/>
+            <a:p>
+              <a:pPr algn="ctr"/>
+              <a:endParaRPr lang="zh-TW" altLang="en-US"/>
+            </a:p>
+          </p:txBody>
+        </p:sp>
+        <p:sp>
+          <p:nvSpPr>
+            <p:cNvPr id="9" name="流程圖: 人工輸入 8"/>
+            <p:cNvSpPr/>
+            <p:nvPr/>
+          </p:nvSpPr>
+          <p:spPr>
+            <a:xfrm rot="16200000" flipH="1">
+              <a:off x="4679752" y="-495112"/>
+              <a:ext cx="1080000" cy="5760000"/>
+            </a:xfrm>
+            <a:custGeom>
+              <a:avLst/>
+              <a:gdLst>
+                <a:gd name="connsiteX0" fmla="*/ 0 w 10000"/>
+                <a:gd name="connsiteY0" fmla="*/ 2000 h 10000"/>
+                <a:gd name="connsiteX1" fmla="*/ 10000 w 10000"/>
+                <a:gd name="connsiteY1" fmla="*/ 0 h 10000"/>
+                <a:gd name="connsiteX2" fmla="*/ 10000 w 10000"/>
+                <a:gd name="connsiteY2" fmla="*/ 10000 h 10000"/>
+                <a:gd name="connsiteX3" fmla="*/ 0 w 10000"/>
+                <a:gd name="connsiteY3" fmla="*/ 10000 h 10000"/>
+                <a:gd name="connsiteX4" fmla="*/ 0 w 10000"/>
+                <a:gd name="connsiteY4" fmla="*/ 2000 h 10000"/>
+                <a:gd name="connsiteX0" fmla="*/ 0 w 10000"/>
+                <a:gd name="connsiteY0" fmla="*/ 523 h 10000"/>
+                <a:gd name="connsiteX1" fmla="*/ 10000 w 10000"/>
+                <a:gd name="connsiteY1" fmla="*/ 0 h 10000"/>
+                <a:gd name="connsiteX2" fmla="*/ 10000 w 10000"/>
+                <a:gd name="connsiteY2" fmla="*/ 10000 h 10000"/>
+                <a:gd name="connsiteX3" fmla="*/ 0 w 10000"/>
+                <a:gd name="connsiteY3" fmla="*/ 10000 h 10000"/>
+                <a:gd name="connsiteX4" fmla="*/ 0 w 10000"/>
+                <a:gd name="connsiteY4" fmla="*/ 523 h 10000"/>
+              </a:gdLst>
+              <a:ahLst/>
+              <a:cxnLst>
+                <a:cxn ang="0">
+                  <a:pos x="connsiteX0" y="connsiteY0"/>
+                </a:cxn>
+                <a:cxn ang="0">
+                  <a:pos x="connsiteX1" y="connsiteY1"/>
+                </a:cxn>
+                <a:cxn ang="0">
+                  <a:pos x="connsiteX2" y="connsiteY2"/>
+                </a:cxn>
+                <a:cxn ang="0">
+                  <a:pos x="connsiteX3" y="connsiteY3"/>
+                </a:cxn>
+                <a:cxn ang="0">
+                  <a:pos x="connsiteX4" y="connsiteY4"/>
+                </a:cxn>
+              </a:cxnLst>
+              <a:rect l="l" t="t" r="r" b="b"/>
+              <a:pathLst>
+                <a:path w="10000" h="10000">
+                  <a:moveTo>
+                    <a:pt x="0" y="523"/>
+                  </a:moveTo>
+                  <a:lnTo>
+                    <a:pt x="10000" y="0"/>
+                  </a:lnTo>
+                  <a:lnTo>
+                    <a:pt x="10000" y="10000"/>
+                  </a:lnTo>
+                  <a:lnTo>
+                    <a:pt x="0" y="10000"/>
+                  </a:lnTo>
+                  <a:lnTo>
+                    <a:pt x="0" y="523"/>
+                  </a:lnTo>
+                  <a:close/>
+                </a:path>
+              </a:pathLst>
+            </a:custGeom>
+            <a:solidFill>
+              <a:srgbClr val="EBEBEB"/>
+            </a:solidFill>
+            <a:ln>
+              <a:noFill/>
+            </a:ln>
+            <a:effectLst>
+              <a:outerShdw blurRad="50800" dist="38100" dir="2700000" algn="tl" rotWithShape="0">
+                <a:prstClr val="black">
+                  <a:alpha val="40000"/>
+                </a:prstClr>
+              </a:outerShdw>
+            </a:effectLst>
+          </p:spPr>
+          <p:style>
+            <a:lnRef idx="2">
+              <a:schemeClr val="accent1">
+                <a:shade val="50000"/>
+              </a:schemeClr>
+            </a:lnRef>
+            <a:fillRef idx="1">
+              <a:schemeClr val="accent1"/>
+            </a:fillRef>
+            <a:effectRef idx="0">
+              <a:schemeClr val="accent1"/>
+            </a:effectRef>
+            <a:fontRef idx="minor">
+              <a:schemeClr val="lt1"/>
+            </a:fontRef>
+          </p:style>
+          <p:txBody>
+            <a:bodyPr rtlCol="0" anchor="ctr"/>
+            <a:lstStyle/>
+            <a:p>
+              <a:pPr algn="ctr"/>
+              <a:endParaRPr lang="zh-TW" altLang="en-US" dirty="0"/>
+            </a:p>
+          </p:txBody>
+        </p:sp>
+        <p:sp>
+          <p:nvSpPr>
+            <p:cNvPr id="10" name="文字方塊 9"/>
+            <p:cNvSpPr txBox="1"/>
+            <p:nvPr/>
+          </p:nvSpPr>
+          <p:spPr>
+            <a:xfrm>
+              <a:off x="1259632" y="1907539"/>
+              <a:ext cx="1152000" cy="369332"/>
+            </a:xfrm>
+            <a:prstGeom prst="rect">
+              <a:avLst/>
+            </a:prstGeom>
+            <a:noFill/>
+          </p:spPr>
+          <p:txBody>
+            <a:bodyPr wrap="square" rtlCol="0">
+              <a:spAutoFit/>
+            </a:bodyPr>
+            <a:lstStyle/>
+            <a:p>
+              <a:pPr algn="ctr"/>
+              <a:r>
+                <a:rPr lang="zh-TW" altLang="en-US" b="1" dirty="0" smtClean="0">
+                  <a:solidFill>
+                    <a:schemeClr val="bg1"/>
+                  </a:solidFill>
+                  <a:effectLst>
+                    <a:outerShdw blurRad="38100" dist="38100" dir="2700000" algn="tl">
+                      <a:srgbClr val="000000">
+                        <a:alpha val="43137"/>
+                      </a:srgbClr>
+                    </a:outerShdw>
+                  </a:effectLst>
+                  <a:latin typeface="微軟正黑體" panose="020B0604030504040204" pitchFamily="34" charset="-120"/>
+                  <a:ea typeface="微軟正黑體" panose="020B0604030504040204" pitchFamily="34" charset="-120"/>
+                </a:rPr>
+                <a:t>金融服務</a:t>
+              </a:r>
+              <a:endParaRPr lang="zh-TW" altLang="en-US" b="1" dirty="0">
+                <a:solidFill>
+                  <a:schemeClr val="bg1"/>
+                </a:solidFill>
+                <a:effectLst>
+                  <a:outerShdw blurRad="38100" dist="38100" dir="2700000" algn="tl">
+                    <a:srgbClr val="000000">
+                      <a:alpha val="43137"/>
+                    </a:srgbClr>
+                  </a:outerShdw>
+                </a:effectLst>
+                <a:latin typeface="微軟正黑體" panose="020B0604030504040204" pitchFamily="34" charset="-120"/>
+                <a:ea typeface="微軟正黑體" panose="020B0604030504040204" pitchFamily="34" charset="-120"/>
+              </a:endParaRPr>
+            </a:p>
+          </p:txBody>
+        </p:sp>
+        <p:sp>
+          <p:nvSpPr>
+            <p:cNvPr id="11" name="文字方塊 10"/>
+            <p:cNvSpPr txBox="1"/>
+            <p:nvPr/>
+          </p:nvSpPr>
+          <p:spPr>
+            <a:xfrm>
+              <a:off x="2699792" y="1844887"/>
+              <a:ext cx="5292000" cy="1080000"/>
+            </a:xfrm>
+            <a:prstGeom prst="rect">
+              <a:avLst/>
+            </a:prstGeom>
+            <a:noFill/>
+          </p:spPr>
+          <p:txBody>
+            <a:bodyPr wrap="square" rtlCol="0">
+              <a:spAutoFit/>
+            </a:bodyPr>
+            <a:lstStyle/>
+            <a:p>
+              <a:r>
+                <a:rPr lang="zh-TW" altLang="en-US" sz="1600" dirty="0">
+                  <a:solidFill>
+                    <a:schemeClr val="tx1">
+                      <a:lumMod val="75000"/>
+                      <a:lumOff val="25000"/>
+                    </a:schemeClr>
+                  </a:solidFill>
+                  <a:latin typeface="微軟正黑體" panose="020B0604030504040204" pitchFamily="34" charset="-120"/>
+                  <a:ea typeface="微軟正黑體" panose="020B0604030504040204" pitchFamily="34" charset="-120"/>
+                </a:rPr>
+                <a:t>就世界經濟論壇</a:t>
+              </a:r>
+              <a:r>
+                <a:rPr lang="en-US" altLang="zh-TW" sz="1600" dirty="0">
+                  <a:solidFill>
+                    <a:schemeClr val="tx1">
+                      <a:lumMod val="75000"/>
+                      <a:lumOff val="25000"/>
+                    </a:schemeClr>
+                  </a:solidFill>
+                  <a:latin typeface="微軟正黑體" panose="020B0604030504040204" pitchFamily="34" charset="-120"/>
+                  <a:ea typeface="微軟正黑體" panose="020B0604030504040204" pitchFamily="34" charset="-120"/>
+                </a:rPr>
+                <a:t>2015</a:t>
+              </a:r>
+              <a:r>
+                <a:rPr lang="zh-TW" altLang="en-US" sz="1600" dirty="0">
+                  <a:solidFill>
+                    <a:schemeClr val="tx1">
+                      <a:lumMod val="75000"/>
+                      <a:lumOff val="25000"/>
+                    </a:schemeClr>
+                  </a:solidFill>
+                  <a:latin typeface="微軟正黑體" panose="020B0604030504040204" pitchFamily="34" charset="-120"/>
+                  <a:ea typeface="微軟正黑體" panose="020B0604030504040204" pitchFamily="34" charset="-120"/>
+                </a:rPr>
+                <a:t>年</a:t>
+              </a:r>
+              <a:r>
+                <a:rPr lang="en-US" altLang="zh-TW" sz="1600" dirty="0">
+                  <a:solidFill>
+                    <a:schemeClr val="tx1">
+                      <a:lumMod val="75000"/>
+                      <a:lumOff val="25000"/>
+                    </a:schemeClr>
+                  </a:solidFill>
+                  <a:latin typeface="微軟正黑體" panose="020B0604030504040204" pitchFamily="34" charset="-120"/>
+                  <a:ea typeface="微軟正黑體" panose="020B0604030504040204" pitchFamily="34" charset="-120"/>
+                </a:rPr>
+                <a:t>6</a:t>
+              </a:r>
+              <a:r>
+                <a:rPr lang="zh-TW" altLang="en-US" sz="1600" dirty="0">
+                  <a:solidFill>
+                    <a:schemeClr val="tx1">
+                      <a:lumMod val="75000"/>
+                      <a:lumOff val="25000"/>
+                    </a:schemeClr>
+                  </a:solidFill>
+                  <a:latin typeface="微軟正黑體" panose="020B0604030504040204" pitchFamily="34" charset="-120"/>
+                  <a:ea typeface="微軟正黑體" panose="020B0604030504040204" pitchFamily="34" charset="-120"/>
+                </a:rPr>
+                <a:t>月所發布「金融服務的</a:t>
+              </a:r>
+              <a:r>
+                <a:rPr lang="zh-TW" altLang="en-US" sz="1600" dirty="0" smtClean="0">
+                  <a:solidFill>
+                    <a:schemeClr val="tx1">
+                      <a:lumMod val="75000"/>
+                      <a:lumOff val="25000"/>
+                    </a:schemeClr>
+                  </a:solidFill>
+                  <a:latin typeface="微軟正黑體" panose="020B0604030504040204" pitchFamily="34" charset="-120"/>
+                  <a:ea typeface="微軟正黑體" panose="020B0604030504040204" pitchFamily="34" charset="-120"/>
+                </a:rPr>
+                <a:t>未來」</a:t>
+              </a:r>
+              <a:r>
+                <a:rPr lang="zh-TW" altLang="en-US" sz="1600" dirty="0">
+                  <a:solidFill>
+                    <a:schemeClr val="tx1">
+                      <a:lumMod val="75000"/>
+                      <a:lumOff val="25000"/>
+                    </a:schemeClr>
+                  </a:solidFill>
+                  <a:latin typeface="微軟正黑體" panose="020B0604030504040204" pitchFamily="34" charset="-120"/>
+                  <a:ea typeface="微軟正黑體" panose="020B0604030504040204" pitchFamily="34" charset="-120"/>
+                </a:rPr>
+                <a:t>報告所揭露包括支付、保險、融資、募資、投資管理、市場供應等金融</a:t>
+              </a:r>
+              <a:r>
+                <a:rPr lang="en-US" altLang="zh-TW" sz="1600" dirty="0">
+                  <a:solidFill>
+                    <a:schemeClr val="tx1">
+                      <a:lumMod val="75000"/>
+                      <a:lumOff val="25000"/>
+                    </a:schemeClr>
+                  </a:solidFill>
+                  <a:latin typeface="微軟正黑體" panose="020B0604030504040204" pitchFamily="34" charset="-120"/>
+                  <a:ea typeface="微軟正黑體" panose="020B0604030504040204" pitchFamily="34" charset="-120"/>
+                </a:rPr>
+                <a:t>6</a:t>
+              </a:r>
+              <a:r>
+                <a:rPr lang="zh-TW" altLang="en-US" sz="1600" dirty="0">
+                  <a:solidFill>
+                    <a:schemeClr val="tx1">
+                      <a:lumMod val="75000"/>
+                      <a:lumOff val="25000"/>
+                    </a:schemeClr>
+                  </a:solidFill>
+                  <a:latin typeface="微軟正黑體" panose="020B0604030504040204" pitchFamily="34" charset="-120"/>
+                  <a:ea typeface="微軟正黑體" panose="020B0604030504040204" pitchFamily="34" charset="-120"/>
+                </a:rPr>
+                <a:t>大核心服務功能，探討國際發展趨勢與國內推動現況。 </a:t>
+              </a:r>
+            </a:p>
+          </p:txBody>
+        </p:sp>
+      </p:grpSp>
+      <p:grpSp>
+        <p:nvGrpSpPr>
+          <p:cNvPr id="28" name="群組 27"/>
+          <p:cNvGrpSpPr/>
+          <p:nvPr/>
+        </p:nvGrpSpPr>
+        <p:grpSpPr>
+          <a:xfrm>
+            <a:off x="1115616" y="2468893"/>
+            <a:ext cx="6984136" cy="1296089"/>
+            <a:chOff x="1115616" y="1628799"/>
+            <a:chExt cx="6984136" cy="1296089"/>
+          </a:xfrm>
+        </p:grpSpPr>
+        <p:sp>
+          <p:nvSpPr>
+            <p:cNvPr id="29" name="流程圖: 人工輸入 28"/>
+            <p:cNvSpPr/>
+            <p:nvPr/>
+          </p:nvSpPr>
+          <p:spPr>
+            <a:xfrm rot="16200000" flipV="1">
+              <a:off x="3347865" y="-603450"/>
+              <a:ext cx="864095" cy="5328594"/>
+            </a:xfrm>
+            <a:prstGeom prst="flowChartManualInput">
+              <a:avLst/>
+            </a:prstGeom>
+            <a:solidFill>
+              <a:srgbClr val="3AB3D2"/>
+            </a:solidFill>
+            <a:ln>
+              <a:noFill/>
+            </a:ln>
+            <a:effectLst>
+              <a:outerShdw blurRad="50800" dist="38100" dir="2700000" algn="tl" rotWithShape="0">
+                <a:prstClr val="black">
+                  <a:alpha val="40000"/>
+                </a:prstClr>
+              </a:outerShdw>
+            </a:effectLst>
+          </p:spPr>
+          <p:style>
+            <a:lnRef idx="2">
+              <a:schemeClr val="accent1">
+                <a:shade val="50000"/>
+              </a:schemeClr>
+            </a:lnRef>
+            <a:fillRef idx="1">
+              <a:schemeClr val="accent1"/>
+            </a:fillRef>
+            <a:effectRef idx="0">
+              <a:schemeClr val="accent1"/>
+            </a:effectRef>
+            <a:fontRef idx="minor">
+              <a:schemeClr val="lt1"/>
+            </a:fontRef>
+          </p:style>
+          <p:txBody>
+            <a:bodyPr rtlCol="0" anchor="ctr"/>
+            <a:lstStyle/>
+            <a:p>
+              <a:pPr algn="ctr"/>
+              <a:endParaRPr lang="zh-TW" altLang="en-US"/>
+            </a:p>
+          </p:txBody>
+        </p:sp>
+        <p:sp>
+          <p:nvSpPr>
+            <p:cNvPr id="30" name="流程圖: 人工輸入 8"/>
+            <p:cNvSpPr/>
+            <p:nvPr/>
+          </p:nvSpPr>
+          <p:spPr>
+            <a:xfrm rot="16200000" flipH="1">
+              <a:off x="4679752" y="-495112"/>
+              <a:ext cx="1080000" cy="5760000"/>
+            </a:xfrm>
+            <a:custGeom>
+              <a:avLst/>
+              <a:gdLst>
+                <a:gd name="connsiteX0" fmla="*/ 0 w 10000"/>
+                <a:gd name="connsiteY0" fmla="*/ 2000 h 10000"/>
+                <a:gd name="connsiteX1" fmla="*/ 10000 w 10000"/>
+                <a:gd name="connsiteY1" fmla="*/ 0 h 10000"/>
+                <a:gd name="connsiteX2" fmla="*/ 10000 w 10000"/>
+                <a:gd name="connsiteY2" fmla="*/ 10000 h 10000"/>
+                <a:gd name="connsiteX3" fmla="*/ 0 w 10000"/>
+                <a:gd name="connsiteY3" fmla="*/ 10000 h 10000"/>
+                <a:gd name="connsiteX4" fmla="*/ 0 w 10000"/>
+                <a:gd name="connsiteY4" fmla="*/ 2000 h 10000"/>
+                <a:gd name="connsiteX0" fmla="*/ 0 w 10000"/>
+                <a:gd name="connsiteY0" fmla="*/ 523 h 10000"/>
+                <a:gd name="connsiteX1" fmla="*/ 10000 w 10000"/>
+                <a:gd name="connsiteY1" fmla="*/ 0 h 10000"/>
+                <a:gd name="connsiteX2" fmla="*/ 10000 w 10000"/>
+                <a:gd name="connsiteY2" fmla="*/ 10000 h 10000"/>
+                <a:gd name="connsiteX3" fmla="*/ 0 w 10000"/>
+                <a:gd name="connsiteY3" fmla="*/ 10000 h 10000"/>
+                <a:gd name="connsiteX4" fmla="*/ 0 w 10000"/>
+                <a:gd name="connsiteY4" fmla="*/ 523 h 10000"/>
+              </a:gdLst>
+              <a:ahLst/>
+              <a:cxnLst>
+                <a:cxn ang="0">
+                  <a:pos x="connsiteX0" y="connsiteY0"/>
+                </a:cxn>
+                <a:cxn ang="0">
+                  <a:pos x="connsiteX1" y="connsiteY1"/>
+                </a:cxn>
+                <a:cxn ang="0">
+                  <a:pos x="connsiteX2" y="connsiteY2"/>
+                </a:cxn>
+                <a:cxn ang="0">
+                  <a:pos x="connsiteX3" y="connsiteY3"/>
+                </a:cxn>
+                <a:cxn ang="0">
+                  <a:pos x="connsiteX4" y="connsiteY4"/>
+                </a:cxn>
+              </a:cxnLst>
+              <a:rect l="l" t="t" r="r" b="b"/>
+              <a:pathLst>
+                <a:path w="10000" h="10000">
+                  <a:moveTo>
+                    <a:pt x="0" y="523"/>
+                  </a:moveTo>
+                  <a:lnTo>
+                    <a:pt x="10000" y="0"/>
+                  </a:lnTo>
+                  <a:lnTo>
+                    <a:pt x="10000" y="10000"/>
+                  </a:lnTo>
+                  <a:lnTo>
+                    <a:pt x="0" y="10000"/>
+                  </a:lnTo>
+                  <a:lnTo>
+                    <a:pt x="0" y="523"/>
+                  </a:lnTo>
+                  <a:close/>
+                </a:path>
+              </a:pathLst>
+            </a:custGeom>
+            <a:solidFill>
+              <a:srgbClr val="EBEBEB"/>
+            </a:solidFill>
+            <a:ln>
+              <a:noFill/>
+            </a:ln>
+            <a:effectLst>
+              <a:outerShdw blurRad="50800" dist="38100" dir="2700000" algn="tl" rotWithShape="0">
+                <a:prstClr val="black">
+                  <a:alpha val="40000"/>
+                </a:prstClr>
+              </a:outerShdw>
+            </a:effectLst>
+          </p:spPr>
+          <p:style>
+            <a:lnRef idx="2">
+              <a:schemeClr val="accent1">
+                <a:shade val="50000"/>
+              </a:schemeClr>
+            </a:lnRef>
+            <a:fillRef idx="1">
+              <a:schemeClr val="accent1"/>
+            </a:fillRef>
+            <a:effectRef idx="0">
+              <a:schemeClr val="accent1"/>
+            </a:effectRef>
+            <a:fontRef idx="minor">
+              <a:schemeClr val="lt1"/>
+            </a:fontRef>
+          </p:style>
+          <p:txBody>
+            <a:bodyPr rtlCol="0" anchor="ctr"/>
+            <a:lstStyle/>
+            <a:p>
+              <a:pPr algn="ctr"/>
+              <a:endParaRPr lang="zh-TW" altLang="en-US" dirty="0"/>
+            </a:p>
+          </p:txBody>
+        </p:sp>
+        <p:sp>
+          <p:nvSpPr>
+            <p:cNvPr id="31" name="文字方塊 30"/>
+            <p:cNvSpPr txBox="1"/>
+            <p:nvPr/>
+          </p:nvSpPr>
+          <p:spPr>
+            <a:xfrm>
+              <a:off x="1259632" y="1931542"/>
+              <a:ext cx="1152000" cy="369332"/>
+            </a:xfrm>
+            <a:prstGeom prst="rect">
+              <a:avLst/>
+            </a:prstGeom>
+            <a:noFill/>
+          </p:spPr>
+          <p:txBody>
+            <a:bodyPr wrap="square" rtlCol="0">
+              <a:spAutoFit/>
+            </a:bodyPr>
+            <a:lstStyle/>
+            <a:p>
+              <a:pPr algn="ctr"/>
+              <a:r>
+                <a:rPr lang="zh-TW" altLang="en-US" b="1" dirty="0" smtClean="0">
+                  <a:solidFill>
+                    <a:schemeClr val="bg1"/>
+                  </a:solidFill>
+                  <a:effectLst>
+                    <a:outerShdw blurRad="38100" dist="38100" dir="2700000" algn="tl">
+                      <a:srgbClr val="000000">
+                        <a:alpha val="43137"/>
+                      </a:srgbClr>
+                    </a:outerShdw>
+                  </a:effectLst>
+                  <a:latin typeface="微軟正黑體" panose="020B0604030504040204" pitchFamily="34" charset="-120"/>
+                  <a:ea typeface="微軟正黑體" panose="020B0604030504040204" pitchFamily="34" charset="-120"/>
+                </a:rPr>
+                <a:t>創新研發</a:t>
+              </a:r>
+              <a:endParaRPr lang="zh-TW" altLang="en-US" b="1" dirty="0">
+                <a:solidFill>
+                  <a:schemeClr val="bg1"/>
+                </a:solidFill>
+                <a:effectLst>
+                  <a:outerShdw blurRad="38100" dist="38100" dir="2700000" algn="tl">
+                    <a:srgbClr val="000000">
+                      <a:alpha val="43137"/>
+                    </a:srgbClr>
+                  </a:outerShdw>
+                </a:effectLst>
+                <a:latin typeface="微軟正黑體" panose="020B0604030504040204" pitchFamily="34" charset="-120"/>
+                <a:ea typeface="微軟正黑體" panose="020B0604030504040204" pitchFamily="34" charset="-120"/>
+              </a:endParaRPr>
+            </a:p>
+          </p:txBody>
+        </p:sp>
+        <p:sp>
+          <p:nvSpPr>
+            <p:cNvPr id="32" name="文字方塊 31"/>
+            <p:cNvSpPr txBox="1"/>
+            <p:nvPr/>
+          </p:nvSpPr>
+          <p:spPr>
+            <a:xfrm>
+              <a:off x="2699792" y="1844887"/>
+              <a:ext cx="5292000" cy="1080000"/>
+            </a:xfrm>
+            <a:prstGeom prst="rect">
+              <a:avLst/>
+            </a:prstGeom>
+            <a:noFill/>
+          </p:spPr>
+          <p:txBody>
+            <a:bodyPr wrap="square" rtlCol="0">
+              <a:spAutoFit/>
+            </a:bodyPr>
+            <a:lstStyle/>
+            <a:p>
+              <a:r>
+                <a:rPr lang="zh-TW" altLang="en-US" sz="1600" dirty="0">
+                  <a:solidFill>
+                    <a:schemeClr val="tx1">
+                      <a:lumMod val="75000"/>
+                      <a:lumOff val="25000"/>
+                    </a:schemeClr>
+                  </a:solidFill>
+                  <a:latin typeface="微軟正黑體" panose="020B0604030504040204" pitchFamily="34" charset="-120"/>
+                  <a:ea typeface="微軟正黑體" panose="020B0604030504040204" pitchFamily="34" charset="-120"/>
+                </a:rPr>
+                <a:t>為發展金融科技產業，各國積極鼓勵創新創業，作為促進經濟成的動力，提供新創事業資金、人才、租稅等各方面優惠措施，此外具高度發展潛力及新技術、新構想、快速成長的新創</a:t>
+              </a:r>
+              <a:r>
+                <a:rPr lang="zh-TW" altLang="en-US" sz="1600" dirty="0" smtClean="0">
+                  <a:solidFill>
+                    <a:schemeClr val="tx1">
+                      <a:lumMod val="75000"/>
+                      <a:lumOff val="25000"/>
+                    </a:schemeClr>
+                  </a:solidFill>
+                  <a:latin typeface="微軟正黑體" panose="020B0604030504040204" pitchFamily="34" charset="-120"/>
+                  <a:ea typeface="微軟正黑體" panose="020B0604030504040204" pitchFamily="34" charset="-120"/>
+                </a:rPr>
+                <a:t>事業。</a:t>
+              </a:r>
+              <a:endParaRPr lang="zh-TW" altLang="en-US" sz="1600" dirty="0">
+                <a:solidFill>
+                  <a:schemeClr val="tx1">
+                    <a:lumMod val="75000"/>
+                    <a:lumOff val="25000"/>
+                  </a:schemeClr>
+                </a:solidFill>
+                <a:latin typeface="微軟正黑體" panose="020B0604030504040204" pitchFamily="34" charset="-120"/>
+                <a:ea typeface="微軟正黑體" panose="020B0604030504040204" pitchFamily="34" charset="-120"/>
+              </a:endParaRPr>
+            </a:p>
+          </p:txBody>
+        </p:sp>
+      </p:grpSp>
+      <p:grpSp>
+        <p:nvGrpSpPr>
+          <p:cNvPr id="33" name="群組 32"/>
+          <p:cNvGrpSpPr/>
+          <p:nvPr/>
+        </p:nvGrpSpPr>
+        <p:grpSpPr>
+          <a:xfrm>
+            <a:off x="1115616" y="3813042"/>
+            <a:ext cx="6984136" cy="1296089"/>
+            <a:chOff x="1115616" y="1628799"/>
+            <a:chExt cx="6984136" cy="1296089"/>
+          </a:xfrm>
+        </p:grpSpPr>
+        <p:sp>
+          <p:nvSpPr>
+            <p:cNvPr id="34" name="流程圖: 人工輸入 33"/>
+            <p:cNvSpPr/>
+            <p:nvPr/>
+          </p:nvSpPr>
+          <p:spPr>
+            <a:xfrm rot="16200000" flipV="1">
+              <a:off x="3347865" y="-603450"/>
+              <a:ext cx="864095" cy="5328594"/>
+            </a:xfrm>
+            <a:prstGeom prst="flowChartManualInput">
+              <a:avLst/>
+            </a:prstGeom>
+            <a:solidFill>
+              <a:srgbClr val="BE1F33"/>
+            </a:solidFill>
+            <a:ln>
+              <a:noFill/>
+            </a:ln>
+            <a:effectLst>
+              <a:outerShdw blurRad="50800" dist="38100" dir="2700000" algn="tl" rotWithShape="0">
+                <a:prstClr val="black">
+                  <a:alpha val="40000"/>
+                </a:prstClr>
+              </a:outerShdw>
+            </a:effectLst>
+          </p:spPr>
+          <p:style>
+            <a:lnRef idx="2">
+              <a:schemeClr val="accent1">
+                <a:shade val="50000"/>
+              </a:schemeClr>
+            </a:lnRef>
+            <a:fillRef idx="1">
+              <a:schemeClr val="accent1"/>
+            </a:fillRef>
+            <a:effectRef idx="0">
+              <a:schemeClr val="accent1"/>
+            </a:effectRef>
+            <a:fontRef idx="minor">
+              <a:schemeClr val="lt1"/>
+            </a:fontRef>
+          </p:style>
+          <p:txBody>
+            <a:bodyPr rtlCol="0" anchor="ctr"/>
+            <a:lstStyle/>
+            <a:p>
+              <a:pPr algn="ctr"/>
+              <a:endParaRPr lang="zh-TW" altLang="en-US"/>
+            </a:p>
+          </p:txBody>
+        </p:sp>
+        <p:sp>
+          <p:nvSpPr>
+            <p:cNvPr id="35" name="流程圖: 人工輸入 8"/>
+            <p:cNvSpPr/>
+            <p:nvPr/>
+          </p:nvSpPr>
+          <p:spPr>
+            <a:xfrm rot="16200000" flipH="1">
+              <a:off x="4679752" y="-495112"/>
+              <a:ext cx="1080000" cy="5760000"/>
+            </a:xfrm>
+            <a:custGeom>
+              <a:avLst/>
+              <a:gdLst>
+                <a:gd name="connsiteX0" fmla="*/ 0 w 10000"/>
+                <a:gd name="connsiteY0" fmla="*/ 2000 h 10000"/>
+                <a:gd name="connsiteX1" fmla="*/ 10000 w 10000"/>
+                <a:gd name="connsiteY1" fmla="*/ 0 h 10000"/>
+                <a:gd name="connsiteX2" fmla="*/ 10000 w 10000"/>
+                <a:gd name="connsiteY2" fmla="*/ 10000 h 10000"/>
+                <a:gd name="connsiteX3" fmla="*/ 0 w 10000"/>
+                <a:gd name="connsiteY3" fmla="*/ 10000 h 10000"/>
+                <a:gd name="connsiteX4" fmla="*/ 0 w 10000"/>
+                <a:gd name="connsiteY4" fmla="*/ 2000 h 10000"/>
+                <a:gd name="connsiteX0" fmla="*/ 0 w 10000"/>
+                <a:gd name="connsiteY0" fmla="*/ 523 h 10000"/>
+                <a:gd name="connsiteX1" fmla="*/ 10000 w 10000"/>
+                <a:gd name="connsiteY1" fmla="*/ 0 h 10000"/>
+                <a:gd name="connsiteX2" fmla="*/ 10000 w 10000"/>
+                <a:gd name="connsiteY2" fmla="*/ 10000 h 10000"/>
+                <a:gd name="connsiteX3" fmla="*/ 0 w 10000"/>
+                <a:gd name="connsiteY3" fmla="*/ 10000 h 10000"/>
+                <a:gd name="connsiteX4" fmla="*/ 0 w 10000"/>
+                <a:gd name="connsiteY4" fmla="*/ 523 h 10000"/>
+              </a:gdLst>
+              <a:ahLst/>
+              <a:cxnLst>
+                <a:cxn ang="0">
+                  <a:pos x="connsiteX0" y="connsiteY0"/>
+                </a:cxn>
+                <a:cxn ang="0">
+                  <a:pos x="connsiteX1" y="connsiteY1"/>
+                </a:cxn>
+                <a:cxn ang="0">
+                  <a:pos x="connsiteX2" y="connsiteY2"/>
+                </a:cxn>
+                <a:cxn ang="0">
+                  <a:pos x="connsiteX3" y="connsiteY3"/>
+                </a:cxn>
+                <a:cxn ang="0">
+                  <a:pos x="connsiteX4" y="connsiteY4"/>
+                </a:cxn>
+              </a:cxnLst>
+              <a:rect l="l" t="t" r="r" b="b"/>
+              <a:pathLst>
+                <a:path w="10000" h="10000">
+                  <a:moveTo>
+                    <a:pt x="0" y="523"/>
+                  </a:moveTo>
+                  <a:lnTo>
+                    <a:pt x="10000" y="0"/>
+                  </a:lnTo>
+                  <a:lnTo>
+                    <a:pt x="10000" y="10000"/>
+                  </a:lnTo>
+                  <a:lnTo>
+                    <a:pt x="0" y="10000"/>
+                  </a:lnTo>
+                  <a:lnTo>
+                    <a:pt x="0" y="523"/>
+                  </a:lnTo>
+                  <a:close/>
+                </a:path>
+              </a:pathLst>
+            </a:custGeom>
+            <a:solidFill>
+              <a:srgbClr val="EBEBEB"/>
+            </a:solidFill>
+            <a:ln>
+              <a:noFill/>
+            </a:ln>
+            <a:effectLst>
+              <a:outerShdw blurRad="50800" dist="38100" dir="2700000" algn="tl" rotWithShape="0">
+                <a:prstClr val="black">
+                  <a:alpha val="40000"/>
+                </a:prstClr>
+              </a:outerShdw>
+            </a:effectLst>
+          </p:spPr>
+          <p:style>
+            <a:lnRef idx="2">
+              <a:schemeClr val="accent1">
+                <a:shade val="50000"/>
+              </a:schemeClr>
+            </a:lnRef>
+            <a:fillRef idx="1">
+              <a:schemeClr val="accent1"/>
+            </a:fillRef>
+            <a:effectRef idx="0">
+              <a:schemeClr val="accent1"/>
+            </a:effectRef>
+            <a:fontRef idx="minor">
+              <a:schemeClr val="lt1"/>
+            </a:fontRef>
+          </p:style>
+          <p:txBody>
+            <a:bodyPr rtlCol="0" anchor="ctr"/>
+            <a:lstStyle/>
+            <a:p>
+              <a:pPr algn="ctr"/>
+              <a:endParaRPr lang="zh-TW" altLang="en-US" dirty="0"/>
+            </a:p>
+          </p:txBody>
+        </p:sp>
+        <p:sp>
+          <p:nvSpPr>
+            <p:cNvPr id="36" name="文字方塊 35"/>
+            <p:cNvSpPr txBox="1"/>
+            <p:nvPr/>
+          </p:nvSpPr>
+          <p:spPr>
+            <a:xfrm>
+              <a:off x="1259632" y="1892829"/>
+              <a:ext cx="1152000" cy="369332"/>
+            </a:xfrm>
+            <a:prstGeom prst="rect">
+              <a:avLst/>
+            </a:prstGeom>
+            <a:noFill/>
+          </p:spPr>
+          <p:txBody>
+            <a:bodyPr wrap="square" rtlCol="0">
+              <a:spAutoFit/>
+            </a:bodyPr>
+            <a:lstStyle/>
+            <a:p>
+              <a:pPr algn="ctr"/>
+              <a:r>
+                <a:rPr lang="zh-TW" altLang="en-US" b="1" dirty="0" smtClean="0">
+                  <a:solidFill>
+                    <a:schemeClr val="bg1"/>
+                  </a:solidFill>
+                  <a:effectLst>
+                    <a:outerShdw blurRad="38100" dist="38100" dir="2700000" algn="tl">
+                      <a:srgbClr val="000000">
+                        <a:alpha val="43137"/>
+                      </a:srgbClr>
+                    </a:outerShdw>
+                  </a:effectLst>
+                  <a:latin typeface="微軟正黑體" panose="020B0604030504040204" pitchFamily="34" charset="-120"/>
+                  <a:ea typeface="微軟正黑體" panose="020B0604030504040204" pitchFamily="34" charset="-120"/>
+                </a:rPr>
+                <a:t>風險管理</a:t>
+              </a:r>
+              <a:endParaRPr lang="zh-TW" altLang="en-US" b="1" dirty="0">
+                <a:solidFill>
+                  <a:schemeClr val="bg1"/>
+                </a:solidFill>
+                <a:effectLst>
+                  <a:outerShdw blurRad="38100" dist="38100" dir="2700000" algn="tl">
+                    <a:srgbClr val="000000">
+                      <a:alpha val="43137"/>
+                    </a:srgbClr>
+                  </a:outerShdw>
+                </a:effectLst>
+                <a:latin typeface="微軟正黑體" panose="020B0604030504040204" pitchFamily="34" charset="-120"/>
+                <a:ea typeface="微軟正黑體" panose="020B0604030504040204" pitchFamily="34" charset="-120"/>
+              </a:endParaRPr>
+            </a:p>
+          </p:txBody>
+        </p:sp>
+        <p:sp>
+          <p:nvSpPr>
+            <p:cNvPr id="37" name="文字方塊 36"/>
+            <p:cNvSpPr txBox="1"/>
+            <p:nvPr/>
+          </p:nvSpPr>
+          <p:spPr>
+            <a:xfrm>
+              <a:off x="2699792" y="1844887"/>
+              <a:ext cx="5292000" cy="1077218"/>
+            </a:xfrm>
+            <a:prstGeom prst="rect">
+              <a:avLst/>
+            </a:prstGeom>
+            <a:noFill/>
+          </p:spPr>
+          <p:txBody>
+            <a:bodyPr wrap="square" rtlCol="0">
+              <a:spAutoFit/>
+            </a:bodyPr>
+            <a:lstStyle/>
+            <a:p>
+              <a:r>
+                <a:rPr lang="zh-TW" altLang="en-US" sz="1600" dirty="0" smtClean="0">
+                  <a:solidFill>
+                    <a:schemeClr val="tx1">
+                      <a:lumMod val="75000"/>
+                      <a:lumOff val="25000"/>
+                    </a:schemeClr>
+                  </a:solidFill>
+                  <a:latin typeface="微軟正黑體" panose="020B0604030504040204" pitchFamily="34" charset="-120"/>
+                  <a:ea typeface="微軟正黑體" panose="020B0604030504040204" pitchFamily="34" charset="-120"/>
+                </a:rPr>
+                <a:t>金融機構開始</a:t>
+              </a:r>
+              <a:r>
+                <a:rPr lang="zh-TW" altLang="en-US" sz="1600" dirty="0">
+                  <a:solidFill>
+                    <a:schemeClr val="tx1">
+                      <a:lumMod val="75000"/>
+                      <a:lumOff val="25000"/>
+                    </a:schemeClr>
+                  </a:solidFill>
+                  <a:latin typeface="微軟正黑體" panose="020B0604030504040204" pitchFamily="34" charset="-120"/>
+                  <a:ea typeface="微軟正黑體" panose="020B0604030504040204" pitchFamily="34" charset="-120"/>
+                </a:rPr>
+                <a:t>投資大數據分析，以及輔助</a:t>
+              </a:r>
+              <a:r>
+                <a:rPr lang="zh-TW" altLang="en-US" sz="1600" dirty="0" smtClean="0">
+                  <a:solidFill>
+                    <a:schemeClr val="tx1">
+                      <a:lumMod val="75000"/>
+                      <a:lumOff val="25000"/>
+                    </a:schemeClr>
+                  </a:solidFill>
+                  <a:latin typeface="微軟正黑體" panose="020B0604030504040204" pitchFamily="34" charset="-120"/>
+                  <a:ea typeface="微軟正黑體" panose="020B0604030504040204" pitchFamily="34" charset="-120"/>
+                </a:rPr>
+                <a:t>人工智慧技術</a:t>
+              </a:r>
+              <a:r>
+                <a:rPr lang="zh-TW" altLang="en-US" sz="1600" dirty="0">
+                  <a:solidFill>
+                    <a:schemeClr val="tx1">
+                      <a:lumMod val="75000"/>
+                      <a:lumOff val="25000"/>
+                    </a:schemeClr>
+                  </a:solidFill>
+                  <a:latin typeface="微軟正黑體" panose="020B0604030504040204" pitchFamily="34" charset="-120"/>
+                  <a:ea typeface="微軟正黑體" panose="020B0604030504040204" pitchFamily="34" charset="-120"/>
+                </a:rPr>
+                <a:t>，同時尋求外部軟體即服務（</a:t>
+              </a:r>
+              <a:r>
+                <a:rPr lang="en-US" altLang="zh-TW" sz="1600" dirty="0" err="1">
+                  <a:solidFill>
+                    <a:schemeClr val="tx1">
+                      <a:lumMod val="75000"/>
+                      <a:lumOff val="25000"/>
+                    </a:schemeClr>
+                  </a:solidFill>
+                  <a:latin typeface="微軟正黑體" panose="020B0604030504040204" pitchFamily="34" charset="-120"/>
+                  <a:ea typeface="微軟正黑體" panose="020B0604030504040204" pitchFamily="34" charset="-120"/>
+                </a:rPr>
+                <a:t>SaaS</a:t>
+              </a:r>
+              <a:r>
+                <a:rPr lang="zh-TW" altLang="en-US" sz="1600" dirty="0">
+                  <a:solidFill>
+                    <a:schemeClr val="tx1">
+                      <a:lumMod val="75000"/>
+                      <a:lumOff val="25000"/>
+                    </a:schemeClr>
+                  </a:solidFill>
+                  <a:latin typeface="微軟正黑體" panose="020B0604030504040204" pitchFamily="34" charset="-120"/>
+                  <a:ea typeface="微軟正黑體" panose="020B0604030504040204" pitchFamily="34" charset="-120"/>
+                </a:rPr>
+                <a:t>）和金融科技委外的雲端服務，建立自動化風險控管機制，以滿足其流程處理和法規遵循之需求，降低成本並提高組織靈活性和透明度。</a:t>
+              </a:r>
+            </a:p>
+          </p:txBody>
+        </p:sp>
+      </p:grpSp>
+      <p:grpSp>
+        <p:nvGrpSpPr>
+          <p:cNvPr id="38" name="群組 37"/>
+          <p:cNvGrpSpPr/>
+          <p:nvPr/>
+        </p:nvGrpSpPr>
+        <p:grpSpPr>
+          <a:xfrm>
+            <a:off x="1115616" y="5157192"/>
+            <a:ext cx="6984136" cy="1296089"/>
+            <a:chOff x="1115616" y="1628799"/>
+            <a:chExt cx="6984136" cy="1296089"/>
+          </a:xfrm>
+        </p:grpSpPr>
+        <p:sp>
+          <p:nvSpPr>
+            <p:cNvPr id="39" name="流程圖: 人工輸入 38"/>
+            <p:cNvSpPr/>
+            <p:nvPr/>
+          </p:nvSpPr>
+          <p:spPr>
+            <a:xfrm rot="16200000" flipV="1">
+              <a:off x="3347865" y="-603450"/>
+              <a:ext cx="864095" cy="5328594"/>
+            </a:xfrm>
+            <a:prstGeom prst="flowChartManualInput">
+              <a:avLst/>
+            </a:prstGeom>
+            <a:solidFill>
+              <a:srgbClr val="01A5AE"/>
+            </a:solidFill>
+            <a:ln>
+              <a:noFill/>
+            </a:ln>
+            <a:effectLst>
+              <a:outerShdw blurRad="50800" dist="38100" dir="2700000" algn="tl" rotWithShape="0">
+                <a:prstClr val="black">
+                  <a:alpha val="40000"/>
+                </a:prstClr>
+              </a:outerShdw>
+            </a:effectLst>
+          </p:spPr>
+          <p:style>
+            <a:lnRef idx="2">
+              <a:schemeClr val="accent1">
+                <a:shade val="50000"/>
+              </a:schemeClr>
+            </a:lnRef>
+            <a:fillRef idx="1">
+              <a:schemeClr val="accent1"/>
+            </a:fillRef>
+            <a:effectRef idx="0">
+              <a:schemeClr val="accent1"/>
+            </a:effectRef>
+            <a:fontRef idx="minor">
+              <a:schemeClr val="lt1"/>
+            </a:fontRef>
+          </p:style>
+          <p:txBody>
+            <a:bodyPr rtlCol="0" anchor="ctr"/>
+            <a:lstStyle/>
+            <a:p>
+              <a:pPr algn="ctr"/>
+              <a:endParaRPr lang="zh-TW" altLang="en-US"/>
+            </a:p>
+          </p:txBody>
+        </p:sp>
+        <p:sp>
+          <p:nvSpPr>
+            <p:cNvPr id="40" name="流程圖: 人工輸入 8"/>
+            <p:cNvSpPr/>
+            <p:nvPr/>
+          </p:nvSpPr>
+          <p:spPr>
+            <a:xfrm rot="16200000" flipH="1">
+              <a:off x="4679752" y="-495112"/>
+              <a:ext cx="1080000" cy="5760000"/>
+            </a:xfrm>
+            <a:custGeom>
+              <a:avLst/>
+              <a:gdLst>
+                <a:gd name="connsiteX0" fmla="*/ 0 w 10000"/>
+                <a:gd name="connsiteY0" fmla="*/ 2000 h 10000"/>
+                <a:gd name="connsiteX1" fmla="*/ 10000 w 10000"/>
+                <a:gd name="connsiteY1" fmla="*/ 0 h 10000"/>
+                <a:gd name="connsiteX2" fmla="*/ 10000 w 10000"/>
+                <a:gd name="connsiteY2" fmla="*/ 10000 h 10000"/>
+                <a:gd name="connsiteX3" fmla="*/ 0 w 10000"/>
+                <a:gd name="connsiteY3" fmla="*/ 10000 h 10000"/>
+                <a:gd name="connsiteX4" fmla="*/ 0 w 10000"/>
+                <a:gd name="connsiteY4" fmla="*/ 2000 h 10000"/>
+                <a:gd name="connsiteX0" fmla="*/ 0 w 10000"/>
+                <a:gd name="connsiteY0" fmla="*/ 523 h 10000"/>
+                <a:gd name="connsiteX1" fmla="*/ 10000 w 10000"/>
+                <a:gd name="connsiteY1" fmla="*/ 0 h 10000"/>
+                <a:gd name="connsiteX2" fmla="*/ 10000 w 10000"/>
+                <a:gd name="connsiteY2" fmla="*/ 10000 h 10000"/>
+                <a:gd name="connsiteX3" fmla="*/ 0 w 10000"/>
+                <a:gd name="connsiteY3" fmla="*/ 10000 h 10000"/>
+                <a:gd name="connsiteX4" fmla="*/ 0 w 10000"/>
+                <a:gd name="connsiteY4" fmla="*/ 523 h 10000"/>
+              </a:gdLst>
+              <a:ahLst/>
+              <a:cxnLst>
+                <a:cxn ang="0">
+                  <a:pos x="connsiteX0" y="connsiteY0"/>
+                </a:cxn>
+                <a:cxn ang="0">
+                  <a:pos x="connsiteX1" y="connsiteY1"/>
+                </a:cxn>
+                <a:cxn ang="0">
+                  <a:pos x="connsiteX2" y="connsiteY2"/>
+                </a:cxn>
+                <a:cxn ang="0">
+                  <a:pos x="connsiteX3" y="connsiteY3"/>
+                </a:cxn>
+                <a:cxn ang="0">
+                  <a:pos x="connsiteX4" y="connsiteY4"/>
+                </a:cxn>
+              </a:cxnLst>
+              <a:rect l="l" t="t" r="r" b="b"/>
+              <a:pathLst>
+                <a:path w="10000" h="10000">
+                  <a:moveTo>
+                    <a:pt x="0" y="523"/>
+                  </a:moveTo>
+                  <a:lnTo>
+                    <a:pt x="10000" y="0"/>
+                  </a:lnTo>
+                  <a:lnTo>
+                    <a:pt x="10000" y="10000"/>
+                  </a:lnTo>
+                  <a:lnTo>
+                    <a:pt x="0" y="10000"/>
+                  </a:lnTo>
+                  <a:lnTo>
+                    <a:pt x="0" y="523"/>
+                  </a:lnTo>
+                  <a:close/>
+                </a:path>
+              </a:pathLst>
+            </a:custGeom>
+            <a:solidFill>
+              <a:srgbClr val="EBEBEB"/>
+            </a:solidFill>
+            <a:ln>
+              <a:noFill/>
+            </a:ln>
+            <a:effectLst>
+              <a:outerShdw blurRad="50800" dist="38100" dir="2700000" algn="tl" rotWithShape="0">
+                <a:prstClr val="black">
+                  <a:alpha val="40000"/>
+                </a:prstClr>
+              </a:outerShdw>
+            </a:effectLst>
+          </p:spPr>
+          <p:style>
+            <a:lnRef idx="2">
+              <a:schemeClr val="accent1">
+                <a:shade val="50000"/>
+              </a:schemeClr>
+            </a:lnRef>
+            <a:fillRef idx="1">
+              <a:schemeClr val="accent1"/>
+            </a:fillRef>
+            <a:effectRef idx="0">
+              <a:schemeClr val="accent1"/>
+            </a:effectRef>
+            <a:fontRef idx="minor">
+              <a:schemeClr val="lt1"/>
+            </a:fontRef>
+          </p:style>
+          <p:txBody>
+            <a:bodyPr rtlCol="0" anchor="ctr"/>
+            <a:lstStyle/>
+            <a:p>
+              <a:pPr algn="ctr"/>
+              <a:endParaRPr lang="zh-TW" altLang="en-US" dirty="0"/>
+            </a:p>
+          </p:txBody>
+        </p:sp>
+        <p:sp>
+          <p:nvSpPr>
+            <p:cNvPr id="41" name="文字方塊 40"/>
+            <p:cNvSpPr txBox="1"/>
+            <p:nvPr/>
+          </p:nvSpPr>
+          <p:spPr>
+            <a:xfrm>
+              <a:off x="1259632" y="1916831"/>
+              <a:ext cx="1152000" cy="369332"/>
+            </a:xfrm>
+            <a:prstGeom prst="rect">
+              <a:avLst/>
+            </a:prstGeom>
+            <a:noFill/>
+          </p:spPr>
+          <p:txBody>
+            <a:bodyPr wrap="square" rtlCol="0">
+              <a:spAutoFit/>
+            </a:bodyPr>
+            <a:lstStyle/>
+            <a:p>
+              <a:pPr algn="ctr"/>
+              <a:r>
+                <a:rPr lang="zh-TW" altLang="en-US" b="1" dirty="0" smtClean="0">
+                  <a:solidFill>
+                    <a:schemeClr val="bg1"/>
+                  </a:solidFill>
+                  <a:effectLst>
+                    <a:outerShdw blurRad="38100" dist="38100" dir="2700000" algn="tl">
+                      <a:srgbClr val="000000">
+                        <a:alpha val="43137"/>
+                      </a:srgbClr>
+                    </a:outerShdw>
+                  </a:effectLst>
+                  <a:latin typeface="微軟正黑體" panose="020B0604030504040204" pitchFamily="34" charset="-120"/>
+                  <a:ea typeface="微軟正黑體" panose="020B0604030504040204" pitchFamily="34" charset="-120"/>
+                </a:rPr>
+                <a:t>基礎建設</a:t>
+              </a:r>
+              <a:endParaRPr lang="zh-TW" altLang="en-US" b="1" dirty="0">
+                <a:solidFill>
+                  <a:schemeClr val="bg1"/>
+                </a:solidFill>
+                <a:effectLst>
+                  <a:outerShdw blurRad="38100" dist="38100" dir="2700000" algn="tl">
+                    <a:srgbClr val="000000">
+                      <a:alpha val="43137"/>
+                    </a:srgbClr>
+                  </a:outerShdw>
+                </a:effectLst>
+                <a:latin typeface="微軟正黑體" panose="020B0604030504040204" pitchFamily="34" charset="-120"/>
+                <a:ea typeface="微軟正黑體" panose="020B0604030504040204" pitchFamily="34" charset="-120"/>
+              </a:endParaRPr>
+            </a:p>
+          </p:txBody>
+        </p:sp>
+        <p:sp>
+          <p:nvSpPr>
+            <p:cNvPr id="42" name="文字方塊 41"/>
+            <p:cNvSpPr txBox="1"/>
+            <p:nvPr/>
+          </p:nvSpPr>
+          <p:spPr>
+            <a:xfrm>
+              <a:off x="2699792" y="1844887"/>
+              <a:ext cx="5292000" cy="1077218"/>
+            </a:xfrm>
+            <a:prstGeom prst="rect">
+              <a:avLst/>
+            </a:prstGeom>
+            <a:noFill/>
+          </p:spPr>
+          <p:txBody>
+            <a:bodyPr wrap="square" rtlCol="0">
+              <a:spAutoFit/>
+            </a:bodyPr>
+            <a:lstStyle/>
+            <a:p>
+              <a:r>
+                <a:rPr lang="zh-TW" altLang="en-US" sz="1600" dirty="0">
+                  <a:solidFill>
+                    <a:schemeClr val="tx1">
+                      <a:lumMod val="75000"/>
+                      <a:lumOff val="25000"/>
+                    </a:schemeClr>
+                  </a:solidFill>
+                  <a:latin typeface="微軟正黑體" panose="020B0604030504040204" pitchFamily="34" charset="-120"/>
+                  <a:ea typeface="微軟正黑體" panose="020B0604030504040204" pitchFamily="34" charset="-120"/>
+                </a:rPr>
+                <a:t>隨著第</a:t>
+              </a:r>
+              <a:r>
+                <a:rPr lang="en-US" altLang="zh-TW" sz="1600" dirty="0">
+                  <a:solidFill>
+                    <a:schemeClr val="tx1">
+                      <a:lumMod val="75000"/>
+                      <a:lumOff val="25000"/>
+                    </a:schemeClr>
+                  </a:solidFill>
+                  <a:latin typeface="微軟正黑體" panose="020B0604030504040204" pitchFamily="34" charset="-120"/>
+                  <a:ea typeface="微軟正黑體" panose="020B0604030504040204" pitchFamily="34" charset="-120"/>
+                </a:rPr>
+                <a:t>3</a:t>
+              </a:r>
+              <a:r>
+                <a:rPr lang="zh-TW" altLang="en-US" sz="1600" dirty="0">
+                  <a:solidFill>
+                    <a:schemeClr val="tx1">
+                      <a:lumMod val="75000"/>
+                      <a:lumOff val="25000"/>
+                    </a:schemeClr>
+                  </a:solidFill>
+                  <a:latin typeface="微軟正黑體" panose="020B0604030504040204" pitchFamily="34" charset="-120"/>
+                  <a:ea typeface="微軟正黑體" panose="020B0604030504040204" pitchFamily="34" charset="-120"/>
+                </a:rPr>
+                <a:t>、</a:t>
+              </a:r>
+              <a:r>
+                <a:rPr lang="en-US" altLang="zh-TW" sz="1600" dirty="0">
+                  <a:solidFill>
+                    <a:schemeClr val="tx1">
+                      <a:lumMod val="75000"/>
+                      <a:lumOff val="25000"/>
+                    </a:schemeClr>
+                  </a:solidFill>
+                  <a:latin typeface="微軟正黑體" panose="020B0604030504040204" pitchFamily="34" charset="-120"/>
+                  <a:ea typeface="微軟正黑體" panose="020B0604030504040204" pitchFamily="34" charset="-120"/>
+                </a:rPr>
+                <a:t>4</a:t>
+              </a:r>
+              <a:r>
+                <a:rPr lang="zh-TW" altLang="en-US" sz="1600" dirty="0">
+                  <a:solidFill>
+                    <a:schemeClr val="tx1">
+                      <a:lumMod val="75000"/>
+                      <a:lumOff val="25000"/>
+                    </a:schemeClr>
+                  </a:solidFill>
+                  <a:latin typeface="微軟正黑體" panose="020B0604030504040204" pitchFamily="34" charset="-120"/>
+                  <a:ea typeface="微軟正黑體" panose="020B0604030504040204" pitchFamily="34" charset="-120"/>
+                </a:rPr>
+                <a:t>代行動網路基礎建設</a:t>
+              </a:r>
+              <a:r>
+                <a:rPr lang="zh-TW" altLang="en-US" sz="1600" dirty="0" smtClean="0">
+                  <a:solidFill>
+                    <a:schemeClr val="tx1">
+                      <a:lumMod val="75000"/>
+                      <a:lumOff val="25000"/>
+                    </a:schemeClr>
+                  </a:solidFill>
+                  <a:latin typeface="微軟正黑體" panose="020B0604030504040204" pitchFamily="34" charset="-120"/>
+                  <a:ea typeface="微軟正黑體" panose="020B0604030504040204" pitchFamily="34" charset="-120"/>
+                </a:rPr>
+                <a:t>與行動</a:t>
+              </a:r>
+              <a:r>
+                <a:rPr lang="zh-TW" altLang="en-US" sz="1600" dirty="0">
+                  <a:solidFill>
+                    <a:schemeClr val="tx1">
+                      <a:lumMod val="75000"/>
+                      <a:lumOff val="25000"/>
+                    </a:schemeClr>
+                  </a:solidFill>
+                  <a:latin typeface="微軟正黑體" panose="020B0604030504040204" pitchFamily="34" charset="-120"/>
+                  <a:ea typeface="微軟正黑體" panose="020B0604030504040204" pitchFamily="34" charset="-120"/>
+                </a:rPr>
+                <a:t>裝置普及，使得行動金融服務更加蓬勃發展。不過由於金融與電信業者分受不同部門監理，如何制定監理框架，衡量監理比例</a:t>
+              </a:r>
+              <a:r>
+                <a:rPr lang="zh-TW" altLang="en-US" sz="1600" dirty="0" smtClean="0">
+                  <a:solidFill>
+                    <a:schemeClr val="tx1">
+                      <a:lumMod val="75000"/>
+                      <a:lumOff val="25000"/>
+                    </a:schemeClr>
+                  </a:solidFill>
+                  <a:latin typeface="微軟正黑體" panose="020B0604030504040204" pitchFamily="34" charset="-120"/>
+                  <a:ea typeface="微軟正黑體" panose="020B0604030504040204" pitchFamily="34" charset="-120"/>
+                </a:rPr>
+                <a:t>，以</a:t>
+              </a:r>
+              <a:r>
+                <a:rPr lang="zh-TW" altLang="en-US" sz="1600" dirty="0">
+                  <a:solidFill>
+                    <a:schemeClr val="tx1">
+                      <a:lumMod val="75000"/>
+                      <a:lumOff val="25000"/>
+                    </a:schemeClr>
+                  </a:solidFill>
+                  <a:latin typeface="微軟正黑體" panose="020B0604030504040204" pitchFamily="34" charset="-120"/>
+                  <a:ea typeface="微軟正黑體" panose="020B0604030504040204" pitchFamily="34" charset="-120"/>
+                </a:rPr>
+                <a:t>確保金融穩定及保護消費者，成為各國共同面對的挑戰。</a:t>
+              </a:r>
+            </a:p>
+          </p:txBody>
+        </p:sp>
+      </p:grpSp>
+      <p:sp>
+        <p:nvSpPr>
+          <p:cNvPr id="26" name="矩形 25"/>
+          <p:cNvSpPr/>
+          <p:nvPr/>
+        </p:nvSpPr>
+        <p:spPr>
+          <a:xfrm>
+            <a:off x="935596" y="1052736"/>
+            <a:ext cx="7272808" cy="4104000"/>
+          </a:xfrm>
+          <a:prstGeom prst="rect">
+            <a:avLst/>
+          </a:prstGeom>
+          <a:solidFill>
+            <a:schemeClr val="bg1">
+              <a:alpha val="85000"/>
+            </a:schemeClr>
+          </a:solidFill>
+          <a:ln>
+            <a:noFill/>
+          </a:ln>
+        </p:spPr>
+        <p:style>
+          <a:lnRef idx="2">
+            <a:schemeClr val="accent1">
+              <a:shade val="50000"/>
+            </a:schemeClr>
+          </a:lnRef>
+          <a:fillRef idx="1">
+            <a:schemeClr val="accent1"/>
+          </a:fillRef>
+          <a:effectRef idx="0">
+            <a:schemeClr val="accent1"/>
+          </a:effectRef>
+          <a:fontRef idx="minor">
+            <a:schemeClr val="lt1"/>
+          </a:fontRef>
+        </p:style>
+        <p:txBody>
+          <a:bodyPr rtlCol="0" anchor="ctr"/>
+          <a:lstStyle/>
+          <a:p>
+            <a:pPr algn="ctr"/>
+            <a:endParaRPr lang="zh-TW" altLang="en-US"/>
+          </a:p>
+        </p:txBody>
+      </p:sp>
     </p:spTree>
     <p:extLst>
       <p:ext uri="{BB962C8B-B14F-4D97-AF65-F5344CB8AC3E}">
-        <p14:creationId xmlns:p14="http://schemas.microsoft.com/office/powerpoint/2010/main" val="1813436842"/>
+        <p14:creationId xmlns:p14="http://schemas.microsoft.com/office/powerpoint/2010/main" val="1983094394"/>
       </p:ext>
     </p:extLst>
   </p:cSld>
@@ -7513,7 +10420,7 @@
       </p:grpSpPr>
       <p:sp>
         <p:nvSpPr>
-          <p:cNvPr id="6" name="標題 5"/>
+          <p:cNvPr id="5" name="標題 4"/>
           <p:cNvSpPr>
             <a:spLocks noGrp="1"/>
           </p:cNvSpPr>
@@ -7527,12 +10434,8 @@
           <a:lstStyle/>
           <a:p>
             <a:r>
-              <a:rPr lang="en-US" altLang="zh-TW" dirty="0" smtClean="0"/>
-              <a:t>V. </a:t>
-            </a:r>
-            <a:r>
-              <a:rPr lang="zh-TW" altLang="en-US" dirty="0" smtClean="0"/>
-              <a:t>基礎建設</a:t>
+              <a:rPr lang="zh-TW" altLang="en-US" dirty="0" smtClean="0"/>
+              <a:t>行動金融</a:t>
             </a:r>
             <a:endParaRPr lang="zh-TW" altLang="en-US" dirty="0"/>
           </a:p>
@@ -7540,7 +10443,221 @@
       </p:sp>
       <p:sp>
         <p:nvSpPr>
-          <p:cNvPr id="4" name="日期版面配置區 3"/>
+          <p:cNvPr id="6" name="內容版面配置區 5"/>
+          <p:cNvSpPr>
+            <a:spLocks noGrp="1"/>
+          </p:cNvSpPr>
+          <p:nvPr>
+            <p:ph idx="1"/>
+          </p:nvPr>
+        </p:nvSpPr>
+        <p:spPr/>
+        <p:txBody>
+          <a:bodyPr/>
+          <a:lstStyle/>
+          <a:p>
+            <a:r>
+              <a:rPr lang="zh-TW" altLang="en-US" dirty="0" smtClean="0"/>
+              <a:t>國際趨勢</a:t>
+            </a:r>
+            <a:endParaRPr lang="en-US" altLang="zh-TW" dirty="0" smtClean="0"/>
+          </a:p>
+          <a:p>
+            <a:pPr lvl="1"/>
+            <a:r>
+              <a:rPr lang="zh-TW" altLang="en-US" dirty="0" smtClean="0"/>
+              <a:t>行動銀行</a:t>
+            </a:r>
+            <a:endParaRPr lang="en-US" altLang="zh-TW" dirty="0" smtClean="0"/>
+          </a:p>
+          <a:p>
+            <a:pPr lvl="1"/>
+            <a:r>
+              <a:rPr lang="zh-TW" altLang="en-US" dirty="0"/>
+              <a:t>行動</a:t>
+            </a:r>
+            <a:r>
+              <a:rPr lang="zh-TW" altLang="en-US" dirty="0" smtClean="0"/>
+              <a:t>支付</a:t>
+            </a:r>
+            <a:endParaRPr lang="en-US" altLang="zh-TW" dirty="0" smtClean="0"/>
+          </a:p>
+          <a:p>
+            <a:pPr lvl="1"/>
+            <a:r>
+              <a:rPr lang="zh-TW" altLang="en-US" dirty="0"/>
+              <a:t>電子</a:t>
+            </a:r>
+            <a:r>
+              <a:rPr lang="zh-TW" altLang="en-US" dirty="0" smtClean="0"/>
+              <a:t>錢包</a:t>
+            </a:r>
+            <a:endParaRPr lang="en-US" altLang="zh-TW" dirty="0" smtClean="0"/>
+          </a:p>
+          <a:p>
+            <a:pPr lvl="1"/>
+            <a:r>
+              <a:rPr lang="zh-TW" altLang="en-US" dirty="0"/>
+              <a:t>行動</a:t>
+            </a:r>
+            <a:r>
+              <a:rPr lang="zh-TW" altLang="en-US" dirty="0" smtClean="0"/>
+              <a:t>交易 </a:t>
+            </a:r>
+            <a:r>
+              <a:rPr lang="en-US" altLang="zh-TW" dirty="0" smtClean="0"/>
+              <a:t>(</a:t>
+            </a:r>
+            <a:r>
+              <a:rPr lang="zh-TW" altLang="en-US" dirty="0" smtClean="0"/>
+              <a:t>證券</a:t>
+            </a:r>
+            <a:r>
+              <a:rPr lang="en-US" altLang="zh-TW" dirty="0" smtClean="0"/>
+              <a:t>)</a:t>
+            </a:r>
+            <a:endParaRPr lang="en-US" altLang="zh-TW" dirty="0"/>
+          </a:p>
+          <a:p>
+            <a:pPr lvl="1"/>
+            <a:r>
+              <a:rPr lang="zh-TW" altLang="en-US" dirty="0" smtClean="0"/>
+              <a:t>行動保險</a:t>
+            </a:r>
+            <a:endParaRPr lang="en-US" altLang="zh-TW" dirty="0" smtClean="0"/>
+          </a:p>
+          <a:p>
+            <a:r>
+              <a:rPr lang="zh-TW" altLang="en-US" dirty="0"/>
+              <a:t>國內</a:t>
+            </a:r>
+            <a:r>
+              <a:rPr lang="zh-TW" altLang="en-US" dirty="0" smtClean="0"/>
+              <a:t>現況</a:t>
+            </a:r>
+            <a:endParaRPr lang="en-US" altLang="zh-TW" dirty="0" smtClean="0"/>
+          </a:p>
+          <a:p>
+            <a:pPr lvl="1"/>
+            <a:r>
+              <a:rPr lang="zh-TW" altLang="en-US" dirty="0"/>
+              <a:t>法規調整</a:t>
+            </a:r>
+            <a:r>
+              <a:rPr lang="zh-TW" altLang="en-US" dirty="0" smtClean="0"/>
+              <a:t>、開放線上開戶、申辦信貸、投保、行動支付</a:t>
+            </a:r>
+            <a:endParaRPr lang="en-US" altLang="zh-TW" dirty="0" smtClean="0"/>
+          </a:p>
+          <a:p>
+            <a:pPr lvl="1"/>
+            <a:r>
+              <a:rPr lang="zh-TW" altLang="en-US" dirty="0"/>
+              <a:t>開放</a:t>
+            </a:r>
+            <a:r>
+              <a:rPr lang="zh-TW" altLang="en-US" dirty="0" smtClean="0"/>
+              <a:t>設立電子支付機構、</a:t>
+            </a:r>
+            <a:r>
+              <a:rPr lang="zh-TW" altLang="en-US" u="sng" dirty="0" smtClean="0"/>
+              <a:t>開放</a:t>
+            </a:r>
+            <a:r>
+              <a:rPr lang="zh-TW" altLang="en-US" dirty="0" smtClean="0"/>
+              <a:t>經營</a:t>
+            </a:r>
+            <a:r>
+              <a:rPr lang="en-US" altLang="zh-TW" dirty="0" smtClean="0"/>
+              <a:t>(</a:t>
+            </a:r>
+            <a:r>
+              <a:rPr lang="zh-TW" altLang="en-US" dirty="0" smtClean="0"/>
+              <a:t>股權性質</a:t>
+            </a:r>
+            <a:r>
+              <a:rPr lang="en-US" altLang="zh-TW" dirty="0" smtClean="0"/>
+              <a:t>)</a:t>
+            </a:r>
+            <a:r>
+              <a:rPr lang="zh-TW" altLang="en-US" dirty="0" smtClean="0"/>
+              <a:t>募資平台</a:t>
+            </a:r>
+            <a:endParaRPr lang="en-US" altLang="zh-TW" dirty="0" smtClean="0"/>
+          </a:p>
+          <a:p>
+            <a:pPr lvl="1"/>
+            <a:r>
+              <a:rPr lang="en-US" altLang="zh-TW" dirty="0" smtClean="0"/>
+              <a:t>2015</a:t>
+            </a:r>
+            <a:r>
+              <a:rPr lang="zh-TW" altLang="en-US" dirty="0" smtClean="0"/>
+              <a:t>止，計</a:t>
+            </a:r>
+            <a:r>
+              <a:rPr lang="en-US" altLang="zh-TW" dirty="0" smtClean="0"/>
+              <a:t>21</a:t>
+            </a:r>
+            <a:r>
+              <a:rPr lang="zh-TW" altLang="en-US" dirty="0" smtClean="0"/>
+              <a:t>家機構開辦</a:t>
+            </a:r>
+            <a:r>
+              <a:rPr lang="en-US" altLang="zh-TW" dirty="0" smtClean="0"/>
+              <a:t>NFC</a:t>
+            </a:r>
+            <a:r>
+              <a:rPr lang="zh-TW" altLang="en-US" dirty="0" smtClean="0"/>
+              <a:t>手機信用卡、</a:t>
+            </a:r>
+            <a:r>
+              <a:rPr lang="en-US" altLang="zh-TW" dirty="0" smtClean="0"/>
+              <a:t>15</a:t>
+            </a:r>
+            <a:r>
+              <a:rPr lang="zh-TW" altLang="en-US" dirty="0" smtClean="0"/>
+              <a:t>家開辦行動金融卡、</a:t>
+            </a:r>
+            <a:r>
+              <a:rPr lang="en-US" altLang="zh-TW" dirty="0" smtClean="0"/>
+              <a:t>12</a:t>
+            </a:r>
+            <a:r>
+              <a:rPr lang="zh-TW" altLang="en-US" dirty="0" smtClean="0"/>
+              <a:t>家開辦</a:t>
+            </a:r>
+            <a:r>
+              <a:rPr lang="en-US" altLang="zh-TW" dirty="0" smtClean="0"/>
+              <a:t>QR-code</a:t>
+            </a:r>
+            <a:r>
+              <a:rPr lang="zh-TW" altLang="en-US" dirty="0" smtClean="0"/>
+              <a:t>行動支付、</a:t>
+            </a:r>
+            <a:r>
+              <a:rPr lang="en-US" altLang="zh-TW" dirty="0" smtClean="0"/>
+              <a:t>7</a:t>
+            </a:r>
+            <a:r>
+              <a:rPr lang="zh-TW" altLang="en-US" dirty="0" smtClean="0"/>
+              <a:t>家開辦</a:t>
+            </a:r>
+            <a:r>
+              <a:rPr lang="en-US" altLang="zh-TW" dirty="0" err="1" smtClean="0"/>
+              <a:t>mPOS</a:t>
+            </a:r>
+            <a:r>
+              <a:rPr lang="zh-TW" altLang="en-US" dirty="0" smtClean="0"/>
+              <a:t>行動收單。</a:t>
+            </a:r>
+            <a:endParaRPr lang="zh-TW" altLang="en-US" dirty="0"/>
+          </a:p>
+        </p:txBody>
+      </p:sp>
+      <p:sp>
+        <p:nvSpPr>
+          <p:cNvPr id="3" name="日期版面配置區 2"/>
           <p:cNvSpPr>
             <a:spLocks noGrp="1"/>
           </p:cNvSpPr>
@@ -7553,17 +10670,18 @@
           <a:bodyPr/>
           <a:lstStyle/>
           <a:p>
-            <a:fld id="{F5EB54BD-0855-4C71-B321-D9B65086D443}" type="datetime1">
+            <a:fld id="{E0DBF2A0-D569-4754-A181-EB6AFB346A11}" type="datetime1">
               <a:rPr lang="zh-TW" altLang="en-US" smtClean="0"/>
+              <a:pPr/>
               <a:t>2016/7/11</a:t>
             </a:fld>
-            <a:endParaRPr lang="zh-TW" altLang="en-US"/>
+            <a:endParaRPr lang="zh-TW" altLang="en-US" dirty="0"/>
           </a:p>
         </p:txBody>
       </p:sp>
       <p:sp>
         <p:nvSpPr>
-          <p:cNvPr id="5" name="投影片編號版面配置區 4"/>
+          <p:cNvPr id="4" name="投影片編號版面配置區 3"/>
           <p:cNvSpPr>
             <a:spLocks noGrp="1"/>
           </p:cNvSpPr>
@@ -7578,6 +10696,7 @@
           <a:p>
             <a:fld id="{420AFBEC-07C3-4955-862B-EFDB12C88779}" type="slidenum">
               <a:rPr lang="zh-TW" altLang="en-US" smtClean="0"/>
+              <a:pPr/>
               <a:t>24</a:t>
             </a:fld>
             <a:endParaRPr lang="zh-TW" altLang="en-US"/>
@@ -7587,7 +10706,7 @@
     </p:spTree>
     <p:extLst>
       <p:ext uri="{BB962C8B-B14F-4D97-AF65-F5344CB8AC3E}">
-        <p14:creationId xmlns:p14="http://schemas.microsoft.com/office/powerpoint/2010/main" val="3227963099"/>
+        <p14:creationId xmlns:p14="http://schemas.microsoft.com/office/powerpoint/2010/main" val="557615020"/>
       </p:ext>
     </p:extLst>
   </p:cSld>
@@ -7623,7 +10742,7 @@
       </p:grpSpPr>
       <p:sp>
         <p:nvSpPr>
-          <p:cNvPr id="5" name="標題 4"/>
+          <p:cNvPr id="2" name="標題 1"/>
           <p:cNvSpPr>
             <a:spLocks noGrp="1"/>
           </p:cNvSpPr>
@@ -7638,7 +10757,7 @@
           <a:p>
             <a:r>
               <a:rPr lang="zh-TW" altLang="en-US" dirty="0" smtClean="0"/>
-              <a:t>行動金融</a:t>
+              <a:t>雲端服務</a:t>
             </a:r>
             <a:endParaRPr lang="zh-TW" altLang="en-US" dirty="0"/>
           </a:p>
@@ -7646,7 +10765,7 @@
       </p:sp>
       <p:sp>
         <p:nvSpPr>
-          <p:cNvPr id="6" name="內容版面配置區 5"/>
+          <p:cNvPr id="3" name="內容版面配置區 2"/>
           <p:cNvSpPr>
             <a:spLocks noGrp="1"/>
           </p:cNvSpPr>
@@ -7656,11 +10775,80 @@
         </p:nvSpPr>
         <p:spPr/>
         <p:txBody>
-          <a:bodyPr/>
+          <a:bodyPr>
+            <a:normAutofit/>
+          </a:bodyPr>
           <a:lstStyle/>
           <a:p>
             <a:r>
               <a:rPr lang="zh-TW" altLang="en-US" dirty="0" smtClean="0"/>
+              <a:t>三種雲端架構</a:t>
+            </a:r>
+            <a:endParaRPr lang="en-US" altLang="zh-TW" dirty="0" smtClean="0"/>
+          </a:p>
+          <a:p>
+            <a:pPr lvl="1"/>
+            <a:r>
+              <a:rPr lang="zh-TW" altLang="en-US" dirty="0"/>
+              <a:t>軟體即服務</a:t>
+            </a:r>
+            <a:r>
+              <a:rPr lang="en-US" altLang="zh-TW" dirty="0"/>
+              <a:t>(</a:t>
+            </a:r>
+            <a:r>
+              <a:rPr lang="en-US" altLang="zh-TW" dirty="0" err="1"/>
+              <a:t>SaaS</a:t>
+            </a:r>
+            <a:r>
+              <a:rPr lang="en-US" altLang="zh-TW" dirty="0" smtClean="0"/>
+              <a:t>)</a:t>
+            </a:r>
+            <a:r>
+              <a:rPr lang="zh-TW" altLang="en-US" dirty="0"/>
+              <a:t> 、平台即服務</a:t>
+            </a:r>
+            <a:r>
+              <a:rPr lang="en-US" altLang="zh-TW" dirty="0"/>
+              <a:t>(</a:t>
+            </a:r>
+            <a:r>
+              <a:rPr lang="en-US" altLang="zh-TW" dirty="0" err="1"/>
+              <a:t>PaaS</a:t>
+            </a:r>
+            <a:r>
+              <a:rPr lang="en-US" altLang="zh-TW" dirty="0" smtClean="0"/>
+              <a:t>)</a:t>
+            </a:r>
+            <a:r>
+              <a:rPr lang="zh-TW" altLang="en-US" dirty="0" smtClean="0"/>
+              <a:t> 、</a:t>
+            </a:r>
+            <a:r>
+              <a:rPr lang="zh-TW" altLang="en-US" dirty="0"/>
+              <a:t>架構即服務</a:t>
+            </a:r>
+            <a:r>
+              <a:rPr lang="en-US" altLang="zh-TW" dirty="0"/>
+              <a:t>(</a:t>
+            </a:r>
+            <a:r>
+              <a:rPr lang="en-US" altLang="zh-TW" dirty="0" err="1"/>
+              <a:t>IaaS</a:t>
+            </a:r>
+            <a:r>
+              <a:rPr lang="en-US" altLang="zh-TW" dirty="0"/>
+              <a:t>)</a:t>
+            </a:r>
+            <a:r>
+              <a:rPr lang="zh-TW" altLang="en-US" dirty="0"/>
+              <a:t> </a:t>
+            </a:r>
+            <a:endParaRPr lang="en-US" altLang="zh-TW" dirty="0"/>
+          </a:p>
+          <a:p>
+            <a:r>
+              <a:rPr lang="zh-TW" altLang="en-US" dirty="0" smtClean="0"/>
               <a:t>國際趨勢</a:t>
             </a:r>
             <a:endParaRPr lang="en-US" altLang="zh-TW" dirty="0" smtClean="0"/>
@@ -7669,19 +10857,26 @@
             <a:pPr lvl="1"/>
             <a:r>
               <a:rPr lang="zh-TW" altLang="en-US" dirty="0" smtClean="0"/>
-              <a:t>行動銀行</a:t>
+              <a:t>公有雲、私有雲、混和雲。</a:t>
             </a:r>
             <a:endParaRPr lang="en-US" altLang="zh-TW" dirty="0" smtClean="0"/>
           </a:p>
           <a:p>
             <a:pPr lvl="1"/>
             <a:r>
+              <a:rPr lang="zh-TW" altLang="en-US" dirty="0" smtClean="0"/>
+              <a:t>多數企業未建立穩定的方式採用雲端服務。安全是首要障礙。</a:t>
+            </a:r>
+            <a:endParaRPr lang="en-US" altLang="zh-TW" dirty="0" smtClean="0"/>
+          </a:p>
+          <a:p>
+            <a:r>
               <a:rPr lang="zh-TW" altLang="en-US" dirty="0"/>
-              <a:t>行動</a:t>
-            </a:r>
-            <a:r>
-              <a:rPr lang="zh-TW" altLang="en-US" dirty="0" smtClean="0"/>
-              <a:t>支付</a:t>
+              <a:t>國內</a:t>
+            </a:r>
+            <a:r>
+              <a:rPr lang="zh-TW" altLang="en-US" dirty="0" smtClean="0"/>
+              <a:t>現況</a:t>
             </a:r>
             <a:endParaRPr lang="en-US" altLang="zh-TW" dirty="0" smtClean="0"/>
           </a:p>
@@ -7689,78 +10884,75 @@
             <a:pPr lvl="1"/>
             <a:r>
               <a:rPr lang="zh-TW" altLang="en-US" dirty="0"/>
-              <a:t>電子</a:t>
-            </a:r>
-            <a:r>
-              <a:rPr lang="zh-TW" altLang="en-US" dirty="0" smtClean="0"/>
-              <a:t>錢包</a:t>
+              <a:t>財金</a:t>
+            </a:r>
+            <a:r>
+              <a:rPr lang="zh-TW" altLang="en-US" dirty="0" smtClean="0"/>
+              <a:t>資訊公司</a:t>
             </a:r>
             <a:endParaRPr lang="en-US" altLang="zh-TW" dirty="0" smtClean="0"/>
           </a:p>
           <a:p>
+            <a:pPr lvl="2"/>
+            <a:r>
+              <a:rPr lang="zh-TW" altLang="en-US" dirty="0" smtClean="0"/>
+              <a:t>財金雲連結中央銀行、本國銀行、郵局、農漁會、信合社等</a:t>
+            </a:r>
+            <a:endParaRPr lang="en-US" altLang="zh-TW" dirty="0" smtClean="0"/>
+          </a:p>
+          <a:p>
             <a:pPr lvl="1"/>
             <a:r>
+              <a:rPr lang="zh-TW" altLang="en-US" dirty="0" smtClean="0"/>
+              <a:t>雲端收單共用中心</a:t>
+            </a:r>
+            <a:endParaRPr lang="en-US" altLang="zh-TW" dirty="0" smtClean="0"/>
+          </a:p>
+          <a:p>
+            <a:pPr lvl="2"/>
+            <a:r>
               <a:rPr lang="zh-TW" altLang="en-US" dirty="0"/>
-              <a:t>行動</a:t>
-            </a:r>
-            <a:r>
-              <a:rPr lang="zh-TW" altLang="en-US" dirty="0" smtClean="0"/>
-              <a:t>交易 </a:t>
-            </a:r>
+              <a:t>實體</a:t>
+            </a:r>
+            <a:r>
+              <a:rPr lang="zh-TW" altLang="en-US" dirty="0" smtClean="0"/>
+              <a:t>暨網路收單業務。包含晶片金融卡、大陸銀聯卡等。</a:t>
+            </a:r>
+            <a:endParaRPr lang="en-US" altLang="zh-TW" dirty="0" smtClean="0"/>
+          </a:p>
+          <a:p>
+            <a:pPr lvl="1"/>
+            <a:r>
+              <a:rPr lang="zh-TW" altLang="en-US" dirty="0" smtClean="0"/>
+              <a:t>雲端資金調撥中心</a:t>
+            </a:r>
+            <a:endParaRPr lang="en-US" altLang="zh-TW" dirty="0" smtClean="0"/>
+          </a:p>
+          <a:p>
+            <a:pPr lvl="2"/>
             <a:r>
               <a:rPr lang="en-US" altLang="zh-TW" dirty="0" smtClean="0"/>
               <a:t>(</a:t>
             </a:r>
             <a:r>
               <a:rPr lang="zh-TW" altLang="en-US" dirty="0" smtClean="0"/>
-              <a:t>證券</a:t>
+              <a:t>個人</a:t>
             </a:r>
             <a:r>
               <a:rPr lang="en-US" altLang="zh-TW" dirty="0" smtClean="0"/>
               <a:t>)</a:t>
             </a:r>
-            <a:endParaRPr lang="en-US" altLang="zh-TW" dirty="0"/>
-          </a:p>
-          <a:p>
-            <a:pPr lvl="1"/>
-            <a:r>
-              <a:rPr lang="zh-TW" altLang="en-US" dirty="0" smtClean="0"/>
-              <a:t>行動保險</a:t>
-            </a:r>
-            <a:endParaRPr lang="en-US" altLang="zh-TW" dirty="0" smtClean="0"/>
-          </a:p>
-          <a:p>
-            <a:r>
-              <a:rPr lang="zh-TW" altLang="en-US" dirty="0"/>
-              <a:t>國內</a:t>
-            </a:r>
-            <a:r>
-              <a:rPr lang="zh-TW" altLang="en-US" dirty="0" smtClean="0"/>
-              <a:t>現況</a:t>
-            </a:r>
-            <a:endParaRPr lang="en-US" altLang="zh-TW" dirty="0" smtClean="0"/>
-          </a:p>
-          <a:p>
-            <a:pPr lvl="1"/>
-            <a:r>
-              <a:rPr lang="zh-TW" altLang="en-US" dirty="0"/>
-              <a:t>法規調整</a:t>
-            </a:r>
-            <a:r>
-              <a:rPr lang="zh-TW" altLang="en-US" dirty="0" smtClean="0"/>
-              <a:t>、開放線上開戶、申辦信貸、投保、行動支付</a:t>
-            </a:r>
-            <a:endParaRPr lang="en-US" altLang="zh-TW" dirty="0" smtClean="0"/>
-          </a:p>
-          <a:p>
-            <a:pPr lvl="1"/>
-            <a:r>
-              <a:rPr lang="zh-TW" altLang="en-US" dirty="0"/>
-              <a:t>開放</a:t>
-            </a:r>
-            <a:r>
-              <a:rPr lang="zh-TW" altLang="en-US" dirty="0" smtClean="0"/>
-              <a:t>設立電子支付機構、開放經營</a:t>
+            <a:r>
+              <a:rPr lang="zh-TW" altLang="en-US" dirty="0" smtClean="0"/>
+              <a:t>網路</a:t>
+            </a:r>
+            <a:r>
+              <a:rPr lang="en-US" altLang="zh-TW" dirty="0"/>
+              <a:t>ATM</a:t>
+            </a:r>
+            <a:r>
+              <a:rPr lang="zh-TW" altLang="en-US" dirty="0" smtClean="0"/>
+              <a:t>、</a:t>
             </a:r>
             <a:r>
               <a:rPr lang="en-US" altLang="zh-TW" dirty="0" smtClean="0"/>
@@ -7768,7 +10960,7 @@
             </a:r>
             <a:r>
               <a:rPr lang="zh-TW" altLang="en-US" dirty="0" smtClean="0"/>
-              <a:t>股權性質</a:t>
+              <a:t>企業</a:t>
             </a:r>
             <a:r>
               <a:rPr lang="en-US" altLang="zh-TW" dirty="0" smtClean="0"/>
@@ -7776,75 +10968,15 @@
             </a:r>
             <a:r>
               <a:rPr lang="zh-TW" altLang="en-US" dirty="0" smtClean="0"/>
-              <a:t>募資平台</a:t>
-            </a:r>
-            <a:endParaRPr lang="en-US" altLang="zh-TW" dirty="0" smtClean="0"/>
-          </a:p>
-          <a:p>
-            <a:pPr lvl="1"/>
+              <a:t>金融</a:t>
+            </a:r>
             <a:r>
               <a:rPr lang="en-US" altLang="zh-TW" dirty="0" smtClean="0"/>
-              <a:t>2015</a:t>
-            </a:r>
-            <a:r>
-              <a:rPr lang="zh-TW" altLang="en-US" dirty="0" smtClean="0"/>
-              <a:t>止，計</a:t>
-            </a:r>
-            <a:r>
-              <a:rPr lang="en-US" altLang="zh-TW" dirty="0" smtClean="0"/>
-              <a:t>21</a:t>
-            </a:r>
-            <a:r>
-              <a:rPr lang="zh-TW" altLang="en-US" dirty="0" smtClean="0"/>
-              <a:t>家機構開辦</a:t>
-            </a:r>
-            <a:r>
-              <a:rPr lang="en-US" altLang="zh-TW" dirty="0" smtClean="0"/>
-              <a:t>NFC</a:t>
-            </a:r>
-            <a:r>
-              <a:rPr lang="zh-TW" altLang="en-US" dirty="0" smtClean="0"/>
-              <a:t>手機信用卡、</a:t>
-            </a:r>
-            <a:r>
-              <a:rPr lang="en-US" altLang="zh-TW" dirty="0" smtClean="0"/>
-              <a:t>15</a:t>
-            </a:r>
-            <a:r>
-              <a:rPr lang="zh-TW" altLang="en-US" dirty="0" smtClean="0"/>
-              <a:t>家開辦行動金融卡、</a:t>
-            </a:r>
-            <a:r>
-              <a:rPr lang="en-US" altLang="zh-TW" dirty="0" smtClean="0"/>
-              <a:t>12</a:t>
-            </a:r>
-            <a:r>
-              <a:rPr lang="zh-TW" altLang="en-US" dirty="0" smtClean="0"/>
-              <a:t>家開辦</a:t>
-            </a:r>
-            <a:r>
-              <a:rPr lang="en-US" altLang="zh-TW" dirty="0" smtClean="0"/>
-              <a:t>QR-code</a:t>
-            </a:r>
-            <a:r>
-              <a:rPr lang="zh-TW" altLang="en-US" dirty="0" smtClean="0"/>
-              <a:t>行動支付、</a:t>
-            </a:r>
-            <a:r>
-              <a:rPr lang="en-US" altLang="zh-TW" dirty="0" smtClean="0"/>
-              <a:t>7</a:t>
-            </a:r>
-            <a:r>
-              <a:rPr lang="zh-TW" altLang="en-US" dirty="0" smtClean="0"/>
-              <a:t>家開辦</a:t>
-            </a:r>
-            <a:r>
-              <a:rPr lang="en-US" altLang="zh-TW" dirty="0" err="1" smtClean="0"/>
-              <a:t>mPOS</a:t>
-            </a:r>
-            <a:r>
-              <a:rPr lang="zh-TW" altLang="en-US" dirty="0" smtClean="0"/>
-              <a:t>行動收單。</a:t>
+              <a:t>EDI</a:t>
+            </a:r>
+            <a:r>
+              <a:rPr lang="zh-TW" altLang="en-US" dirty="0" smtClean="0"/>
+              <a:t>、企業轉帳、資金調撥</a:t>
             </a:r>
             <a:endParaRPr lang="zh-TW" altLang="en-US" dirty="0"/>
           </a:p>
@@ -7852,7 +10984,7 @@
       </p:sp>
       <p:sp>
         <p:nvSpPr>
-          <p:cNvPr id="3" name="日期版面配置區 2"/>
+          <p:cNvPr id="4" name="日期版面配置區 3"/>
           <p:cNvSpPr>
             <a:spLocks noGrp="1"/>
           </p:cNvSpPr>
@@ -7865,18 +10997,17 @@
           <a:bodyPr/>
           <a:lstStyle/>
           <a:p>
-            <a:fld id="{E0DBF2A0-D569-4754-A181-EB6AFB346A11}" type="datetime1">
+            <a:fld id="{F5EB54BD-0855-4C71-B321-D9B65086D443}" type="datetime1">
               <a:rPr lang="zh-TW" altLang="en-US" smtClean="0"/>
-              <a:pPr/>
               <a:t>2016/7/11</a:t>
             </a:fld>
-            <a:endParaRPr lang="zh-TW" altLang="en-US" dirty="0"/>
+            <a:endParaRPr lang="zh-TW" altLang="en-US"/>
           </a:p>
         </p:txBody>
       </p:sp>
       <p:sp>
         <p:nvSpPr>
-          <p:cNvPr id="4" name="投影片編號版面配置區 3"/>
+          <p:cNvPr id="5" name="投影片編號版面配置區 4"/>
           <p:cNvSpPr>
             <a:spLocks noGrp="1"/>
           </p:cNvSpPr>
@@ -7891,7 +11022,6 @@
           <a:p>
             <a:fld id="{420AFBEC-07C3-4955-862B-EFDB12C88779}" type="slidenum">
               <a:rPr lang="zh-TW" altLang="en-US" smtClean="0"/>
-              <a:pPr/>
               <a:t>25</a:t>
             </a:fld>
             <a:endParaRPr lang="zh-TW" altLang="en-US"/>
@@ -7901,7 +11031,7 @@
     </p:spTree>
     <p:extLst>
       <p:ext uri="{BB962C8B-B14F-4D97-AF65-F5344CB8AC3E}">
-        <p14:creationId xmlns:p14="http://schemas.microsoft.com/office/powerpoint/2010/main" val="557615020"/>
+        <p14:creationId xmlns:p14="http://schemas.microsoft.com/office/powerpoint/2010/main" val="1909185970"/>
       </p:ext>
     </p:extLst>
   </p:cSld>
@@ -7952,7 +11082,7 @@
           <a:p>
             <a:r>
               <a:rPr lang="zh-TW" altLang="en-US" dirty="0" smtClean="0"/>
-              <a:t>雲端服務</a:t>
+              <a:t>大數據</a:t>
             </a:r>
             <a:endParaRPr lang="zh-TW" altLang="en-US" dirty="0"/>
           </a:p>
@@ -7970,210 +11100,98 @@
         </p:nvSpPr>
         <p:spPr/>
         <p:txBody>
-          <a:bodyPr>
-            <a:normAutofit/>
-          </a:bodyPr>
+          <a:bodyPr/>
           <a:lstStyle/>
           <a:p>
             <a:r>
               <a:rPr lang="zh-TW" altLang="en-US" dirty="0" smtClean="0"/>
-              <a:t>三種雲端架構</a:t>
+              <a:t>國外趨勢</a:t>
             </a:r>
             <a:endParaRPr lang="en-US" altLang="zh-TW" dirty="0" smtClean="0"/>
           </a:p>
           <a:p>
+            <a:endParaRPr lang="en-US" altLang="zh-TW" dirty="0" smtClean="0"/>
+          </a:p>
+          <a:p>
+            <a:endParaRPr lang="en-US" altLang="zh-TW" dirty="0"/>
+          </a:p>
+          <a:p>
+            <a:endParaRPr lang="en-US" altLang="zh-TW" dirty="0" smtClean="0"/>
+          </a:p>
+          <a:p>
+            <a:r>
+              <a:rPr lang="zh-TW" altLang="en-US" dirty="0" smtClean="0"/>
+              <a:t>國內近況</a:t>
+            </a:r>
+            <a:endParaRPr lang="en-US" altLang="zh-TW" dirty="0" smtClean="0"/>
+          </a:p>
+          <a:p>
             <a:pPr lvl="1"/>
             <a:r>
               <a:rPr lang="zh-TW" altLang="en-US" dirty="0"/>
-              <a:t>軟體即服務</a:t>
-            </a:r>
-            <a:r>
-              <a:rPr lang="en-US" altLang="zh-TW" dirty="0"/>
-              <a:t>(</a:t>
-            </a:r>
-            <a:r>
-              <a:rPr lang="en-US" altLang="zh-TW" dirty="0" err="1"/>
-              <a:t>SaaS</a:t>
-            </a:r>
-            <a:r>
-              <a:rPr lang="en-US" altLang="zh-TW" dirty="0" smtClean="0"/>
-              <a:t>)</a:t>
-            </a:r>
-            <a:r>
-              <a:rPr lang="zh-TW" altLang="en-US" dirty="0"/>
-              <a:t> 、平台即服務</a:t>
-            </a:r>
-            <a:r>
-              <a:rPr lang="en-US" altLang="zh-TW" dirty="0"/>
-              <a:t>(</a:t>
-            </a:r>
-            <a:r>
-              <a:rPr lang="en-US" altLang="zh-TW" dirty="0" err="1"/>
-              <a:t>PaaS</a:t>
-            </a:r>
-            <a:r>
-              <a:rPr lang="en-US" altLang="zh-TW" dirty="0" smtClean="0"/>
-              <a:t>)</a:t>
-            </a:r>
-            <a:r>
-              <a:rPr lang="zh-TW" altLang="en-US" dirty="0" smtClean="0"/>
-              <a:t> 、</a:t>
-            </a:r>
-            <a:r>
-              <a:rPr lang="zh-TW" altLang="en-US" dirty="0"/>
-              <a:t>架構即服務</a:t>
-            </a:r>
-            <a:r>
-              <a:rPr lang="en-US" altLang="zh-TW" dirty="0"/>
-              <a:t>(</a:t>
-            </a:r>
-            <a:r>
-              <a:rPr lang="en-US" altLang="zh-TW" dirty="0" err="1"/>
-              <a:t>IaaS</a:t>
-            </a:r>
-            <a:r>
-              <a:rPr lang="en-US" altLang="zh-TW" dirty="0"/>
-              <a:t>)</a:t>
-            </a:r>
-            <a:r>
-              <a:rPr lang="zh-TW" altLang="en-US" dirty="0"/>
-              <a:t> </a:t>
+              <a:t>金管</a:t>
+            </a:r>
+            <a:r>
+              <a:rPr lang="zh-TW" altLang="en-US" dirty="0" smtClean="0"/>
+              <a:t>會推動周邊單位陸續資料釋出</a:t>
             </a:r>
             <a:endParaRPr lang="en-US" altLang="zh-TW" dirty="0"/>
           </a:p>
           <a:p>
-            <a:r>
-              <a:rPr lang="zh-TW" altLang="en-US" dirty="0" smtClean="0"/>
-              <a:t>國際趨勢</a:t>
+            <a:pPr lvl="1"/>
+            <a:r>
+              <a:rPr lang="zh-TW" altLang="en-US" dirty="0" smtClean="0"/>
+              <a:t>數據應用分析</a:t>
             </a:r>
             <a:endParaRPr lang="en-US" altLang="zh-TW" dirty="0" smtClean="0"/>
           </a:p>
           <a:p>
-            <a:pPr lvl="1"/>
-            <a:r>
-              <a:rPr lang="zh-TW" altLang="en-US" dirty="0" smtClean="0"/>
-              <a:t>公有雲、私有雲、混和雲。</a:t>
-            </a:r>
-            <a:endParaRPr lang="en-US" altLang="zh-TW" dirty="0" smtClean="0"/>
-          </a:p>
-          <a:p>
-            <a:pPr lvl="1"/>
-            <a:r>
-              <a:rPr lang="zh-TW" altLang="en-US" dirty="0" smtClean="0"/>
-              <a:t>多數企業未建立穩定的方式採用雲端服務。安全是首要障礙。</a:t>
-            </a:r>
-            <a:endParaRPr lang="en-US" altLang="zh-TW" dirty="0" smtClean="0"/>
-          </a:p>
-          <a:p>
-            <a:r>
-              <a:rPr lang="zh-TW" altLang="en-US" dirty="0"/>
-              <a:t>國內</a:t>
-            </a:r>
-            <a:r>
-              <a:rPr lang="zh-TW" altLang="en-US" dirty="0" smtClean="0"/>
-              <a:t>現況</a:t>
-            </a:r>
-            <a:endParaRPr lang="en-US" altLang="zh-TW" dirty="0" smtClean="0"/>
-          </a:p>
-          <a:p>
-            <a:pPr lvl="1"/>
-            <a:r>
-              <a:rPr lang="zh-TW" altLang="en-US" dirty="0"/>
-              <a:t>財金</a:t>
-            </a:r>
-            <a:r>
-              <a:rPr lang="zh-TW" altLang="en-US" dirty="0" smtClean="0"/>
-              <a:t>資訊公司</a:t>
-            </a:r>
-            <a:endParaRPr lang="en-US" altLang="zh-TW" dirty="0" smtClean="0"/>
-          </a:p>
-          <a:p>
             <a:pPr lvl="2"/>
             <a:r>
               <a:rPr lang="zh-TW" altLang="en-US" dirty="0" smtClean="0"/>
-              <a:t>財金雲連結中央銀行、本國銀行、郵局、農漁會、信合社等</a:t>
-            </a:r>
-            <a:endParaRPr lang="en-US" altLang="zh-TW" dirty="0" smtClean="0"/>
-          </a:p>
-          <a:p>
-            <a:pPr lvl="1"/>
-            <a:r>
-              <a:rPr lang="zh-TW" altLang="en-US" dirty="0" smtClean="0"/>
-              <a:t>雲端收單共用中心</a:t>
-            </a:r>
-            <a:endParaRPr lang="en-US" altLang="zh-TW" dirty="0" smtClean="0"/>
-          </a:p>
-          <a:p>
-            <a:pPr lvl="2"/>
-            <a:r>
-              <a:rPr lang="zh-TW" altLang="en-US" dirty="0"/>
-              <a:t>實體</a:t>
-            </a:r>
-            <a:r>
-              <a:rPr lang="zh-TW" altLang="en-US" dirty="0" smtClean="0"/>
-              <a:t>暨網路收單業務。包含晶片金融卡、大陸銀聯卡等。</a:t>
-            </a:r>
-            <a:endParaRPr lang="en-US" altLang="zh-TW" dirty="0" smtClean="0"/>
-          </a:p>
-          <a:p>
-            <a:pPr lvl="1"/>
-            <a:r>
-              <a:rPr lang="zh-TW" altLang="en-US" dirty="0" smtClean="0"/>
-              <a:t>雲端資金調撥中心</a:t>
-            </a:r>
-            <a:endParaRPr lang="en-US" altLang="zh-TW" dirty="0" smtClean="0"/>
-          </a:p>
-          <a:p>
-            <a:pPr lvl="2"/>
+              <a:t>產業財務、投資人交易行為</a:t>
+            </a:r>
             <a:r>
               <a:rPr lang="en-US" altLang="zh-TW" dirty="0" smtClean="0"/>
               <a:t>(</a:t>
             </a:r>
             <a:r>
               <a:rPr lang="zh-TW" altLang="en-US" dirty="0" smtClean="0"/>
-              <a:t>個人</a:t>
+              <a:t>股票、權證、</a:t>
             </a:r>
             <a:r>
               <a:rPr lang="en-US" altLang="zh-TW" dirty="0" smtClean="0"/>
-              <a:t>)</a:t>
-            </a:r>
-            <a:r>
-              <a:rPr lang="zh-TW" altLang="en-US" dirty="0" smtClean="0"/>
-              <a:t>網路</a:t>
-            </a:r>
-            <a:r>
-              <a:rPr lang="en-US" altLang="zh-TW" dirty="0"/>
-              <a:t>ATM</a:t>
-            </a:r>
-            <a:r>
-              <a:rPr lang="zh-TW" altLang="en-US" dirty="0" smtClean="0"/>
-              <a:t>、</a:t>
-            </a:r>
-            <a:r>
-              <a:rPr lang="en-US" altLang="zh-TW" dirty="0" smtClean="0"/>
-              <a:t>(</a:t>
-            </a:r>
-            <a:r>
-              <a:rPr lang="zh-TW" altLang="en-US" dirty="0" smtClean="0"/>
-              <a:t>企業</a:t>
-            </a:r>
-            <a:r>
-              <a:rPr lang="en-US" altLang="zh-TW" dirty="0" smtClean="0"/>
-              <a:t>)</a:t>
-            </a:r>
-            <a:r>
-              <a:rPr lang="zh-TW" altLang="en-US" dirty="0" smtClean="0"/>
-              <a:t>金融</a:t>
-            </a:r>
-            <a:r>
-              <a:rPr lang="en-US" altLang="zh-TW" dirty="0" smtClean="0"/>
-              <a:t>EDI</a:t>
-            </a:r>
-            <a:r>
-              <a:rPr lang="zh-TW" altLang="en-US" dirty="0" smtClean="0"/>
-              <a:t>、企業轉帳、資金調撥</a:t>
-            </a:r>
-            <a:endParaRPr lang="zh-TW" altLang="en-US" dirty="0"/>
+              <a:t>ETF)</a:t>
+            </a:r>
+            <a:r>
+              <a:rPr lang="zh-TW" altLang="en-US" dirty="0" smtClean="0"/>
+              <a:t>、市場交易行為等</a:t>
+            </a:r>
+            <a:endParaRPr lang="en-US" altLang="zh-TW" dirty="0" smtClean="0"/>
+          </a:p>
+          <a:p>
+            <a:pPr lvl="1"/>
+            <a:r>
+              <a:rPr lang="zh-TW" altLang="en-US" dirty="0" smtClean="0"/>
+              <a:t>金融資料開放</a:t>
+            </a:r>
+            <a:endParaRPr lang="en-US" altLang="zh-TW" dirty="0" smtClean="0"/>
+          </a:p>
+          <a:p>
+            <a:pPr lvl="2"/>
+            <a:r>
+              <a:rPr lang="zh-TW" altLang="en-US" dirty="0" smtClean="0"/>
+              <a:t>推動千餘項資料及開放，制定「</a:t>
+            </a:r>
+            <a:r>
+              <a:rPr lang="zh-TW" altLang="en-US" dirty="0"/>
+              <a:t>金融資料開放行動綱領</a:t>
+            </a:r>
+            <a:r>
+              <a:rPr lang="zh-TW" altLang="en-US" dirty="0" smtClean="0"/>
+              <a:t>」</a:t>
+            </a:r>
+            <a:endParaRPr lang="en-US" altLang="zh-TW" dirty="0" smtClean="0"/>
           </a:p>
         </p:txBody>
       </p:sp>
@@ -8218,219 +11236,6 @@
             <a:fld id="{420AFBEC-07C3-4955-862B-EFDB12C88779}" type="slidenum">
               <a:rPr lang="zh-TW" altLang="en-US" smtClean="0"/>
               <a:t>26</a:t>
-            </a:fld>
-            <a:endParaRPr lang="zh-TW" altLang="en-US"/>
-          </a:p>
-        </p:txBody>
-      </p:sp>
-    </p:spTree>
-    <p:extLst>
-      <p:ext uri="{BB962C8B-B14F-4D97-AF65-F5344CB8AC3E}">
-        <p14:creationId xmlns:p14="http://schemas.microsoft.com/office/powerpoint/2010/main" val="1909185970"/>
-      </p:ext>
-    </p:extLst>
-  </p:cSld>
-  <p:clrMapOvr>
-    <a:masterClrMapping/>
-  </p:clrMapOvr>
-  <p:timing>
-    <p:tnLst>
-      <p:par>
-        <p:cTn id="1" dur="indefinite" restart="never" nodeType="tmRoot"/>
-      </p:par>
-    </p:tnLst>
-  </p:timing>
-</p:sld>
-</file>
-
-<file path=ppt/slides/slide27.xml><?xml version="1.0" encoding="utf-8"?>
-<p:sld xmlns:a="http://schemas.openxmlformats.org/drawingml/2006/main" xmlns:r="http://schemas.openxmlformats.org/officeDocument/2006/relationships" xmlns:p="http://schemas.openxmlformats.org/presentationml/2006/main">
-  <p:cSld>
-    <p:spTree>
-      <p:nvGrpSpPr>
-        <p:cNvPr id="1" name=""/>
-        <p:cNvGrpSpPr/>
-        <p:nvPr/>
-      </p:nvGrpSpPr>
-      <p:grpSpPr>
-        <a:xfrm>
-          <a:off x="0" y="0"/>
-          <a:ext cx="0" cy="0"/>
-          <a:chOff x="0" y="0"/>
-          <a:chExt cx="0" cy="0"/>
-        </a:xfrm>
-      </p:grpSpPr>
-      <p:sp>
-        <p:nvSpPr>
-          <p:cNvPr id="2" name="標題 1"/>
-          <p:cNvSpPr>
-            <a:spLocks noGrp="1"/>
-          </p:cNvSpPr>
-          <p:nvPr>
-            <p:ph type="title"/>
-          </p:nvPr>
-        </p:nvSpPr>
-        <p:spPr/>
-        <p:txBody>
-          <a:bodyPr/>
-          <a:lstStyle/>
-          <a:p>
-            <a:r>
-              <a:rPr lang="zh-TW" altLang="en-US" dirty="0" smtClean="0"/>
-              <a:t>大數據</a:t>
-            </a:r>
-            <a:endParaRPr lang="zh-TW" altLang="en-US" dirty="0"/>
-          </a:p>
-        </p:txBody>
-      </p:sp>
-      <p:sp>
-        <p:nvSpPr>
-          <p:cNvPr id="3" name="內容版面配置區 2"/>
-          <p:cNvSpPr>
-            <a:spLocks noGrp="1"/>
-          </p:cNvSpPr>
-          <p:nvPr>
-            <p:ph idx="1"/>
-          </p:nvPr>
-        </p:nvSpPr>
-        <p:spPr/>
-        <p:txBody>
-          <a:bodyPr/>
-          <a:lstStyle/>
-          <a:p>
-            <a:r>
-              <a:rPr lang="zh-TW" altLang="en-US" dirty="0" smtClean="0"/>
-              <a:t>國外趨勢</a:t>
-            </a:r>
-            <a:endParaRPr lang="en-US" altLang="zh-TW" dirty="0" smtClean="0"/>
-          </a:p>
-          <a:p>
-            <a:endParaRPr lang="en-US" altLang="zh-TW" dirty="0" smtClean="0"/>
-          </a:p>
-          <a:p>
-            <a:endParaRPr lang="en-US" altLang="zh-TW" dirty="0"/>
-          </a:p>
-          <a:p>
-            <a:endParaRPr lang="en-US" altLang="zh-TW" dirty="0" smtClean="0"/>
-          </a:p>
-          <a:p>
-            <a:r>
-              <a:rPr lang="zh-TW" altLang="en-US" dirty="0" smtClean="0"/>
-              <a:t>國內近況</a:t>
-            </a:r>
-            <a:endParaRPr lang="en-US" altLang="zh-TW" dirty="0" smtClean="0"/>
-          </a:p>
-          <a:p>
-            <a:pPr lvl="1"/>
-            <a:r>
-              <a:rPr lang="zh-TW" altLang="en-US" dirty="0"/>
-              <a:t>金管</a:t>
-            </a:r>
-            <a:r>
-              <a:rPr lang="zh-TW" altLang="en-US" dirty="0" smtClean="0"/>
-              <a:t>會推動周邊單位陸續資料釋出</a:t>
-            </a:r>
-            <a:endParaRPr lang="en-US" altLang="zh-TW" dirty="0"/>
-          </a:p>
-          <a:p>
-            <a:pPr lvl="1"/>
-            <a:r>
-              <a:rPr lang="zh-TW" altLang="en-US" dirty="0" smtClean="0"/>
-              <a:t>數據應用分析</a:t>
-            </a:r>
-            <a:endParaRPr lang="en-US" altLang="zh-TW" dirty="0" smtClean="0"/>
-          </a:p>
-          <a:p>
-            <a:pPr lvl="2"/>
-            <a:r>
-              <a:rPr lang="zh-TW" altLang="en-US" dirty="0" smtClean="0"/>
-              <a:t>產業財務、投資人交易行為</a:t>
-            </a:r>
-            <a:r>
-              <a:rPr lang="en-US" altLang="zh-TW" dirty="0" smtClean="0"/>
-              <a:t>(</a:t>
-            </a:r>
-            <a:r>
-              <a:rPr lang="zh-TW" altLang="en-US" dirty="0" smtClean="0"/>
-              <a:t>股票、權證、</a:t>
-            </a:r>
-            <a:r>
-              <a:rPr lang="en-US" altLang="zh-TW" dirty="0" smtClean="0"/>
-              <a:t>ETF)</a:t>
-            </a:r>
-            <a:r>
-              <a:rPr lang="zh-TW" altLang="en-US" dirty="0" smtClean="0"/>
-              <a:t>、市場交易行為等</a:t>
-            </a:r>
-            <a:endParaRPr lang="en-US" altLang="zh-TW" dirty="0" smtClean="0"/>
-          </a:p>
-          <a:p>
-            <a:pPr lvl="1"/>
-            <a:r>
-              <a:rPr lang="zh-TW" altLang="en-US" dirty="0" smtClean="0"/>
-              <a:t>金融資料開放</a:t>
-            </a:r>
-            <a:endParaRPr lang="en-US" altLang="zh-TW" dirty="0" smtClean="0"/>
-          </a:p>
-          <a:p>
-            <a:pPr lvl="2"/>
-            <a:r>
-              <a:rPr lang="zh-TW" altLang="en-US" dirty="0" smtClean="0"/>
-              <a:t>推動千餘項資料及開放，制定「</a:t>
-            </a:r>
-            <a:r>
-              <a:rPr lang="zh-TW" altLang="en-US" dirty="0"/>
-              <a:t>金融資料開放行動綱領</a:t>
-            </a:r>
-            <a:r>
-              <a:rPr lang="zh-TW" altLang="en-US" dirty="0" smtClean="0"/>
-              <a:t>」</a:t>
-            </a:r>
-            <a:endParaRPr lang="en-US" altLang="zh-TW" dirty="0" smtClean="0"/>
-          </a:p>
-        </p:txBody>
-      </p:sp>
-      <p:sp>
-        <p:nvSpPr>
-          <p:cNvPr id="4" name="日期版面配置區 3"/>
-          <p:cNvSpPr>
-            <a:spLocks noGrp="1"/>
-          </p:cNvSpPr>
-          <p:nvPr>
-            <p:ph type="dt" sz="half" idx="10"/>
-          </p:nvPr>
-        </p:nvSpPr>
-        <p:spPr/>
-        <p:txBody>
-          <a:bodyPr/>
-          <a:lstStyle/>
-          <a:p>
-            <a:fld id="{F5EB54BD-0855-4C71-B321-D9B65086D443}" type="datetime1">
-              <a:rPr lang="zh-TW" altLang="en-US" smtClean="0"/>
-              <a:t>2016/7/11</a:t>
-            </a:fld>
-            <a:endParaRPr lang="zh-TW" altLang="en-US"/>
-          </a:p>
-        </p:txBody>
-      </p:sp>
-      <p:sp>
-        <p:nvSpPr>
-          <p:cNvPr id="5" name="投影片編號版面配置區 4"/>
-          <p:cNvSpPr>
-            <a:spLocks noGrp="1"/>
-          </p:cNvSpPr>
-          <p:nvPr>
-            <p:ph type="sldNum" sz="quarter" idx="12"/>
-          </p:nvPr>
-        </p:nvSpPr>
-        <p:spPr/>
-        <p:txBody>
-          <a:bodyPr/>
-          <a:lstStyle/>
-          <a:p>
-            <a:fld id="{420AFBEC-07C3-4955-862B-EFDB12C88779}" type="slidenum">
-              <a:rPr lang="zh-TW" altLang="en-US" smtClean="0"/>
-              <a:t>27</a:t>
             </a:fld>
             <a:endParaRPr lang="zh-TW" altLang="en-US"/>
           </a:p>
@@ -8748,7 +11553,7 @@
 </p:sld>
 </file>
 
-<file path=ppt/slides/slide28.xml><?xml version="1.0" encoding="utf-8"?>
+<file path=ppt/slides/slide27.xml><?xml version="1.0" encoding="utf-8"?>
 <p:sld xmlns:a="http://schemas.openxmlformats.org/drawingml/2006/main" xmlns:r="http://schemas.openxmlformats.org/officeDocument/2006/relationships" xmlns:p="http://schemas.openxmlformats.org/presentationml/2006/main">
   <p:cSld>
     <p:spTree>
@@ -8920,7 +11725,7 @@
           <a:p>
             <a:fld id="{420AFBEC-07C3-4955-862B-EFDB12C88779}" type="slidenum">
               <a:rPr lang="zh-TW" altLang="en-US" smtClean="0"/>
-              <a:t>28</a:t>
+              <a:t>27</a:t>
             </a:fld>
             <a:endParaRPr lang="zh-TW" altLang="en-US"/>
           </a:p>
@@ -9217,7 +12022,7 @@
 </p:sld>
 </file>
 
-<file path=ppt/slides/slide29.xml><?xml version="1.0" encoding="utf-8"?>
+<file path=ppt/slides/slide28.xml><?xml version="1.0" encoding="utf-8"?>
 <p:sld xmlns:a="http://schemas.openxmlformats.org/drawingml/2006/main" xmlns:r="http://schemas.openxmlformats.org/officeDocument/2006/relationships" xmlns:p="http://schemas.openxmlformats.org/presentationml/2006/main">
   <p:cSld>
     <p:spTree>
@@ -9523,7 +12328,7 @@
           <a:p>
             <a:fld id="{420AFBEC-07C3-4955-862B-EFDB12C88779}" type="slidenum">
               <a:rPr lang="zh-TW" altLang="en-US" smtClean="0"/>
-              <a:t>29</a:t>
+              <a:t>28</a:t>
             </a:fld>
             <a:endParaRPr lang="zh-TW" altLang="en-US"/>
           </a:p>
@@ -9533,6 +12338,116 @@
     <p:extLst>
       <p:ext uri="{BB962C8B-B14F-4D97-AF65-F5344CB8AC3E}">
         <p14:creationId xmlns:p14="http://schemas.microsoft.com/office/powerpoint/2010/main" val="237875725"/>
+      </p:ext>
+    </p:extLst>
+  </p:cSld>
+  <p:clrMapOvr>
+    <a:masterClrMapping/>
+  </p:clrMapOvr>
+  <p:timing>
+    <p:tnLst>
+      <p:par>
+        <p:cTn id="1" dur="indefinite" restart="never" nodeType="tmRoot"/>
+      </p:par>
+    </p:tnLst>
+  </p:timing>
+</p:sld>
+</file>
+
+<file path=ppt/slides/slide29.xml><?xml version="1.0" encoding="utf-8"?>
+<p:sld xmlns:a="http://schemas.openxmlformats.org/drawingml/2006/main" xmlns:r="http://schemas.openxmlformats.org/officeDocument/2006/relationships" xmlns:p="http://schemas.openxmlformats.org/presentationml/2006/main">
+  <p:cSld>
+    <p:spTree>
+      <p:nvGrpSpPr>
+        <p:cNvPr id="1" name=""/>
+        <p:cNvGrpSpPr/>
+        <p:nvPr/>
+      </p:nvGrpSpPr>
+      <p:grpSpPr>
+        <a:xfrm>
+          <a:off x="0" y="0"/>
+          <a:ext cx="0" cy="0"/>
+          <a:chOff x="0" y="0"/>
+          <a:chExt cx="0" cy="0"/>
+        </a:xfrm>
+      </p:grpSpPr>
+      <p:sp>
+        <p:nvSpPr>
+          <p:cNvPr id="6" name="標題 5"/>
+          <p:cNvSpPr>
+            <a:spLocks noGrp="1"/>
+          </p:cNvSpPr>
+          <p:nvPr>
+            <p:ph type="title"/>
+          </p:nvPr>
+        </p:nvSpPr>
+        <p:spPr/>
+        <p:txBody>
+          <a:bodyPr/>
+          <a:lstStyle/>
+          <a:p>
+            <a:r>
+              <a:rPr lang="en-US" altLang="zh-TW" dirty="0" smtClean="0"/>
+              <a:t>I. </a:t>
+            </a:r>
+            <a:r>
+              <a:rPr lang="zh-TW" altLang="en-US" dirty="0" smtClean="0"/>
+              <a:t>應用面</a:t>
+            </a:r>
+            <a:endParaRPr lang="zh-TW" altLang="en-US" dirty="0"/>
+          </a:p>
+        </p:txBody>
+      </p:sp>
+      <p:sp>
+        <p:nvSpPr>
+          <p:cNvPr id="4" name="日期版面配置區 3"/>
+          <p:cNvSpPr>
+            <a:spLocks noGrp="1"/>
+          </p:cNvSpPr>
+          <p:nvPr>
+            <p:ph type="dt" sz="half" idx="10"/>
+          </p:nvPr>
+        </p:nvSpPr>
+        <p:spPr/>
+        <p:txBody>
+          <a:bodyPr/>
+          <a:lstStyle/>
+          <a:p>
+            <a:fld id="{F5EB54BD-0855-4C71-B321-D9B65086D443}" type="datetime1">
+              <a:rPr lang="zh-TW" altLang="en-US" smtClean="0"/>
+              <a:t>2016/7/11</a:t>
+            </a:fld>
+            <a:endParaRPr lang="zh-TW" altLang="en-US"/>
+          </a:p>
+        </p:txBody>
+      </p:sp>
+      <p:sp>
+        <p:nvSpPr>
+          <p:cNvPr id="5" name="投影片編號版面配置區 4"/>
+          <p:cNvSpPr>
+            <a:spLocks noGrp="1"/>
+          </p:cNvSpPr>
+          <p:nvPr>
+            <p:ph type="sldNum" sz="quarter" idx="12"/>
+          </p:nvPr>
+        </p:nvSpPr>
+        <p:spPr/>
+        <p:txBody>
+          <a:bodyPr/>
+          <a:lstStyle/>
+          <a:p>
+            <a:fld id="{420AFBEC-07C3-4955-862B-EFDB12C88779}" type="slidenum">
+              <a:rPr lang="zh-TW" altLang="en-US" smtClean="0"/>
+              <a:t>29</a:t>
+            </a:fld>
+            <a:endParaRPr lang="zh-TW" altLang="en-US"/>
+          </a:p>
+        </p:txBody>
+      </p:sp>
+    </p:spTree>
+    <p:extLst>
+      <p:ext uri="{BB962C8B-B14F-4D97-AF65-F5344CB8AC3E}">
+        <p14:creationId xmlns:p14="http://schemas.microsoft.com/office/powerpoint/2010/main" val="2459367366"/>
       </p:ext>
     </p:extLst>
   </p:cSld>
@@ -9699,15 +12614,7 @@
             </a:r>
             <a:r>
               <a:rPr lang="zh-TW" altLang="en-US" dirty="0" smtClean="0"/>
-              <a:t>督導</a:t>
-            </a:r>
-            <a:r>
-              <a:rPr lang="zh-TW" altLang="en-US" dirty="0" smtClean="0"/>
-              <a:t>小組</a:t>
-            </a:r>
-            <a:r>
-              <a:rPr lang="zh-TW" altLang="en-US" dirty="0" smtClean="0"/>
-              <a:t>、</a:t>
+              <a:t>督導小組、</a:t>
             </a:r>
             <a:r>
               <a:rPr lang="en-US" altLang="zh-TW" dirty="0"/>
@@ -9731,11 +12638,7 @@
             </a:r>
             <a:r>
               <a:rPr lang="zh-TW" altLang="en-US" dirty="0" smtClean="0"/>
-              <a:t>諮詢</a:t>
-            </a:r>
-            <a:r>
-              <a:rPr lang="zh-TW" altLang="en-US" dirty="0" smtClean="0"/>
-              <a:t>顧問團</a:t>
+              <a:t>諮詢顧問團</a:t>
             </a:r>
             <a:endParaRPr lang="en-US" altLang="zh-TW" dirty="0" smtClean="0"/>
           </a:p>
@@ -9877,7 +12780,7 @@
       </p:grpSpPr>
       <p:sp>
         <p:nvSpPr>
-          <p:cNvPr id="6" name="標題 5"/>
+          <p:cNvPr id="5" name="標題 4"/>
           <p:cNvSpPr>
             <a:spLocks noGrp="1"/>
           </p:cNvSpPr>
@@ -9891,12 +12794,8 @@
           <a:lstStyle/>
           <a:p>
             <a:r>
-              <a:rPr lang="en-US" altLang="zh-TW" dirty="0" smtClean="0"/>
-              <a:t>I. </a:t>
-            </a:r>
-            <a:r>
-              <a:rPr lang="zh-TW" altLang="en-US" dirty="0" smtClean="0"/>
-              <a:t>應用面</a:t>
+              <a:rPr lang="zh-TW" altLang="en-US" dirty="0" smtClean="0"/>
+              <a:t>電子支付</a:t>
             </a:r>
             <a:endParaRPr lang="zh-TW" altLang="en-US" dirty="0"/>
           </a:p>
@@ -9904,7 +12803,220 @@
       </p:sp>
       <p:sp>
         <p:nvSpPr>
-          <p:cNvPr id="4" name="日期版面配置區 3"/>
+          <p:cNvPr id="6" name="內容版面配置區 5"/>
+          <p:cNvSpPr>
+            <a:spLocks noGrp="1"/>
+          </p:cNvSpPr>
+          <p:nvPr>
+            <p:ph idx="1"/>
+          </p:nvPr>
+        </p:nvSpPr>
+        <p:spPr/>
+        <p:txBody>
+          <a:bodyPr/>
+          <a:lstStyle/>
+          <a:p>
+            <a:r>
+              <a:rPr lang="zh-TW" altLang="en-US" dirty="0" smtClean="0"/>
+              <a:t>施政目標</a:t>
+            </a:r>
+            <a:endParaRPr lang="en-US" altLang="zh-TW" dirty="0" smtClean="0"/>
+          </a:p>
+          <a:p>
+            <a:pPr lvl="1"/>
+            <a:r>
+              <a:rPr lang="zh-TW" altLang="en-US" dirty="0"/>
+              <a:t>電子</a:t>
+            </a:r>
+            <a:r>
+              <a:rPr lang="zh-TW" altLang="en-US" dirty="0" smtClean="0"/>
+              <a:t>支付占民間消費支出</a:t>
+            </a:r>
+            <a:r>
+              <a:rPr lang="en-US" altLang="zh-TW" dirty="0" smtClean="0"/>
+              <a:t>26%(</a:t>
+            </a:r>
+            <a:r>
+              <a:rPr lang="zh-TW" altLang="en-US" dirty="0" smtClean="0"/>
+              <a:t>約</a:t>
+            </a:r>
+            <a:r>
+              <a:rPr lang="en-US" altLang="zh-TW" dirty="0" smtClean="0"/>
+              <a:t>30</a:t>
+            </a:r>
+            <a:r>
+              <a:rPr lang="zh-TW" altLang="en-US" dirty="0" smtClean="0"/>
+              <a:t>億筆</a:t>
+            </a:r>
+            <a:r>
+              <a:rPr lang="en-US" altLang="zh-TW" dirty="0" smtClean="0"/>
+              <a:t>)</a:t>
+            </a:r>
+            <a:r>
+              <a:rPr lang="zh-TW" altLang="en-US" dirty="0" smtClean="0"/>
+              <a:t>，在</a:t>
+            </a:r>
+            <a:r>
+              <a:rPr lang="en-US" altLang="zh-TW" dirty="0" smtClean="0"/>
+              <a:t>5</a:t>
+            </a:r>
+            <a:r>
+              <a:rPr lang="zh-TW" altLang="en-US" dirty="0" smtClean="0"/>
+              <a:t>年內倍增。</a:t>
+            </a:r>
+            <a:endParaRPr lang="en-US" altLang="zh-TW" dirty="0" smtClean="0"/>
+          </a:p>
+          <a:p>
+            <a:pPr lvl="2"/>
+            <a:r>
+              <a:rPr lang="zh-TW" altLang="en-US" dirty="0" smtClean="0"/>
+              <a:t>多數亞洲國家的電子支付比率皆高出台灣許多。</a:t>
+            </a:r>
+            <a:endParaRPr lang="en-US" altLang="zh-TW" dirty="0" smtClean="0"/>
+          </a:p>
+          <a:p>
+            <a:pPr lvl="3"/>
+            <a:r>
+              <a:rPr lang="zh-TW" altLang="en-US" dirty="0" smtClean="0"/>
+              <a:t>韓國</a:t>
+            </a:r>
+            <a:r>
+              <a:rPr lang="en-US" altLang="zh-TW" dirty="0" smtClean="0"/>
+              <a:t>77%</a:t>
+            </a:r>
+            <a:r>
+              <a:rPr lang="zh-TW" altLang="en-US" dirty="0" smtClean="0"/>
+              <a:t>、香港</a:t>
+            </a:r>
+            <a:r>
+              <a:rPr lang="en-US" altLang="zh-TW" dirty="0" smtClean="0"/>
+              <a:t>65%</a:t>
+            </a:r>
+            <a:r>
+              <a:rPr lang="zh-TW" altLang="en-US" dirty="0" smtClean="0"/>
+              <a:t>、中國</a:t>
+            </a:r>
+            <a:r>
+              <a:rPr lang="en-US" altLang="zh-TW" dirty="0" smtClean="0"/>
+              <a:t>56%</a:t>
+            </a:r>
+            <a:r>
+              <a:rPr lang="zh-TW" altLang="en-US" dirty="0" smtClean="0"/>
+              <a:t>、新加坡</a:t>
+            </a:r>
+            <a:r>
+              <a:rPr lang="en-US" altLang="zh-TW" dirty="0" smtClean="0"/>
+              <a:t>53%</a:t>
+            </a:r>
+            <a:r>
+              <a:rPr lang="zh-TW" altLang="en-US" dirty="0" smtClean="0"/>
+              <a:t>。</a:t>
+            </a:r>
+            <a:endParaRPr lang="en-US" altLang="zh-TW" dirty="0" smtClean="0"/>
+          </a:p>
+          <a:p>
+            <a:r>
+              <a:rPr lang="zh-TW" altLang="en-US" dirty="0"/>
+              <a:t>施政</a:t>
+            </a:r>
+            <a:r>
+              <a:rPr lang="zh-TW" altLang="en-US" dirty="0" smtClean="0"/>
+              <a:t>瓶頸</a:t>
+            </a:r>
+            <a:endParaRPr lang="en-US" altLang="zh-TW" dirty="0" smtClean="0"/>
+          </a:p>
+          <a:p>
+            <a:pPr lvl="1"/>
+            <a:r>
+              <a:rPr lang="zh-TW" altLang="en-US" dirty="0"/>
+              <a:t>電子支付工具種類</a:t>
+            </a:r>
+            <a:r>
+              <a:rPr lang="zh-TW" altLang="en-US" dirty="0" smtClean="0"/>
+              <a:t>繁多、末端設備未整合</a:t>
+            </a:r>
+            <a:endParaRPr lang="en-US" altLang="zh-TW" dirty="0" smtClean="0"/>
+          </a:p>
+          <a:p>
+            <a:pPr lvl="1"/>
+            <a:r>
+              <a:rPr lang="zh-TW" altLang="en-US" dirty="0"/>
+              <a:t>現金交易</a:t>
+            </a:r>
+            <a:r>
+              <a:rPr lang="zh-TW" altLang="en-US" dirty="0" smtClean="0"/>
+              <a:t>便捷、便利商店</a:t>
+            </a:r>
+            <a:r>
+              <a:rPr lang="en-US" altLang="zh-TW" dirty="0" smtClean="0"/>
+              <a:t>(ATM)</a:t>
+            </a:r>
+            <a:r>
+              <a:rPr lang="zh-TW" altLang="en-US" dirty="0" smtClean="0"/>
+              <a:t>林立</a:t>
+            </a:r>
+            <a:endParaRPr lang="en-US" altLang="zh-TW" dirty="0" smtClean="0"/>
+          </a:p>
+          <a:p>
+            <a:pPr lvl="1"/>
+            <a:r>
+              <a:rPr lang="zh-TW" altLang="en-US" dirty="0"/>
+              <a:t>市場過度</a:t>
+            </a:r>
+            <a:r>
+              <a:rPr lang="zh-TW" altLang="en-US" dirty="0" smtClean="0"/>
+              <a:t>競爭，業者以模仿為主</a:t>
+            </a:r>
+            <a:endParaRPr lang="en-US" altLang="zh-TW" dirty="0" smtClean="0"/>
+          </a:p>
+          <a:p>
+            <a:pPr lvl="1"/>
+            <a:r>
+              <a:rPr lang="zh-TW" altLang="en-US" dirty="0" smtClean="0"/>
+              <a:t>安全性疑慮</a:t>
+            </a:r>
+            <a:endParaRPr lang="en-US" altLang="zh-TW" dirty="0" smtClean="0"/>
+          </a:p>
+          <a:p>
+            <a:r>
+              <a:rPr lang="zh-TW" altLang="en-US" dirty="0"/>
+              <a:t>施政</a:t>
+            </a:r>
+            <a:r>
+              <a:rPr lang="zh-TW" altLang="en-US" dirty="0" smtClean="0"/>
+              <a:t>方針</a:t>
+            </a:r>
+            <a:endParaRPr lang="en-US" altLang="zh-TW" dirty="0" smtClean="0"/>
+          </a:p>
+          <a:p>
+            <a:pPr lvl="1"/>
+            <a:r>
+              <a:rPr lang="zh-TW" altLang="en-US" dirty="0" smtClean="0"/>
+              <a:t>修訂法規，加速</a:t>
+            </a:r>
+            <a:r>
+              <a:rPr lang="zh-TW" altLang="en-US" dirty="0"/>
+              <a:t>末端</a:t>
+            </a:r>
+            <a:r>
+              <a:rPr lang="zh-TW" altLang="en-US" dirty="0" smtClean="0"/>
+              <a:t>整合</a:t>
+            </a:r>
+            <a:endParaRPr lang="en-US" altLang="zh-TW" dirty="0" smtClean="0"/>
+          </a:p>
+          <a:p>
+            <a:pPr lvl="1"/>
+            <a:r>
+              <a:rPr lang="zh-TW" altLang="en-US" dirty="0" smtClean="0"/>
+              <a:t>提升公部門、醫療機構及小型商家電子支付服務。</a:t>
+            </a:r>
+            <a:endParaRPr lang="zh-TW" altLang="en-US" dirty="0"/>
+          </a:p>
+        </p:txBody>
+      </p:sp>
+      <p:sp>
+        <p:nvSpPr>
+          <p:cNvPr id="3" name="日期版面配置區 2"/>
           <p:cNvSpPr>
             <a:spLocks noGrp="1"/>
           </p:cNvSpPr>
@@ -9917,17 +13029,18 @@
           <a:bodyPr/>
           <a:lstStyle/>
           <a:p>
-            <a:fld id="{F5EB54BD-0855-4C71-B321-D9B65086D443}" type="datetime1">
+            <a:fld id="{E0DBF2A0-D569-4754-A181-EB6AFB346A11}" type="datetime1">
               <a:rPr lang="zh-TW" altLang="en-US" smtClean="0"/>
+              <a:pPr/>
               <a:t>2016/7/11</a:t>
             </a:fld>
-            <a:endParaRPr lang="zh-TW" altLang="en-US"/>
+            <a:endParaRPr lang="zh-TW" altLang="en-US" dirty="0"/>
           </a:p>
         </p:txBody>
       </p:sp>
       <p:sp>
         <p:nvSpPr>
-          <p:cNvPr id="5" name="投影片編號版面配置區 4"/>
+          <p:cNvPr id="4" name="投影片編號版面配置區 3"/>
           <p:cNvSpPr>
             <a:spLocks noGrp="1"/>
           </p:cNvSpPr>
@@ -9942,6 +13055,7 @@
           <a:p>
             <a:fld id="{420AFBEC-07C3-4955-862B-EFDB12C88779}" type="slidenum">
               <a:rPr lang="zh-TW" altLang="en-US" smtClean="0"/>
+              <a:pPr/>
               <a:t>30</a:t>
             </a:fld>
             <a:endParaRPr lang="zh-TW" altLang="en-US"/>
@@ -9951,7 +13065,7 @@
     </p:spTree>
     <p:extLst>
       <p:ext uri="{BB962C8B-B14F-4D97-AF65-F5344CB8AC3E}">
-        <p14:creationId xmlns:p14="http://schemas.microsoft.com/office/powerpoint/2010/main" val="2459367366"/>
+        <p14:creationId xmlns:p14="http://schemas.microsoft.com/office/powerpoint/2010/main" val="1939621253"/>
       </p:ext>
     </p:extLst>
   </p:cSld>
@@ -9987,7 +13101,7 @@
       </p:grpSpPr>
       <p:sp>
         <p:nvSpPr>
-          <p:cNvPr id="5" name="標題 4"/>
+          <p:cNvPr id="2" name="標題 1"/>
           <p:cNvSpPr>
             <a:spLocks noGrp="1"/>
           </p:cNvSpPr>
@@ -10001,8 +13115,8 @@
           <a:lstStyle/>
           <a:p>
             <a:r>
-              <a:rPr lang="zh-TW" altLang="en-US" dirty="0" smtClean="0"/>
-              <a:t>電子支付</a:t>
+              <a:rPr lang="zh-TW" altLang="en-US" smtClean="0"/>
+              <a:t>銀行業</a:t>
             </a:r>
             <a:endParaRPr lang="zh-TW" altLang="en-US" dirty="0"/>
           </a:p>
@@ -10010,7 +13124,7 @@
       </p:sp>
       <p:sp>
         <p:nvSpPr>
-          <p:cNvPr id="6" name="內容版面配置區 5"/>
+          <p:cNvPr id="3" name="內容版面配置區 2"/>
           <p:cNvSpPr>
             <a:spLocks noGrp="1"/>
           </p:cNvSpPr>
@@ -10020,7 +13134,9 @@
         </p:nvSpPr>
         <p:spPr/>
         <p:txBody>
-          <a:bodyPr/>
+          <a:bodyPr>
+            <a:normAutofit/>
+          </a:bodyPr>
           <a:lstStyle/>
           <a:p>
             <a:r>
@@ -10032,28 +13148,56 @@
           <a:p>
             <a:pPr lvl="1"/>
             <a:r>
-              <a:rPr lang="zh-TW" altLang="en-US" dirty="0"/>
-              <a:t>電子</a:t>
-            </a:r>
-            <a:r>
-              <a:rPr lang="zh-TW" altLang="en-US" dirty="0" smtClean="0"/>
-              <a:t>支付占民間消費支出</a:t>
+              <a:rPr lang="zh-TW" altLang="en-US" dirty="0" smtClean="0"/>
+              <a:t>鼓勵實體</a:t>
             </a:r>
             <a:r>
               <a:rPr lang="en-US" altLang="zh-TW" dirty="0" smtClean="0"/>
-              <a:t>26%(</a:t>
-            </a:r>
-            <a:r>
-              <a:rPr lang="zh-TW" altLang="en-US" dirty="0" smtClean="0"/>
-              <a:t>約</a:t>
+              <a:t>/</a:t>
+            </a:r>
+            <a:r>
+              <a:rPr lang="zh-TW" altLang="en-US" dirty="0" smtClean="0"/>
+              <a:t>虛擬卡片之卡號代碼化</a:t>
             </a:r>
             <a:r>
               <a:rPr lang="en-US" altLang="zh-TW" dirty="0" smtClean="0"/>
-              <a:t>30</a:t>
-            </a:r>
-            <a:r>
-              <a:rPr lang="zh-TW" altLang="en-US" dirty="0" smtClean="0"/>
-              <a:t>億筆</a:t>
+              <a:t>(Token)</a:t>
+            </a:r>
+            <a:r>
+              <a:rPr lang="zh-TW" altLang="en-US" dirty="0" smtClean="0"/>
+              <a:t>，提升電子支付交易安全。</a:t>
+            </a:r>
+            <a:endParaRPr lang="en-US" altLang="zh-TW" dirty="0" smtClean="0"/>
+          </a:p>
+          <a:p>
+            <a:pPr lvl="1"/>
+            <a:r>
+              <a:rPr lang="zh-TW" altLang="en-US" dirty="0" smtClean="0"/>
+              <a:t>專案小組研議網路借貸業務</a:t>
+            </a:r>
+            <a:r>
+              <a:rPr lang="en-US" altLang="zh-TW" dirty="0" smtClean="0"/>
+              <a:t>(P2P)</a:t>
+            </a:r>
+            <a:r>
+              <a:rPr lang="zh-TW" altLang="en-US" dirty="0" smtClean="0"/>
+              <a:t>納入金融管理。</a:t>
+            </a:r>
+            <a:endParaRPr lang="en-US" altLang="zh-TW" dirty="0" smtClean="0"/>
+          </a:p>
+          <a:p>
+            <a:pPr lvl="1"/>
+            <a:r>
+              <a:rPr lang="zh-TW" altLang="en-US" dirty="0" smtClean="0"/>
+              <a:t>支持金融機構運用金融科技</a:t>
+            </a:r>
+            <a:r>
+              <a:rPr lang="en-US" altLang="zh-TW" dirty="0" smtClean="0"/>
+              <a:t>(</a:t>
+            </a:r>
+            <a:r>
+              <a:rPr lang="en-US" altLang="zh-TW" dirty="0" err="1" smtClean="0"/>
+              <a:t>FinTech</a:t>
             </a:r>
             <a:r>
               <a:rPr lang="en-US" altLang="zh-TW" dirty="0" smtClean="0"/>
@@ -10061,59 +13205,86 @@
             </a:r>
             <a:r>
               <a:rPr lang="zh-TW" altLang="en-US" dirty="0" smtClean="0"/>
-              <a:t>，在</a:t>
+              <a:t>與外部資料</a:t>
             </a:r>
             <a:r>
               <a:rPr lang="en-US" altLang="zh-TW" dirty="0" smtClean="0"/>
-              <a:t>5</a:t>
-            </a:r>
-            <a:r>
-              <a:rPr lang="zh-TW" altLang="en-US" dirty="0" smtClean="0"/>
-              <a:t>年內倍增。</a:t>
+              <a:t>(open data)</a:t>
+            </a:r>
+            <a:r>
+              <a:rPr lang="zh-TW" altLang="en-US" dirty="0" smtClean="0"/>
+              <a:t>處理委外服務。</a:t>
             </a:r>
             <a:endParaRPr lang="en-US" altLang="zh-TW" dirty="0" smtClean="0"/>
           </a:p>
           <a:p>
             <a:pPr lvl="2"/>
             <a:r>
-              <a:rPr lang="zh-TW" altLang="en-US" dirty="0" smtClean="0"/>
-              <a:t>多數亞洲國家的電子支付比率皆高出台灣許多。</a:t>
+              <a:rPr lang="en-US" altLang="zh-TW" dirty="0" smtClean="0"/>
+              <a:t>Kensho.com</a:t>
+            </a:r>
+            <a:r>
+              <a:rPr lang="zh-TW" altLang="en-US" dirty="0" smtClean="0"/>
+              <a:t> 提供金融機構一進階分析平台。</a:t>
             </a:r>
             <a:endParaRPr lang="en-US" altLang="zh-TW" dirty="0" smtClean="0"/>
           </a:p>
           <a:p>
-            <a:pPr lvl="3"/>
-            <a:r>
-              <a:rPr lang="zh-TW" altLang="en-US" dirty="0" smtClean="0"/>
-              <a:t>韓國</a:t>
+            <a:pPr lvl="2"/>
+            <a:r>
+              <a:rPr lang="zh-TW" altLang="en-US" dirty="0" smtClean="0"/>
+              <a:t>日本</a:t>
             </a:r>
             <a:r>
               <a:rPr lang="en-US" altLang="zh-TW" dirty="0" smtClean="0"/>
-              <a:t>77%</a:t>
-            </a:r>
-            <a:r>
-              <a:rPr lang="zh-TW" altLang="en-US" dirty="0" smtClean="0"/>
-              <a:t>、香港</a:t>
+              <a:t>E-Net</a:t>
+            </a:r>
+            <a:r>
+              <a:rPr lang="zh-TW" altLang="en-US" dirty="0" smtClean="0"/>
+              <a:t>提供新型</a:t>
             </a:r>
             <a:r>
               <a:rPr lang="en-US" altLang="zh-TW" dirty="0" smtClean="0"/>
-              <a:t>65%</a:t>
-            </a:r>
-            <a:r>
-              <a:rPr lang="zh-TW" altLang="en-US" dirty="0" smtClean="0"/>
-              <a:t>、中國</a:t>
+              <a:t>ATM</a:t>
+            </a:r>
+            <a:r>
+              <a:rPr lang="zh-TW" altLang="en-US" dirty="0" smtClean="0"/>
+              <a:t>，供</a:t>
             </a:r>
             <a:r>
               <a:rPr lang="en-US" altLang="zh-TW" dirty="0" smtClean="0"/>
-              <a:t>56%</a:t>
-            </a:r>
-            <a:r>
-              <a:rPr lang="zh-TW" altLang="en-US" dirty="0" smtClean="0"/>
-              <a:t>、新加坡</a:t>
+              <a:t>90</a:t>
+            </a:r>
+            <a:r>
+              <a:rPr lang="zh-TW" altLang="en-US" dirty="0" smtClean="0"/>
+              <a:t>家銀行農會通用，依據金融卡顯示不同介面。</a:t>
+            </a:r>
+            <a:endParaRPr lang="en-US" altLang="zh-TW" dirty="0" smtClean="0"/>
+          </a:p>
+          <a:p>
+            <a:r>
+              <a:rPr lang="zh-TW" altLang="en-US" dirty="0" smtClean="0"/>
+              <a:t>施政方針</a:t>
+            </a:r>
+            <a:endParaRPr lang="en-US" altLang="zh-TW" dirty="0" smtClean="0"/>
+          </a:p>
+          <a:p>
+            <a:pPr lvl="1"/>
+            <a:r>
+              <a:rPr lang="zh-TW" altLang="en-US" dirty="0" smtClean="0"/>
+              <a:t>推動實體</a:t>
             </a:r>
             <a:r>
               <a:rPr lang="en-US" altLang="zh-TW" dirty="0" smtClean="0"/>
-              <a:t>53%</a:t>
+              <a:t>/</a:t>
+            </a:r>
+            <a:r>
+              <a:rPr lang="zh-TW" altLang="en-US" dirty="0" smtClean="0"/>
+              <a:t>虛擬卡片之卡號代碼化</a:t>
+            </a:r>
+            <a:r>
+              <a:rPr lang="en-US" altLang="zh-TW" dirty="0" smtClean="0"/>
+              <a:t>(Token)</a:t>
             </a:r>
             <a:r>
               <a:rPr lang="zh-TW" altLang="en-US" dirty="0" smtClean="0"/>
@@ -10122,108 +13293,102 @@
             <a:endParaRPr lang="en-US" altLang="zh-TW" dirty="0" smtClean="0"/>
           </a:p>
           <a:p>
-            <a:r>
-              <a:rPr lang="zh-TW" altLang="en-US" dirty="0"/>
-              <a:t>施政</a:t>
-            </a:r>
-            <a:r>
-              <a:rPr lang="zh-TW" altLang="en-US" dirty="0" smtClean="0"/>
-              <a:t>瓶頸</a:t>
+            <a:pPr lvl="1"/>
+            <a:r>
+              <a:rPr lang="zh-TW" altLang="en-US" dirty="0" smtClean="0"/>
+              <a:t>研議誘因提升電子支付比例。</a:t>
             </a:r>
             <a:endParaRPr lang="en-US" altLang="zh-TW" dirty="0" smtClean="0"/>
           </a:p>
           <a:p>
+            <a:pPr lvl="2"/>
+            <a:r>
+              <a:rPr lang="zh-TW" altLang="en-US" dirty="0" smtClean="0"/>
+              <a:t>整合末端、調整租稅政策。</a:t>
+            </a:r>
+            <a:endParaRPr lang="en-US" altLang="zh-TW" dirty="0" smtClean="0"/>
+          </a:p>
+          <a:p>
             <a:pPr lvl="1"/>
             <a:r>
-              <a:rPr lang="zh-TW" altLang="en-US" dirty="0"/>
-              <a:t>電子支付工具種類</a:t>
-            </a:r>
-            <a:r>
-              <a:rPr lang="zh-TW" altLang="en-US" dirty="0" smtClean="0"/>
-              <a:t>繁多、末端設備未整合</a:t>
+              <a:rPr lang="zh-TW" altLang="en-US" dirty="0" smtClean="0"/>
+              <a:t>網路借貸業務</a:t>
+            </a:r>
+            <a:r>
+              <a:rPr lang="en-US" altLang="zh-TW" dirty="0" smtClean="0"/>
+              <a:t>(P2P)</a:t>
+            </a:r>
+            <a:r>
+              <a:rPr lang="zh-TW" altLang="en-US" dirty="0" smtClean="0"/>
+              <a:t>的評估與研議。</a:t>
             </a:r>
             <a:endParaRPr lang="en-US" altLang="zh-TW" dirty="0" smtClean="0"/>
           </a:p>
           <a:p>
+            <a:pPr lvl="2"/>
+            <a:r>
+              <a:rPr lang="zh-TW" altLang="en-US" dirty="0" smtClean="0"/>
+              <a:t>銀行法</a:t>
+            </a:r>
+            <a:r>
+              <a:rPr lang="en-US" altLang="zh-TW" dirty="0" smtClean="0"/>
+              <a:t>29</a:t>
+            </a:r>
+            <a:r>
+              <a:rPr lang="zh-TW" altLang="en-US" dirty="0" smtClean="0"/>
+              <a:t>條</a:t>
+            </a:r>
+            <a:r>
+              <a:rPr lang="en-US" altLang="zh-TW" dirty="0" smtClean="0"/>
+              <a:t>(</a:t>
+            </a:r>
+            <a:r>
+              <a:rPr lang="zh-TW" altLang="en-US" dirty="0" smtClean="0"/>
+              <a:t>違法吸金</a:t>
+            </a:r>
+            <a:r>
+              <a:rPr lang="en-US" altLang="zh-TW" dirty="0" smtClean="0"/>
+              <a:t>)</a:t>
+            </a:r>
+            <a:r>
+              <a:rPr lang="zh-TW" altLang="en-US" dirty="0" smtClean="0"/>
+              <a:t>、詐騙與平台倒閉。</a:t>
+            </a:r>
+            <a:endParaRPr lang="en-US" altLang="zh-TW" dirty="0" smtClean="0"/>
+          </a:p>
+          <a:p>
             <a:pPr lvl="1"/>
             <a:r>
-              <a:rPr lang="zh-TW" altLang="en-US" dirty="0"/>
-              <a:t>現金交易</a:t>
-            </a:r>
-            <a:r>
-              <a:rPr lang="zh-TW" altLang="en-US" dirty="0" smtClean="0"/>
-              <a:t>便捷、便利商店</a:t>
-            </a:r>
-            <a:r>
-              <a:rPr lang="en-US" altLang="zh-TW" dirty="0" smtClean="0"/>
-              <a:t>(ATM)</a:t>
-            </a:r>
-            <a:r>
-              <a:rPr lang="zh-TW" altLang="en-US" dirty="0" smtClean="0"/>
-              <a:t>林立</a:t>
-            </a:r>
+              <a:rPr lang="zh-TW" altLang="en-US" dirty="0" smtClean="0"/>
+              <a:t>金管會訂定</a:t>
+            </a:r>
+            <a:r>
+              <a:rPr lang="zh-TW" altLang="en-US" u="sng" dirty="0" smtClean="0"/>
+              <a:t>金融機構</a:t>
+            </a:r>
+            <a:r>
+              <a:rPr lang="zh-TW" altLang="en-US" u="sng" dirty="0"/>
+              <a:t>作業委託他人處理內部作業制度及程序</a:t>
+            </a:r>
+            <a:r>
+              <a:rPr lang="zh-TW" altLang="en-US" u="sng" dirty="0" smtClean="0"/>
+              <a:t>辦法</a:t>
+            </a:r>
+            <a:r>
+              <a:rPr lang="zh-TW" altLang="en-US" dirty="0" smtClean="0"/>
+              <a:t>。</a:t>
+            </a:r>
+            <a:endParaRPr lang="zh-TW" altLang="en-US" dirty="0"/>
+          </a:p>
+          <a:p>
+            <a:pPr lvl="1"/>
             <a:endParaRPr lang="en-US" altLang="zh-TW" dirty="0" smtClean="0"/>
-          </a:p>
-          <a:p>
-            <a:pPr lvl="1"/>
-            <a:r>
-              <a:rPr lang="zh-TW" altLang="en-US" dirty="0"/>
-              <a:t>市場過度</a:t>
-            </a:r>
-            <a:r>
-              <a:rPr lang="zh-TW" altLang="en-US" dirty="0" smtClean="0"/>
-              <a:t>競爭，業者以模仿為主</a:t>
-            </a:r>
-            <a:endParaRPr lang="en-US" altLang="zh-TW" dirty="0" smtClean="0"/>
-          </a:p>
-          <a:p>
-            <a:pPr lvl="1"/>
-            <a:r>
-              <a:rPr lang="zh-TW" altLang="en-US" dirty="0" smtClean="0"/>
-              <a:t>安全性疑慮</a:t>
-            </a:r>
-            <a:endParaRPr lang="en-US" altLang="zh-TW" dirty="0" smtClean="0"/>
-          </a:p>
-          <a:p>
-            <a:r>
-              <a:rPr lang="zh-TW" altLang="en-US" dirty="0"/>
-              <a:t>施政</a:t>
-            </a:r>
-            <a:r>
-              <a:rPr lang="zh-TW" altLang="en-US" dirty="0" smtClean="0"/>
-              <a:t>方針</a:t>
-            </a:r>
-            <a:endParaRPr lang="en-US" altLang="zh-TW" dirty="0" smtClean="0"/>
-          </a:p>
-          <a:p>
-            <a:pPr lvl="1"/>
-            <a:r>
-              <a:rPr lang="zh-TW" altLang="en-US" dirty="0" smtClean="0"/>
-              <a:t>修訂法規，加速</a:t>
-            </a:r>
-            <a:r>
-              <a:rPr lang="zh-TW" altLang="en-US" dirty="0"/>
-              <a:t>末端</a:t>
-            </a:r>
-            <a:r>
-              <a:rPr lang="zh-TW" altLang="en-US" dirty="0" smtClean="0"/>
-              <a:t>整合</a:t>
-            </a:r>
-            <a:endParaRPr lang="en-US" altLang="zh-TW" dirty="0" smtClean="0"/>
-          </a:p>
-          <a:p>
-            <a:pPr lvl="1"/>
-            <a:r>
-              <a:rPr lang="zh-TW" altLang="en-US" dirty="0" smtClean="0"/>
-              <a:t>提升公部門、醫療機構及小型商家電子支付服務。</a:t>
-            </a:r>
-            <a:endParaRPr lang="zh-TW" altLang="en-US" dirty="0"/>
           </a:p>
         </p:txBody>
       </p:sp>
       <p:sp>
         <p:nvSpPr>
-          <p:cNvPr id="3" name="日期版面配置區 2"/>
+          <p:cNvPr id="4" name="日期版面配置區 3"/>
           <p:cNvSpPr>
             <a:spLocks noGrp="1"/>
           </p:cNvSpPr>
@@ -10236,18 +13401,18 @@
           <a:bodyPr/>
           <a:lstStyle/>
           <a:p>
-            <a:fld id="{E0DBF2A0-D569-4754-A181-EB6AFB346A11}" type="datetime1">
+            <a:fld id="{F5EB54BD-0855-4C71-B321-D9B65086D443}" type="datetime1">
               <a:rPr lang="zh-TW" altLang="en-US" smtClean="0"/>
               <a:pPr/>
               <a:t>2016/7/11</a:t>
             </a:fld>
-            <a:endParaRPr lang="zh-TW" altLang="en-US" dirty="0"/>
+            <a:endParaRPr lang="zh-TW" altLang="en-US"/>
           </a:p>
         </p:txBody>
       </p:sp>
       <p:sp>
         <p:nvSpPr>
-          <p:cNvPr id="4" name="投影片編號版面配置區 3"/>
+          <p:cNvPr id="5" name="投影片編號版面配置區 4"/>
           <p:cNvSpPr>
             <a:spLocks noGrp="1"/>
           </p:cNvSpPr>
@@ -10272,7 +13437,7 @@
     </p:spTree>
     <p:extLst>
       <p:ext uri="{BB962C8B-B14F-4D97-AF65-F5344CB8AC3E}">
-        <p14:creationId xmlns:p14="http://schemas.microsoft.com/office/powerpoint/2010/main" val="1939621253"/>
+        <p14:creationId xmlns:p14="http://schemas.microsoft.com/office/powerpoint/2010/main" val="1028726113"/>
       </p:ext>
     </p:extLst>
   </p:cSld>
@@ -10322,8 +13487,12 @@
           <a:lstStyle/>
           <a:p>
             <a:r>
-              <a:rPr lang="zh-TW" altLang="en-US" smtClean="0"/>
-              <a:t>銀行業</a:t>
+              <a:rPr lang="zh-TW" altLang="en-US" dirty="0"/>
+              <a:t>虛實</a:t>
+            </a:r>
+            <a:r>
+              <a:rPr lang="zh-TW" altLang="en-US" dirty="0" smtClean="0"/>
+              <a:t>整合</a:t>
             </a:r>
             <a:endParaRPr lang="zh-TW" altLang="en-US" dirty="0"/>
           </a:p>
@@ -10341,255 +13510,185 @@
         </p:nvSpPr>
         <p:spPr/>
         <p:txBody>
-          <a:bodyPr>
-            <a:normAutofit/>
-          </a:bodyPr>
+          <a:bodyPr/>
           <a:lstStyle/>
           <a:p>
             <a:r>
               <a:rPr lang="zh-TW" altLang="en-US" dirty="0" smtClean="0"/>
-              <a:t>施政目標</a:t>
+              <a:t>國際趨勢</a:t>
             </a:r>
             <a:endParaRPr lang="en-US" altLang="zh-TW" dirty="0" smtClean="0"/>
           </a:p>
           <a:p>
             <a:pPr lvl="1"/>
             <a:r>
-              <a:rPr lang="zh-TW" altLang="en-US" dirty="0" smtClean="0"/>
-              <a:t>鼓勵實體</a:t>
-            </a:r>
-            <a:r>
               <a:rPr lang="en-US" altLang="zh-TW" dirty="0" smtClean="0"/>
-              <a:t>/</a:t>
-            </a:r>
-            <a:r>
-              <a:rPr lang="zh-TW" altLang="en-US" dirty="0" smtClean="0"/>
-              <a:t>虛擬卡片之卡號代碼化</a:t>
+              <a:t>Gartner</a:t>
+            </a:r>
+            <a:r>
+              <a:rPr lang="zh-TW" altLang="en-US" dirty="0" smtClean="0"/>
+              <a:t>指出，</a:t>
             </a:r>
             <a:r>
               <a:rPr lang="en-US" altLang="zh-TW" dirty="0" smtClean="0"/>
-              <a:t>(Token)</a:t>
-            </a:r>
-            <a:r>
-              <a:rPr lang="zh-TW" altLang="en-US" dirty="0" smtClean="0"/>
-              <a:t>，提升電子支付交易安全。</a:t>
+              <a:t>2009</a:t>
+            </a:r>
+            <a:r>
+              <a:rPr lang="zh-TW" altLang="en-US" dirty="0" smtClean="0"/>
+              <a:t> </a:t>
+            </a:r>
+            <a:r>
+              <a:rPr lang="en-US" altLang="zh-TW" dirty="0" smtClean="0"/>
+              <a:t>–</a:t>
+            </a:r>
+            <a:r>
+              <a:rPr lang="zh-TW" altLang="en-US" dirty="0" smtClean="0"/>
+              <a:t> </a:t>
+            </a:r>
+            <a:r>
+              <a:rPr lang="en-US" altLang="zh-TW" dirty="0" smtClean="0"/>
+              <a:t>2012</a:t>
+            </a:r>
+            <a:r>
+              <a:rPr lang="zh-TW" altLang="en-US" dirty="0" smtClean="0"/>
+              <a:t>全美裁撤逾</a:t>
+            </a:r>
+            <a:r>
+              <a:rPr lang="en-US" altLang="zh-TW" dirty="0" smtClean="0"/>
+              <a:t>3000</a:t>
+            </a:r>
+            <a:r>
+              <a:rPr lang="zh-TW" altLang="en-US" dirty="0" smtClean="0"/>
+              <a:t>家分行。</a:t>
             </a:r>
             <a:endParaRPr lang="en-US" altLang="zh-TW" dirty="0" smtClean="0"/>
           </a:p>
           <a:p>
             <a:pPr lvl="1"/>
             <a:r>
-              <a:rPr lang="zh-TW" altLang="en-US" dirty="0" smtClean="0"/>
-              <a:t>專案小組研議網路借貸業務</a:t>
-            </a:r>
-            <a:r>
-              <a:rPr lang="en-US" altLang="zh-TW" dirty="0" smtClean="0"/>
-              <a:t>(P2P)</a:t>
-            </a:r>
-            <a:r>
-              <a:rPr lang="zh-TW" altLang="en-US" dirty="0" smtClean="0"/>
-              <a:t>納入金融管理。</a:t>
+              <a:rPr lang="zh-TW" altLang="en-US" dirty="0"/>
+              <a:t>實體分行仍有存在必要</a:t>
+            </a:r>
+            <a:r>
+              <a:rPr lang="zh-TW" altLang="en-US" dirty="0" smtClean="0"/>
+              <a:t>。</a:t>
             </a:r>
             <a:endParaRPr lang="en-US" altLang="zh-TW" dirty="0" smtClean="0"/>
           </a:p>
           <a:p>
             <a:pPr lvl="1"/>
             <a:r>
-              <a:rPr lang="zh-TW" altLang="en-US" dirty="0" smtClean="0"/>
-              <a:t>支持金融機構運用金融科技</a:t>
-            </a:r>
-            <a:r>
-              <a:rPr lang="en-US" altLang="zh-TW" dirty="0" smtClean="0"/>
-              <a:t>(</a:t>
-            </a:r>
-            <a:r>
-              <a:rPr lang="en-US" altLang="zh-TW" dirty="0" err="1" smtClean="0"/>
-              <a:t>FinTech</a:t>
-            </a:r>
-            <a:r>
-              <a:rPr lang="en-US" altLang="zh-TW" dirty="0" smtClean="0"/>
-              <a:t>)</a:t>
-            </a:r>
-            <a:r>
-              <a:rPr lang="zh-TW" altLang="en-US" dirty="0" smtClean="0"/>
-              <a:t>與外部資料</a:t>
-            </a:r>
-            <a:r>
-              <a:rPr lang="en-US" altLang="zh-TW" dirty="0" smtClean="0"/>
-              <a:t>(open data)</a:t>
-            </a:r>
-            <a:r>
-              <a:rPr lang="zh-TW" altLang="en-US" dirty="0" smtClean="0"/>
-              <a:t>處理委外服務。</a:t>
+              <a:rPr lang="zh-TW" altLang="en-US" dirty="0"/>
+              <a:t>金融科技</a:t>
+            </a:r>
+            <a:r>
+              <a:rPr lang="zh-TW" altLang="en-US" dirty="0" smtClean="0"/>
+              <a:t>與雲端技術，拓展了實體分行的服務範疇。</a:t>
             </a:r>
             <a:endParaRPr lang="en-US" altLang="zh-TW" dirty="0" smtClean="0"/>
           </a:p>
           <a:p>
+            <a:r>
+              <a:rPr lang="zh-TW" altLang="en-US" dirty="0" smtClean="0"/>
+              <a:t>施政方針</a:t>
+            </a:r>
+            <a:endParaRPr lang="en-US" altLang="zh-TW" dirty="0" smtClean="0"/>
+          </a:p>
+          <a:p>
+            <a:pPr lvl="1"/>
+            <a:r>
+              <a:rPr lang="zh-TW" altLang="en-US" dirty="0" smtClean="0"/>
+              <a:t>國內尚無數</a:t>
+            </a:r>
+            <a:r>
+              <a:rPr lang="zh-TW" altLang="en-US" dirty="0"/>
+              <a:t>位虛擬分支機構，</a:t>
+            </a:r>
+            <a:r>
+              <a:rPr lang="zh-TW" altLang="en-US" dirty="0" smtClean="0"/>
+              <a:t>主因來自機構實體</a:t>
+            </a:r>
+            <a:r>
+              <a:rPr lang="zh-TW" altLang="en-US" dirty="0"/>
+              <a:t>通路充沛</a:t>
+            </a:r>
+            <a:r>
+              <a:rPr lang="zh-TW" altLang="en-US" dirty="0" smtClean="0"/>
+              <a:t>，分行超商</a:t>
+            </a:r>
+            <a:r>
+              <a:rPr lang="zh-TW" altLang="en-US" dirty="0"/>
+              <a:t>化。 </a:t>
+            </a:r>
+            <a:endParaRPr lang="en-US" altLang="zh-TW" dirty="0" smtClean="0"/>
+          </a:p>
+          <a:p>
+            <a:pPr lvl="1"/>
+            <a:r>
+              <a:rPr lang="zh-TW" altLang="en-US" dirty="0"/>
+              <a:t>強化國內銀行存放業務科技基礎</a:t>
+            </a:r>
+            <a:r>
+              <a:rPr lang="zh-TW" altLang="en-US" dirty="0" smtClean="0"/>
+              <a:t>建設。</a:t>
+            </a:r>
+            <a:endParaRPr lang="en-US" altLang="zh-TW" dirty="0" smtClean="0"/>
+          </a:p>
+          <a:p>
+            <a:pPr lvl="1"/>
+            <a:r>
+              <a:rPr lang="zh-TW" altLang="en-US" dirty="0"/>
+              <a:t>運用雲端技術推展數位無實體零售金融分支</a:t>
+            </a:r>
+            <a:r>
+              <a:rPr lang="zh-TW" altLang="en-US" dirty="0" smtClean="0"/>
+              <a:t>機構。</a:t>
+            </a:r>
+            <a:endParaRPr lang="en-US" altLang="zh-TW" dirty="0" smtClean="0"/>
+          </a:p>
+          <a:p>
+            <a:pPr lvl="1"/>
+            <a:r>
+              <a:rPr lang="zh-TW" altLang="en-US" dirty="0"/>
+              <a:t>營業據點優化 </a:t>
+            </a:r>
+            <a:r>
+              <a:rPr lang="zh-TW" altLang="en-US" dirty="0" smtClean="0"/>
+              <a:t>。</a:t>
+            </a:r>
+            <a:endParaRPr lang="en-US" altLang="zh-TW" dirty="0" smtClean="0"/>
+          </a:p>
+          <a:p>
             <a:pPr lvl="2"/>
             <a:r>
-              <a:rPr lang="en-US" altLang="zh-TW" dirty="0" smtClean="0"/>
-              <a:t>Kensho.com</a:t>
-            </a:r>
-            <a:r>
-              <a:rPr lang="zh-TW" altLang="en-US" dirty="0" smtClean="0"/>
-              <a:t> 提供金融機構一進階分析平台。</a:t>
+              <a:rPr lang="zh-TW" altLang="en-US" dirty="0"/>
+              <a:t>建置新</a:t>
+            </a:r>
+            <a:r>
+              <a:rPr lang="zh-TW" altLang="en-US" dirty="0" smtClean="0"/>
+              <a:t>一代貸</a:t>
+            </a:r>
+            <a:r>
+              <a:rPr lang="zh-TW" altLang="en-US" dirty="0"/>
+              <a:t>放行為偵測分析</a:t>
+            </a:r>
+            <a:r>
+              <a:rPr lang="zh-TW" altLang="en-US" dirty="0" smtClean="0"/>
+              <a:t>模式</a:t>
             </a:r>
             <a:endParaRPr lang="en-US" altLang="zh-TW" dirty="0" smtClean="0"/>
           </a:p>
           <a:p>
             <a:pPr lvl="2"/>
             <a:r>
-              <a:rPr lang="zh-TW" altLang="en-US" dirty="0" smtClean="0"/>
-              <a:t>日本</a:t>
-            </a:r>
-            <a:r>
-              <a:rPr lang="en-US" altLang="zh-TW" dirty="0" smtClean="0"/>
-              <a:t>E-Net</a:t>
-            </a:r>
-            <a:r>
-              <a:rPr lang="zh-TW" altLang="en-US" dirty="0" smtClean="0"/>
-              <a:t>提供新型</a:t>
-            </a:r>
-            <a:r>
-              <a:rPr lang="en-US" altLang="zh-TW" dirty="0" smtClean="0"/>
-              <a:t>ATM</a:t>
-            </a:r>
-            <a:r>
-              <a:rPr lang="zh-TW" altLang="en-US" dirty="0" smtClean="0"/>
-              <a:t>，供</a:t>
-            </a:r>
-            <a:r>
-              <a:rPr lang="en-US" altLang="zh-TW" dirty="0" smtClean="0"/>
-              <a:t>90</a:t>
-            </a:r>
-            <a:r>
-              <a:rPr lang="zh-TW" altLang="en-US" dirty="0" smtClean="0"/>
-              <a:t>家銀行農會通用，依據金融卡顯示不同介面。</a:t>
-            </a:r>
-            <a:endParaRPr lang="en-US" altLang="zh-TW" dirty="0" smtClean="0"/>
-          </a:p>
-          <a:p>
-            <a:r>
-              <a:rPr lang="zh-TW" altLang="en-US" dirty="0" smtClean="0"/>
-              <a:t>施政方針</a:t>
-            </a:r>
-            <a:endParaRPr lang="en-US" altLang="zh-TW" dirty="0" smtClean="0"/>
-          </a:p>
-          <a:p>
-            <a:pPr lvl="1"/>
-            <a:r>
-              <a:rPr lang="zh-TW" altLang="en-US" dirty="0" smtClean="0"/>
-              <a:t>推動實體</a:t>
-            </a:r>
-            <a:r>
-              <a:rPr lang="en-US" altLang="zh-TW" dirty="0" smtClean="0"/>
-              <a:t>/</a:t>
-            </a:r>
-            <a:r>
-              <a:rPr lang="zh-TW" altLang="en-US" dirty="0" smtClean="0"/>
-              <a:t>虛擬卡片之卡號代碼化</a:t>
-            </a:r>
-            <a:r>
-              <a:rPr lang="en-US" altLang="zh-TW" dirty="0" smtClean="0"/>
-              <a:t>(Token)</a:t>
-            </a:r>
-            <a:r>
-              <a:rPr lang="zh-TW" altLang="en-US" dirty="0" smtClean="0"/>
-              <a:t>。</a:t>
-            </a:r>
-            <a:endParaRPr lang="en-US" altLang="zh-TW" dirty="0" smtClean="0"/>
-          </a:p>
-          <a:p>
-            <a:pPr lvl="1"/>
-            <a:r>
-              <a:rPr lang="zh-TW" altLang="en-US" dirty="0" smtClean="0"/>
-              <a:t>研議誘因提升電子支付比例。</a:t>
-            </a:r>
-            <a:endParaRPr lang="en-US" altLang="zh-TW" dirty="0" smtClean="0"/>
-          </a:p>
-          <a:p>
-            <a:pPr lvl="2"/>
-            <a:r>
-              <a:rPr lang="zh-TW" altLang="en-US" dirty="0" smtClean="0"/>
-              <a:t>整合末端、調整租稅政策。</a:t>
-            </a:r>
-            <a:endParaRPr lang="en-US" altLang="zh-TW" dirty="0" smtClean="0"/>
-          </a:p>
-          <a:p>
-            <a:pPr lvl="1"/>
-            <a:r>
-              <a:rPr lang="zh-TW" altLang="en-US" dirty="0" smtClean="0"/>
-              <a:t>網路借貸業務</a:t>
-            </a:r>
-            <a:r>
-              <a:rPr lang="en-US" altLang="zh-TW" dirty="0" smtClean="0"/>
-              <a:t>(P2P)</a:t>
-            </a:r>
-            <a:r>
-              <a:rPr lang="zh-TW" altLang="en-US" dirty="0" smtClean="0"/>
-              <a:t>的評估與研議。</a:t>
-            </a:r>
-            <a:endParaRPr lang="en-US" altLang="zh-TW" dirty="0" smtClean="0"/>
-          </a:p>
-          <a:p>
-            <a:pPr lvl="2"/>
-            <a:r>
-              <a:rPr lang="zh-TW" altLang="en-US" dirty="0" smtClean="0"/>
-              <a:t>銀行法</a:t>
-            </a:r>
-            <a:r>
-              <a:rPr lang="en-US" altLang="zh-TW" dirty="0" smtClean="0"/>
-              <a:t>29</a:t>
-            </a:r>
-            <a:r>
-              <a:rPr lang="zh-TW" altLang="en-US" dirty="0" smtClean="0"/>
-              <a:t>條</a:t>
-            </a:r>
-            <a:r>
-              <a:rPr lang="en-US" altLang="zh-TW" dirty="0" smtClean="0"/>
-              <a:t>(</a:t>
-            </a:r>
-            <a:r>
-              <a:rPr lang="zh-TW" altLang="en-US" dirty="0" smtClean="0"/>
-              <a:t>違法吸金</a:t>
-            </a:r>
-            <a:r>
-              <a:rPr lang="en-US" altLang="zh-TW" dirty="0" smtClean="0"/>
-              <a:t>)</a:t>
-            </a:r>
-            <a:r>
-              <a:rPr lang="zh-TW" altLang="en-US" dirty="0" smtClean="0"/>
-              <a:t>、詐騙與平台倒閉。</a:t>
-            </a:r>
-            <a:endParaRPr lang="en-US" altLang="zh-TW" dirty="0" smtClean="0"/>
-          </a:p>
-          <a:p>
-            <a:pPr lvl="1"/>
-            <a:r>
-              <a:rPr lang="zh-TW" altLang="en-US" dirty="0" smtClean="0"/>
-              <a:t>金管會訂定</a:t>
-            </a:r>
-            <a:r>
-              <a:rPr lang="zh-TW" altLang="en-US" u="sng" dirty="0" smtClean="0"/>
-              <a:t>金融機構</a:t>
-            </a:r>
-            <a:r>
-              <a:rPr lang="zh-TW" altLang="en-US" u="sng" dirty="0"/>
-              <a:t>作業委託他人處理內部作業制度及程序</a:t>
-            </a:r>
-            <a:r>
-              <a:rPr lang="zh-TW" altLang="en-US" u="sng" dirty="0" smtClean="0"/>
-              <a:t>辦法</a:t>
-            </a:r>
-            <a:r>
-              <a:rPr lang="zh-TW" altLang="en-US" dirty="0" smtClean="0"/>
-              <a:t>。</a:t>
+              <a:rPr lang="zh-TW" altLang="en-US" dirty="0"/>
+              <a:t>建置「全方面數位虛擬軟體零售銀行業務模式</a:t>
+            </a:r>
+            <a:r>
+              <a:rPr lang="zh-TW" altLang="en-US" dirty="0" smtClean="0"/>
+              <a:t>」</a:t>
             </a:r>
             <a:endParaRPr lang="zh-TW" altLang="en-US" dirty="0"/>
-          </a:p>
-          <a:p>
-            <a:pPr lvl="1"/>
-            <a:endParaRPr lang="en-US" altLang="zh-TW" dirty="0" smtClean="0"/>
           </a:p>
         </p:txBody>
       </p:sp>
@@ -10610,7 +13709,6 @@
           <a:p>
             <a:fld id="{F5EB54BD-0855-4C71-B321-D9B65086D443}" type="datetime1">
               <a:rPr lang="zh-TW" altLang="en-US" smtClean="0"/>
-              <a:pPr/>
               <a:t>2016/7/11</a:t>
             </a:fld>
             <a:endParaRPr lang="zh-TW" altLang="en-US"/>
@@ -10634,7 +13732,6 @@
           <a:p>
             <a:fld id="{420AFBEC-07C3-4955-862B-EFDB12C88779}" type="slidenum">
               <a:rPr lang="zh-TW" altLang="en-US" smtClean="0"/>
-              <a:pPr/>
               <a:t>32</a:t>
             </a:fld>
             <a:endParaRPr lang="zh-TW" altLang="en-US"/>
@@ -10644,7 +13741,7 @@
     </p:spTree>
     <p:extLst>
       <p:ext uri="{BB962C8B-B14F-4D97-AF65-F5344CB8AC3E}">
-        <p14:creationId xmlns:p14="http://schemas.microsoft.com/office/powerpoint/2010/main" val="1028726113"/>
+        <p14:creationId xmlns:p14="http://schemas.microsoft.com/office/powerpoint/2010/main" val="3917764983"/>
       </p:ext>
     </p:extLst>
   </p:cSld>
@@ -10680,7 +13777,7 @@
       </p:grpSpPr>
       <p:sp>
         <p:nvSpPr>
-          <p:cNvPr id="2" name="標題 1"/>
+          <p:cNvPr id="6" name="標題 5"/>
           <p:cNvSpPr>
             <a:spLocks noGrp="1"/>
           </p:cNvSpPr>
@@ -10694,206 +13791,12 @@
           <a:lstStyle/>
           <a:p>
             <a:r>
-              <a:rPr lang="zh-TW" altLang="en-US" dirty="0"/>
-              <a:t>虛實</a:t>
-            </a:r>
-            <a:r>
-              <a:rPr lang="zh-TW" altLang="en-US" dirty="0" smtClean="0"/>
-              <a:t>整合</a:t>
-            </a:r>
-            <a:endParaRPr lang="zh-TW" altLang="en-US" dirty="0"/>
-          </a:p>
-        </p:txBody>
-      </p:sp>
-      <p:sp>
-        <p:nvSpPr>
-          <p:cNvPr id="3" name="內容版面配置區 2"/>
-          <p:cNvSpPr>
-            <a:spLocks noGrp="1"/>
-          </p:cNvSpPr>
-          <p:nvPr>
-            <p:ph idx="1"/>
-          </p:nvPr>
-        </p:nvSpPr>
-        <p:spPr/>
-        <p:txBody>
-          <a:bodyPr/>
-          <a:lstStyle/>
-          <a:p>
-            <a:r>
-              <a:rPr lang="zh-TW" altLang="en-US" dirty="0" smtClean="0"/>
-              <a:t>國際趨勢</a:t>
-            </a:r>
-            <a:endParaRPr lang="en-US" altLang="zh-TW" dirty="0" smtClean="0"/>
-          </a:p>
-          <a:p>
-            <a:pPr lvl="1"/>
-            <a:r>
               <a:rPr lang="en-US" altLang="zh-TW" dirty="0" smtClean="0"/>
-              <a:t>Gartner</a:t>
-            </a:r>
-            <a:r>
-              <a:rPr lang="zh-TW" altLang="en-US" dirty="0" smtClean="0"/>
-              <a:t>指出，</a:t>
-            </a:r>
-            <a:r>
-              <a:rPr lang="en-US" altLang="zh-TW" dirty="0" smtClean="0"/>
-              <a:t>2009</a:t>
-            </a:r>
-            <a:r>
-              <a:rPr lang="zh-TW" altLang="en-US" dirty="0" smtClean="0"/>
-              <a:t> </a:t>
-            </a:r>
-            <a:r>
-              <a:rPr lang="en-US" altLang="zh-TW" dirty="0" smtClean="0"/>
-              <a:t>–</a:t>
-            </a:r>
-            <a:r>
-              <a:rPr lang="zh-TW" altLang="en-US" dirty="0" smtClean="0"/>
-              <a:t> </a:t>
-            </a:r>
-            <a:r>
-              <a:rPr lang="en-US" altLang="zh-TW" dirty="0" smtClean="0"/>
-              <a:t>2012</a:t>
-            </a:r>
-            <a:r>
-              <a:rPr lang="zh-TW" altLang="en-US" dirty="0" smtClean="0"/>
-              <a:t>全美裁撤逾</a:t>
-            </a:r>
-            <a:r>
-              <a:rPr lang="en-US" altLang="zh-TW" dirty="0" smtClean="0"/>
-              <a:t>3000</a:t>
-            </a:r>
-            <a:r>
-              <a:rPr lang="zh-TW" altLang="en-US" dirty="0" smtClean="0"/>
-              <a:t>家分行。</a:t>
-            </a:r>
-            <a:endParaRPr lang="en-US" altLang="zh-TW" dirty="0" smtClean="0"/>
-          </a:p>
-          <a:p>
-            <a:pPr lvl="1"/>
-            <a:r>
-              <a:rPr lang="zh-TW" altLang="en-US" dirty="0"/>
-              <a:t>實體分行仍有存在必要</a:t>
-            </a:r>
-            <a:r>
-              <a:rPr lang="zh-TW" altLang="en-US" dirty="0" smtClean="0"/>
-              <a:t>。</a:t>
-            </a:r>
-            <a:endParaRPr lang="en-US" altLang="zh-TW" dirty="0" smtClean="0"/>
-          </a:p>
-          <a:p>
-            <a:pPr lvl="1"/>
-            <a:r>
-              <a:rPr lang="zh-TW" altLang="en-US" dirty="0"/>
-              <a:t>金融科技</a:t>
-            </a:r>
-            <a:r>
-              <a:rPr lang="zh-TW" altLang="en-US" dirty="0" smtClean="0"/>
-              <a:t>與雲端技術，拓展了實體分行的服務範疇。</a:t>
-            </a:r>
-            <a:endParaRPr lang="en-US" altLang="zh-TW" dirty="0" smtClean="0"/>
-          </a:p>
-          <a:p>
-            <a:r>
-              <a:rPr lang="zh-TW" altLang="en-US" dirty="0" smtClean="0"/>
-              <a:t>施政方針</a:t>
-            </a:r>
-            <a:endParaRPr lang="en-US" altLang="zh-TW" dirty="0" smtClean="0"/>
-          </a:p>
-          <a:p>
-            <a:pPr lvl="1"/>
-            <a:r>
-              <a:rPr lang="zh-TW" altLang="en-US" dirty="0" smtClean="0"/>
-              <a:t>國內尚無數</a:t>
-            </a:r>
-            <a:r>
-              <a:rPr lang="zh-TW" altLang="en-US" dirty="0"/>
-              <a:t>位虛擬分支機構，</a:t>
-            </a:r>
-            <a:r>
-              <a:rPr lang="zh-TW" altLang="en-US" dirty="0" smtClean="0"/>
-              <a:t>主因來自機構實體</a:t>
-            </a:r>
-            <a:r>
-              <a:rPr lang="zh-TW" altLang="en-US" dirty="0"/>
-              <a:t>通路充沛</a:t>
-            </a:r>
-            <a:r>
-              <a:rPr lang="zh-TW" altLang="en-US" dirty="0" smtClean="0"/>
-              <a:t>，分行超商</a:t>
-            </a:r>
-            <a:r>
-              <a:rPr lang="zh-TW" altLang="en-US" dirty="0"/>
-              <a:t>化。 </a:t>
-            </a:r>
-            <a:endParaRPr lang="en-US" altLang="zh-TW" dirty="0" smtClean="0"/>
-          </a:p>
-          <a:p>
-            <a:pPr lvl="1"/>
-            <a:r>
-              <a:rPr lang="zh-TW" altLang="en-US" dirty="0"/>
-              <a:t>強化國內銀行存放業務科技基礎</a:t>
-            </a:r>
-            <a:r>
-              <a:rPr lang="zh-TW" altLang="en-US" dirty="0" smtClean="0"/>
-              <a:t>建設。</a:t>
-            </a:r>
-            <a:endParaRPr lang="en-US" altLang="zh-TW" dirty="0" smtClean="0"/>
-          </a:p>
-          <a:p>
-            <a:pPr lvl="1"/>
-            <a:r>
-              <a:rPr lang="zh-TW" altLang="en-US" dirty="0"/>
-              <a:t>運用雲端技術推展數位無實體零售金融分支</a:t>
-            </a:r>
-            <a:r>
-              <a:rPr lang="zh-TW" altLang="en-US" dirty="0" smtClean="0"/>
-              <a:t>機構。</a:t>
-            </a:r>
-            <a:endParaRPr lang="en-US" altLang="zh-TW" dirty="0" smtClean="0"/>
-          </a:p>
-          <a:p>
-            <a:pPr lvl="1"/>
-            <a:r>
-              <a:rPr lang="zh-TW" altLang="en-US" dirty="0"/>
-              <a:t>營業據點優化 </a:t>
-            </a:r>
-            <a:r>
-              <a:rPr lang="zh-TW" altLang="en-US" dirty="0" smtClean="0"/>
-              <a:t>。</a:t>
-            </a:r>
-            <a:endParaRPr lang="en-US" altLang="zh-TW" dirty="0" smtClean="0"/>
-          </a:p>
-          <a:p>
-            <a:pPr lvl="2"/>
-            <a:r>
-              <a:rPr lang="zh-TW" altLang="en-US" dirty="0"/>
-              <a:t>建置新</a:t>
-            </a:r>
-            <a:r>
-              <a:rPr lang="zh-TW" altLang="en-US" dirty="0" smtClean="0"/>
-              <a:t>一代貸</a:t>
-            </a:r>
-            <a:r>
-              <a:rPr lang="zh-TW" altLang="en-US" dirty="0"/>
-              <a:t>放行為偵測分析</a:t>
-            </a:r>
-            <a:r>
-              <a:rPr lang="zh-TW" altLang="en-US" dirty="0" smtClean="0"/>
-              <a:t>模式</a:t>
-            </a:r>
-            <a:endParaRPr lang="en-US" altLang="zh-TW" dirty="0" smtClean="0"/>
-          </a:p>
-          <a:p>
-            <a:pPr lvl="2"/>
-            <a:r>
-              <a:rPr lang="zh-TW" altLang="en-US" dirty="0"/>
-              <a:t>建置「全方面數位虛擬軟體零售銀行業務模式</a:t>
-            </a:r>
-            <a:r>
-              <a:rPr lang="zh-TW" altLang="en-US" dirty="0" smtClean="0"/>
-              <a:t>」</a:t>
+              <a:t>II. </a:t>
+            </a:r>
+            <a:r>
+              <a:rPr lang="zh-TW" altLang="en-US" dirty="0" smtClean="0"/>
+              <a:t>管理面</a:t>
             </a:r>
             <a:endParaRPr lang="zh-TW" altLang="en-US" dirty="0"/>
           </a:p>
@@ -10948,7 +13851,7 @@
     </p:spTree>
     <p:extLst>
       <p:ext uri="{BB962C8B-B14F-4D97-AF65-F5344CB8AC3E}">
-        <p14:creationId xmlns:p14="http://schemas.microsoft.com/office/powerpoint/2010/main" val="3917764983"/>
+        <p14:creationId xmlns:p14="http://schemas.microsoft.com/office/powerpoint/2010/main" val="2460780447"/>
       </p:ext>
     </p:extLst>
   </p:cSld>
@@ -10984,116 +13887,6 @@
       </p:grpSpPr>
       <p:sp>
         <p:nvSpPr>
-          <p:cNvPr id="6" name="標題 5"/>
-          <p:cNvSpPr>
-            <a:spLocks noGrp="1"/>
-          </p:cNvSpPr>
-          <p:nvPr>
-            <p:ph type="title"/>
-          </p:nvPr>
-        </p:nvSpPr>
-        <p:spPr/>
-        <p:txBody>
-          <a:bodyPr/>
-          <a:lstStyle/>
-          <a:p>
-            <a:r>
-              <a:rPr lang="en-US" altLang="zh-TW" dirty="0" smtClean="0"/>
-              <a:t>II. </a:t>
-            </a:r>
-            <a:r>
-              <a:rPr lang="zh-TW" altLang="en-US" dirty="0" smtClean="0"/>
-              <a:t>管理面</a:t>
-            </a:r>
-            <a:endParaRPr lang="zh-TW" altLang="en-US" dirty="0"/>
-          </a:p>
-        </p:txBody>
-      </p:sp>
-      <p:sp>
-        <p:nvSpPr>
-          <p:cNvPr id="4" name="日期版面配置區 3"/>
-          <p:cNvSpPr>
-            <a:spLocks noGrp="1"/>
-          </p:cNvSpPr>
-          <p:nvPr>
-            <p:ph type="dt" sz="half" idx="10"/>
-          </p:nvPr>
-        </p:nvSpPr>
-        <p:spPr/>
-        <p:txBody>
-          <a:bodyPr/>
-          <a:lstStyle/>
-          <a:p>
-            <a:fld id="{F5EB54BD-0855-4C71-B321-D9B65086D443}" type="datetime1">
-              <a:rPr lang="zh-TW" altLang="en-US" smtClean="0"/>
-              <a:t>2016/7/11</a:t>
-            </a:fld>
-            <a:endParaRPr lang="zh-TW" altLang="en-US"/>
-          </a:p>
-        </p:txBody>
-      </p:sp>
-      <p:sp>
-        <p:nvSpPr>
-          <p:cNvPr id="5" name="投影片編號版面配置區 4"/>
-          <p:cNvSpPr>
-            <a:spLocks noGrp="1"/>
-          </p:cNvSpPr>
-          <p:nvPr>
-            <p:ph type="sldNum" sz="quarter" idx="12"/>
-          </p:nvPr>
-        </p:nvSpPr>
-        <p:spPr/>
-        <p:txBody>
-          <a:bodyPr/>
-          <a:lstStyle/>
-          <a:p>
-            <a:fld id="{420AFBEC-07C3-4955-862B-EFDB12C88779}" type="slidenum">
-              <a:rPr lang="zh-TW" altLang="en-US" smtClean="0"/>
-              <a:t>34</a:t>
-            </a:fld>
-            <a:endParaRPr lang="zh-TW" altLang="en-US"/>
-          </a:p>
-        </p:txBody>
-      </p:sp>
-    </p:spTree>
-    <p:extLst>
-      <p:ext uri="{BB962C8B-B14F-4D97-AF65-F5344CB8AC3E}">
-        <p14:creationId xmlns:p14="http://schemas.microsoft.com/office/powerpoint/2010/main" val="2460780447"/>
-      </p:ext>
-    </p:extLst>
-  </p:cSld>
-  <p:clrMapOvr>
-    <a:masterClrMapping/>
-  </p:clrMapOvr>
-  <p:timing>
-    <p:tnLst>
-      <p:par>
-        <p:cTn id="1" dur="indefinite" restart="never" nodeType="tmRoot"/>
-      </p:par>
-    </p:tnLst>
-  </p:timing>
-</p:sld>
-</file>
-
-<file path=ppt/slides/slide35.xml><?xml version="1.0" encoding="utf-8"?>
-<p:sld xmlns:a="http://schemas.openxmlformats.org/drawingml/2006/main" xmlns:r="http://schemas.openxmlformats.org/officeDocument/2006/relationships" xmlns:p="http://schemas.openxmlformats.org/presentationml/2006/main">
-  <p:cSld>
-    <p:spTree>
-      <p:nvGrpSpPr>
-        <p:cNvPr id="1" name=""/>
-        <p:cNvGrpSpPr/>
-        <p:nvPr/>
-      </p:nvGrpSpPr>
-      <p:grpSpPr>
-        <a:xfrm>
-          <a:off x="0" y="0"/>
-          <a:ext cx="0" cy="0"/>
-          <a:chOff x="0" y="0"/>
-          <a:chExt cx="0" cy="0"/>
-        </a:xfrm>
-      </p:grpSpPr>
-      <p:sp>
-        <p:nvSpPr>
           <p:cNvPr id="5" name="標題 4"/>
           <p:cNvSpPr>
             <a:spLocks noGrp="1"/>
@@ -11314,7 +14107,7 @@
             <a:fld id="{420AFBEC-07C3-4955-862B-EFDB12C88779}" type="slidenum">
               <a:rPr lang="zh-TW" altLang="en-US" smtClean="0"/>
               <a:pPr/>
-              <a:t>35</a:t>
+              <a:t>34</a:t>
             </a:fld>
             <a:endParaRPr lang="zh-TW" altLang="en-US"/>
           </a:p>
@@ -11585,7 +14378,7 @@
 </p:sld>
 </file>
 
-<file path=ppt/slides/slide36.xml><?xml version="1.0" encoding="utf-8"?>
+<file path=ppt/slides/slide35.xml><?xml version="1.0" encoding="utf-8"?>
 <p:sld xmlns:a="http://schemas.openxmlformats.org/drawingml/2006/main" xmlns:r="http://schemas.openxmlformats.org/officeDocument/2006/relationships" xmlns:p="http://schemas.openxmlformats.org/presentationml/2006/main">
   <p:cSld>
     <p:spTree>
@@ -11808,7 +14601,7 @@
           <a:p>
             <a:fld id="{420AFBEC-07C3-4955-862B-EFDB12C88779}" type="slidenum">
               <a:rPr lang="zh-TW" altLang="en-US" smtClean="0"/>
-              <a:t>36</a:t>
+              <a:t>35</a:t>
             </a:fld>
             <a:endParaRPr lang="zh-TW" altLang="en-US"/>
           </a:p>
@@ -11818,6 +14611,116 @@
     <p:extLst>
       <p:ext uri="{BB962C8B-B14F-4D97-AF65-F5344CB8AC3E}">
         <p14:creationId xmlns:p14="http://schemas.microsoft.com/office/powerpoint/2010/main" val="1986840931"/>
+      </p:ext>
+    </p:extLst>
+  </p:cSld>
+  <p:clrMapOvr>
+    <a:masterClrMapping/>
+  </p:clrMapOvr>
+  <p:timing>
+    <p:tnLst>
+      <p:par>
+        <p:cTn id="1" dur="indefinite" restart="never" nodeType="tmRoot"/>
+      </p:par>
+    </p:tnLst>
+  </p:timing>
+</p:sld>
+</file>
+
+<file path=ppt/slides/slide36.xml><?xml version="1.0" encoding="utf-8"?>
+<p:sld xmlns:a="http://schemas.openxmlformats.org/drawingml/2006/main" xmlns:r="http://schemas.openxmlformats.org/officeDocument/2006/relationships" xmlns:p="http://schemas.openxmlformats.org/presentationml/2006/main">
+  <p:cSld>
+    <p:spTree>
+      <p:nvGrpSpPr>
+        <p:cNvPr id="1" name=""/>
+        <p:cNvGrpSpPr/>
+        <p:nvPr/>
+      </p:nvGrpSpPr>
+      <p:grpSpPr>
+        <a:xfrm>
+          <a:off x="0" y="0"/>
+          <a:ext cx="0" cy="0"/>
+          <a:chOff x="0" y="0"/>
+          <a:chExt cx="0" cy="0"/>
+        </a:xfrm>
+      </p:grpSpPr>
+      <p:sp>
+        <p:nvSpPr>
+          <p:cNvPr id="6" name="標題 5"/>
+          <p:cNvSpPr>
+            <a:spLocks noGrp="1"/>
+          </p:cNvSpPr>
+          <p:nvPr>
+            <p:ph type="title"/>
+          </p:nvPr>
+        </p:nvSpPr>
+        <p:spPr/>
+        <p:txBody>
+          <a:bodyPr/>
+          <a:lstStyle/>
+          <a:p>
+            <a:r>
+              <a:rPr lang="en-US" altLang="zh-TW" dirty="0" smtClean="0"/>
+              <a:t>III.</a:t>
+            </a:r>
+            <a:r>
+              <a:rPr lang="zh-TW" altLang="en-US" dirty="0" smtClean="0"/>
+              <a:t> 資源面</a:t>
+            </a:r>
+            <a:endParaRPr lang="zh-TW" altLang="en-US" dirty="0"/>
+          </a:p>
+        </p:txBody>
+      </p:sp>
+      <p:sp>
+        <p:nvSpPr>
+          <p:cNvPr id="4" name="日期版面配置區 3"/>
+          <p:cNvSpPr>
+            <a:spLocks noGrp="1"/>
+          </p:cNvSpPr>
+          <p:nvPr>
+            <p:ph type="dt" sz="half" idx="10"/>
+          </p:nvPr>
+        </p:nvSpPr>
+        <p:spPr/>
+        <p:txBody>
+          <a:bodyPr/>
+          <a:lstStyle/>
+          <a:p>
+            <a:fld id="{F5EB54BD-0855-4C71-B321-D9B65086D443}" type="datetime1">
+              <a:rPr lang="zh-TW" altLang="en-US" smtClean="0"/>
+              <a:t>2016/7/11</a:t>
+            </a:fld>
+            <a:endParaRPr lang="zh-TW" altLang="en-US"/>
+          </a:p>
+        </p:txBody>
+      </p:sp>
+      <p:sp>
+        <p:nvSpPr>
+          <p:cNvPr id="5" name="投影片編號版面配置區 4"/>
+          <p:cNvSpPr>
+            <a:spLocks noGrp="1"/>
+          </p:cNvSpPr>
+          <p:nvPr>
+            <p:ph type="sldNum" sz="quarter" idx="12"/>
+          </p:nvPr>
+        </p:nvSpPr>
+        <p:spPr/>
+        <p:txBody>
+          <a:bodyPr/>
+          <a:lstStyle/>
+          <a:p>
+            <a:fld id="{420AFBEC-07C3-4955-862B-EFDB12C88779}" type="slidenum">
+              <a:rPr lang="zh-TW" altLang="en-US" smtClean="0"/>
+              <a:t>36</a:t>
+            </a:fld>
+            <a:endParaRPr lang="zh-TW" altLang="en-US"/>
+          </a:p>
+        </p:txBody>
+      </p:sp>
+    </p:spTree>
+    <p:extLst>
+      <p:ext uri="{BB962C8B-B14F-4D97-AF65-F5344CB8AC3E}">
+        <p14:creationId xmlns:p14="http://schemas.microsoft.com/office/powerpoint/2010/main" val="770851554"/>
       </p:ext>
     </p:extLst>
   </p:cSld>
@@ -11853,7 +14756,7 @@
       </p:grpSpPr>
       <p:sp>
         <p:nvSpPr>
-          <p:cNvPr id="6" name="標題 5"/>
+          <p:cNvPr id="5" name="標題 4"/>
           <p:cNvSpPr>
             <a:spLocks noGrp="1"/>
           </p:cNvSpPr>
@@ -11867,12 +14770,8 @@
           <a:lstStyle/>
           <a:p>
             <a:r>
-              <a:rPr lang="en-US" altLang="zh-TW" dirty="0" smtClean="0"/>
-              <a:t>III.</a:t>
-            </a:r>
-            <a:r>
-              <a:rPr lang="zh-TW" altLang="en-US" dirty="0" smtClean="0"/>
-              <a:t> 資源面</a:t>
+              <a:rPr lang="zh-TW" altLang="en-US" dirty="0" smtClean="0"/>
+              <a:t>人才培育</a:t>
             </a:r>
             <a:endParaRPr lang="zh-TW" altLang="en-US" dirty="0"/>
           </a:p>
@@ -11880,7 +14779,232 @@
       </p:sp>
       <p:sp>
         <p:nvSpPr>
-          <p:cNvPr id="4" name="日期版面配置區 3"/>
+          <p:cNvPr id="6" name="內容版面配置區 5"/>
+          <p:cNvSpPr>
+            <a:spLocks noGrp="1"/>
+          </p:cNvSpPr>
+          <p:nvPr>
+            <p:ph idx="1"/>
+          </p:nvPr>
+        </p:nvSpPr>
+        <p:spPr/>
+        <p:txBody>
+          <a:bodyPr/>
+          <a:lstStyle/>
+          <a:p>
+            <a:r>
+              <a:rPr lang="zh-TW" altLang="en-US" dirty="0" smtClean="0"/>
+              <a:t>施政方針</a:t>
+            </a:r>
+            <a:endParaRPr lang="en-US" altLang="zh-TW" dirty="0" smtClean="0"/>
+          </a:p>
+          <a:p>
+            <a:pPr lvl="1"/>
+            <a:r>
+              <a:rPr lang="zh-TW" altLang="en-US" dirty="0" smtClean="0"/>
+              <a:t>訂</a:t>
+            </a:r>
+            <a:r>
+              <a:rPr lang="zh-TW" altLang="en-US" dirty="0"/>
+              <a:t>定金融機構人才之轉型</a:t>
+            </a:r>
+            <a:r>
+              <a:rPr lang="zh-TW" altLang="en-US" dirty="0" smtClean="0"/>
+              <a:t>計畫</a:t>
+            </a:r>
+            <a:endParaRPr lang="en-US" altLang="zh-TW" dirty="0" smtClean="0"/>
+          </a:p>
+          <a:p>
+            <a:pPr lvl="2"/>
+            <a:r>
+              <a:rPr lang="zh-TW" altLang="en-US" dirty="0" smtClean="0"/>
+              <a:t>要求金融機構</a:t>
+            </a:r>
+            <a:r>
+              <a:rPr lang="zh-TW" altLang="en-US" dirty="0"/>
+              <a:t>在</a:t>
+            </a:r>
+            <a:r>
+              <a:rPr lang="en-US" altLang="zh-TW" dirty="0"/>
+              <a:t>2015</a:t>
+            </a:r>
+            <a:r>
+              <a:rPr lang="zh-TW" altLang="en-US" dirty="0"/>
+              <a:t>年底前，</a:t>
+            </a:r>
+            <a:r>
+              <a:rPr lang="zh-TW" altLang="en-US" dirty="0" smtClean="0"/>
+              <a:t>提出從業人員</a:t>
+            </a:r>
+            <a:r>
+              <a:rPr lang="en-US" altLang="zh-TW" dirty="0"/>
+              <a:t>1</a:t>
+            </a:r>
+            <a:r>
+              <a:rPr lang="zh-TW" altLang="en-US" dirty="0"/>
+              <a:t>至</a:t>
+            </a:r>
+            <a:r>
+              <a:rPr lang="en-US" altLang="zh-TW" dirty="0"/>
+              <a:t>3</a:t>
+            </a:r>
+            <a:r>
+              <a:rPr lang="zh-TW" altLang="en-US" dirty="0"/>
+              <a:t>年轉型之因應</a:t>
+            </a:r>
+            <a:r>
+              <a:rPr lang="zh-TW" altLang="en-US" dirty="0" smtClean="0"/>
+              <a:t>計畫。包括</a:t>
+            </a:r>
+            <a:r>
+              <a:rPr lang="zh-TW" altLang="en-US" u="sng" dirty="0" smtClean="0"/>
+              <a:t>專業</a:t>
+            </a:r>
+            <a:r>
+              <a:rPr lang="zh-TW" altLang="en-US" u="sng" dirty="0"/>
+              <a:t>能力調整</a:t>
+            </a:r>
+            <a:r>
+              <a:rPr lang="zh-TW" altLang="en-US" dirty="0"/>
+              <a:t>及</a:t>
+            </a:r>
+            <a:r>
+              <a:rPr lang="zh-TW" altLang="en-US" u="sng" dirty="0"/>
+              <a:t>第二專長</a:t>
+            </a:r>
+            <a:r>
+              <a:rPr lang="zh-TW" altLang="en-US" dirty="0"/>
+              <a:t>之</a:t>
+            </a:r>
+            <a:r>
+              <a:rPr lang="zh-TW" altLang="en-US" dirty="0" smtClean="0"/>
+              <a:t>培養。</a:t>
+            </a:r>
+            <a:endParaRPr lang="en-US" altLang="zh-TW" dirty="0" smtClean="0"/>
+          </a:p>
+          <a:p>
+            <a:pPr lvl="1"/>
+            <a:r>
+              <a:rPr lang="zh-TW" altLang="en-US" dirty="0"/>
+              <a:t>辦理</a:t>
+            </a:r>
+            <a:r>
+              <a:rPr lang="zh-TW" altLang="en-US" dirty="0" smtClean="0"/>
+              <a:t>金融人才</a:t>
+            </a:r>
+            <a:r>
+              <a:rPr lang="zh-TW" altLang="en-US" dirty="0"/>
+              <a:t>供需</a:t>
+            </a:r>
+            <a:r>
+              <a:rPr lang="zh-TW" altLang="en-US" dirty="0" smtClean="0"/>
+              <a:t>調查，進行</a:t>
+            </a:r>
+            <a:r>
+              <a:rPr lang="zh-TW" altLang="en-US" dirty="0"/>
+              <a:t>完整職能分析與建置並規劃學習</a:t>
+            </a:r>
+            <a:r>
+              <a:rPr lang="zh-TW" altLang="en-US" dirty="0" smtClean="0"/>
+              <a:t>地圖。</a:t>
+            </a:r>
+            <a:endParaRPr lang="en-US" altLang="zh-TW" dirty="0" smtClean="0"/>
+          </a:p>
+          <a:p>
+            <a:pPr lvl="1"/>
+            <a:r>
+              <a:rPr lang="zh-TW" altLang="en-US" dirty="0" smtClean="0"/>
+              <a:t>金融機構、</a:t>
+            </a:r>
+            <a:r>
+              <a:rPr lang="zh-TW" altLang="en-US" dirty="0"/>
+              <a:t>訓練機構</a:t>
+            </a:r>
+            <a:r>
+              <a:rPr lang="zh-TW" altLang="en-US" dirty="0" smtClean="0"/>
+              <a:t>與大專院校三方產</a:t>
+            </a:r>
+            <a:r>
+              <a:rPr lang="zh-TW" altLang="en-US" dirty="0"/>
+              <a:t>學合作 </a:t>
+            </a:r>
+            <a:r>
+              <a:rPr lang="zh-TW" altLang="en-US" dirty="0" smtClean="0"/>
+              <a:t>，推動</a:t>
+            </a:r>
+            <a:r>
+              <a:rPr lang="zh-TW" altLang="en-US" dirty="0"/>
+              <a:t>國際交流</a:t>
+            </a:r>
+            <a:r>
+              <a:rPr lang="zh-TW" altLang="en-US" dirty="0" smtClean="0"/>
+              <a:t>事宜。</a:t>
+            </a:r>
+            <a:endParaRPr lang="en-US" altLang="zh-TW" dirty="0" smtClean="0"/>
+          </a:p>
+          <a:p>
+            <a:pPr lvl="1"/>
+            <a:r>
+              <a:rPr lang="zh-TW" altLang="en-US" dirty="0" smtClean="0"/>
+              <a:t>金融聯合會成立「</a:t>
+            </a:r>
+            <a:r>
+              <a:rPr lang="zh-TW" altLang="en-US" dirty="0">
+                <a:hlinkClick r:id="rId2"/>
+              </a:rPr>
+              <a:t>金融科技發展基金</a:t>
+            </a:r>
+            <a:r>
+              <a:rPr lang="zh-TW" altLang="en-US" dirty="0" smtClean="0"/>
+              <a:t>」，</a:t>
+            </a:r>
+            <a:r>
+              <a:rPr lang="zh-TW" altLang="en-US" dirty="0"/>
+              <a:t>期</a:t>
+            </a:r>
+            <a:r>
+              <a:rPr lang="zh-TW" altLang="en-US" dirty="0" smtClean="0"/>
+              <a:t>能達成</a:t>
+            </a:r>
+            <a:r>
+              <a:rPr lang="zh-TW" altLang="en-US" dirty="0"/>
+              <a:t>三年培育至少</a:t>
+            </a:r>
+            <a:r>
+              <a:rPr lang="en-US" altLang="zh-TW" dirty="0"/>
+              <a:t>2,000</a:t>
+            </a:r>
+            <a:r>
+              <a:rPr lang="zh-TW" altLang="en-US" dirty="0"/>
+              <a:t>名以上學生，及</a:t>
+            </a:r>
+            <a:r>
+              <a:rPr lang="en-US" altLang="zh-TW" dirty="0"/>
+              <a:t>4,000</a:t>
+            </a:r>
+            <a:r>
+              <a:rPr lang="zh-TW" altLang="en-US" dirty="0"/>
+              <a:t>名</a:t>
+            </a:r>
+            <a:r>
+              <a:rPr lang="zh-TW" altLang="en-US" dirty="0" smtClean="0"/>
+              <a:t>以上</a:t>
+            </a:r>
+            <a:r>
+              <a:rPr lang="zh-TW" altLang="en-US" dirty="0"/>
+              <a:t>相關產業人員</a:t>
+            </a:r>
+            <a:r>
+              <a:rPr lang="zh-TW" altLang="en-US" dirty="0" smtClean="0"/>
+              <a:t>之目標。</a:t>
+            </a:r>
+            <a:endParaRPr lang="zh-TW" altLang="en-US" dirty="0"/>
+          </a:p>
+        </p:txBody>
+      </p:sp>
+      <p:sp>
+        <p:nvSpPr>
+          <p:cNvPr id="3" name="日期版面配置區 2"/>
           <p:cNvSpPr>
             <a:spLocks noGrp="1"/>
           </p:cNvSpPr>
@@ -11893,17 +15017,18 @@
           <a:bodyPr/>
           <a:lstStyle/>
           <a:p>
-            <a:fld id="{F5EB54BD-0855-4C71-B321-D9B65086D443}" type="datetime1">
+            <a:fld id="{E0DBF2A0-D569-4754-A181-EB6AFB346A11}" type="datetime1">
               <a:rPr lang="zh-TW" altLang="en-US" smtClean="0"/>
+              <a:pPr/>
               <a:t>2016/7/11</a:t>
             </a:fld>
-            <a:endParaRPr lang="zh-TW" altLang="en-US"/>
+            <a:endParaRPr lang="zh-TW" altLang="en-US" dirty="0"/>
           </a:p>
         </p:txBody>
       </p:sp>
       <p:sp>
         <p:nvSpPr>
-          <p:cNvPr id="5" name="投影片編號版面配置區 4"/>
+          <p:cNvPr id="4" name="投影片編號版面配置區 3"/>
           <p:cNvSpPr>
             <a:spLocks noGrp="1"/>
           </p:cNvSpPr>
@@ -11918,6 +15043,7 @@
           <a:p>
             <a:fld id="{420AFBEC-07C3-4955-862B-EFDB12C88779}" type="slidenum">
               <a:rPr lang="zh-TW" altLang="en-US" smtClean="0"/>
+              <a:pPr/>
               <a:t>37</a:t>
             </a:fld>
             <a:endParaRPr lang="zh-TW" altLang="en-US"/>
@@ -11927,7 +15053,7 @@
     </p:spTree>
     <p:extLst>
       <p:ext uri="{BB962C8B-B14F-4D97-AF65-F5344CB8AC3E}">
-        <p14:creationId xmlns:p14="http://schemas.microsoft.com/office/powerpoint/2010/main" val="770851554"/>
+        <p14:creationId xmlns:p14="http://schemas.microsoft.com/office/powerpoint/2010/main" val="2357847597"/>
       </p:ext>
     </p:extLst>
   </p:cSld>
@@ -11963,7 +15089,7 @@
       </p:grpSpPr>
       <p:sp>
         <p:nvSpPr>
-          <p:cNvPr id="5" name="標題 4"/>
+          <p:cNvPr id="2" name="標題 1"/>
           <p:cNvSpPr>
             <a:spLocks noGrp="1"/>
           </p:cNvSpPr>
@@ -11978,7 +15104,7 @@
           <a:p>
             <a:r>
               <a:rPr lang="zh-TW" altLang="en-US" dirty="0" smtClean="0"/>
-              <a:t>人才培育</a:t>
+              <a:t>創新創業</a:t>
             </a:r>
             <a:endParaRPr lang="zh-TW" altLang="en-US" dirty="0"/>
           </a:p>
@@ -11986,7 +15112,7 @@
       </p:sp>
       <p:sp>
         <p:nvSpPr>
-          <p:cNvPr id="6" name="內容版面配置區 5"/>
+          <p:cNvPr id="3" name="內容版面配置區 2"/>
           <p:cNvSpPr>
             <a:spLocks noGrp="1"/>
           </p:cNvSpPr>
@@ -12008,48 +15134,24 @@
           <a:p>
             <a:pPr lvl="1"/>
             <a:r>
-              <a:rPr lang="zh-TW" altLang="en-US" dirty="0" smtClean="0"/>
-              <a:t>訂</a:t>
+              <a:rPr lang="zh-TW" altLang="en-US" b="1" dirty="0"/>
+              <a:t>短期</a:t>
+            </a:r>
+            <a:r>
+              <a:rPr lang="zh-TW" altLang="en-US" dirty="0" smtClean="0"/>
+              <a:t>：「</a:t>
             </a:r>
             <a:r>
               <a:rPr lang="zh-TW" altLang="en-US" dirty="0"/>
-              <a:t>定金融機構人才之轉型</a:t>
-            </a:r>
-            <a:r>
-              <a:rPr lang="zh-TW" altLang="en-US" dirty="0" smtClean="0"/>
-              <a:t>計畫</a:t>
-            </a:r>
-            <a:endParaRPr lang="en-US" altLang="zh-TW" dirty="0" smtClean="0"/>
-          </a:p>
-          <a:p>
-            <a:pPr lvl="2"/>
-            <a:r>
-              <a:rPr lang="zh-TW" altLang="en-US" dirty="0" smtClean="0"/>
-              <a:t>要求金融機構</a:t>
+              <a:t>金融科技發展基金」委外執行機構推動金融科技創新創業計畫，以科技加值、培育加速、資金補助的資源整合輔導方式，每年至少輔導</a:t>
+            </a:r>
+            <a:r>
+              <a:rPr lang="en-US" altLang="zh-TW" dirty="0"/>
+              <a:t>20</a:t>
             </a:r>
             <a:r>
               <a:rPr lang="zh-TW" altLang="en-US" dirty="0"/>
-              <a:t>在</a:t>
-            </a:r>
-            <a:r>
-              <a:rPr lang="en-US" altLang="zh-TW" dirty="0"/>
-              <a:t>2015</a:t>
-            </a:r>
-            <a:r>
-              <a:rPr lang="zh-TW" altLang="en-US" dirty="0"/>
-              <a:t>年底前，</a:t>
-            </a:r>
-            <a:r>
-              <a:rPr lang="zh-TW" altLang="en-US" dirty="0" smtClean="0"/>
-              <a:t>提出從業人員</a:t>
-            </a:r>
-            <a:r>
-              <a:rPr lang="en-US" altLang="zh-TW" dirty="0"/>
-              <a:t>1</a:t>
-            </a:r>
-            <a:r>
-              <a:rPr lang="zh-TW" altLang="en-US" dirty="0"/>
-              <a:t>至</a:t>
+              <a:t>案，</a:t>
             </a:r>
             <a:r>
               <a:rPr lang="en-US" altLang="zh-TW" dirty="0"/>
@@ -12057,153 +15159,43 @@
             </a:r>
             <a:r>
               <a:rPr lang="zh-TW" altLang="en-US" dirty="0"/>
-              <a:t>年轉型之因應</a:t>
-            </a:r>
-            <a:r>
-              <a:rPr lang="zh-TW" altLang="en-US" dirty="0" smtClean="0"/>
-              <a:t>計畫。包括</a:t>
+              <a:t>年至少輔導</a:t>
+            </a:r>
+            <a:r>
+              <a:rPr lang="en-US" altLang="zh-TW" dirty="0"/>
+              <a:t>60</a:t>
+            </a:r>
+            <a:r>
+              <a:rPr lang="zh-TW" altLang="en-US" dirty="0"/>
+              <a:t>案</a:t>
+            </a:r>
+            <a:r>
+              <a:rPr lang="zh-TW" altLang="en-US" dirty="0" smtClean="0"/>
+              <a:t>。</a:t>
+            </a:r>
+            <a:endParaRPr lang="en-US" altLang="zh-TW" dirty="0" smtClean="0"/>
+          </a:p>
+          <a:p>
+            <a:pPr lvl="1"/>
+            <a:r>
+              <a:rPr lang="zh-TW" altLang="en-US" b="1" dirty="0"/>
+              <a:t>中長期</a:t>
+            </a:r>
+            <a:r>
+              <a:rPr lang="zh-TW" altLang="en-US" dirty="0"/>
+              <a:t>：整合國內外相關金融科技創新中心資源，建立與全球金融科技創新網絡單一對口的金融科技創新</a:t>
+            </a:r>
+            <a:r>
+              <a:rPr lang="zh-TW" altLang="en-US" u="sng" dirty="0"/>
+              <a:t>育成</a:t>
             </a:r>
             <a:r>
               <a:rPr lang="zh-TW" altLang="en-US" u="sng" dirty="0" smtClean="0"/>
-              <a:t>專業</a:t>
-            </a:r>
-            <a:r>
-              <a:rPr lang="zh-TW" altLang="en-US" u="sng" dirty="0"/>
-              <a:t>能力調整</a:t>
-            </a:r>
-            <a:r>
-              <a:rPr lang="zh-TW" altLang="en-US" dirty="0"/>
-              <a:t>及</a:t>
-            </a:r>
-            <a:r>
-              <a:rPr lang="zh-TW" altLang="en-US" u="sng" dirty="0"/>
-              <a:t>第二專長</a:t>
-            </a:r>
-            <a:r>
-              <a:rPr lang="zh-TW" altLang="en-US" dirty="0"/>
-              <a:t>之</a:t>
-            </a:r>
-            <a:r>
-              <a:rPr lang="zh-TW" altLang="en-US" dirty="0" smtClean="0"/>
-              <a:t>培養。</a:t>
-            </a:r>
-            <a:endParaRPr lang="en-US" altLang="zh-TW" dirty="0" smtClean="0"/>
-          </a:p>
-          <a:p>
-            <a:pPr lvl="1"/>
-            <a:r>
-              <a:rPr lang="zh-TW" altLang="en-US" dirty="0"/>
-              <a:t>辦理</a:t>
-            </a:r>
-            <a:r>
-              <a:rPr lang="zh-TW" altLang="en-US" dirty="0" smtClean="0"/>
-              <a:t>金融人才</a:t>
-            </a:r>
-            <a:r>
-              <a:rPr lang="zh-TW" altLang="en-US" dirty="0"/>
-              <a:t>供需</a:t>
-            </a:r>
-            <a:r>
-              <a:rPr lang="zh-TW" altLang="en-US" dirty="0" smtClean="0"/>
-              <a:t>調查，進行</a:t>
-            </a:r>
-            <a:r>
-              <a:rPr lang="zh-TW" altLang="en-US" dirty="0"/>
-              <a:t>完整職能分析與建置並規劃學習</a:t>
-            </a:r>
-            <a:r>
-              <a:rPr lang="zh-TW" altLang="en-US" dirty="0" smtClean="0"/>
-              <a:t>地圖。</a:t>
-            </a:r>
-            <a:endParaRPr lang="en-US" altLang="zh-TW" dirty="0" smtClean="0"/>
-          </a:p>
-          <a:p>
-            <a:pPr lvl="1"/>
-            <a:r>
-              <a:rPr lang="zh-TW" altLang="en-US" dirty="0" smtClean="0"/>
-              <a:t>金融機構、</a:t>
-            </a:r>
-            <a:r>
-              <a:rPr lang="zh-TW" altLang="en-US" dirty="0"/>
-              <a:t>訓練機構</a:t>
-            </a:r>
-            <a:r>
-              <a:rPr lang="zh-TW" altLang="en-US" dirty="0" smtClean="0"/>
-              <a:t>與大專院校三方產</a:t>
-            </a:r>
-            <a:r>
-              <a:rPr lang="zh-TW" altLang="en-US" dirty="0"/>
-              <a:t>學合作 </a:t>
-            </a:r>
-            <a:r>
-              <a:rPr lang="zh-TW" altLang="en-US" dirty="0" smtClean="0"/>
-              <a:t>，推動</a:t>
-            </a:r>
-            <a:r>
-              <a:rPr lang="zh-TW" altLang="en-US" dirty="0"/>
-              <a:t>國際交流</a:t>
-            </a:r>
-            <a:r>
-              <a:rPr lang="zh-TW" altLang="en-US" dirty="0" smtClean="0"/>
-              <a:t>事宜。</a:t>
-            </a:r>
-            <a:endParaRPr lang="en-US" altLang="zh-TW" dirty="0" smtClean="0"/>
-          </a:p>
-          <a:p>
-            <a:pPr lvl="1"/>
-            <a:r>
-              <a:rPr lang="zh-TW" altLang="en-US" dirty="0" smtClean="0"/>
-              <a:t>金融聯合會成立「</a:t>
-            </a:r>
-            <a:r>
-              <a:rPr lang="zh-TW" altLang="en-US" dirty="0">
-                <a:hlinkClick r:id="rId2"/>
-              </a:rPr>
-              <a:t>金融科技發展基金</a:t>
-            </a:r>
-            <a:r>
-              <a:rPr lang="zh-TW" altLang="en-US" dirty="0" smtClean="0"/>
-              <a:t>」，</a:t>
-            </a:r>
-            <a:r>
-              <a:rPr lang="zh-TW" altLang="en-US" dirty="0"/>
-              <a:t>期</a:t>
-            </a:r>
-            <a:r>
-              <a:rPr lang="zh-TW" altLang="en-US" dirty="0" smtClean="0"/>
-              <a:t>能達成</a:t>
-            </a:r>
-            <a:r>
-              <a:rPr lang="zh-TW" altLang="en-US" dirty="0"/>
-              <a:t>三年培育至少</a:t>
-            </a:r>
-            <a:r>
-              <a:rPr lang="en-US" altLang="zh-TW" dirty="0"/>
-              <a:t>2,000</a:t>
-            </a:r>
-            <a:r>
-              <a:rPr lang="zh-TW" altLang="en-US" dirty="0"/>
-              <a:t>名以上學生，及</a:t>
-            </a:r>
-            <a:r>
-              <a:rPr lang="en-US" altLang="zh-TW" dirty="0"/>
-              <a:t>4,000</a:t>
-            </a:r>
-            <a:r>
-              <a:rPr lang="zh-TW" altLang="en-US" dirty="0"/>
-              <a:t>名</a:t>
-            </a:r>
-            <a:r>
-              <a:rPr lang="zh-TW" altLang="en-US" dirty="0" smtClean="0"/>
-              <a:t>以上</a:t>
-            </a:r>
-            <a:r>
-              <a:rPr lang="zh-TW" altLang="en-US" dirty="0"/>
-              <a:t>相關產業人員</a:t>
-            </a:r>
-            <a:r>
-              <a:rPr lang="zh-TW" altLang="en-US" dirty="0" smtClean="0"/>
-              <a:t>之目標。</a:t>
+              <a:t>中心</a:t>
+            </a:r>
+            <a:r>
+              <a:rPr lang="zh-TW" altLang="en-US" dirty="0" smtClean="0"/>
+              <a:t>。</a:t>
             </a:r>
             <a:endParaRPr lang="zh-TW" altLang="en-US" dirty="0"/>
           </a:p>
@@ -12211,7 +15203,7 @@
       </p:sp>
       <p:sp>
         <p:nvSpPr>
-          <p:cNvPr id="3" name="日期版面配置區 2"/>
+          <p:cNvPr id="4" name="日期版面配置區 3"/>
           <p:cNvSpPr>
             <a:spLocks noGrp="1"/>
           </p:cNvSpPr>
@@ -12224,18 +15216,17 @@
           <a:bodyPr/>
           <a:lstStyle/>
           <a:p>
-            <a:fld id="{E0DBF2A0-D569-4754-A181-EB6AFB346A11}" type="datetime1">
+            <a:fld id="{F5EB54BD-0855-4C71-B321-D9B65086D443}" type="datetime1">
               <a:rPr lang="zh-TW" altLang="en-US" smtClean="0"/>
-              <a:pPr/>
               <a:t>2016/7/11</a:t>
             </a:fld>
-            <a:endParaRPr lang="zh-TW" altLang="en-US" dirty="0"/>
+            <a:endParaRPr lang="zh-TW" altLang="en-US"/>
           </a:p>
         </p:txBody>
       </p:sp>
       <p:sp>
         <p:nvSpPr>
-          <p:cNvPr id="4" name="投影片編號版面配置區 3"/>
+          <p:cNvPr id="5" name="投影片編號版面配置區 4"/>
           <p:cNvSpPr>
             <a:spLocks noGrp="1"/>
           </p:cNvSpPr>
@@ -12250,7 +15241,6 @@
           <a:p>
             <a:fld id="{420AFBEC-07C3-4955-862B-EFDB12C88779}" type="slidenum">
               <a:rPr lang="zh-TW" altLang="en-US" smtClean="0"/>
-              <a:pPr/>
               <a:t>38</a:t>
             </a:fld>
             <a:endParaRPr lang="zh-TW" altLang="en-US"/>
@@ -12260,7 +15250,7 @@
     </p:spTree>
     <p:extLst>
       <p:ext uri="{BB962C8B-B14F-4D97-AF65-F5344CB8AC3E}">
-        <p14:creationId xmlns:p14="http://schemas.microsoft.com/office/powerpoint/2010/main" val="2357847597"/>
+        <p14:creationId xmlns:p14="http://schemas.microsoft.com/office/powerpoint/2010/main" val="3318426087"/>
       </p:ext>
     </p:extLst>
   </p:cSld>
@@ -12296,7 +15286,7 @@
       </p:grpSpPr>
       <p:sp>
         <p:nvSpPr>
-          <p:cNvPr id="2" name="標題 1"/>
+          <p:cNvPr id="6" name="標題 5"/>
           <p:cNvSpPr>
             <a:spLocks noGrp="1"/>
           </p:cNvSpPr>
@@ -12310,99 +15300,12 @@
           <a:lstStyle/>
           <a:p>
             <a:r>
-              <a:rPr lang="zh-TW" altLang="en-US" dirty="0" smtClean="0"/>
-              <a:t>創新創業</a:t>
-            </a:r>
-            <a:endParaRPr lang="zh-TW" altLang="en-US" dirty="0"/>
-          </a:p>
-        </p:txBody>
-      </p:sp>
-      <p:sp>
-        <p:nvSpPr>
-          <p:cNvPr id="3" name="內容版面配置區 2"/>
-          <p:cNvSpPr>
-            <a:spLocks noGrp="1"/>
-          </p:cNvSpPr>
-          <p:nvPr>
-            <p:ph idx="1"/>
-          </p:nvPr>
-        </p:nvSpPr>
-        <p:spPr/>
-        <p:txBody>
-          <a:bodyPr/>
-          <a:lstStyle/>
-          <a:p>
-            <a:r>
-              <a:rPr lang="zh-TW" altLang="en-US" dirty="0" smtClean="0"/>
-              <a:t>施政方針</a:t>
-            </a:r>
-            <a:endParaRPr lang="en-US" altLang="zh-TW" dirty="0" smtClean="0"/>
-          </a:p>
-          <a:p>
-            <a:pPr lvl="1"/>
-            <a:r>
-              <a:rPr lang="zh-TW" altLang="en-US" b="1" dirty="0"/>
-              <a:t>短期</a:t>
-            </a:r>
-            <a:r>
-              <a:rPr lang="zh-TW" altLang="en-US" dirty="0" smtClean="0"/>
-              <a:t>：「</a:t>
-            </a:r>
-            <a:r>
-              <a:rPr lang="zh-TW" altLang="en-US" dirty="0"/>
-              <a:t>金融科技發展基金」委外執行機構推動金融科技創新創業計畫，以科技加值、培育加速、資金補助的資源整合輔導方式，每年至少輔導</a:t>
-            </a:r>
-            <a:r>
-              <a:rPr lang="en-US" altLang="zh-TW" dirty="0"/>
-              <a:t>20</a:t>
-            </a:r>
-            <a:r>
-              <a:rPr lang="zh-TW" altLang="en-US" dirty="0"/>
-              <a:t>案，</a:t>
-            </a:r>
-            <a:r>
-              <a:rPr lang="en-US" altLang="zh-TW" dirty="0"/>
-              <a:t>3</a:t>
-            </a:r>
-            <a:r>
-              <a:rPr lang="zh-TW" altLang="en-US" dirty="0"/>
-              <a:t>年至少輔導</a:t>
-            </a:r>
-            <a:r>
-              <a:rPr lang="en-US" altLang="zh-TW" dirty="0"/>
-              <a:t>60</a:t>
-            </a:r>
-            <a:r>
-              <a:rPr lang="zh-TW" altLang="en-US" dirty="0"/>
-              <a:t>案</a:t>
-            </a:r>
-            <a:r>
-              <a:rPr lang="zh-TW" altLang="en-US" dirty="0" smtClean="0"/>
-              <a:t>。</a:t>
-            </a:r>
-            <a:endParaRPr lang="en-US" altLang="zh-TW" dirty="0" smtClean="0"/>
-          </a:p>
-          <a:p>
-            <a:pPr lvl="1"/>
-            <a:r>
-              <a:rPr lang="zh-TW" altLang="en-US" b="1" dirty="0"/>
-              <a:t>中長期</a:t>
-            </a:r>
-            <a:r>
-              <a:rPr lang="zh-TW" altLang="en-US" dirty="0"/>
-              <a:t>：整合國內外相關金融科技創新中心資源，建立與全球金融科技創新網絡單一對口的金融科技創新</a:t>
-            </a:r>
-            <a:r>
-              <a:rPr lang="zh-TW" altLang="en-US" u="sng" dirty="0"/>
-              <a:t>育成</a:t>
-            </a:r>
-            <a:r>
-              <a:rPr lang="zh-TW" altLang="en-US" u="sng" dirty="0" smtClean="0"/>
-              <a:t>中心</a:t>
-            </a:r>
-            <a:r>
-              <a:rPr lang="zh-TW" altLang="en-US" dirty="0" smtClean="0"/>
-              <a:t>。</a:t>
+              <a:rPr lang="en-US" altLang="zh-TW" dirty="0" smtClean="0"/>
+              <a:t>IV. </a:t>
+            </a:r>
+            <a:r>
+              <a:rPr lang="zh-TW" altLang="en-US" dirty="0" smtClean="0"/>
+              <a:t>基礎面</a:t>
             </a:r>
             <a:endParaRPr lang="zh-TW" altLang="en-US" dirty="0"/>
           </a:p>
@@ -12457,7 +15360,7 @@
     </p:spTree>
     <p:extLst>
       <p:ext uri="{BB962C8B-B14F-4D97-AF65-F5344CB8AC3E}">
-        <p14:creationId xmlns:p14="http://schemas.microsoft.com/office/powerpoint/2010/main" val="3318426087"/>
+        <p14:creationId xmlns:p14="http://schemas.microsoft.com/office/powerpoint/2010/main" val="303037878"/>
       </p:ext>
     </p:extLst>
   </p:cSld>
@@ -12598,11 +15501,7 @@
             </a:r>
             <a:r>
               <a:rPr lang="zh-TW" altLang="en-US" dirty="0" smtClean="0"/>
-              <a:t> </a:t>
-            </a:r>
-            <a:r>
-              <a:rPr lang="zh-TW" altLang="en-US" dirty="0" smtClean="0"/>
-              <a:t>國際連</a:t>
+              <a:t> 國際連</a:t>
             </a:r>
             <a:r>
               <a:rPr lang="en-US" altLang="zh-TW" dirty="0" smtClean="0"/>
@@ -12614,11 +15513,7 @@
             </a:r>
             <a:r>
               <a:rPr lang="en-US" altLang="zh-TW" dirty="0" smtClean="0"/>
-              <a:t>); </a:t>
-            </a:r>
-            <a:r>
-              <a:rPr lang="en-US" altLang="zh-TW" dirty="0" smtClean="0"/>
-              <a:t>5th: </a:t>
+              <a:t>); 5th: </a:t>
             </a:r>
             <a:r>
               <a:rPr lang="zh-TW" altLang="en-US" dirty="0" smtClean="0"/>
@@ -12695,23 +15590,7 @@
             <a:pPr lvl="1"/>
             <a:r>
               <a:rPr lang="zh-TW" altLang="en-US" dirty="0" smtClean="0"/>
-              <a:t>資料</a:t>
-            </a:r>
-            <a:r>
-              <a:rPr lang="zh-TW" altLang="en-US" dirty="0" smtClean="0"/>
-              <a:t>應用、雲端科技、機械學習、生物辨識</a:t>
-            </a:r>
-            <a:r>
-              <a:rPr lang="zh-TW" altLang="en-US" dirty="0" smtClean="0"/>
-              <a:t>、理財</a:t>
-            </a:r>
-            <a:r>
-              <a:rPr lang="zh-TW" altLang="en-US" dirty="0" smtClean="0"/>
-              <a:t>顧問、區塊</a:t>
-            </a:r>
-            <a:r>
-              <a:rPr lang="zh-TW" altLang="en-US" dirty="0" smtClean="0"/>
-              <a:t>鏈。</a:t>
+              <a:t>資料應用、雲端科技、機械學習、生物辨識、理財顧問、區塊鏈。</a:t>
             </a:r>
             <a:endParaRPr lang="zh-TW" altLang="en-US" dirty="0"/>
           </a:p>
@@ -12802,7 +15681,7 @@
       </p:grpSpPr>
       <p:sp>
         <p:nvSpPr>
-          <p:cNvPr id="6" name="標題 5"/>
+          <p:cNvPr id="5" name="標題 4"/>
           <p:cNvSpPr>
             <a:spLocks noGrp="1"/>
           </p:cNvSpPr>
@@ -12816,12 +15695,8 @@
           <a:lstStyle/>
           <a:p>
             <a:r>
-              <a:rPr lang="en-US" altLang="zh-TW" dirty="0" smtClean="0"/>
-              <a:t>IV. </a:t>
-            </a:r>
-            <a:r>
-              <a:rPr lang="zh-TW" altLang="en-US" dirty="0" smtClean="0"/>
-              <a:t>基礎面</a:t>
+              <a:rPr lang="zh-TW" altLang="en-US" dirty="0" smtClean="0"/>
+              <a:t>區塊鏈</a:t>
             </a:r>
             <a:endParaRPr lang="zh-TW" altLang="en-US" dirty="0"/>
           </a:p>
@@ -12829,7 +15704,268 @@
       </p:sp>
       <p:sp>
         <p:nvSpPr>
-          <p:cNvPr id="4" name="日期版面配置區 3"/>
+          <p:cNvPr id="6" name="內容版面配置區 5"/>
+          <p:cNvSpPr>
+            <a:spLocks noGrp="1"/>
+          </p:cNvSpPr>
+          <p:nvPr>
+            <p:ph idx="1"/>
+          </p:nvPr>
+        </p:nvSpPr>
+        <p:spPr/>
+        <p:txBody>
+          <a:bodyPr/>
+          <a:lstStyle/>
+          <a:p>
+            <a:r>
+              <a:rPr lang="zh-TW" altLang="en-US" dirty="0" smtClean="0"/>
+              <a:t>國外趨勢</a:t>
+            </a:r>
+            <a:endParaRPr lang="en-US" altLang="zh-TW" dirty="0" smtClean="0"/>
+          </a:p>
+          <a:p>
+            <a:pPr lvl="1"/>
+            <a:r>
+              <a:rPr lang="zh-TW" altLang="en-US" dirty="0" smtClean="0"/>
+              <a:t>私有</a:t>
+            </a:r>
+            <a:r>
+              <a:rPr lang="zh-TW" altLang="en-US" dirty="0"/>
+              <a:t>化區塊鏈技術</a:t>
+            </a:r>
+            <a:r>
+              <a:rPr lang="zh-TW" altLang="en-US" dirty="0" smtClean="0"/>
+              <a:t>，用來</a:t>
+            </a:r>
+            <a:r>
+              <a:rPr lang="zh-TW" altLang="en-US" dirty="0"/>
+              <a:t>執行政府的</a:t>
+            </a:r>
+            <a:r>
+              <a:rPr lang="en-US" altLang="zh-TW" dirty="0"/>
+              <a:t>KYC</a:t>
+            </a:r>
+            <a:r>
+              <a:rPr lang="zh-TW" altLang="en-US" dirty="0"/>
+              <a:t>及反洗錢規管要求</a:t>
+            </a:r>
+            <a:r>
+              <a:rPr lang="zh-TW" altLang="en-US" dirty="0" smtClean="0"/>
+              <a:t>。</a:t>
+            </a:r>
+            <a:endParaRPr lang="en-US" altLang="zh-TW" dirty="0" smtClean="0"/>
+          </a:p>
+          <a:p>
+            <a:pPr lvl="1"/>
+            <a:r>
+              <a:rPr lang="zh-TW" altLang="en-US" dirty="0"/>
+              <a:t>解決金融機構間同步交易分錄耗費大量時間之問題</a:t>
+            </a:r>
+            <a:r>
+              <a:rPr lang="zh-TW" altLang="en-US" dirty="0" smtClean="0"/>
+              <a:t>。</a:t>
+            </a:r>
+            <a:endParaRPr lang="en-US" altLang="zh-TW" dirty="0" smtClean="0"/>
+          </a:p>
+          <a:p>
+            <a:pPr lvl="1"/>
+            <a:r>
+              <a:rPr lang="zh-TW" altLang="en-US" dirty="0"/>
+              <a:t>智能契約可根據交易雙方商定的條件和語法自動產生</a:t>
+            </a:r>
+            <a:r>
+              <a:rPr lang="zh-TW" altLang="en-US" dirty="0" smtClean="0"/>
+              <a:t>契約。</a:t>
+            </a:r>
+            <a:endParaRPr lang="en-US" altLang="zh-TW" dirty="0" smtClean="0"/>
+          </a:p>
+          <a:p>
+            <a:pPr lvl="1"/>
+            <a:r>
+              <a:rPr lang="zh-TW" altLang="en-US" dirty="0"/>
+              <a:t>聯合貸款與群眾募資可採用智能契約自動執行契約條款</a:t>
+            </a:r>
+            <a:r>
+              <a:rPr lang="zh-TW" altLang="en-US" dirty="0" smtClean="0"/>
+              <a:t>。</a:t>
+            </a:r>
+            <a:endParaRPr lang="en-US" altLang="zh-TW" dirty="0" smtClean="0"/>
+          </a:p>
+          <a:p>
+            <a:pPr lvl="1"/>
+            <a:r>
+              <a:rPr lang="en-US" altLang="zh-TW" dirty="0" smtClean="0"/>
+              <a:t>2015</a:t>
+            </a:r>
+            <a:r>
+              <a:rPr lang="zh-TW" altLang="en-US" dirty="0" smtClean="0"/>
+              <a:t>年</a:t>
+            </a:r>
+            <a:r>
+              <a:rPr lang="en-US" altLang="zh-TW" dirty="0" smtClean="0"/>
+              <a:t>NASDAQ</a:t>
+            </a:r>
+            <a:r>
+              <a:rPr lang="zh-TW" altLang="en-US" dirty="0" smtClean="0"/>
+              <a:t>和</a:t>
+            </a:r>
+            <a:r>
+              <a:rPr lang="en-US" altLang="zh-TW" dirty="0" smtClean="0"/>
+              <a:t>Chain Corp.</a:t>
+            </a:r>
+            <a:r>
+              <a:rPr lang="zh-TW" altLang="en-US" dirty="0" smtClean="0"/>
+              <a:t>合作，建立染色硬幣</a:t>
+            </a:r>
+            <a:r>
+              <a:rPr lang="en-US" altLang="zh-TW" dirty="0" smtClean="0"/>
+              <a:t>(Colored Coins)</a:t>
+            </a:r>
+            <a:r>
+              <a:rPr lang="zh-TW" altLang="en-US" dirty="0" smtClean="0"/>
+              <a:t> ，</a:t>
+            </a:r>
+            <a:r>
+              <a:rPr lang="zh-TW" altLang="en-US" dirty="0"/>
+              <a:t>建構開放式資產</a:t>
+            </a:r>
+            <a:r>
+              <a:rPr lang="zh-TW" altLang="en-US" dirty="0" smtClean="0"/>
+              <a:t>協定，加強</a:t>
+            </a:r>
+            <a:r>
+              <a:rPr lang="zh-TW" altLang="en-US" dirty="0"/>
+              <a:t>其私募市場</a:t>
+            </a:r>
+            <a:r>
+              <a:rPr lang="zh-TW" altLang="en-US" dirty="0" smtClean="0"/>
+              <a:t>平台的</a:t>
+            </a:r>
+            <a:r>
+              <a:rPr lang="zh-TW" altLang="en-US" dirty="0"/>
+              <a:t>應用</a:t>
+            </a:r>
+            <a:r>
+              <a:rPr lang="zh-TW" altLang="en-US" dirty="0" smtClean="0"/>
+              <a:t>。</a:t>
+            </a:r>
+            <a:endParaRPr lang="en-US" altLang="zh-TW" dirty="0" smtClean="0"/>
+          </a:p>
+          <a:p>
+            <a:pPr lvl="2"/>
+            <a:r>
+              <a:rPr lang="en-US" altLang="zh-TW" i="1" dirty="0" smtClean="0"/>
+              <a:t>[Wikipedia]</a:t>
+            </a:r>
+            <a:r>
+              <a:rPr lang="en-US" altLang="zh-TW" dirty="0" smtClean="0"/>
+              <a:t>: </a:t>
+            </a:r>
+            <a:r>
+              <a:rPr lang="en-US" altLang="zh-TW" dirty="0" err="1" smtClean="0"/>
+              <a:t>Bitcoin's</a:t>
+            </a:r>
+            <a:r>
+              <a:rPr lang="en-US" altLang="zh-TW" dirty="0" smtClean="0"/>
+              <a:t> </a:t>
+            </a:r>
+            <a:r>
+              <a:rPr lang="en-US" altLang="zh-TW" dirty="0"/>
+              <a:t>scripting language allows to store small amounts of metadata on the </a:t>
+            </a:r>
+            <a:r>
+              <a:rPr lang="en-US" altLang="zh-TW" dirty="0" err="1"/>
+              <a:t>blockchain</a:t>
+            </a:r>
+            <a:r>
+              <a:rPr lang="en-US" altLang="zh-TW" dirty="0"/>
+              <a:t>, which can be used to represent asset manipulation instructions</a:t>
+            </a:r>
+            <a:r>
+              <a:rPr lang="en-US" altLang="zh-TW" dirty="0" smtClean="0"/>
+              <a:t>.</a:t>
+            </a:r>
+          </a:p>
+          <a:p>
+            <a:r>
+              <a:rPr lang="zh-TW" altLang="en-US" dirty="0"/>
+              <a:t>施政</a:t>
+            </a:r>
+            <a:r>
+              <a:rPr lang="zh-TW" altLang="en-US" dirty="0" smtClean="0"/>
+              <a:t>方針</a:t>
+            </a:r>
+            <a:endParaRPr lang="en-US" altLang="zh-TW" dirty="0" smtClean="0"/>
+          </a:p>
+          <a:p>
+            <a:pPr lvl="1"/>
+            <a:r>
+              <a:rPr lang="zh-TW" altLang="en-US" dirty="0"/>
+              <a:t>台灣大學</a:t>
+            </a:r>
+            <a:r>
+              <a:rPr lang="en-US" altLang="zh-TW" dirty="0"/>
+              <a:t>2016.03</a:t>
+            </a:r>
+            <a:r>
+              <a:rPr lang="zh-TW" altLang="en-US" dirty="0"/>
+              <a:t>籌</a:t>
+            </a:r>
+            <a:r>
+              <a:rPr lang="zh-TW" altLang="en-US" dirty="0" smtClean="0"/>
+              <a:t>設「</a:t>
+            </a:r>
+            <a:r>
+              <a:rPr lang="zh-TW" altLang="en-US" dirty="0"/>
+              <a:t>國立臺灣大學金融科技暨區塊鏈中心</a:t>
+            </a:r>
+            <a:r>
+              <a:rPr lang="zh-TW" altLang="en-US" dirty="0" smtClean="0"/>
+              <a:t>」</a:t>
+            </a:r>
+            <a:endParaRPr lang="en-US" altLang="zh-TW" dirty="0" smtClean="0"/>
+          </a:p>
+          <a:p>
+            <a:pPr lvl="2"/>
+            <a:r>
+              <a:rPr lang="zh-TW" altLang="en-US" dirty="0" smtClean="0"/>
+              <a:t>涵蓋</a:t>
+            </a:r>
+            <a:r>
+              <a:rPr lang="zh-TW" altLang="en-US" dirty="0"/>
+              <a:t>理學院、電資學院、社科院、法律學院、及管理學院等相關</a:t>
+            </a:r>
+            <a:r>
+              <a:rPr lang="zh-TW" altLang="en-US" dirty="0" smtClean="0"/>
+              <a:t>領域。</a:t>
+            </a:r>
+            <a:endParaRPr lang="en-US" altLang="zh-TW" dirty="0" smtClean="0"/>
+          </a:p>
+          <a:p>
+            <a:pPr lvl="1"/>
+            <a:r>
+              <a:rPr lang="zh-TW" altLang="en-US" dirty="0"/>
+              <a:t>各周邊單位與相關金融智庫，</a:t>
+            </a:r>
+            <a:r>
+              <a:rPr lang="zh-TW" altLang="en-US" dirty="0" smtClean="0"/>
+              <a:t>辦理區</a:t>
+            </a:r>
+            <a:r>
+              <a:rPr lang="zh-TW" altLang="en-US" dirty="0"/>
+              <a:t>塊鏈研討會等</a:t>
+            </a:r>
+            <a:r>
+              <a:rPr lang="zh-TW" altLang="en-US" dirty="0" smtClean="0"/>
+              <a:t>課程或競賽。</a:t>
+            </a:r>
+            <a:endParaRPr lang="zh-TW" altLang="en-US" dirty="0"/>
+          </a:p>
+        </p:txBody>
+      </p:sp>
+      <p:sp>
+        <p:nvSpPr>
+          <p:cNvPr id="3" name="日期版面配置區 2"/>
           <p:cNvSpPr>
             <a:spLocks noGrp="1"/>
           </p:cNvSpPr>
@@ -12842,17 +15978,18 @@
           <a:bodyPr/>
           <a:lstStyle/>
           <a:p>
-            <a:fld id="{F5EB54BD-0855-4C71-B321-D9B65086D443}" type="datetime1">
+            <a:fld id="{E0DBF2A0-D569-4754-A181-EB6AFB346A11}" type="datetime1">
               <a:rPr lang="zh-TW" altLang="en-US" smtClean="0"/>
+              <a:pPr/>
               <a:t>2016/7/11</a:t>
             </a:fld>
-            <a:endParaRPr lang="zh-TW" altLang="en-US"/>
+            <a:endParaRPr lang="zh-TW" altLang="en-US" dirty="0"/>
           </a:p>
         </p:txBody>
       </p:sp>
       <p:sp>
         <p:nvSpPr>
-          <p:cNvPr id="5" name="投影片編號版面配置區 4"/>
+          <p:cNvPr id="4" name="投影片編號版面配置區 3"/>
           <p:cNvSpPr>
             <a:spLocks noGrp="1"/>
           </p:cNvSpPr>
@@ -12867,6 +16004,7 @@
           <a:p>
             <a:fld id="{420AFBEC-07C3-4955-862B-EFDB12C88779}" type="slidenum">
               <a:rPr lang="zh-TW" altLang="en-US" smtClean="0"/>
+              <a:pPr/>
               <a:t>40</a:t>
             </a:fld>
             <a:endParaRPr lang="zh-TW" altLang="en-US"/>
@@ -12876,7 +16014,7 @@
     </p:spTree>
     <p:extLst>
       <p:ext uri="{BB962C8B-B14F-4D97-AF65-F5344CB8AC3E}">
-        <p14:creationId xmlns:p14="http://schemas.microsoft.com/office/powerpoint/2010/main" val="303037878"/>
+        <p14:creationId xmlns:p14="http://schemas.microsoft.com/office/powerpoint/2010/main" val="1741769210"/>
       </p:ext>
     </p:extLst>
   </p:cSld>
@@ -12912,375 +16050,6 @@
       </p:grpSpPr>
       <p:sp>
         <p:nvSpPr>
-          <p:cNvPr id="5" name="標題 4"/>
-          <p:cNvSpPr>
-            <a:spLocks noGrp="1"/>
-          </p:cNvSpPr>
-          <p:nvPr>
-            <p:ph type="title"/>
-          </p:nvPr>
-        </p:nvSpPr>
-        <p:spPr/>
-        <p:txBody>
-          <a:bodyPr/>
-          <a:lstStyle/>
-          <a:p>
-            <a:r>
-              <a:rPr lang="zh-TW" altLang="en-US" dirty="0" smtClean="0"/>
-              <a:t>區塊鏈</a:t>
-            </a:r>
-            <a:endParaRPr lang="zh-TW" altLang="en-US" dirty="0"/>
-          </a:p>
-        </p:txBody>
-      </p:sp>
-      <p:sp>
-        <p:nvSpPr>
-          <p:cNvPr id="6" name="內容版面配置區 5"/>
-          <p:cNvSpPr>
-            <a:spLocks noGrp="1"/>
-          </p:cNvSpPr>
-          <p:nvPr>
-            <p:ph idx="1"/>
-          </p:nvPr>
-        </p:nvSpPr>
-        <p:spPr/>
-        <p:txBody>
-          <a:bodyPr/>
-          <a:lstStyle/>
-          <a:p>
-            <a:r>
-              <a:rPr lang="zh-TW" altLang="en-US" dirty="0" smtClean="0"/>
-              <a:t>國外趨勢</a:t>
-            </a:r>
-            <a:endParaRPr lang="en-US" altLang="zh-TW" dirty="0" smtClean="0"/>
-          </a:p>
-          <a:p>
-            <a:pPr lvl="1"/>
-            <a:r>
-              <a:rPr lang="zh-TW" altLang="en-US" dirty="0" smtClean="0"/>
-              <a:t>私有</a:t>
-            </a:r>
-            <a:r>
-              <a:rPr lang="zh-TW" altLang="en-US" dirty="0"/>
-              <a:t>化區塊鏈技術</a:t>
-            </a:r>
-            <a:r>
-              <a:rPr lang="zh-TW" altLang="en-US" dirty="0" smtClean="0"/>
-              <a:t>，用來</a:t>
-            </a:r>
-            <a:r>
-              <a:rPr lang="zh-TW" altLang="en-US" dirty="0"/>
-              <a:t>執行政府的</a:t>
-            </a:r>
-            <a:r>
-              <a:rPr lang="en-US" altLang="zh-TW" dirty="0"/>
-              <a:t>KYC</a:t>
-            </a:r>
-            <a:r>
-              <a:rPr lang="zh-TW" altLang="en-US" dirty="0"/>
-              <a:t>及反洗錢規管要求</a:t>
-            </a:r>
-            <a:r>
-              <a:rPr lang="zh-TW" altLang="en-US" dirty="0" smtClean="0"/>
-              <a:t>。</a:t>
-            </a:r>
-            <a:endParaRPr lang="en-US" altLang="zh-TW" dirty="0" smtClean="0"/>
-          </a:p>
-          <a:p>
-            <a:pPr lvl="1"/>
-            <a:r>
-              <a:rPr lang="zh-TW" altLang="en-US" dirty="0"/>
-              <a:t>解決金融機構間同步交易分錄耗費大量時間之問題</a:t>
-            </a:r>
-            <a:r>
-              <a:rPr lang="zh-TW" altLang="en-US" dirty="0" smtClean="0"/>
-              <a:t>。</a:t>
-            </a:r>
-            <a:endParaRPr lang="en-US" altLang="zh-TW" dirty="0" smtClean="0"/>
-          </a:p>
-          <a:p>
-            <a:pPr lvl="1"/>
-            <a:r>
-              <a:rPr lang="zh-TW" altLang="en-US" dirty="0"/>
-              <a:t>智能契約可根據交易雙方商定的條件和語法自動產生</a:t>
-            </a:r>
-            <a:r>
-              <a:rPr lang="zh-TW" altLang="en-US" dirty="0" smtClean="0"/>
-              <a:t>契約。</a:t>
-            </a:r>
-            <a:endParaRPr lang="en-US" altLang="zh-TW" dirty="0" smtClean="0"/>
-          </a:p>
-          <a:p>
-            <a:pPr lvl="1"/>
-            <a:r>
-              <a:rPr lang="zh-TW" altLang="en-US" dirty="0"/>
-              <a:t>聯合貸款與群眾募資可採用智能契約自動執行契約條款</a:t>
-            </a:r>
-            <a:r>
-              <a:rPr lang="zh-TW" altLang="en-US" dirty="0" smtClean="0"/>
-              <a:t>。</a:t>
-            </a:r>
-            <a:endParaRPr lang="en-US" altLang="zh-TW" dirty="0" smtClean="0"/>
-          </a:p>
-          <a:p>
-            <a:pPr lvl="1"/>
-            <a:r>
-              <a:rPr lang="en-US" altLang="zh-TW" dirty="0" smtClean="0"/>
-              <a:t>2015</a:t>
-            </a:r>
-            <a:r>
-              <a:rPr lang="zh-TW" altLang="en-US" dirty="0" smtClean="0"/>
-              <a:t>年</a:t>
-            </a:r>
-            <a:r>
-              <a:rPr lang="en-US" altLang="zh-TW" dirty="0" smtClean="0"/>
-              <a:t>NASDAQ</a:t>
-            </a:r>
-            <a:r>
-              <a:rPr lang="zh-TW" altLang="en-US" dirty="0" smtClean="0"/>
-              <a:t>和</a:t>
-            </a:r>
-            <a:r>
-              <a:rPr lang="en-US" altLang="zh-TW" dirty="0" smtClean="0"/>
-              <a:t>Chain Corp.</a:t>
-            </a:r>
-            <a:r>
-              <a:rPr lang="zh-TW" altLang="en-US" dirty="0" smtClean="0"/>
-              <a:t>合作，建立染色硬幣</a:t>
-            </a:r>
-            <a:r>
-              <a:rPr lang="en-US" altLang="zh-TW" dirty="0" smtClean="0"/>
-              <a:t>(Colored Coins)</a:t>
-            </a:r>
-            <a:r>
-              <a:rPr lang="zh-TW" altLang="en-US" dirty="0" smtClean="0"/>
-              <a:t> ，</a:t>
-            </a:r>
-            <a:r>
-              <a:rPr lang="zh-TW" altLang="en-US" dirty="0"/>
-              <a:t>建構開放式資產</a:t>
-            </a:r>
-            <a:r>
-              <a:rPr lang="zh-TW" altLang="en-US" dirty="0" smtClean="0"/>
-              <a:t>協定，加強</a:t>
-            </a:r>
-            <a:r>
-              <a:rPr lang="zh-TW" altLang="en-US" dirty="0"/>
-              <a:t>其私募市場</a:t>
-            </a:r>
-            <a:r>
-              <a:rPr lang="zh-TW" altLang="en-US" dirty="0" smtClean="0"/>
-              <a:t>平台的</a:t>
-            </a:r>
-            <a:r>
-              <a:rPr lang="zh-TW" altLang="en-US" dirty="0"/>
-              <a:t>應用</a:t>
-            </a:r>
-            <a:r>
-              <a:rPr lang="zh-TW" altLang="en-US" dirty="0" smtClean="0"/>
-              <a:t>。</a:t>
-            </a:r>
-            <a:endParaRPr lang="en-US" altLang="zh-TW" dirty="0" smtClean="0"/>
-          </a:p>
-          <a:p>
-            <a:pPr lvl="2"/>
-            <a:r>
-              <a:rPr lang="en-US" altLang="zh-TW" i="1" dirty="0" smtClean="0"/>
-              <a:t>[Wikipedia]</a:t>
-            </a:r>
-            <a:r>
-              <a:rPr lang="en-US" altLang="zh-TW" dirty="0" smtClean="0"/>
-              <a:t>: </a:t>
-            </a:r>
-            <a:r>
-              <a:rPr lang="en-US" altLang="zh-TW" dirty="0" err="1" smtClean="0"/>
-              <a:t>Bitcoin's</a:t>
-            </a:r>
-            <a:r>
-              <a:rPr lang="en-US" altLang="zh-TW" dirty="0" smtClean="0"/>
-              <a:t> </a:t>
-            </a:r>
-            <a:r>
-              <a:rPr lang="en-US" altLang="zh-TW" dirty="0"/>
-              <a:t>scripting language allows to store small amounts of metadata on the </a:t>
-            </a:r>
-            <a:r>
-              <a:rPr lang="en-US" altLang="zh-TW" dirty="0" err="1"/>
-              <a:t>blockchain</a:t>
-            </a:r>
-            <a:r>
-              <a:rPr lang="en-US" altLang="zh-TW" dirty="0"/>
-              <a:t>, which can be used to represent asset manipulation instructions</a:t>
-            </a:r>
-            <a:r>
-              <a:rPr lang="en-US" altLang="zh-TW" dirty="0" smtClean="0"/>
-              <a:t>.</a:t>
-            </a:r>
-          </a:p>
-          <a:p>
-            <a:r>
-              <a:rPr lang="zh-TW" altLang="en-US" dirty="0"/>
-              <a:t>施政</a:t>
-            </a:r>
-            <a:r>
-              <a:rPr lang="zh-TW" altLang="en-US" dirty="0" smtClean="0"/>
-              <a:t>方針</a:t>
-            </a:r>
-            <a:endParaRPr lang="en-US" altLang="zh-TW" dirty="0" smtClean="0"/>
-          </a:p>
-          <a:p>
-            <a:pPr lvl="1"/>
-            <a:r>
-              <a:rPr lang="zh-TW" altLang="en-US" dirty="0"/>
-              <a:t>台灣大學</a:t>
-            </a:r>
-            <a:r>
-              <a:rPr lang="en-US" altLang="zh-TW" dirty="0"/>
-              <a:t>2016.03</a:t>
-            </a:r>
-            <a:r>
-              <a:rPr lang="zh-TW" altLang="en-US" dirty="0"/>
-              <a:t>籌</a:t>
-            </a:r>
-            <a:r>
-              <a:rPr lang="zh-TW" altLang="en-US" dirty="0" smtClean="0"/>
-              <a:t>設「</a:t>
-            </a:r>
-            <a:r>
-              <a:rPr lang="zh-TW" altLang="en-US" dirty="0"/>
-              <a:t>國立臺灣大學金融科技暨區塊鏈中心</a:t>
-            </a:r>
-            <a:r>
-              <a:rPr lang="zh-TW" altLang="en-US" dirty="0" smtClean="0"/>
-              <a:t>」</a:t>
-            </a:r>
-            <a:endParaRPr lang="en-US" altLang="zh-TW" dirty="0" smtClean="0"/>
-          </a:p>
-          <a:p>
-            <a:pPr lvl="2"/>
-            <a:r>
-              <a:rPr lang="zh-TW" altLang="en-US" dirty="0" smtClean="0"/>
-              <a:t>涵蓋</a:t>
-            </a:r>
-            <a:r>
-              <a:rPr lang="zh-TW" altLang="en-US" dirty="0"/>
-              <a:t>理學院、電資學院、社科院、法律學院、及管理學院等相關</a:t>
-            </a:r>
-            <a:r>
-              <a:rPr lang="zh-TW" altLang="en-US" dirty="0" smtClean="0"/>
-              <a:t>領域。</a:t>
-            </a:r>
-            <a:endParaRPr lang="en-US" altLang="zh-TW" dirty="0" smtClean="0"/>
-          </a:p>
-          <a:p>
-            <a:pPr lvl="1"/>
-            <a:r>
-              <a:rPr lang="zh-TW" altLang="en-US" dirty="0"/>
-              <a:t>各周邊單位與相關金融智庫，</a:t>
-            </a:r>
-            <a:r>
-              <a:rPr lang="zh-TW" altLang="en-US" dirty="0" smtClean="0"/>
-              <a:t>辦理區</a:t>
-            </a:r>
-            <a:r>
-              <a:rPr lang="zh-TW" altLang="en-US" dirty="0"/>
-              <a:t>塊鏈研討會等</a:t>
-            </a:r>
-            <a:r>
-              <a:rPr lang="zh-TW" altLang="en-US" dirty="0" smtClean="0"/>
-              <a:t>課程或競賽。</a:t>
-            </a:r>
-            <a:endParaRPr lang="zh-TW" altLang="en-US" dirty="0"/>
-          </a:p>
-        </p:txBody>
-      </p:sp>
-      <p:sp>
-        <p:nvSpPr>
-          <p:cNvPr id="3" name="日期版面配置區 2"/>
-          <p:cNvSpPr>
-            <a:spLocks noGrp="1"/>
-          </p:cNvSpPr>
-          <p:nvPr>
-            <p:ph type="dt" sz="half" idx="10"/>
-          </p:nvPr>
-        </p:nvSpPr>
-        <p:spPr/>
-        <p:txBody>
-          <a:bodyPr/>
-          <a:lstStyle/>
-          <a:p>
-            <a:fld id="{E0DBF2A0-D569-4754-A181-EB6AFB346A11}" type="datetime1">
-              <a:rPr lang="zh-TW" altLang="en-US" smtClean="0"/>
-              <a:pPr/>
-              <a:t>2016/7/11</a:t>
-            </a:fld>
-            <a:endParaRPr lang="zh-TW" altLang="en-US" dirty="0"/>
-          </a:p>
-        </p:txBody>
-      </p:sp>
-      <p:sp>
-        <p:nvSpPr>
-          <p:cNvPr id="4" name="投影片編號版面配置區 3"/>
-          <p:cNvSpPr>
-            <a:spLocks noGrp="1"/>
-          </p:cNvSpPr>
-          <p:nvPr>
-            <p:ph type="sldNum" sz="quarter" idx="12"/>
-          </p:nvPr>
-        </p:nvSpPr>
-        <p:spPr/>
-        <p:txBody>
-          <a:bodyPr/>
-          <a:lstStyle/>
-          <a:p>
-            <a:fld id="{420AFBEC-07C3-4955-862B-EFDB12C88779}" type="slidenum">
-              <a:rPr lang="zh-TW" altLang="en-US" smtClean="0"/>
-              <a:pPr/>
-              <a:t>41</a:t>
-            </a:fld>
-            <a:endParaRPr lang="zh-TW" altLang="en-US"/>
-          </a:p>
-        </p:txBody>
-      </p:sp>
-    </p:spTree>
-    <p:extLst>
-      <p:ext uri="{BB962C8B-B14F-4D97-AF65-F5344CB8AC3E}">
-        <p14:creationId xmlns:p14="http://schemas.microsoft.com/office/powerpoint/2010/main" val="1741769210"/>
-      </p:ext>
-    </p:extLst>
-  </p:cSld>
-  <p:clrMapOvr>
-    <a:masterClrMapping/>
-  </p:clrMapOvr>
-  <p:timing>
-    <p:tnLst>
-      <p:par>
-        <p:cTn id="1" dur="indefinite" restart="never" nodeType="tmRoot"/>
-      </p:par>
-    </p:tnLst>
-  </p:timing>
-</p:sld>
-</file>
-
-<file path=ppt/slides/slide42.xml><?xml version="1.0" encoding="utf-8"?>
-<p:sld xmlns:a="http://schemas.openxmlformats.org/drawingml/2006/main" xmlns:r="http://schemas.openxmlformats.org/officeDocument/2006/relationships" xmlns:p="http://schemas.openxmlformats.org/presentationml/2006/main">
-  <p:cSld>
-    <p:spTree>
-      <p:nvGrpSpPr>
-        <p:cNvPr id="1" name=""/>
-        <p:cNvGrpSpPr/>
-        <p:nvPr/>
-      </p:nvGrpSpPr>
-      <p:grpSpPr>
-        <a:xfrm>
-          <a:off x="0" y="0"/>
-          <a:ext cx="0" cy="0"/>
-          <a:chOff x="0" y="0"/>
-          <a:chExt cx="0" cy="0"/>
-        </a:xfrm>
-      </p:grpSpPr>
-      <p:sp>
-        <p:nvSpPr>
           <p:cNvPr id="2" name="標題 1"/>
           <p:cNvSpPr>
             <a:spLocks noGrp="1"/>
@@ -13408,7 +16177,7 @@
           <a:p>
             <a:fld id="{420AFBEC-07C3-4955-862B-EFDB12C88779}" type="slidenum">
               <a:rPr lang="zh-TW" altLang="en-US" smtClean="0"/>
-              <a:t>42</a:t>
+              <a:t>41</a:t>
             </a:fld>
             <a:endParaRPr lang="zh-TW" altLang="en-US"/>
           </a:p>
@@ -13506,7 +16275,6 @@
               <a:rPr lang="zh-TW" altLang="en-US" dirty="0"/>
               <a:t>成功關鍵有四</a:t>
             </a:r>
-            <a:endParaRPr lang="zh-TW" altLang="en-US" dirty="0"/>
           </a:p>
         </p:txBody>
       </p:sp>
@@ -14850,11 +17618,11 @@
   <p:clrMapOvr>
     <a:masterClrMapping/>
   </p:clrMapOvr>
-  <mc:AlternateContent xmlns:mc="http://schemas.openxmlformats.org/markup-compatibility/2006">
-    <mc:Choice xmlns:p14="http://schemas.microsoft.com/office/powerpoint/2010/main" Requires="p14">
+  <mc:AlternateContent xmlns:mc="http://schemas.openxmlformats.org/markup-compatibility/2006" xmlns:p14="http://schemas.microsoft.com/office/powerpoint/2010/main">
+    <mc:Choice Requires="p14">
       <p:transition spd="slow" p14:dur="2000"/>
     </mc:Choice>
-    <mc:Fallback>
+    <mc:Fallback xmlns="">
       <p:transition spd="slow"/>
     </mc:Fallback>
   </mc:AlternateContent>
@@ -15522,16 +18290,6 @@
                 </a:rPr>
                 <a:t>大核心服務功能，探討國際發展趨勢與國內推動現況。 </a:t>
               </a:r>
-              <a:endParaRPr lang="zh-TW" altLang="en-US" sz="1600" dirty="0">
-                <a:solidFill>
-                  <a:schemeClr val="tx1">
-                    <a:lumMod val="75000"/>
-                    <a:lumOff val="25000"/>
-                  </a:schemeClr>
-                </a:solidFill>
-                <a:latin typeface="微軟正黑體" panose="020B0604030504040204" pitchFamily="34" charset="-120"/>
-                <a:ea typeface="微軟正黑體" panose="020B0604030504040204" pitchFamily="34" charset="-120"/>
-              </a:endParaRPr>
             </a:p>
           </p:txBody>
         </p:sp>
@@ -17042,16 +19800,6 @@
                 </a:rPr>
                 <a:t>大核心服務功能，探討國際發展趨勢與國內推動現況。 </a:t>
               </a:r>
-              <a:endParaRPr lang="zh-TW" altLang="en-US" sz="1600" dirty="0">
-                <a:solidFill>
-                  <a:schemeClr val="tx1">
-                    <a:lumMod val="75000"/>
-                    <a:lumOff val="25000"/>
-                  </a:schemeClr>
-                </a:solidFill>
-                <a:latin typeface="微軟正黑體" panose="020B0604030504040204" pitchFamily="34" charset="-120"/>
-                <a:ea typeface="微軟正黑體" panose="020B0604030504040204" pitchFamily="34" charset="-120"/>
-              </a:endParaRPr>
             </a:p>
           </p:txBody>
         </p:sp>
